--- a/Annisaa Adindra Daulay.pptx
+++ b/Annisaa Adindra Daulay.pptx
@@ -2,10 +2,16 @@
 <file path=ppt/presentation.xml><?xml version="1.0" encoding="utf-8"?>
 <p:presentation xmlns:a="http://schemas.openxmlformats.org/drawingml/2006/main" xmlns:r="http://schemas.openxmlformats.org/officeDocument/2006/relationships" xmlns:p="http://schemas.openxmlformats.org/presentationml/2006/main" saveSubsetFonts="1">
   <p:sldMasterIdLst>
-    <p:sldMasterId id="2147483648" r:id="rId1"/>
+    <p:sldMasterId id="2147483714" r:id="rId1"/>
   </p:sldMasterIdLst>
   <p:sldIdLst>
     <p:sldId id="256" r:id="rId2"/>
+    <p:sldId id="257" r:id="rId3"/>
+    <p:sldId id="258" r:id="rId4"/>
+    <p:sldId id="260" r:id="rId5"/>
+    <p:sldId id="261" r:id="rId6"/>
+    <p:sldId id="262" r:id="rId7"/>
+    <p:sldId id="263" r:id="rId8"/>
   </p:sldIdLst>
   <p:sldSz cx="12192000" cy="6858000"/>
   <p:notesSz cx="6858000" cy="9144000"/>
@@ -13,7 +19,7 @@
     <a:defPPr>
       <a:defRPr lang="en-US"/>
     </a:defPPr>
-    <a:lvl1pPr marL="0" algn="l" defTabSz="914400" rtl="0" eaLnBrk="1" latinLnBrk="0" hangingPunct="1">
+    <a:lvl1pPr marL="0" algn="l" defTabSz="457200" rtl="0" eaLnBrk="1" latinLnBrk="0" hangingPunct="1">
       <a:defRPr sz="1800" kern="1200">
         <a:solidFill>
           <a:schemeClr val="tx1"/>
@@ -23,7 +29,7 @@
         <a:cs typeface="+mn-cs"/>
       </a:defRPr>
     </a:lvl1pPr>
-    <a:lvl2pPr marL="457200" algn="l" defTabSz="914400" rtl="0" eaLnBrk="1" latinLnBrk="0" hangingPunct="1">
+    <a:lvl2pPr marL="457200" algn="l" defTabSz="457200" rtl="0" eaLnBrk="1" latinLnBrk="0" hangingPunct="1">
       <a:defRPr sz="1800" kern="1200">
         <a:solidFill>
           <a:schemeClr val="tx1"/>
@@ -33,7 +39,7 @@
         <a:cs typeface="+mn-cs"/>
       </a:defRPr>
     </a:lvl2pPr>
-    <a:lvl3pPr marL="914400" algn="l" defTabSz="914400" rtl="0" eaLnBrk="1" latinLnBrk="0" hangingPunct="1">
+    <a:lvl3pPr marL="914400" algn="l" defTabSz="457200" rtl="0" eaLnBrk="1" latinLnBrk="0" hangingPunct="1">
       <a:defRPr sz="1800" kern="1200">
         <a:solidFill>
           <a:schemeClr val="tx1"/>
@@ -43,7 +49,7 @@
         <a:cs typeface="+mn-cs"/>
       </a:defRPr>
     </a:lvl3pPr>
-    <a:lvl4pPr marL="1371600" algn="l" defTabSz="914400" rtl="0" eaLnBrk="1" latinLnBrk="0" hangingPunct="1">
+    <a:lvl4pPr marL="1371600" algn="l" defTabSz="457200" rtl="0" eaLnBrk="1" latinLnBrk="0" hangingPunct="1">
       <a:defRPr sz="1800" kern="1200">
         <a:solidFill>
           <a:schemeClr val="tx1"/>
@@ -53,7 +59,7 @@
         <a:cs typeface="+mn-cs"/>
       </a:defRPr>
     </a:lvl4pPr>
-    <a:lvl5pPr marL="1828800" algn="l" defTabSz="914400" rtl="0" eaLnBrk="1" latinLnBrk="0" hangingPunct="1">
+    <a:lvl5pPr marL="1828800" algn="l" defTabSz="457200" rtl="0" eaLnBrk="1" latinLnBrk="0" hangingPunct="1">
       <a:defRPr sz="1800" kern="1200">
         <a:solidFill>
           <a:schemeClr val="tx1"/>
@@ -63,7 +69,7 @@
         <a:cs typeface="+mn-cs"/>
       </a:defRPr>
     </a:lvl5pPr>
-    <a:lvl6pPr marL="2286000" algn="l" defTabSz="914400" rtl="0" eaLnBrk="1" latinLnBrk="0" hangingPunct="1">
+    <a:lvl6pPr marL="2286000" algn="l" defTabSz="457200" rtl="0" eaLnBrk="1" latinLnBrk="0" hangingPunct="1">
       <a:defRPr sz="1800" kern="1200">
         <a:solidFill>
           <a:schemeClr val="tx1"/>
@@ -73,7 +79,7 @@
         <a:cs typeface="+mn-cs"/>
       </a:defRPr>
     </a:lvl6pPr>
-    <a:lvl7pPr marL="2743200" algn="l" defTabSz="914400" rtl="0" eaLnBrk="1" latinLnBrk="0" hangingPunct="1">
+    <a:lvl7pPr marL="2743200" algn="l" defTabSz="457200" rtl="0" eaLnBrk="1" latinLnBrk="0" hangingPunct="1">
       <a:defRPr sz="1800" kern="1200">
         <a:solidFill>
           <a:schemeClr val="tx1"/>
@@ -83,7 +89,7 @@
         <a:cs typeface="+mn-cs"/>
       </a:defRPr>
     </a:lvl7pPr>
-    <a:lvl8pPr marL="3200400" algn="l" defTabSz="914400" rtl="0" eaLnBrk="1" latinLnBrk="0" hangingPunct="1">
+    <a:lvl8pPr marL="3200400" algn="l" defTabSz="457200" rtl="0" eaLnBrk="1" latinLnBrk="0" hangingPunct="1">
       <a:defRPr sz="1800" kern="1200">
         <a:solidFill>
           <a:schemeClr val="tx1"/>
@@ -93,7 +99,7 @@
         <a:cs typeface="+mn-cs"/>
       </a:defRPr>
     </a:lvl8pPr>
-    <a:lvl9pPr marL="3657600" algn="l" defTabSz="914400" rtl="0" eaLnBrk="1" latinLnBrk="0" hangingPunct="1">
+    <a:lvl9pPr marL="3657600" algn="l" defTabSz="457200" rtl="0" eaLnBrk="1" latinLnBrk="0" hangingPunct="1">
       <a:defRPr sz="1800" kern="1200">
         <a:solidFill>
           <a:schemeClr val="tx1"/>
@@ -104,6 +110,11 @@
       </a:defRPr>
     </a:lvl9pPr>
   </p:defaultTextStyle>
+  <p:extLst>
+    <p:ext uri="{EFAFB233-063F-42B5-8137-9DF3F51BA10A}">
+      <p15:sldGuideLst xmlns:p15="http://schemas.microsoft.com/office/powerpoint/2012/main"/>
+    </p:ext>
+  </p:extLst>
 </p:presentation>
 </file>
 
@@ -126,115 +137,229 @@
       </p:grpSpPr>
       <p:sp>
         <p:nvSpPr>
-          <p:cNvPr id="2" name="Title 1"/>
-          <p:cNvSpPr>
-            <a:spLocks noGrp="1"/>
-          </p:cNvSpPr>
-          <p:nvPr>
-            <p:ph type="ctrTitle"/>
-          </p:nvPr>
+          <p:cNvPr id="7" name="Rectangle 6"/>
+          <p:cNvSpPr/>
+          <p:nvPr/>
         </p:nvSpPr>
         <p:spPr>
           <a:xfrm>
-            <a:off x="1524000" y="1122363"/>
-            <a:ext cx="9144000" cy="2387600"/>
+            <a:off x="446534" y="3085765"/>
+            <a:ext cx="11262866" cy="3304800"/>
+          </a:xfrm>
+          <a:prstGeom prst="rect">
+            <a:avLst/>
+          </a:prstGeom>
+          <a:solidFill>
+            <a:schemeClr val="accent1"/>
+          </a:solidFill>
+          <a:ln>
+            <a:noFill/>
+          </a:ln>
+          <a:effectLst/>
+        </p:spPr>
+        <p:style>
+          <a:lnRef idx="1">
+            <a:schemeClr val="accent1"/>
+          </a:lnRef>
+          <a:fillRef idx="3">
+            <a:schemeClr val="accent1"/>
+          </a:fillRef>
+          <a:effectRef idx="2">
+            <a:schemeClr val="accent1"/>
+          </a:effectRef>
+          <a:fontRef idx="minor">
+            <a:schemeClr val="lt1"/>
+          </a:fontRef>
+        </p:style>
+      </p:sp>
+      <p:sp>
+        <p:nvSpPr>
+          <p:cNvPr id="2" name="Title 1"/>
+          <p:cNvSpPr>
+            <a:spLocks noGrp="1"/>
+          </p:cNvSpPr>
+          <p:nvPr>
+            <p:ph type="ctrTitle"/>
+          </p:nvPr>
+        </p:nvSpPr>
+        <p:spPr>
+          <a:xfrm>
+            <a:off x="581191" y="1020431"/>
+            <a:ext cx="10993549" cy="1475013"/>
+          </a:xfrm>
+          <a:effectLst/>
+        </p:spPr>
+        <p:txBody>
+          <a:bodyPr anchor="b">
+            <a:normAutofit/>
+          </a:bodyPr>
+          <a:lstStyle>
+            <a:lvl1pPr>
+              <a:defRPr sz="3600">
+                <a:solidFill>
+                  <a:schemeClr val="accent1"/>
+                </a:solidFill>
+              </a:defRPr>
+            </a:lvl1pPr>
+          </a:lstStyle>
+          <a:p>
+            <a:r>
+              <a:rPr lang="en-US" smtClean="0"/>
+              <a:t>Click to edit Master title style</a:t>
+            </a:r>
+            <a:endParaRPr lang="en-US" dirty="0"/>
+          </a:p>
+        </p:txBody>
+      </p:sp>
+      <p:sp>
+        <p:nvSpPr>
+          <p:cNvPr id="3" name="Subtitle 2"/>
+          <p:cNvSpPr>
+            <a:spLocks noGrp="1"/>
+          </p:cNvSpPr>
+          <p:nvPr>
+            <p:ph type="subTitle" idx="1"/>
+          </p:nvPr>
+        </p:nvSpPr>
+        <p:spPr>
+          <a:xfrm>
+            <a:off x="581194" y="2495445"/>
+            <a:ext cx="10993546" cy="590321"/>
           </a:xfrm>
         </p:spPr>
         <p:txBody>
-          <a:bodyPr anchor="b"/>
+          <a:bodyPr anchor="t">
+            <a:normAutofit/>
+          </a:bodyPr>
           <a:lstStyle>
-            <a:lvl1pPr algn="ctr">
-              <a:defRPr sz="6000"/>
+            <a:lvl1pPr marL="0" indent="0" algn="l">
+              <a:buNone/>
+              <a:defRPr sz="1600" cap="all">
+                <a:solidFill>
+                  <a:schemeClr val="accent2"/>
+                </a:solidFill>
+              </a:defRPr>
+            </a:lvl1pPr>
+            <a:lvl2pPr marL="457200" indent="0" algn="ctr">
+              <a:buNone/>
+              <a:defRPr>
+                <a:solidFill>
+                  <a:schemeClr val="tx1">
+                    <a:tint val="75000"/>
+                  </a:schemeClr>
+                </a:solidFill>
+              </a:defRPr>
+            </a:lvl2pPr>
+            <a:lvl3pPr marL="914400" indent="0" algn="ctr">
+              <a:buNone/>
+              <a:defRPr>
+                <a:solidFill>
+                  <a:schemeClr val="tx1">
+                    <a:tint val="75000"/>
+                  </a:schemeClr>
+                </a:solidFill>
+              </a:defRPr>
+            </a:lvl3pPr>
+            <a:lvl4pPr marL="1371600" indent="0" algn="ctr">
+              <a:buNone/>
+              <a:defRPr>
+                <a:solidFill>
+                  <a:schemeClr val="tx1">
+                    <a:tint val="75000"/>
+                  </a:schemeClr>
+                </a:solidFill>
+              </a:defRPr>
+            </a:lvl4pPr>
+            <a:lvl5pPr marL="1828800" indent="0" algn="ctr">
+              <a:buNone/>
+              <a:defRPr>
+                <a:solidFill>
+                  <a:schemeClr val="tx1">
+                    <a:tint val="75000"/>
+                  </a:schemeClr>
+                </a:solidFill>
+              </a:defRPr>
+            </a:lvl5pPr>
+            <a:lvl6pPr marL="2286000" indent="0" algn="ctr">
+              <a:buNone/>
+              <a:defRPr>
+                <a:solidFill>
+                  <a:schemeClr val="tx1">
+                    <a:tint val="75000"/>
+                  </a:schemeClr>
+                </a:solidFill>
+              </a:defRPr>
+            </a:lvl6pPr>
+            <a:lvl7pPr marL="2743200" indent="0" algn="ctr">
+              <a:buNone/>
+              <a:defRPr>
+                <a:solidFill>
+                  <a:schemeClr val="tx1">
+                    <a:tint val="75000"/>
+                  </a:schemeClr>
+                </a:solidFill>
+              </a:defRPr>
+            </a:lvl7pPr>
+            <a:lvl8pPr marL="3200400" indent="0" algn="ctr">
+              <a:buNone/>
+              <a:defRPr>
+                <a:solidFill>
+                  <a:schemeClr val="tx1">
+                    <a:tint val="75000"/>
+                  </a:schemeClr>
+                </a:solidFill>
+              </a:defRPr>
+            </a:lvl8pPr>
+            <a:lvl9pPr marL="3657600" indent="0" algn="ctr">
+              <a:buNone/>
+              <a:defRPr>
+                <a:solidFill>
+                  <a:schemeClr val="tx1">
+                    <a:tint val="75000"/>
+                  </a:schemeClr>
+                </a:solidFill>
+              </a:defRPr>
+            </a:lvl9pPr>
+          </a:lstStyle>
+          <a:p>
+            <a:r>
+              <a:rPr lang="en-US" smtClean="0"/>
+              <a:t>Click to edit Master subtitle style</a:t>
+            </a:r>
+            <a:endParaRPr lang="en-US" dirty="0"/>
+          </a:p>
+        </p:txBody>
+      </p:sp>
+      <p:sp>
+        <p:nvSpPr>
+          <p:cNvPr id="4" name="Date Placeholder 3"/>
+          <p:cNvSpPr>
+            <a:spLocks noGrp="1"/>
+          </p:cNvSpPr>
+          <p:nvPr>
+            <p:ph type="dt" sz="half" idx="10"/>
+          </p:nvPr>
+        </p:nvSpPr>
+        <p:spPr>
+          <a:xfrm>
+            <a:off x="7605951" y="5956137"/>
+            <a:ext cx="2844800" cy="365125"/>
+          </a:xfrm>
+        </p:spPr>
+        <p:txBody>
+          <a:bodyPr/>
+          <a:lstStyle>
+            <a:lvl1pPr>
+              <a:defRPr>
+                <a:solidFill>
+                  <a:schemeClr val="accent1">
+                    <a:lumMod val="75000"/>
+                    <a:lumOff val="25000"/>
+                  </a:schemeClr>
+                </a:solidFill>
+              </a:defRPr>
             </a:lvl1pPr>
           </a:lstStyle>
-          <a:p>
-            <a:r>
-              <a:rPr lang="en-US" smtClean="0"/>
-              <a:t>Click to edit Master title style</a:t>
-            </a:r>
-            <a:endParaRPr lang="en-US"/>
-          </a:p>
-        </p:txBody>
-      </p:sp>
-      <p:sp>
-        <p:nvSpPr>
-          <p:cNvPr id="3" name="Subtitle 2"/>
-          <p:cNvSpPr>
-            <a:spLocks noGrp="1"/>
-          </p:cNvSpPr>
-          <p:nvPr>
-            <p:ph type="subTitle" idx="1"/>
-          </p:nvPr>
-        </p:nvSpPr>
-        <p:spPr>
-          <a:xfrm>
-            <a:off x="1524000" y="3602038"/>
-            <a:ext cx="9144000" cy="1655762"/>
-          </a:xfrm>
-        </p:spPr>
-        <p:txBody>
-          <a:bodyPr/>
-          <a:lstStyle>
-            <a:lvl1pPr marL="0" indent="0" algn="ctr">
-              <a:buNone/>
-              <a:defRPr sz="2400"/>
-            </a:lvl1pPr>
-            <a:lvl2pPr marL="457200" indent="0" algn="ctr">
-              <a:buNone/>
-              <a:defRPr sz="2000"/>
-            </a:lvl2pPr>
-            <a:lvl3pPr marL="914400" indent="0" algn="ctr">
-              <a:buNone/>
-              <a:defRPr sz="1800"/>
-            </a:lvl3pPr>
-            <a:lvl4pPr marL="1371600" indent="0" algn="ctr">
-              <a:buNone/>
-              <a:defRPr sz="1600"/>
-            </a:lvl4pPr>
-            <a:lvl5pPr marL="1828800" indent="0" algn="ctr">
-              <a:buNone/>
-              <a:defRPr sz="1600"/>
-            </a:lvl5pPr>
-            <a:lvl6pPr marL="2286000" indent="0" algn="ctr">
-              <a:buNone/>
-              <a:defRPr sz="1600"/>
-            </a:lvl6pPr>
-            <a:lvl7pPr marL="2743200" indent="0" algn="ctr">
-              <a:buNone/>
-              <a:defRPr sz="1600"/>
-            </a:lvl7pPr>
-            <a:lvl8pPr marL="3200400" indent="0" algn="ctr">
-              <a:buNone/>
-              <a:defRPr sz="1600"/>
-            </a:lvl8pPr>
-            <a:lvl9pPr marL="3657600" indent="0" algn="ctr">
-              <a:buNone/>
-              <a:defRPr sz="1600"/>
-            </a:lvl9pPr>
-          </a:lstStyle>
-          <a:p>
-            <a:r>
-              <a:rPr lang="en-US" smtClean="0"/>
-              <a:t>Click to edit Master subtitle style</a:t>
-            </a:r>
-            <a:endParaRPr lang="en-US"/>
-          </a:p>
-        </p:txBody>
-      </p:sp>
-      <p:sp>
-        <p:nvSpPr>
-          <p:cNvPr id="4" name="Date Placeholder 3"/>
-          <p:cNvSpPr>
-            <a:spLocks noGrp="1"/>
-          </p:cNvSpPr>
-          <p:nvPr>
-            <p:ph type="dt" sz="half" idx="10"/>
-          </p:nvPr>
-        </p:nvSpPr>
-        <p:spPr/>
-        <p:txBody>
-          <a:bodyPr/>
-          <a:lstStyle/>
           <a:p>
             <a:fld id="{5AA6EF1D-4F61-4C45-A839-E6A56AB1DCE3}" type="datetimeFigureOut">
               <a:rPr lang="en-US" smtClean="0"/>
@@ -254,10 +379,26 @@
             <p:ph type="ftr" sz="quarter" idx="11"/>
           </p:nvPr>
         </p:nvSpPr>
-        <p:spPr/>
+        <p:spPr>
+          <a:xfrm>
+            <a:off x="581192" y="5951811"/>
+            <a:ext cx="6917210" cy="365125"/>
+          </a:xfrm>
+        </p:spPr>
         <p:txBody>
           <a:bodyPr/>
-          <a:lstStyle/>
+          <a:lstStyle>
+            <a:lvl1pPr>
+              <a:defRPr>
+                <a:solidFill>
+                  <a:schemeClr val="accent1">
+                    <a:lumMod val="75000"/>
+                    <a:lumOff val="25000"/>
+                  </a:schemeClr>
+                </a:solidFill>
+              </a:defRPr>
+            </a:lvl1pPr>
+          </a:lstStyle>
           <a:p>
             <a:endParaRPr lang="en-US"/>
           </a:p>
@@ -273,10 +414,26 @@
             <p:ph type="sldNum" sz="quarter" idx="12"/>
           </p:nvPr>
         </p:nvSpPr>
-        <p:spPr/>
+        <p:spPr>
+          <a:xfrm>
+            <a:off x="10558300" y="5956137"/>
+            <a:ext cx="1016440" cy="365125"/>
+          </a:xfrm>
+        </p:spPr>
         <p:txBody>
           <a:bodyPr/>
-          <a:lstStyle/>
+          <a:lstStyle>
+            <a:lvl1pPr>
+              <a:defRPr>
+                <a:solidFill>
+                  <a:schemeClr val="accent1">
+                    <a:lumMod val="75000"/>
+                    <a:lumOff val="25000"/>
+                  </a:schemeClr>
+                </a:solidFill>
+              </a:defRPr>
+            </a:lvl1pPr>
+          </a:lstStyle>
           <a:p>
             <a:fld id="{AE6D0C63-3EF0-4A08-B9D7-7118B2621E28}" type="slidenum">
               <a:rPr lang="en-US" smtClean="0"/>
@@ -289,7 +446,7 @@
     </p:spTree>
     <p:extLst>
       <p:ext uri="{BB962C8B-B14F-4D97-AF65-F5344CB8AC3E}">
-        <p14:creationId xmlns:p14="http://schemas.microsoft.com/office/powerpoint/2010/main" val="4261196077"/>
+        <p14:creationId xmlns:p14="http://schemas.microsoft.com/office/powerpoint/2010/main" val="3433914050"/>
       </p:ext>
     </p:extLst>
   </p:cSld>
@@ -318,7 +475,46 @@
       </p:grpSpPr>
       <p:sp>
         <p:nvSpPr>
-          <p:cNvPr id="2" name="Title 1"/>
+          <p:cNvPr id="8" name="Rectangle 7"/>
+          <p:cNvSpPr>
+            <a:spLocks noChangeAspect="1"/>
+          </p:cNvSpPr>
+          <p:nvPr/>
+        </p:nvSpPr>
+        <p:spPr>
+          <a:xfrm>
+            <a:off x="440286" y="614407"/>
+            <a:ext cx="11309338" cy="1189298"/>
+          </a:xfrm>
+          <a:prstGeom prst="rect">
+            <a:avLst/>
+          </a:prstGeom>
+          <a:solidFill>
+            <a:schemeClr val="accent1"/>
+          </a:solidFill>
+          <a:ln>
+            <a:noFill/>
+          </a:ln>
+          <a:effectLst/>
+        </p:spPr>
+        <p:style>
+          <a:lnRef idx="1">
+            <a:schemeClr val="accent1"/>
+          </a:lnRef>
+          <a:fillRef idx="3">
+            <a:schemeClr val="accent1"/>
+          </a:fillRef>
+          <a:effectRef idx="2">
+            <a:schemeClr val="accent1"/>
+          </a:effectRef>
+          <a:fontRef idx="minor">
+            <a:schemeClr val="lt1"/>
+          </a:fontRef>
+        </p:style>
+      </p:sp>
+      <p:sp>
+        <p:nvSpPr>
+          <p:cNvPr id="9" name="Title 1"/>
           <p:cNvSpPr>
             <a:spLocks noGrp="1"/>
           </p:cNvSpPr>
@@ -326,7 +522,12 @@
             <p:ph type="title"/>
           </p:nvPr>
         </p:nvSpPr>
-        <p:spPr/>
+        <p:spPr>
+          <a:xfrm>
+            <a:off x="581192" y="702156"/>
+            <a:ext cx="11029616" cy="1013800"/>
+          </a:xfrm>
+        </p:spPr>
         <p:txBody>
           <a:bodyPr/>
           <a:lstStyle/>
@@ -335,7 +536,7 @@
               <a:rPr lang="en-US" smtClean="0"/>
               <a:t>Click to edit Master title style</a:t>
             </a:r>
-            <a:endParaRPr lang="en-US"/>
+            <a:endParaRPr lang="en-US" dirty="0"/>
           </a:p>
         </p:txBody>
       </p:sp>
@@ -351,8 +552,24 @@
         </p:nvSpPr>
         <p:spPr/>
         <p:txBody>
-          <a:bodyPr vert="eaVert"/>
-          <a:lstStyle/>
+          <a:bodyPr vert="eaVert" anchor="t"/>
+          <a:lstStyle>
+            <a:lvl1pPr algn="l">
+              <a:defRPr/>
+            </a:lvl1pPr>
+            <a:lvl2pPr algn="l">
+              <a:defRPr/>
+            </a:lvl2pPr>
+            <a:lvl3pPr algn="l">
+              <a:defRPr/>
+            </a:lvl3pPr>
+            <a:lvl4pPr algn="l">
+              <a:defRPr/>
+            </a:lvl4pPr>
+            <a:lvl5pPr algn="l">
+              <a:defRPr/>
+            </a:lvl5pPr>
+          </a:lstStyle>
           <a:p>
             <a:pPr lvl="0"/>
             <a:r>
@@ -387,7 +604,7 @@
               <a:rPr lang="en-US" smtClean="0"/>
               <a:t>Fifth level</a:t>
             </a:r>
-            <a:endParaRPr lang="en-US"/>
+            <a:endParaRPr lang="en-US" dirty="0"/>
           </a:p>
         </p:txBody>
       </p:sp>
@@ -459,7 +676,7 @@
     </p:spTree>
     <p:extLst>
       <p:ext uri="{BB962C8B-B14F-4D97-AF65-F5344CB8AC3E}">
-        <p14:creationId xmlns:p14="http://schemas.microsoft.com/office/powerpoint/2010/main" val="1082469870"/>
+        <p14:creationId xmlns:p14="http://schemas.microsoft.com/office/powerpoint/2010/main" val="819764784"/>
       </p:ext>
     </p:extLst>
   </p:cSld>
@@ -488,18 +705,57 @@
       </p:grpSpPr>
       <p:sp>
         <p:nvSpPr>
-          <p:cNvPr id="2" name="Vertical Title 1"/>
-          <p:cNvSpPr>
-            <a:spLocks noGrp="1"/>
-          </p:cNvSpPr>
-          <p:nvPr>
-            <p:ph type="title" orient="vert"/>
-          </p:nvPr>
+          <p:cNvPr id="7" name="Rectangle 6"/>
+          <p:cNvSpPr>
+            <a:spLocks noChangeAspect="1"/>
+          </p:cNvSpPr>
+          <p:nvPr/>
         </p:nvSpPr>
         <p:spPr>
           <a:xfrm>
-            <a:off x="8724900" y="365125"/>
-            <a:ext cx="2628900" cy="5811838"/>
+            <a:off x="8839201" y="599725"/>
+            <a:ext cx="2906817" cy="5816950"/>
+          </a:xfrm>
+          <a:prstGeom prst="rect">
+            <a:avLst/>
+          </a:prstGeom>
+          <a:solidFill>
+            <a:schemeClr val="accent1"/>
+          </a:solidFill>
+          <a:ln>
+            <a:noFill/>
+          </a:ln>
+          <a:effectLst/>
+        </p:spPr>
+        <p:style>
+          <a:lnRef idx="1">
+            <a:schemeClr val="accent1"/>
+          </a:lnRef>
+          <a:fillRef idx="3">
+            <a:schemeClr val="accent1"/>
+          </a:fillRef>
+          <a:effectRef idx="2">
+            <a:schemeClr val="accent1"/>
+          </a:effectRef>
+          <a:fontRef idx="minor">
+            <a:schemeClr val="lt1"/>
+          </a:fontRef>
+        </p:style>
+      </p:sp>
+      <p:sp>
+        <p:nvSpPr>
+          <p:cNvPr id="2" name="Vertical Title 1"/>
+          <p:cNvSpPr>
+            <a:spLocks noGrp="1"/>
+          </p:cNvSpPr>
+          <p:nvPr>
+            <p:ph type="title" orient="vert"/>
+          </p:nvPr>
+        </p:nvSpPr>
+        <p:spPr>
+          <a:xfrm>
+            <a:off x="8839201" y="675726"/>
+            <a:ext cx="2004164" cy="5183073"/>
           </a:xfrm>
         </p:spPr>
         <p:txBody>
@@ -510,7 +766,7 @@
               <a:rPr lang="en-US" smtClean="0"/>
               <a:t>Click to edit Master title style</a:t>
             </a:r>
-            <a:endParaRPr lang="en-US"/>
+            <a:endParaRPr lang="en-US" dirty="0"/>
           </a:p>
         </p:txBody>
       </p:sp>
@@ -526,12 +782,12 @@
         </p:nvSpPr>
         <p:spPr>
           <a:xfrm>
-            <a:off x="838200" y="365125"/>
-            <a:ext cx="7734300" cy="5811838"/>
+            <a:off x="774923" y="675726"/>
+            <a:ext cx="7896279" cy="5183073"/>
           </a:xfrm>
         </p:spPr>
         <p:txBody>
-          <a:bodyPr vert="eaVert"/>
+          <a:bodyPr vert="eaVert" anchor="t"/>
           <a:lstStyle/>
           <a:p>
             <a:pPr lvl="0"/>
@@ -567,7 +823,7 @@
               <a:rPr lang="en-US" smtClean="0"/>
               <a:t>Fifth level</a:t>
             </a:r>
-            <a:endParaRPr lang="en-US"/>
+            <a:endParaRPr lang="en-US" dirty="0"/>
           </a:p>
         </p:txBody>
       </p:sp>
@@ -581,10 +837,26 @@
             <p:ph type="dt" sz="half" idx="10"/>
           </p:nvPr>
         </p:nvSpPr>
-        <p:spPr/>
+        <p:spPr>
+          <a:xfrm>
+            <a:off x="8993673" y="5956137"/>
+            <a:ext cx="1328141" cy="365125"/>
+          </a:xfrm>
+        </p:spPr>
         <p:txBody>
           <a:bodyPr/>
-          <a:lstStyle/>
+          <a:lstStyle>
+            <a:lvl1pPr>
+              <a:defRPr>
+                <a:solidFill>
+                  <a:schemeClr val="accent1">
+                    <a:lumMod val="75000"/>
+                    <a:lumOff val="25000"/>
+                  </a:schemeClr>
+                </a:solidFill>
+              </a:defRPr>
+            </a:lvl1pPr>
+          </a:lstStyle>
           <a:p>
             <a:fld id="{5AA6EF1D-4F61-4C45-A839-E6A56AB1DCE3}" type="datetimeFigureOut">
               <a:rPr lang="en-US" smtClean="0"/>
@@ -604,7 +876,12 @@
             <p:ph type="ftr" sz="quarter" idx="11"/>
           </p:nvPr>
         </p:nvSpPr>
-        <p:spPr/>
+        <p:spPr>
+          <a:xfrm>
+            <a:off x="774923" y="5951811"/>
+            <a:ext cx="7896279" cy="365125"/>
+          </a:xfrm>
+        </p:spPr>
         <p:txBody>
           <a:bodyPr/>
           <a:lstStyle/>
@@ -623,10 +900,26 @@
             <p:ph type="sldNum" sz="quarter" idx="12"/>
           </p:nvPr>
         </p:nvSpPr>
-        <p:spPr/>
+        <p:spPr>
+          <a:xfrm>
+            <a:off x="10446615" y="5956137"/>
+            <a:ext cx="1164195" cy="365125"/>
+          </a:xfrm>
+        </p:spPr>
         <p:txBody>
           <a:bodyPr/>
-          <a:lstStyle/>
+          <a:lstStyle>
+            <a:lvl1pPr>
+              <a:defRPr>
+                <a:solidFill>
+                  <a:schemeClr val="accent1">
+                    <a:lumMod val="75000"/>
+                    <a:lumOff val="25000"/>
+                  </a:schemeClr>
+                </a:solidFill>
+              </a:defRPr>
+            </a:lvl1pPr>
+          </a:lstStyle>
           <a:p>
             <a:fld id="{AE6D0C63-3EF0-4A08-B9D7-7118B2621E28}" type="slidenum">
               <a:rPr lang="en-US" smtClean="0"/>
@@ -639,7 +932,7 @@
     </p:spTree>
     <p:extLst>
       <p:ext uri="{BB962C8B-B14F-4D97-AF65-F5344CB8AC3E}">
-        <p14:creationId xmlns:p14="http://schemas.microsoft.com/office/powerpoint/2010/main" val="1590984125"/>
+        <p14:creationId xmlns:p14="http://schemas.microsoft.com/office/powerpoint/2010/main" val="3120276195"/>
       </p:ext>
     </p:extLst>
   </p:cSld>
@@ -668,6 +961,45 @@
       </p:grpSpPr>
       <p:sp>
         <p:nvSpPr>
+          <p:cNvPr id="7" name="Rectangle 6"/>
+          <p:cNvSpPr>
+            <a:spLocks noChangeAspect="1"/>
+          </p:cNvSpPr>
+          <p:nvPr/>
+        </p:nvSpPr>
+        <p:spPr>
+          <a:xfrm>
+            <a:off x="440286" y="614407"/>
+            <a:ext cx="11309338" cy="1189298"/>
+          </a:xfrm>
+          <a:prstGeom prst="rect">
+            <a:avLst/>
+          </a:prstGeom>
+          <a:solidFill>
+            <a:schemeClr val="accent1"/>
+          </a:solidFill>
+          <a:ln>
+            <a:noFill/>
+          </a:ln>
+          <a:effectLst/>
+        </p:spPr>
+        <p:style>
+          <a:lnRef idx="1">
+            <a:schemeClr val="accent1"/>
+          </a:lnRef>
+          <a:fillRef idx="3">
+            <a:schemeClr val="accent1"/>
+          </a:fillRef>
+          <a:effectRef idx="2">
+            <a:schemeClr val="accent1"/>
+          </a:effectRef>
+          <a:fontRef idx="minor">
+            <a:schemeClr val="lt1"/>
+          </a:fontRef>
+        </p:style>
+      </p:sp>
+      <p:sp>
+        <p:nvSpPr>
           <p:cNvPr id="2" name="Title 1"/>
           <p:cNvSpPr>
             <a:spLocks noGrp="1"/>
@@ -676,7 +1008,12 @@
             <p:ph type="title"/>
           </p:nvPr>
         </p:nvSpPr>
-        <p:spPr/>
+        <p:spPr>
+          <a:xfrm>
+            <a:off x="581192" y="702156"/>
+            <a:ext cx="11029616" cy="1013800"/>
+          </a:xfrm>
+        </p:spPr>
         <p:txBody>
           <a:bodyPr/>
           <a:lstStyle/>
@@ -685,7 +1022,7 @@
               <a:rPr lang="en-US" smtClean="0"/>
               <a:t>Click to edit Master title style</a:t>
             </a:r>
-            <a:endParaRPr lang="en-US"/>
+            <a:endParaRPr lang="en-US" dirty="0"/>
           </a:p>
         </p:txBody>
       </p:sp>
@@ -699,7 +1036,12 @@
             <p:ph idx="1"/>
           </p:nvPr>
         </p:nvSpPr>
-        <p:spPr/>
+        <p:spPr>
+          <a:xfrm>
+            <a:off x="581192" y="2180496"/>
+            <a:ext cx="11029615" cy="3678303"/>
+          </a:xfrm>
+        </p:spPr>
         <p:txBody>
           <a:bodyPr/>
           <a:lstStyle/>
@@ -737,7 +1079,7 @@
               <a:rPr lang="en-US" smtClean="0"/>
               <a:t>Fifth level</a:t>
             </a:r>
-            <a:endParaRPr lang="en-US"/>
+            <a:endParaRPr lang="en-US" dirty="0"/>
           </a:p>
         </p:txBody>
       </p:sp>
@@ -793,7 +1135,12 @@
             <p:ph type="sldNum" sz="quarter" idx="12"/>
           </p:nvPr>
         </p:nvSpPr>
-        <p:spPr/>
+        <p:spPr>
+          <a:xfrm>
+            <a:off x="10558300" y="5956137"/>
+            <a:ext cx="1052508" cy="365125"/>
+          </a:xfrm>
+        </p:spPr>
         <p:txBody>
           <a:bodyPr/>
           <a:lstStyle/>
@@ -809,7 +1156,7 @@
     </p:spTree>
     <p:extLst>
       <p:ext uri="{BB962C8B-B14F-4D97-AF65-F5344CB8AC3E}">
-        <p14:creationId xmlns:p14="http://schemas.microsoft.com/office/powerpoint/2010/main" val="438469787"/>
+        <p14:creationId xmlns:p14="http://schemas.microsoft.com/office/powerpoint/2010/main" val="4123128726"/>
       </p:ext>
     </p:extLst>
   </p:cSld>
@@ -838,25 +1185,70 @@
       </p:grpSpPr>
       <p:sp>
         <p:nvSpPr>
-          <p:cNvPr id="2" name="Title 1"/>
-          <p:cNvSpPr>
-            <a:spLocks noGrp="1"/>
-          </p:cNvSpPr>
-          <p:nvPr>
-            <p:ph type="title"/>
-          </p:nvPr>
+          <p:cNvPr id="8" name="Rectangle 7"/>
+          <p:cNvSpPr>
+            <a:spLocks noChangeAspect="1"/>
+          </p:cNvSpPr>
+          <p:nvPr/>
         </p:nvSpPr>
         <p:spPr>
           <a:xfrm>
-            <a:off x="831850" y="1709738"/>
-            <a:ext cx="10515600" cy="2852737"/>
+            <a:off x="447817" y="5141974"/>
+            <a:ext cx="11290860" cy="1258827"/>
+          </a:xfrm>
+          <a:prstGeom prst="rect">
+            <a:avLst/>
+          </a:prstGeom>
+          <a:solidFill>
+            <a:schemeClr val="accent1"/>
+          </a:solidFill>
+          <a:ln>
+            <a:noFill/>
+          </a:ln>
+          <a:effectLst/>
+        </p:spPr>
+        <p:style>
+          <a:lnRef idx="1">
+            <a:schemeClr val="accent1"/>
+          </a:lnRef>
+          <a:fillRef idx="3">
+            <a:schemeClr val="accent1"/>
+          </a:fillRef>
+          <a:effectRef idx="2">
+            <a:schemeClr val="accent1"/>
+          </a:effectRef>
+          <a:fontRef idx="minor">
+            <a:schemeClr val="lt1"/>
+          </a:fontRef>
+        </p:style>
+      </p:sp>
+      <p:sp>
+        <p:nvSpPr>
+          <p:cNvPr id="2" name="Title 1"/>
+          <p:cNvSpPr>
+            <a:spLocks noGrp="1"/>
+          </p:cNvSpPr>
+          <p:nvPr>
+            <p:ph type="title"/>
+          </p:nvPr>
+        </p:nvSpPr>
+        <p:spPr>
+          <a:xfrm>
+            <a:off x="581193" y="3043910"/>
+            <a:ext cx="11029615" cy="1497507"/>
           </a:xfrm>
         </p:spPr>
         <p:txBody>
-          <a:bodyPr anchor="b"/>
+          <a:bodyPr anchor="b">
+            <a:normAutofit/>
+          </a:bodyPr>
           <a:lstStyle>
-            <a:lvl1pPr>
-              <a:defRPr sz="6000"/>
+            <a:lvl1pPr algn="l">
+              <a:defRPr sz="3600" b="0" cap="all">
+                <a:solidFill>
+                  <a:schemeClr val="accent1"/>
+                </a:solidFill>
+              </a:defRPr>
             </a:lvl1pPr>
           </a:lstStyle>
           <a:p>
@@ -864,7 +1256,7 @@
               <a:rPr lang="en-US" smtClean="0"/>
               <a:t>Click to edit Master title style</a:t>
             </a:r>
-            <a:endParaRPr lang="en-US"/>
+            <a:endParaRPr lang="en-US" dirty="0"/>
           </a:p>
         </p:txBody>
       </p:sp>
@@ -880,26 +1272,26 @@
         </p:nvSpPr>
         <p:spPr>
           <a:xfrm>
-            <a:off x="831850" y="4589463"/>
-            <a:ext cx="10515600" cy="1500187"/>
+            <a:off x="581192" y="4541417"/>
+            <a:ext cx="11029615" cy="600556"/>
           </a:xfrm>
         </p:spPr>
         <p:txBody>
-          <a:bodyPr/>
+          <a:bodyPr anchor="t">
+            <a:normAutofit/>
+          </a:bodyPr>
           <a:lstStyle>
-            <a:lvl1pPr marL="0" indent="0">
-              <a:buNone/>
-              <a:defRPr sz="2400">
+            <a:lvl1pPr marL="0" indent="0" algn="l">
+              <a:buNone/>
+              <a:defRPr sz="1800" cap="all">
                 <a:solidFill>
-                  <a:schemeClr val="tx1">
-                    <a:tint val="75000"/>
-                  </a:schemeClr>
+                  <a:schemeClr val="accent2"/>
                 </a:solidFill>
               </a:defRPr>
             </a:lvl1pPr>
             <a:lvl2pPr marL="457200" indent="0">
               <a:buNone/>
-              <a:defRPr sz="2000">
+              <a:defRPr sz="1800">
                 <a:solidFill>
                   <a:schemeClr val="tx1">
                     <a:tint val="75000"/>
@@ -909,7 +1301,7 @@
             </a:lvl2pPr>
             <a:lvl3pPr marL="914400" indent="0">
               <a:buNone/>
-              <a:defRPr sz="1800">
+              <a:defRPr sz="1600">
                 <a:solidFill>
                   <a:schemeClr val="tx1">
                     <a:tint val="75000"/>
@@ -919,7 +1311,7 @@
             </a:lvl3pPr>
             <a:lvl4pPr marL="1371600" indent="0">
               <a:buNone/>
-              <a:defRPr sz="1600">
+              <a:defRPr sz="1400">
                 <a:solidFill>
                   <a:schemeClr val="tx1">
                     <a:tint val="75000"/>
@@ -929,7 +1321,7 @@
             </a:lvl4pPr>
             <a:lvl5pPr marL="1828800" indent="0">
               <a:buNone/>
-              <a:defRPr sz="1600">
+              <a:defRPr sz="1400">
                 <a:solidFill>
                   <a:schemeClr val="tx1">
                     <a:tint val="75000"/>
@@ -939,7 +1331,7 @@
             </a:lvl5pPr>
             <a:lvl6pPr marL="2286000" indent="0">
               <a:buNone/>
-              <a:defRPr sz="1600">
+              <a:defRPr sz="1400">
                 <a:solidFill>
                   <a:schemeClr val="tx1">
                     <a:tint val="75000"/>
@@ -949,7 +1341,7 @@
             </a:lvl6pPr>
             <a:lvl7pPr marL="2743200" indent="0">
               <a:buNone/>
-              <a:defRPr sz="1600">
+              <a:defRPr sz="1400">
                 <a:solidFill>
                   <a:schemeClr val="tx1">
                     <a:tint val="75000"/>
@@ -959,7 +1351,7 @@
             </a:lvl7pPr>
             <a:lvl8pPr marL="3200400" indent="0">
               <a:buNone/>
-              <a:defRPr sz="1600">
+              <a:defRPr sz="1400">
                 <a:solidFill>
                   <a:schemeClr val="tx1">
                     <a:tint val="75000"/>
@@ -969,7 +1361,7 @@
             </a:lvl8pPr>
             <a:lvl9pPr marL="3657600" indent="0">
               <a:buNone/>
-              <a:defRPr sz="1600">
+              <a:defRPr sz="1400">
                 <a:solidFill>
                   <a:schemeClr val="tx1">
                     <a:tint val="75000"/>
@@ -1000,7 +1392,18 @@
         <p:spPr/>
         <p:txBody>
           <a:bodyPr/>
-          <a:lstStyle/>
+          <a:lstStyle>
+            <a:lvl1pPr>
+              <a:defRPr>
+                <a:solidFill>
+                  <a:schemeClr val="accent1">
+                    <a:lumMod val="75000"/>
+                    <a:lumOff val="25000"/>
+                  </a:schemeClr>
+                </a:solidFill>
+              </a:defRPr>
+            </a:lvl1pPr>
+          </a:lstStyle>
           <a:p>
             <a:fld id="{5AA6EF1D-4F61-4C45-A839-E6A56AB1DCE3}" type="datetimeFigureOut">
               <a:rPr lang="en-US" smtClean="0"/>
@@ -1023,7 +1426,18 @@
         <p:spPr/>
         <p:txBody>
           <a:bodyPr/>
-          <a:lstStyle/>
+          <a:lstStyle>
+            <a:lvl1pPr>
+              <a:defRPr>
+                <a:solidFill>
+                  <a:schemeClr val="accent1">
+                    <a:lumMod val="75000"/>
+                    <a:lumOff val="25000"/>
+                  </a:schemeClr>
+                </a:solidFill>
+              </a:defRPr>
+            </a:lvl1pPr>
+          </a:lstStyle>
           <a:p>
             <a:endParaRPr lang="en-US"/>
           </a:p>
@@ -1042,7 +1456,18 @@
         <p:spPr/>
         <p:txBody>
           <a:bodyPr/>
-          <a:lstStyle/>
+          <a:lstStyle>
+            <a:lvl1pPr>
+              <a:defRPr>
+                <a:solidFill>
+                  <a:schemeClr val="accent1">
+                    <a:lumMod val="75000"/>
+                    <a:lumOff val="25000"/>
+                  </a:schemeClr>
+                </a:solidFill>
+              </a:defRPr>
+            </a:lvl1pPr>
+          </a:lstStyle>
           <a:p>
             <a:fld id="{AE6D0C63-3EF0-4A08-B9D7-7118B2621E28}" type="slidenum">
               <a:rPr lang="en-US" smtClean="0"/>
@@ -1055,7 +1480,7 @@
     </p:spTree>
     <p:extLst>
       <p:ext uri="{BB962C8B-B14F-4D97-AF65-F5344CB8AC3E}">
-        <p14:creationId xmlns:p14="http://schemas.microsoft.com/office/powerpoint/2010/main" val="1895806267"/>
+        <p14:creationId xmlns:p14="http://schemas.microsoft.com/office/powerpoint/2010/main" val="2195234164"/>
       </p:ext>
     </p:extLst>
   </p:cSld>
@@ -1084,6 +1509,45 @@
       </p:grpSpPr>
       <p:sp>
         <p:nvSpPr>
+          <p:cNvPr id="8" name="Rectangle 7"/>
+          <p:cNvSpPr>
+            <a:spLocks noChangeAspect="1"/>
+          </p:cNvSpPr>
+          <p:nvPr/>
+        </p:nvSpPr>
+        <p:spPr>
+          <a:xfrm>
+            <a:off x="445982" y="606554"/>
+            <a:ext cx="11300036" cy="1258827"/>
+          </a:xfrm>
+          <a:prstGeom prst="rect">
+            <a:avLst/>
+          </a:prstGeom>
+          <a:solidFill>
+            <a:schemeClr val="accent1"/>
+          </a:solidFill>
+          <a:ln>
+            <a:noFill/>
+          </a:ln>
+          <a:effectLst/>
+        </p:spPr>
+        <p:style>
+          <a:lnRef idx="1">
+            <a:schemeClr val="accent1"/>
+          </a:lnRef>
+          <a:fillRef idx="3">
+            <a:schemeClr val="accent1"/>
+          </a:fillRef>
+          <a:effectRef idx="2">
+            <a:schemeClr val="accent1"/>
+          </a:effectRef>
+          <a:fontRef idx="minor">
+            <a:schemeClr val="lt1"/>
+          </a:fontRef>
+        </p:style>
+      </p:sp>
+      <p:sp>
+        <p:nvSpPr>
           <p:cNvPr id="2" name="Title 1"/>
           <p:cNvSpPr>
             <a:spLocks noGrp="1"/>
@@ -1092,7 +1556,12 @@
             <p:ph type="title"/>
           </p:nvPr>
         </p:nvSpPr>
-        <p:spPr/>
+        <p:spPr>
+          <a:xfrm>
+            <a:off x="581193" y="729658"/>
+            <a:ext cx="11029616" cy="988332"/>
+          </a:xfrm>
+        </p:spPr>
         <p:txBody>
           <a:bodyPr/>
           <a:lstStyle/>
@@ -1101,7 +1570,7 @@
               <a:rPr lang="en-US" smtClean="0"/>
               <a:t>Click to edit Master title style</a:t>
             </a:r>
-            <a:endParaRPr lang="en-US"/>
+            <a:endParaRPr lang="en-US" dirty="0"/>
           </a:p>
         </p:txBody>
       </p:sp>
@@ -1117,12 +1586,14 @@
         </p:nvSpPr>
         <p:spPr>
           <a:xfrm>
-            <a:off x="838200" y="1825625"/>
-            <a:ext cx="5181600" cy="4351338"/>
+            <a:off x="581193" y="2228003"/>
+            <a:ext cx="5422390" cy="3633047"/>
           </a:xfrm>
         </p:spPr>
         <p:txBody>
-          <a:bodyPr/>
+          <a:bodyPr>
+            <a:normAutofit/>
+          </a:bodyPr>
           <a:lstStyle/>
           <a:p>
             <a:pPr lvl="0"/>
@@ -1158,7 +1629,7 @@
               <a:rPr lang="en-US" smtClean="0"/>
               <a:t>Fifth level</a:t>
             </a:r>
-            <a:endParaRPr lang="en-US"/>
+            <a:endParaRPr lang="en-US" dirty="0"/>
           </a:p>
         </p:txBody>
       </p:sp>
@@ -1174,12 +1645,14 @@
         </p:nvSpPr>
         <p:spPr>
           <a:xfrm>
-            <a:off x="6172200" y="1825625"/>
-            <a:ext cx="5181600" cy="4351338"/>
+            <a:off x="6188417" y="2228003"/>
+            <a:ext cx="5422392" cy="3633047"/>
           </a:xfrm>
         </p:spPr>
         <p:txBody>
-          <a:bodyPr/>
+          <a:bodyPr>
+            <a:normAutofit/>
+          </a:bodyPr>
           <a:lstStyle/>
           <a:p>
             <a:pPr lvl="0"/>
@@ -1215,7 +1688,7 @@
               <a:rPr lang="en-US" smtClean="0"/>
               <a:t>Fifth level</a:t>
             </a:r>
-            <a:endParaRPr lang="en-US"/>
+            <a:endParaRPr lang="en-US" dirty="0"/>
           </a:p>
         </p:txBody>
       </p:sp>
@@ -1287,7 +1760,7 @@
     </p:spTree>
     <p:extLst>
       <p:ext uri="{BB962C8B-B14F-4D97-AF65-F5344CB8AC3E}">
-        <p14:creationId xmlns:p14="http://schemas.microsoft.com/office/powerpoint/2010/main" val="2255267743"/>
+        <p14:creationId xmlns:p14="http://schemas.microsoft.com/office/powerpoint/2010/main" val="1327093185"/>
       </p:ext>
     </p:extLst>
   </p:cSld>
@@ -1316,18 +1789,57 @@
       </p:grpSpPr>
       <p:sp>
         <p:nvSpPr>
-          <p:cNvPr id="2" name="Title 1"/>
-          <p:cNvSpPr>
-            <a:spLocks noGrp="1"/>
-          </p:cNvSpPr>
-          <p:nvPr>
-            <p:ph type="title"/>
-          </p:nvPr>
+          <p:cNvPr id="11" name="Rectangle 10"/>
+          <p:cNvSpPr>
+            <a:spLocks noChangeAspect="1"/>
+          </p:cNvSpPr>
+          <p:nvPr/>
         </p:nvSpPr>
         <p:spPr>
           <a:xfrm>
-            <a:off x="839788" y="365125"/>
-            <a:ext cx="10515600" cy="1325563"/>
+            <a:off x="445982" y="606554"/>
+            <a:ext cx="11300036" cy="1258827"/>
+          </a:xfrm>
+          <a:prstGeom prst="rect">
+            <a:avLst/>
+          </a:prstGeom>
+          <a:solidFill>
+            <a:schemeClr val="accent1"/>
+          </a:solidFill>
+          <a:ln>
+            <a:noFill/>
+          </a:ln>
+          <a:effectLst/>
+        </p:spPr>
+        <p:style>
+          <a:lnRef idx="1">
+            <a:schemeClr val="accent1"/>
+          </a:lnRef>
+          <a:fillRef idx="3">
+            <a:schemeClr val="accent1"/>
+          </a:fillRef>
+          <a:effectRef idx="2">
+            <a:schemeClr val="accent1"/>
+          </a:effectRef>
+          <a:fontRef idx="minor">
+            <a:schemeClr val="lt1"/>
+          </a:fontRef>
+        </p:style>
+      </p:sp>
+      <p:sp>
+        <p:nvSpPr>
+          <p:cNvPr id="12" name="Title 1"/>
+          <p:cNvSpPr>
+            <a:spLocks noGrp="1"/>
+          </p:cNvSpPr>
+          <p:nvPr>
+            <p:ph type="title"/>
+          </p:nvPr>
+        </p:nvSpPr>
+        <p:spPr>
+          <a:xfrm>
+            <a:off x="581193" y="729658"/>
+            <a:ext cx="11029616" cy="988332"/>
           </a:xfrm>
         </p:spPr>
         <p:txBody>
@@ -1338,7 +1850,7 @@
               <a:rPr lang="en-US" smtClean="0"/>
               <a:t>Click to edit Master title style</a:t>
             </a:r>
-            <a:endParaRPr lang="en-US"/>
+            <a:endParaRPr lang="en-US" dirty="0"/>
           </a:p>
         </p:txBody>
       </p:sp>
@@ -1354,16 +1866,22 @@
         </p:nvSpPr>
         <p:spPr>
           <a:xfrm>
-            <a:off x="839788" y="1681163"/>
-            <a:ext cx="5157787" cy="823912"/>
+            <a:off x="887219" y="2250892"/>
+            <a:ext cx="5087075" cy="536005"/>
           </a:xfrm>
         </p:spPr>
         <p:txBody>
-          <a:bodyPr anchor="b"/>
+          <a:bodyPr anchor="b">
+            <a:noAutofit/>
+          </a:bodyPr>
           <a:lstStyle>
             <a:lvl1pPr marL="0" indent="0">
               <a:buNone/>
-              <a:defRPr sz="2400" b="1"/>
+              <a:defRPr sz="2200" b="0">
+                <a:solidFill>
+                  <a:schemeClr val="accent2"/>
+                </a:solidFill>
+              </a:defRPr>
             </a:lvl1pPr>
             <a:lvl2pPr marL="457200" indent="0">
               <a:buNone/>
@@ -1419,12 +1937,14 @@
         </p:nvSpPr>
         <p:spPr>
           <a:xfrm>
-            <a:off x="839788" y="2505075"/>
-            <a:ext cx="5157787" cy="3684588"/>
+            <a:off x="581194" y="2926052"/>
+            <a:ext cx="5393100" cy="2934999"/>
           </a:xfrm>
         </p:spPr>
         <p:txBody>
-          <a:bodyPr/>
+          <a:bodyPr anchor="t">
+            <a:normAutofit/>
+          </a:bodyPr>
           <a:lstStyle/>
           <a:p>
             <a:pPr lvl="0"/>
@@ -1460,7 +1980,7 @@
               <a:rPr lang="en-US" smtClean="0"/>
               <a:t>Fifth level</a:t>
             </a:r>
-            <a:endParaRPr lang="en-US"/>
+            <a:endParaRPr lang="en-US" dirty="0"/>
           </a:p>
         </p:txBody>
       </p:sp>
@@ -1476,16 +1996,22 @@
         </p:nvSpPr>
         <p:spPr>
           <a:xfrm>
-            <a:off x="6172200" y="1681163"/>
-            <a:ext cx="5183188" cy="823912"/>
+            <a:off x="6523735" y="2250892"/>
+            <a:ext cx="5087073" cy="553373"/>
           </a:xfrm>
         </p:spPr>
         <p:txBody>
-          <a:bodyPr anchor="b"/>
+          <a:bodyPr anchor="b">
+            <a:noAutofit/>
+          </a:bodyPr>
           <a:lstStyle>
             <a:lvl1pPr marL="0" indent="0">
               <a:buNone/>
-              <a:defRPr sz="2400" b="1"/>
+              <a:defRPr sz="2200" b="0">
+                <a:solidFill>
+                  <a:schemeClr val="accent2"/>
+                </a:solidFill>
+              </a:defRPr>
             </a:lvl1pPr>
             <a:lvl2pPr marL="457200" indent="0">
               <a:buNone/>
@@ -1541,12 +2067,14 @@
         </p:nvSpPr>
         <p:spPr>
           <a:xfrm>
-            <a:off x="6172200" y="2505075"/>
-            <a:ext cx="5183188" cy="3684588"/>
+            <a:off x="6217709" y="2926052"/>
+            <a:ext cx="5393100" cy="2934999"/>
           </a:xfrm>
         </p:spPr>
         <p:txBody>
-          <a:bodyPr/>
+          <a:bodyPr anchor="t">
+            <a:normAutofit/>
+          </a:bodyPr>
           <a:lstStyle/>
           <a:p>
             <a:pPr lvl="0"/>
@@ -1582,7 +2110,7 @@
               <a:rPr lang="en-US" smtClean="0"/>
               <a:t>Fifth level</a:t>
             </a:r>
-            <a:endParaRPr lang="en-US"/>
+            <a:endParaRPr lang="en-US" dirty="0"/>
           </a:p>
         </p:txBody>
       </p:sp>
@@ -1654,7 +2182,7 @@
     </p:spTree>
     <p:extLst>
       <p:ext uri="{BB962C8B-B14F-4D97-AF65-F5344CB8AC3E}">
-        <p14:creationId xmlns:p14="http://schemas.microsoft.com/office/powerpoint/2010/main" val="1430089636"/>
+        <p14:creationId xmlns:p14="http://schemas.microsoft.com/office/powerpoint/2010/main" val="1050841827"/>
       </p:ext>
     </p:extLst>
   </p:cSld>
@@ -1683,7 +2211,46 @@
       </p:grpSpPr>
       <p:sp>
         <p:nvSpPr>
-          <p:cNvPr id="2" name="Title 1"/>
+          <p:cNvPr id="7" name="Rectangle 6"/>
+          <p:cNvSpPr>
+            <a:spLocks noChangeAspect="1"/>
+          </p:cNvSpPr>
+          <p:nvPr/>
+        </p:nvSpPr>
+        <p:spPr>
+          <a:xfrm>
+            <a:off x="440683" y="606554"/>
+            <a:ext cx="11300036" cy="1258827"/>
+          </a:xfrm>
+          <a:prstGeom prst="rect">
+            <a:avLst/>
+          </a:prstGeom>
+          <a:solidFill>
+            <a:schemeClr val="accent1"/>
+          </a:solidFill>
+          <a:ln>
+            <a:noFill/>
+          </a:ln>
+          <a:effectLst/>
+        </p:spPr>
+        <p:style>
+          <a:lnRef idx="1">
+            <a:schemeClr val="accent1"/>
+          </a:lnRef>
+          <a:fillRef idx="3">
+            <a:schemeClr val="accent1"/>
+          </a:fillRef>
+          <a:effectRef idx="2">
+            <a:schemeClr val="accent1"/>
+          </a:effectRef>
+          <a:fontRef idx="minor">
+            <a:schemeClr val="lt1"/>
+          </a:fontRef>
+        </p:style>
+      </p:sp>
+      <p:sp>
+        <p:nvSpPr>
+          <p:cNvPr id="8" name="Title 1"/>
           <p:cNvSpPr>
             <a:spLocks noGrp="1"/>
           </p:cNvSpPr>
@@ -1691,7 +2258,12 @@
             <p:ph type="title"/>
           </p:nvPr>
         </p:nvSpPr>
-        <p:spPr/>
+        <p:spPr>
+          <a:xfrm>
+            <a:off x="575894" y="729658"/>
+            <a:ext cx="11029616" cy="988332"/>
+          </a:xfrm>
+        </p:spPr>
         <p:txBody>
           <a:bodyPr/>
           <a:lstStyle/>
@@ -1700,7 +2272,7 @@
               <a:rPr lang="en-US" smtClean="0"/>
               <a:t>Click to edit Master title style</a:t>
             </a:r>
-            <a:endParaRPr lang="en-US"/>
+            <a:endParaRPr lang="en-US" dirty="0"/>
           </a:p>
         </p:txBody>
       </p:sp>
@@ -1772,7 +2344,7 @@
     </p:spTree>
     <p:extLst>
       <p:ext uri="{BB962C8B-B14F-4D97-AF65-F5344CB8AC3E}">
-        <p14:creationId xmlns:p14="http://schemas.microsoft.com/office/powerpoint/2010/main" val="792521740"/>
+        <p14:creationId xmlns:p14="http://schemas.microsoft.com/office/powerpoint/2010/main" val="1498958107"/>
       </p:ext>
     </p:extLst>
   </p:cSld>
@@ -1867,7 +2439,7 @@
     </p:spTree>
     <p:extLst>
       <p:ext uri="{BB962C8B-B14F-4D97-AF65-F5344CB8AC3E}">
-        <p14:creationId xmlns:p14="http://schemas.microsoft.com/office/powerpoint/2010/main" val="2796048749"/>
+        <p14:creationId xmlns:p14="http://schemas.microsoft.com/office/powerpoint/2010/main" val="2736932215"/>
       </p:ext>
     </p:extLst>
   </p:cSld>
@@ -1896,200 +2468,301 @@
       </p:grpSpPr>
       <p:sp>
         <p:nvSpPr>
-          <p:cNvPr id="2" name="Title 1"/>
-          <p:cNvSpPr>
-            <a:spLocks noGrp="1"/>
-          </p:cNvSpPr>
-          <p:nvPr>
-            <p:ph type="title"/>
-          </p:nvPr>
+          <p:cNvPr id="9" name="Rectangle 8"/>
+          <p:cNvSpPr>
+            <a:spLocks noChangeAspect="1"/>
+          </p:cNvSpPr>
+          <p:nvPr/>
         </p:nvSpPr>
         <p:spPr>
           <a:xfrm>
-            <a:off x="839788" y="457200"/>
-            <a:ext cx="3932237" cy="1600200"/>
+            <a:off x="447817" y="5141973"/>
+            <a:ext cx="11298200" cy="1274702"/>
+          </a:xfrm>
+          <a:prstGeom prst="rect">
+            <a:avLst/>
+          </a:prstGeom>
+          <a:solidFill>
+            <a:schemeClr val="accent1"/>
+          </a:solidFill>
+          <a:ln>
+            <a:noFill/>
+          </a:ln>
+          <a:effectLst/>
+        </p:spPr>
+        <p:style>
+          <a:lnRef idx="1">
+            <a:schemeClr val="accent1"/>
+          </a:lnRef>
+          <a:fillRef idx="3">
+            <a:schemeClr val="accent1"/>
+          </a:fillRef>
+          <a:effectRef idx="2">
+            <a:schemeClr val="accent1"/>
+          </a:effectRef>
+          <a:fontRef idx="minor">
+            <a:schemeClr val="lt1"/>
+          </a:fontRef>
+        </p:style>
+      </p:sp>
+      <p:sp>
+        <p:nvSpPr>
+          <p:cNvPr id="2" name="Title 1"/>
+          <p:cNvSpPr>
+            <a:spLocks noGrp="1"/>
+          </p:cNvSpPr>
+          <p:nvPr>
+            <p:ph type="title"/>
+          </p:nvPr>
+        </p:nvSpPr>
+        <p:spPr>
+          <a:xfrm>
+            <a:off x="581192" y="5262296"/>
+            <a:ext cx="4909445" cy="689514"/>
           </a:xfrm>
         </p:spPr>
         <p:txBody>
-          <a:bodyPr anchor="b"/>
+          <a:bodyPr anchor="ctr"/>
+          <a:lstStyle>
+            <a:lvl1pPr algn="l">
+              <a:defRPr sz="2000" b="0">
+                <a:solidFill>
+                  <a:schemeClr val="accent1">
+                    <a:lumMod val="75000"/>
+                    <a:lumOff val="25000"/>
+                  </a:schemeClr>
+                </a:solidFill>
+              </a:defRPr>
+            </a:lvl1pPr>
+          </a:lstStyle>
+          <a:p>
+            <a:r>
+              <a:rPr lang="en-US" smtClean="0"/>
+              <a:t>Click to edit Master title style</a:t>
+            </a:r>
+            <a:endParaRPr lang="en-US" dirty="0"/>
+          </a:p>
+        </p:txBody>
+      </p:sp>
+      <p:sp>
+        <p:nvSpPr>
+          <p:cNvPr id="3" name="Content Placeholder 2"/>
+          <p:cNvSpPr>
+            <a:spLocks noGrp="1"/>
+          </p:cNvSpPr>
+          <p:nvPr>
+            <p:ph idx="1"/>
+          </p:nvPr>
+        </p:nvSpPr>
+        <p:spPr>
+          <a:xfrm>
+            <a:off x="447816" y="601200"/>
+            <a:ext cx="11292840" cy="4204800"/>
+          </a:xfrm>
+        </p:spPr>
+        <p:txBody>
+          <a:bodyPr anchor="ctr">
+            <a:normAutofit/>
+          </a:bodyPr>
           <a:lstStyle>
             <a:lvl1pPr>
-              <a:defRPr sz="3200"/>
+              <a:defRPr sz="2000">
+                <a:solidFill>
+                  <a:schemeClr val="tx2"/>
+                </a:solidFill>
+              </a:defRPr>
             </a:lvl1pPr>
+            <a:lvl2pPr>
+              <a:defRPr sz="1800">
+                <a:solidFill>
+                  <a:schemeClr val="tx2"/>
+                </a:solidFill>
+              </a:defRPr>
+            </a:lvl2pPr>
+            <a:lvl3pPr>
+              <a:defRPr sz="1600">
+                <a:solidFill>
+                  <a:schemeClr val="tx2"/>
+                </a:solidFill>
+              </a:defRPr>
+            </a:lvl3pPr>
+            <a:lvl4pPr>
+              <a:defRPr sz="1400">
+                <a:solidFill>
+                  <a:schemeClr val="tx2"/>
+                </a:solidFill>
+              </a:defRPr>
+            </a:lvl4pPr>
+            <a:lvl5pPr>
+              <a:defRPr sz="1400">
+                <a:solidFill>
+                  <a:schemeClr val="tx2"/>
+                </a:solidFill>
+              </a:defRPr>
+            </a:lvl5pPr>
+            <a:lvl6pPr>
+              <a:defRPr sz="1400">
+                <a:solidFill>
+                  <a:schemeClr val="tx2"/>
+                </a:solidFill>
+              </a:defRPr>
+            </a:lvl6pPr>
+            <a:lvl7pPr>
+              <a:defRPr sz="1400">
+                <a:solidFill>
+                  <a:schemeClr val="tx2"/>
+                </a:solidFill>
+              </a:defRPr>
+            </a:lvl7pPr>
+            <a:lvl8pPr>
+              <a:defRPr sz="1400">
+                <a:solidFill>
+                  <a:schemeClr val="tx2"/>
+                </a:solidFill>
+              </a:defRPr>
+            </a:lvl8pPr>
+            <a:lvl9pPr>
+              <a:defRPr sz="1400">
+                <a:solidFill>
+                  <a:schemeClr val="tx2"/>
+                </a:solidFill>
+              </a:defRPr>
+            </a:lvl9pPr>
           </a:lstStyle>
           <a:p>
-            <a:r>
-              <a:rPr lang="en-US" smtClean="0"/>
-              <a:t>Click to edit Master title style</a:t>
-            </a:r>
-            <a:endParaRPr lang="en-US"/>
-          </a:p>
-        </p:txBody>
-      </p:sp>
-      <p:sp>
-        <p:nvSpPr>
-          <p:cNvPr id="3" name="Content Placeholder 2"/>
-          <p:cNvSpPr>
-            <a:spLocks noGrp="1"/>
-          </p:cNvSpPr>
-          <p:nvPr>
-            <p:ph idx="1"/>
+            <a:pPr lvl="0"/>
+            <a:r>
+              <a:rPr lang="en-US" smtClean="0"/>
+              <a:t>Edit Master text styles</a:t>
+            </a:r>
+          </a:p>
+          <a:p>
+            <a:pPr lvl="1"/>
+            <a:r>
+              <a:rPr lang="en-US" smtClean="0"/>
+              <a:t>Second level</a:t>
+            </a:r>
+          </a:p>
+          <a:p>
+            <a:pPr lvl="2"/>
+            <a:r>
+              <a:rPr lang="en-US" smtClean="0"/>
+              <a:t>Third level</a:t>
+            </a:r>
+          </a:p>
+          <a:p>
+            <a:pPr lvl="3"/>
+            <a:r>
+              <a:rPr lang="en-US" smtClean="0"/>
+              <a:t>Fourth level</a:t>
+            </a:r>
+          </a:p>
+          <a:p>
+            <a:pPr lvl="4"/>
+            <a:r>
+              <a:rPr lang="en-US" smtClean="0"/>
+              <a:t>Fifth level</a:t>
+            </a:r>
+            <a:endParaRPr lang="en-US" dirty="0"/>
+          </a:p>
+        </p:txBody>
+      </p:sp>
+      <p:sp>
+        <p:nvSpPr>
+          <p:cNvPr id="4" name="Text Placeholder 3"/>
+          <p:cNvSpPr>
+            <a:spLocks noGrp="1"/>
+          </p:cNvSpPr>
+          <p:nvPr>
+            <p:ph type="body" sz="half" idx="2"/>
           </p:nvPr>
         </p:nvSpPr>
         <p:spPr>
           <a:xfrm>
-            <a:off x="5183188" y="987425"/>
-            <a:ext cx="6172200" cy="4873625"/>
+            <a:off x="5740823" y="5262296"/>
+            <a:ext cx="5869987" cy="689515"/>
           </a:xfrm>
         </p:spPr>
+        <p:txBody>
+          <a:bodyPr anchor="ctr">
+            <a:normAutofit/>
+          </a:bodyPr>
+          <a:lstStyle>
+            <a:lvl1pPr marL="0" indent="0" algn="r">
+              <a:buNone/>
+              <a:defRPr sz="1100">
+                <a:solidFill>
+                  <a:schemeClr val="bg1"/>
+                </a:solidFill>
+              </a:defRPr>
+            </a:lvl1pPr>
+            <a:lvl2pPr marL="457200" indent="0">
+              <a:buNone/>
+              <a:defRPr sz="1100"/>
+            </a:lvl2pPr>
+            <a:lvl3pPr marL="914400" indent="0">
+              <a:buNone/>
+              <a:defRPr sz="1000"/>
+            </a:lvl3pPr>
+            <a:lvl4pPr marL="1371600" indent="0">
+              <a:buNone/>
+              <a:defRPr sz="900"/>
+            </a:lvl4pPr>
+            <a:lvl5pPr marL="1828800" indent="0">
+              <a:buNone/>
+              <a:defRPr sz="900"/>
+            </a:lvl5pPr>
+            <a:lvl6pPr marL="2286000" indent="0">
+              <a:buNone/>
+              <a:defRPr sz="900"/>
+            </a:lvl6pPr>
+            <a:lvl7pPr marL="2743200" indent="0">
+              <a:buNone/>
+              <a:defRPr sz="900"/>
+            </a:lvl7pPr>
+            <a:lvl8pPr marL="3200400" indent="0">
+              <a:buNone/>
+              <a:defRPr sz="900"/>
+            </a:lvl8pPr>
+            <a:lvl9pPr marL="3657600" indent="0">
+              <a:buNone/>
+              <a:defRPr sz="900"/>
+            </a:lvl9pPr>
+          </a:lstStyle>
+          <a:p>
+            <a:pPr lvl="0"/>
+            <a:r>
+              <a:rPr lang="en-US" smtClean="0"/>
+              <a:t>Edit Master text styles</a:t>
+            </a:r>
+          </a:p>
+        </p:txBody>
+      </p:sp>
+      <p:sp>
+        <p:nvSpPr>
+          <p:cNvPr id="5" name="Date Placeholder 4"/>
+          <p:cNvSpPr>
+            <a:spLocks noGrp="1"/>
+          </p:cNvSpPr>
+          <p:nvPr>
+            <p:ph type="dt" sz="half" idx="10"/>
+          </p:nvPr>
+        </p:nvSpPr>
+        <p:spPr/>
         <p:txBody>
           <a:bodyPr/>
           <a:lstStyle>
             <a:lvl1pPr>
-              <a:defRPr sz="3200"/>
+              <a:defRPr>
+                <a:solidFill>
+                  <a:schemeClr val="accent1">
+                    <a:lumMod val="75000"/>
+                    <a:lumOff val="25000"/>
+                  </a:schemeClr>
+                </a:solidFill>
+              </a:defRPr>
             </a:lvl1pPr>
-            <a:lvl2pPr>
-              <a:defRPr sz="2800"/>
-            </a:lvl2pPr>
-            <a:lvl3pPr>
-              <a:defRPr sz="2400"/>
-            </a:lvl3pPr>
-            <a:lvl4pPr>
-              <a:defRPr sz="2000"/>
-            </a:lvl4pPr>
-            <a:lvl5pPr>
-              <a:defRPr sz="2000"/>
-            </a:lvl5pPr>
-            <a:lvl6pPr>
-              <a:defRPr sz="2000"/>
-            </a:lvl6pPr>
-            <a:lvl7pPr>
-              <a:defRPr sz="2000"/>
-            </a:lvl7pPr>
-            <a:lvl8pPr>
-              <a:defRPr sz="2000"/>
-            </a:lvl8pPr>
-            <a:lvl9pPr>
-              <a:defRPr sz="2000"/>
-            </a:lvl9pPr>
           </a:lstStyle>
-          <a:p>
-            <a:pPr lvl="0"/>
-            <a:r>
-              <a:rPr lang="en-US" smtClean="0"/>
-              <a:t>Edit Master text styles</a:t>
-            </a:r>
-          </a:p>
-          <a:p>
-            <a:pPr lvl="1"/>
-            <a:r>
-              <a:rPr lang="en-US" smtClean="0"/>
-              <a:t>Second level</a:t>
-            </a:r>
-          </a:p>
-          <a:p>
-            <a:pPr lvl="2"/>
-            <a:r>
-              <a:rPr lang="en-US" smtClean="0"/>
-              <a:t>Third level</a:t>
-            </a:r>
-          </a:p>
-          <a:p>
-            <a:pPr lvl="3"/>
-            <a:r>
-              <a:rPr lang="en-US" smtClean="0"/>
-              <a:t>Fourth level</a:t>
-            </a:r>
-          </a:p>
-          <a:p>
-            <a:pPr lvl="4"/>
-            <a:r>
-              <a:rPr lang="en-US" smtClean="0"/>
-              <a:t>Fifth level</a:t>
-            </a:r>
-            <a:endParaRPr lang="en-US"/>
-          </a:p>
-        </p:txBody>
-      </p:sp>
-      <p:sp>
-        <p:nvSpPr>
-          <p:cNvPr id="4" name="Text Placeholder 3"/>
-          <p:cNvSpPr>
-            <a:spLocks noGrp="1"/>
-          </p:cNvSpPr>
-          <p:nvPr>
-            <p:ph type="body" sz="half" idx="2"/>
-          </p:nvPr>
-        </p:nvSpPr>
-        <p:spPr>
-          <a:xfrm>
-            <a:off x="839788" y="2057400"/>
-            <a:ext cx="3932237" cy="3811588"/>
-          </a:xfrm>
-        </p:spPr>
-        <p:txBody>
-          <a:bodyPr/>
-          <a:lstStyle>
-            <a:lvl1pPr marL="0" indent="0">
-              <a:buNone/>
-              <a:defRPr sz="1600"/>
-            </a:lvl1pPr>
-            <a:lvl2pPr marL="457200" indent="0">
-              <a:buNone/>
-              <a:defRPr sz="1400"/>
-            </a:lvl2pPr>
-            <a:lvl3pPr marL="914400" indent="0">
-              <a:buNone/>
-              <a:defRPr sz="1200"/>
-            </a:lvl3pPr>
-            <a:lvl4pPr marL="1371600" indent="0">
-              <a:buNone/>
-              <a:defRPr sz="1000"/>
-            </a:lvl4pPr>
-            <a:lvl5pPr marL="1828800" indent="0">
-              <a:buNone/>
-              <a:defRPr sz="1000"/>
-            </a:lvl5pPr>
-            <a:lvl6pPr marL="2286000" indent="0">
-              <a:buNone/>
-              <a:defRPr sz="1000"/>
-            </a:lvl6pPr>
-            <a:lvl7pPr marL="2743200" indent="0">
-              <a:buNone/>
-              <a:defRPr sz="1000"/>
-            </a:lvl7pPr>
-            <a:lvl8pPr marL="3200400" indent="0">
-              <a:buNone/>
-              <a:defRPr sz="1000"/>
-            </a:lvl8pPr>
-            <a:lvl9pPr marL="3657600" indent="0">
-              <a:buNone/>
-              <a:defRPr sz="1000"/>
-            </a:lvl9pPr>
-          </a:lstStyle>
-          <a:p>
-            <a:pPr lvl="0"/>
-            <a:r>
-              <a:rPr lang="en-US" smtClean="0"/>
-              <a:t>Edit Master text styles</a:t>
-            </a:r>
-          </a:p>
-        </p:txBody>
-      </p:sp>
-      <p:sp>
-        <p:nvSpPr>
-          <p:cNvPr id="5" name="Date Placeholder 4"/>
-          <p:cNvSpPr>
-            <a:spLocks noGrp="1"/>
-          </p:cNvSpPr>
-          <p:nvPr>
-            <p:ph type="dt" sz="half" idx="10"/>
-          </p:nvPr>
-        </p:nvSpPr>
-        <p:spPr/>
-        <p:txBody>
-          <a:bodyPr/>
-          <a:lstStyle/>
           <a:p>
             <a:fld id="{5AA6EF1D-4F61-4C45-A839-E6A56AB1DCE3}" type="datetimeFigureOut">
               <a:rPr lang="en-US" smtClean="0"/>
@@ -2112,7 +2785,18 @@
         <p:spPr/>
         <p:txBody>
           <a:bodyPr/>
-          <a:lstStyle/>
+          <a:lstStyle>
+            <a:lvl1pPr>
+              <a:defRPr>
+                <a:solidFill>
+                  <a:schemeClr val="accent1">
+                    <a:lumMod val="75000"/>
+                    <a:lumOff val="25000"/>
+                  </a:schemeClr>
+                </a:solidFill>
+              </a:defRPr>
+            </a:lvl1pPr>
+          </a:lstStyle>
           <a:p>
             <a:endParaRPr lang="en-US"/>
           </a:p>
@@ -2131,7 +2815,18 @@
         <p:spPr/>
         <p:txBody>
           <a:bodyPr/>
-          <a:lstStyle/>
+          <a:lstStyle>
+            <a:lvl1pPr>
+              <a:defRPr>
+                <a:solidFill>
+                  <a:schemeClr val="accent1">
+                    <a:lumMod val="75000"/>
+                    <a:lumOff val="25000"/>
+                  </a:schemeClr>
+                </a:solidFill>
+              </a:defRPr>
+            </a:lvl1pPr>
+          </a:lstStyle>
           <a:p>
             <a:fld id="{AE6D0C63-3EF0-4A08-B9D7-7118B2621E28}" type="slidenum">
               <a:rPr lang="en-US" smtClean="0"/>
@@ -2144,7 +2839,7 @@
     </p:spTree>
     <p:extLst>
       <p:ext uri="{BB962C8B-B14F-4D97-AF65-F5344CB8AC3E}">
-        <p14:creationId xmlns:p14="http://schemas.microsoft.com/office/powerpoint/2010/main" val="3193500301"/>
+        <p14:creationId xmlns:p14="http://schemas.microsoft.com/office/powerpoint/2010/main" val="1396154353"/>
       </p:ext>
     </p:extLst>
   </p:cSld>
@@ -2183,15 +2878,21 @@
         </p:nvSpPr>
         <p:spPr>
           <a:xfrm>
-            <a:off x="839788" y="457200"/>
-            <a:ext cx="3932237" cy="1600200"/>
+            <a:off x="581193" y="4693389"/>
+            <a:ext cx="11029616" cy="566738"/>
           </a:xfrm>
         </p:spPr>
         <p:txBody>
-          <a:bodyPr anchor="b"/>
+          <a:bodyPr anchor="b">
+            <a:normAutofit/>
+          </a:bodyPr>
           <a:lstStyle>
-            <a:lvl1pPr>
-              <a:defRPr sz="3200"/>
+            <a:lvl1pPr algn="l">
+              <a:defRPr sz="2400" b="0">
+                <a:solidFill>
+                  <a:schemeClr val="accent1"/>
+                </a:solidFill>
+              </a:defRPr>
             </a:lvl1pPr>
           </a:lstStyle>
           <a:p>
@@ -2199,7 +2900,7 @@
               <a:rPr lang="en-US" smtClean="0"/>
               <a:t>Click to edit Master title style</a:t>
             </a:r>
-            <a:endParaRPr lang="en-US"/>
+            <a:endParaRPr lang="en-US" dirty="0"/>
           </a:p>
         </p:txBody>
       </p:sp>
@@ -2207,7 +2908,7 @@
         <p:nvSpPr>
           <p:cNvPr id="3" name="Picture Placeholder 2"/>
           <p:cNvSpPr>
-            <a:spLocks noGrp="1"/>
+            <a:spLocks noGrp="1" noChangeAspect="1"/>
           </p:cNvSpPr>
           <p:nvPr>
             <p:ph type="pic" idx="1"/>
@@ -2215,109 +2916,117 @@
         </p:nvSpPr>
         <p:spPr>
           <a:xfrm>
-            <a:off x="5183188" y="987425"/>
-            <a:ext cx="6172200" cy="4873625"/>
+            <a:off x="447817" y="599725"/>
+            <a:ext cx="11290859" cy="3557252"/>
           </a:xfrm>
         </p:spPr>
         <p:txBody>
-          <a:bodyPr/>
+          <a:bodyPr anchor="t">
+            <a:normAutofit/>
+          </a:bodyPr>
           <a:lstStyle>
-            <a:lvl1pPr marL="0" indent="0">
-              <a:buNone/>
-              <a:defRPr sz="3200"/>
-            </a:lvl1pPr>
-            <a:lvl2pPr marL="457200" indent="0">
-              <a:buNone/>
-              <a:defRPr sz="2800"/>
-            </a:lvl2pPr>
-            <a:lvl3pPr marL="914400" indent="0">
-              <a:buNone/>
-              <a:defRPr sz="2400"/>
-            </a:lvl3pPr>
-            <a:lvl4pPr marL="1371600" indent="0">
-              <a:buNone/>
-              <a:defRPr sz="2000"/>
-            </a:lvl4pPr>
-            <a:lvl5pPr marL="1828800" indent="0">
-              <a:buNone/>
-              <a:defRPr sz="2000"/>
-            </a:lvl5pPr>
-            <a:lvl6pPr marL="2286000" indent="0">
-              <a:buNone/>
-              <a:defRPr sz="2000"/>
-            </a:lvl6pPr>
-            <a:lvl7pPr marL="2743200" indent="0">
-              <a:buNone/>
-              <a:defRPr sz="2000"/>
-            </a:lvl7pPr>
-            <a:lvl8pPr marL="3200400" indent="0">
-              <a:buNone/>
-              <a:defRPr sz="2000"/>
-            </a:lvl8pPr>
-            <a:lvl9pPr marL="3657600" indent="0">
-              <a:buNone/>
-              <a:defRPr sz="2000"/>
-            </a:lvl9pPr>
-          </a:lstStyle>
-          <a:p>
-            <a:endParaRPr lang="en-US"/>
-          </a:p>
-        </p:txBody>
-      </p:sp>
-      <p:sp>
-        <p:nvSpPr>
-          <p:cNvPr id="4" name="Text Placeholder 3"/>
-          <p:cNvSpPr>
-            <a:spLocks noGrp="1"/>
-          </p:cNvSpPr>
-          <p:nvPr>
-            <p:ph type="body" sz="half" idx="2"/>
-          </p:nvPr>
-        </p:nvSpPr>
-        <p:spPr>
-          <a:xfrm>
-            <a:off x="839788" y="2057400"/>
-            <a:ext cx="3932237" cy="3811588"/>
-          </a:xfrm>
-        </p:spPr>
-        <p:txBody>
-          <a:bodyPr/>
-          <a:lstStyle>
-            <a:lvl1pPr marL="0" indent="0">
+            <a:lvl1pPr marL="0" indent="0" algn="ctr">
               <a:buNone/>
               <a:defRPr sz="1600"/>
             </a:lvl1pPr>
             <a:lvl2pPr marL="457200" indent="0">
               <a:buNone/>
-              <a:defRPr sz="1400"/>
+              <a:defRPr sz="1600"/>
             </a:lvl2pPr>
             <a:lvl3pPr marL="914400" indent="0">
               <a:buNone/>
-              <a:defRPr sz="1200"/>
+              <a:defRPr sz="1600"/>
             </a:lvl3pPr>
             <a:lvl4pPr marL="1371600" indent="0">
               <a:buNone/>
-              <a:defRPr sz="1000"/>
+              <a:defRPr sz="1600"/>
             </a:lvl4pPr>
             <a:lvl5pPr marL="1828800" indent="0">
               <a:buNone/>
-              <a:defRPr sz="1000"/>
+              <a:defRPr sz="1600"/>
             </a:lvl5pPr>
             <a:lvl6pPr marL="2286000" indent="0">
               <a:buNone/>
-              <a:defRPr sz="1000"/>
+              <a:defRPr sz="1600"/>
             </a:lvl6pPr>
             <a:lvl7pPr marL="2743200" indent="0">
               <a:buNone/>
-              <a:defRPr sz="1000"/>
+              <a:defRPr sz="1600"/>
             </a:lvl7pPr>
             <a:lvl8pPr marL="3200400" indent="0">
               <a:buNone/>
-              <a:defRPr sz="1000"/>
+              <a:defRPr sz="1600"/>
             </a:lvl8pPr>
             <a:lvl9pPr marL="3657600" indent="0">
               <a:buNone/>
+              <a:defRPr sz="1600"/>
+            </a:lvl9pPr>
+          </a:lstStyle>
+          <a:p>
+            <a:r>
+              <a:rPr lang="en-US" smtClean="0"/>
+              <a:t>Click icon to add picture</a:t>
+            </a:r>
+            <a:endParaRPr lang="en-US" dirty="0"/>
+          </a:p>
+        </p:txBody>
+      </p:sp>
+      <p:sp>
+        <p:nvSpPr>
+          <p:cNvPr id="4" name="Text Placeholder 3"/>
+          <p:cNvSpPr>
+            <a:spLocks noGrp="1"/>
+          </p:cNvSpPr>
+          <p:nvPr>
+            <p:ph type="body" sz="half" idx="2"/>
+          </p:nvPr>
+        </p:nvSpPr>
+        <p:spPr>
+          <a:xfrm>
+            <a:off x="581192" y="5260127"/>
+            <a:ext cx="11029617" cy="598671"/>
+          </a:xfrm>
+        </p:spPr>
+        <p:txBody>
+          <a:bodyPr>
+            <a:normAutofit/>
+          </a:bodyPr>
+          <a:lstStyle>
+            <a:lvl1pPr marL="0" indent="0">
+              <a:buNone/>
+              <a:defRPr sz="1200"/>
+            </a:lvl1pPr>
+            <a:lvl2pPr marL="457200" indent="0">
+              <a:buNone/>
+              <a:defRPr sz="1200"/>
+            </a:lvl2pPr>
+            <a:lvl3pPr marL="914400" indent="0">
+              <a:buNone/>
               <a:defRPr sz="1000"/>
+            </a:lvl3pPr>
+            <a:lvl4pPr marL="1371600" indent="0">
+              <a:buNone/>
+              <a:defRPr sz="900"/>
+            </a:lvl4pPr>
+            <a:lvl5pPr marL="1828800" indent="0">
+              <a:buNone/>
+              <a:defRPr sz="900"/>
+            </a:lvl5pPr>
+            <a:lvl6pPr marL="2286000" indent="0">
+              <a:buNone/>
+              <a:defRPr sz="900"/>
+            </a:lvl6pPr>
+            <a:lvl7pPr marL="2743200" indent="0">
+              <a:buNone/>
+              <a:defRPr sz="900"/>
+            </a:lvl7pPr>
+            <a:lvl8pPr marL="3200400" indent="0">
+              <a:buNone/>
+              <a:defRPr sz="900"/>
+            </a:lvl8pPr>
+            <a:lvl9pPr marL="3657600" indent="0">
+              <a:buNone/>
+              <a:defRPr sz="900"/>
             </a:lvl9pPr>
           </a:lstStyle>
           <a:p>
@@ -2397,7 +3106,7 @@
     </p:spTree>
     <p:extLst>
       <p:ext uri="{BB962C8B-B14F-4D97-AF65-F5344CB8AC3E}">
-        <p14:creationId xmlns:p14="http://schemas.microsoft.com/office/powerpoint/2010/main" val="437231112"/>
+        <p14:creationId xmlns:p14="http://schemas.microsoft.com/office/powerpoint/2010/main" val="152820949"/>
       </p:ext>
     </p:extLst>
   </p:cSld>
@@ -2441,15 +3150,15 @@
         </p:nvSpPr>
         <p:spPr>
           <a:xfrm>
-            <a:off x="838200" y="365125"/>
-            <a:ext cx="10515600" cy="1325563"/>
+            <a:off x="581192" y="705124"/>
+            <a:ext cx="11029616" cy="1189554"/>
           </a:xfrm>
           <a:prstGeom prst="rect">
             <a:avLst/>
           </a:prstGeom>
         </p:spPr>
         <p:txBody>
-          <a:bodyPr vert="horz" lIns="91440" tIns="45720" rIns="91440" bIns="45720" rtlCol="0" anchor="ctr">
+          <a:bodyPr vert="horz" lIns="91440" tIns="45720" rIns="91440" bIns="45720" rtlCol="0" anchor="b">
             <a:normAutofit/>
           </a:bodyPr>
           <a:lstStyle/>
@@ -2458,7 +3167,7 @@
               <a:rPr lang="en-US" smtClean="0"/>
               <a:t>Click to edit Master title style</a:t>
             </a:r>
-            <a:endParaRPr lang="en-US"/>
+            <a:endParaRPr lang="en-US" dirty="0"/>
           </a:p>
         </p:txBody>
       </p:sp>
@@ -2474,15 +3183,15 @@
         </p:nvSpPr>
         <p:spPr>
           <a:xfrm>
-            <a:off x="838200" y="1825625"/>
-            <a:ext cx="10515600" cy="4351338"/>
+            <a:off x="581192" y="2336003"/>
+            <a:ext cx="11029616" cy="3522794"/>
           </a:xfrm>
           <a:prstGeom prst="rect">
             <a:avLst/>
           </a:prstGeom>
         </p:spPr>
         <p:txBody>
-          <a:bodyPr vert="horz" lIns="91440" tIns="45720" rIns="91440" bIns="45720" rtlCol="0">
+          <a:bodyPr vert="horz" lIns="91440" tIns="45720" rIns="91440" bIns="45720" rtlCol="0" anchor="ctr">
             <a:normAutofit/>
           </a:bodyPr>
           <a:lstStyle/>
@@ -2520,7 +3229,7 @@
               <a:rPr lang="en-US" smtClean="0"/>
               <a:t>Fifth level</a:t>
             </a:r>
-            <a:endParaRPr lang="en-US"/>
+            <a:endParaRPr lang="en-US" dirty="0"/>
           </a:p>
         </p:txBody>
       </p:sp>
@@ -2536,8 +3245,8 @@
         </p:nvSpPr>
         <p:spPr>
           <a:xfrm>
-            <a:off x="838200" y="6356350"/>
-            <a:ext cx="2743200" cy="365125"/>
+            <a:off x="7605951" y="5956137"/>
+            <a:ext cx="2844799" cy="365125"/>
           </a:xfrm>
           <a:prstGeom prst="rect">
             <a:avLst/>
@@ -2546,12 +3255,10 @@
         <p:txBody>
           <a:bodyPr vert="horz" lIns="91440" tIns="45720" rIns="91440" bIns="45720" rtlCol="0" anchor="ctr"/>
           <a:lstStyle>
-            <a:lvl1pPr algn="l">
-              <a:defRPr sz="1200">
+            <a:lvl1pPr algn="r">
+              <a:defRPr sz="900">
                 <a:solidFill>
-                  <a:schemeClr val="tx1">
-                    <a:tint val="75000"/>
-                  </a:schemeClr>
+                  <a:schemeClr val="accent2"/>
                 </a:solidFill>
               </a:defRPr>
             </a:lvl1pPr>
@@ -2577,8 +3284,8 @@
         </p:nvSpPr>
         <p:spPr>
           <a:xfrm>
-            <a:off x="4038600" y="6356350"/>
-            <a:ext cx="4114800" cy="365125"/>
+            <a:off x="581192" y="5951811"/>
+            <a:ext cx="6917210" cy="365125"/>
           </a:xfrm>
           <a:prstGeom prst="rect">
             <a:avLst/>
@@ -2587,12 +3294,10 @@
         <p:txBody>
           <a:bodyPr vert="horz" lIns="91440" tIns="45720" rIns="91440" bIns="45720" rtlCol="0" anchor="ctr"/>
           <a:lstStyle>
-            <a:lvl1pPr algn="ctr">
-              <a:defRPr sz="1200">
+            <a:lvl1pPr algn="l">
+              <a:defRPr sz="900" cap="all">
                 <a:solidFill>
-                  <a:schemeClr val="tx1">
-                    <a:tint val="75000"/>
-                  </a:schemeClr>
+                  <a:schemeClr val="accent2"/>
                 </a:solidFill>
               </a:defRPr>
             </a:lvl1pPr>
@@ -2614,8 +3319,8 @@
         </p:nvSpPr>
         <p:spPr>
           <a:xfrm>
-            <a:off x="8610600" y="6356350"/>
-            <a:ext cx="2743200" cy="365125"/>
+            <a:off x="10558300" y="5956137"/>
+            <a:ext cx="1052510" cy="365125"/>
           </a:xfrm>
           <a:prstGeom prst="rect">
             <a:avLst/>
@@ -2625,11 +3330,9 @@
           <a:bodyPr vert="horz" lIns="91440" tIns="45720" rIns="91440" bIns="45720" rtlCol="0" anchor="ctr"/>
           <a:lstStyle>
             <a:lvl1pPr algn="r">
-              <a:defRPr sz="1200">
+              <a:defRPr sz="900">
                 <a:solidFill>
-                  <a:schemeClr val="tx1">
-                    <a:tint val="75000"/>
-                  </a:schemeClr>
+                  <a:schemeClr val="accent2"/>
                 </a:solidFill>
               </a:defRPr>
             </a:lvl1pPr>
@@ -2643,204 +3346,404 @@
           </a:p>
         </p:txBody>
       </p:sp>
+      <p:sp>
+        <p:nvSpPr>
+          <p:cNvPr id="9" name="Rectangle 8"/>
+          <p:cNvSpPr/>
+          <p:nvPr/>
+        </p:nvSpPr>
+        <p:spPr>
+          <a:xfrm>
+            <a:off x="446534" y="457200"/>
+            <a:ext cx="3703320" cy="94997"/>
+          </a:xfrm>
+          <a:prstGeom prst="rect">
+            <a:avLst/>
+          </a:prstGeom>
+          <a:solidFill>
+            <a:schemeClr val="accent1"/>
+          </a:solidFill>
+          <a:ln>
+            <a:noFill/>
+          </a:ln>
+          <a:effectLst/>
+        </p:spPr>
+        <p:style>
+          <a:lnRef idx="1">
+            <a:schemeClr val="accent1"/>
+          </a:lnRef>
+          <a:fillRef idx="3">
+            <a:schemeClr val="accent1"/>
+          </a:fillRef>
+          <a:effectRef idx="2">
+            <a:schemeClr val="accent1"/>
+          </a:effectRef>
+          <a:fontRef idx="minor">
+            <a:schemeClr val="lt1"/>
+          </a:fontRef>
+        </p:style>
+      </p:sp>
+      <p:sp>
+        <p:nvSpPr>
+          <p:cNvPr id="10" name="Rectangle 9"/>
+          <p:cNvSpPr/>
+          <p:nvPr/>
+        </p:nvSpPr>
+        <p:spPr>
+          <a:xfrm>
+            <a:off x="8042147" y="453643"/>
+            <a:ext cx="3703320" cy="98554"/>
+          </a:xfrm>
+          <a:prstGeom prst="rect">
+            <a:avLst/>
+          </a:prstGeom>
+          <a:solidFill>
+            <a:schemeClr val="accent4"/>
+          </a:solidFill>
+          <a:ln>
+            <a:noFill/>
+          </a:ln>
+          <a:effectLst/>
+        </p:spPr>
+        <p:style>
+          <a:lnRef idx="1">
+            <a:schemeClr val="accent1"/>
+          </a:lnRef>
+          <a:fillRef idx="3">
+            <a:schemeClr val="accent1"/>
+          </a:fillRef>
+          <a:effectRef idx="2">
+            <a:schemeClr val="accent1"/>
+          </a:effectRef>
+          <a:fontRef idx="minor">
+            <a:schemeClr val="lt1"/>
+          </a:fontRef>
+        </p:style>
+      </p:sp>
+      <p:sp>
+        <p:nvSpPr>
+          <p:cNvPr id="11" name="Rectangle 10"/>
+          <p:cNvSpPr/>
+          <p:nvPr/>
+        </p:nvSpPr>
+        <p:spPr>
+          <a:xfrm>
+            <a:off x="4241830" y="457200"/>
+            <a:ext cx="3703320" cy="91440"/>
+          </a:xfrm>
+          <a:prstGeom prst="rect">
+            <a:avLst/>
+          </a:prstGeom>
+          <a:solidFill>
+            <a:schemeClr val="accent2"/>
+          </a:solidFill>
+          <a:ln>
+            <a:noFill/>
+          </a:ln>
+          <a:effectLst/>
+        </p:spPr>
+        <p:style>
+          <a:lnRef idx="1">
+            <a:schemeClr val="accent1"/>
+          </a:lnRef>
+          <a:fillRef idx="3">
+            <a:schemeClr val="accent1"/>
+          </a:fillRef>
+          <a:effectRef idx="2">
+            <a:schemeClr val="accent1"/>
+          </a:effectRef>
+          <a:fontRef idx="minor">
+            <a:schemeClr val="lt1"/>
+          </a:fontRef>
+        </p:style>
+      </p:sp>
     </p:spTree>
     <p:extLst>
       <p:ext uri="{BB962C8B-B14F-4D97-AF65-F5344CB8AC3E}">
-        <p14:creationId xmlns:p14="http://schemas.microsoft.com/office/powerpoint/2010/main" val="2472310184"/>
+        <p14:creationId xmlns:p14="http://schemas.microsoft.com/office/powerpoint/2010/main" val="1387473006"/>
       </p:ext>
     </p:extLst>
   </p:cSld>
   <p:clrMap bg1="lt1" tx1="dk1" bg2="lt2" tx2="dk2" accent1="accent1" accent2="accent2" accent3="accent3" accent4="accent4" accent5="accent5" accent6="accent6" hlink="hlink" folHlink="folHlink"/>
   <p:sldLayoutIdLst>
-    <p:sldLayoutId id="2147483649" r:id="rId1"/>
-    <p:sldLayoutId id="2147483650" r:id="rId2"/>
-    <p:sldLayoutId id="2147483651" r:id="rId3"/>
-    <p:sldLayoutId id="2147483652" r:id="rId4"/>
-    <p:sldLayoutId id="2147483653" r:id="rId5"/>
-    <p:sldLayoutId id="2147483654" r:id="rId6"/>
-    <p:sldLayoutId id="2147483655" r:id="rId7"/>
-    <p:sldLayoutId id="2147483656" r:id="rId8"/>
-    <p:sldLayoutId id="2147483657" r:id="rId9"/>
-    <p:sldLayoutId id="2147483658" r:id="rId10"/>
-    <p:sldLayoutId id="2147483659" r:id="rId11"/>
+    <p:sldLayoutId id="2147483715" r:id="rId1"/>
+    <p:sldLayoutId id="2147483716" r:id="rId2"/>
+    <p:sldLayoutId id="2147483717" r:id="rId3"/>
+    <p:sldLayoutId id="2147483718" r:id="rId4"/>
+    <p:sldLayoutId id="2147483719" r:id="rId5"/>
+    <p:sldLayoutId id="2147483720" r:id="rId6"/>
+    <p:sldLayoutId id="2147483721" r:id="rId7"/>
+    <p:sldLayoutId id="2147483722" r:id="rId8"/>
+    <p:sldLayoutId id="2147483723" r:id="rId9"/>
+    <p:sldLayoutId id="2147483724" r:id="rId10"/>
+    <p:sldLayoutId id="2147483725" r:id="rId11"/>
   </p:sldLayoutIdLst>
   <p:txStyles>
     <p:titleStyle>
-      <a:lvl1pPr algn="l" defTabSz="914400" rtl="0" eaLnBrk="1" latinLnBrk="0" hangingPunct="1">
-        <a:lnSpc>
-          <a:spcPct val="90000"/>
-        </a:lnSpc>
+      <a:lvl1pPr algn="l" defTabSz="457200" rtl="0" eaLnBrk="1" latinLnBrk="0" hangingPunct="1">
         <a:spcBef>
           <a:spcPct val="0"/>
         </a:spcBef>
         <a:buNone/>
-        <a:defRPr sz="4400" kern="1200">
+        <a:defRPr sz="2800" b="0" kern="1200" cap="all">
           <a:solidFill>
-            <a:schemeClr val="tx1"/>
+            <a:schemeClr val="bg1"/>
           </a:solidFill>
           <a:latin typeface="+mj-lt"/>
           <a:ea typeface="+mj-ea"/>
           <a:cs typeface="+mj-cs"/>
         </a:defRPr>
       </a:lvl1pPr>
+      <a:lvl2pPr eaLnBrk="1" hangingPunct="1">
+        <a:defRPr>
+          <a:solidFill>
+            <a:schemeClr val="tx2"/>
+          </a:solidFill>
+        </a:defRPr>
+      </a:lvl2pPr>
+      <a:lvl3pPr eaLnBrk="1" hangingPunct="1">
+        <a:defRPr>
+          <a:solidFill>
+            <a:schemeClr val="tx2"/>
+          </a:solidFill>
+        </a:defRPr>
+      </a:lvl3pPr>
+      <a:lvl4pPr eaLnBrk="1" hangingPunct="1">
+        <a:defRPr>
+          <a:solidFill>
+            <a:schemeClr val="tx2"/>
+          </a:solidFill>
+        </a:defRPr>
+      </a:lvl4pPr>
+      <a:lvl5pPr eaLnBrk="1" hangingPunct="1">
+        <a:defRPr>
+          <a:solidFill>
+            <a:schemeClr val="tx2"/>
+          </a:solidFill>
+        </a:defRPr>
+      </a:lvl5pPr>
+      <a:lvl6pPr eaLnBrk="1" hangingPunct="1">
+        <a:defRPr>
+          <a:solidFill>
+            <a:schemeClr val="tx2"/>
+          </a:solidFill>
+        </a:defRPr>
+      </a:lvl6pPr>
+      <a:lvl7pPr eaLnBrk="1" hangingPunct="1">
+        <a:defRPr>
+          <a:solidFill>
+            <a:schemeClr val="tx2"/>
+          </a:solidFill>
+        </a:defRPr>
+      </a:lvl7pPr>
+      <a:lvl8pPr eaLnBrk="1" hangingPunct="1">
+        <a:defRPr>
+          <a:solidFill>
+            <a:schemeClr val="tx2"/>
+          </a:solidFill>
+        </a:defRPr>
+      </a:lvl8pPr>
+      <a:lvl9pPr eaLnBrk="1" hangingPunct="1">
+        <a:defRPr>
+          <a:solidFill>
+            <a:schemeClr val="tx2"/>
+          </a:solidFill>
+        </a:defRPr>
+      </a:lvl9pPr>
     </p:titleStyle>
     <p:bodyStyle>
-      <a:lvl1pPr marL="228600" indent="-228600" algn="l" defTabSz="914400" rtl="0" eaLnBrk="1" latinLnBrk="0" hangingPunct="1">
-        <a:lnSpc>
-          <a:spcPct val="90000"/>
-        </a:lnSpc>
+      <a:lvl1pPr marL="306000" indent="-306000" algn="l" defTabSz="457200" rtl="0" eaLnBrk="1" latinLnBrk="0" hangingPunct="1">
         <a:spcBef>
-          <a:spcPts val="1000"/>
+          <a:spcPct val="20000"/>
         </a:spcBef>
-        <a:buFont typeface="Arial" panose="020B0604020202020204" pitchFamily="34" charset="0"/>
-        <a:buChar char="•"/>
-        <a:defRPr sz="2800" kern="1200">
+        <a:spcAft>
+          <a:spcPts val="600"/>
+        </a:spcAft>
+        <a:buClr>
+          <a:schemeClr val="accent2"/>
+        </a:buClr>
+        <a:buSzPct val="92000"/>
+        <a:buFont typeface="Wingdings 2" panose="05020102010507070707" pitchFamily="18" charset="2"/>
+        <a:buChar char=""/>
+        <a:defRPr sz="1800" kern="1200">
           <a:solidFill>
-            <a:schemeClr val="tx1"/>
+            <a:schemeClr val="tx2"/>
           </a:solidFill>
           <a:latin typeface="+mn-lt"/>
           <a:ea typeface="+mn-ea"/>
           <a:cs typeface="+mn-cs"/>
         </a:defRPr>
       </a:lvl1pPr>
-      <a:lvl2pPr marL="685800" indent="-228600" algn="l" defTabSz="914400" rtl="0" eaLnBrk="1" latinLnBrk="0" hangingPunct="1">
-        <a:lnSpc>
-          <a:spcPct val="90000"/>
-        </a:lnSpc>
+      <a:lvl2pPr marL="630000" indent="-306000" algn="l" defTabSz="457200" rtl="0" eaLnBrk="1" latinLnBrk="0" hangingPunct="1">
         <a:spcBef>
-          <a:spcPts val="500"/>
+          <a:spcPct val="20000"/>
         </a:spcBef>
-        <a:buFont typeface="Arial" panose="020B0604020202020204" pitchFamily="34" charset="0"/>
-        <a:buChar char="•"/>
-        <a:defRPr sz="2400" kern="1200">
+        <a:spcAft>
+          <a:spcPts val="600"/>
+        </a:spcAft>
+        <a:buClr>
+          <a:schemeClr val="accent2"/>
+        </a:buClr>
+        <a:buSzPct val="92000"/>
+        <a:buFont typeface="Wingdings 2" panose="05020102010507070707" pitchFamily="18" charset="2"/>
+        <a:buChar char=""/>
+        <a:defRPr sz="1600" kern="1200">
           <a:solidFill>
-            <a:schemeClr val="tx1"/>
+            <a:schemeClr val="tx2"/>
           </a:solidFill>
           <a:latin typeface="+mn-lt"/>
           <a:ea typeface="+mn-ea"/>
           <a:cs typeface="+mn-cs"/>
         </a:defRPr>
       </a:lvl2pPr>
-      <a:lvl3pPr marL="1143000" indent="-228600" algn="l" defTabSz="914400" rtl="0" eaLnBrk="1" latinLnBrk="0" hangingPunct="1">
-        <a:lnSpc>
-          <a:spcPct val="90000"/>
-        </a:lnSpc>
+      <a:lvl3pPr marL="900000" indent="-270000" algn="l" defTabSz="457200" rtl="0" eaLnBrk="1" latinLnBrk="0" hangingPunct="1">
         <a:spcBef>
-          <a:spcPts val="500"/>
+          <a:spcPct val="20000"/>
         </a:spcBef>
-        <a:buFont typeface="Arial" panose="020B0604020202020204" pitchFamily="34" charset="0"/>
-        <a:buChar char="•"/>
-        <a:defRPr sz="2000" kern="1200">
+        <a:spcAft>
+          <a:spcPts val="600"/>
+        </a:spcAft>
+        <a:buClr>
+          <a:schemeClr val="accent2"/>
+        </a:buClr>
+        <a:buSzPct val="92000"/>
+        <a:buFont typeface="Wingdings 2" panose="05020102010507070707" pitchFamily="18" charset="2"/>
+        <a:buChar char=""/>
+        <a:defRPr sz="1400" kern="1200">
           <a:solidFill>
-            <a:schemeClr val="tx1"/>
+            <a:schemeClr val="tx2"/>
           </a:solidFill>
           <a:latin typeface="+mn-lt"/>
           <a:ea typeface="+mn-ea"/>
           <a:cs typeface="+mn-cs"/>
         </a:defRPr>
       </a:lvl3pPr>
-      <a:lvl4pPr marL="1600200" indent="-228600" algn="l" defTabSz="914400" rtl="0" eaLnBrk="1" latinLnBrk="0" hangingPunct="1">
-        <a:lnSpc>
-          <a:spcPct val="90000"/>
-        </a:lnSpc>
+      <a:lvl4pPr marL="1242000" indent="-234000" algn="l" defTabSz="457200" rtl="0" eaLnBrk="1" latinLnBrk="0" hangingPunct="1">
         <a:spcBef>
-          <a:spcPts val="500"/>
+          <a:spcPct val="20000"/>
         </a:spcBef>
-        <a:buFont typeface="Arial" panose="020B0604020202020204" pitchFamily="34" charset="0"/>
-        <a:buChar char="•"/>
-        <a:defRPr sz="1800" kern="1200">
+        <a:spcAft>
+          <a:spcPts val="600"/>
+        </a:spcAft>
+        <a:buClr>
+          <a:schemeClr val="accent2"/>
+        </a:buClr>
+        <a:buSzPct val="92000"/>
+        <a:buFont typeface="Wingdings 2" panose="05020102010507070707" pitchFamily="18" charset="2"/>
+        <a:buChar char=""/>
+        <a:defRPr sz="1200" kern="1200">
           <a:solidFill>
-            <a:schemeClr val="tx1"/>
+            <a:schemeClr val="tx2"/>
           </a:solidFill>
           <a:latin typeface="+mn-lt"/>
           <a:ea typeface="+mn-ea"/>
           <a:cs typeface="+mn-cs"/>
         </a:defRPr>
       </a:lvl4pPr>
-      <a:lvl5pPr marL="2057400" indent="-228600" algn="l" defTabSz="914400" rtl="0" eaLnBrk="1" latinLnBrk="0" hangingPunct="1">
-        <a:lnSpc>
-          <a:spcPct val="90000"/>
-        </a:lnSpc>
+      <a:lvl5pPr marL="1602000" indent="-234000" algn="l" defTabSz="457200" rtl="0" eaLnBrk="1" latinLnBrk="0" hangingPunct="1">
         <a:spcBef>
-          <a:spcPts val="500"/>
+          <a:spcPct val="20000"/>
         </a:spcBef>
-        <a:buFont typeface="Arial" panose="020B0604020202020204" pitchFamily="34" charset="0"/>
-        <a:buChar char="•"/>
-        <a:defRPr sz="1800" kern="1200">
+        <a:spcAft>
+          <a:spcPts val="600"/>
+        </a:spcAft>
+        <a:buClr>
+          <a:schemeClr val="accent2"/>
+        </a:buClr>
+        <a:buSzPct val="92000"/>
+        <a:buFont typeface="Wingdings 2" panose="05020102010507070707" pitchFamily="18" charset="2"/>
+        <a:buChar char=""/>
+        <a:defRPr sz="1200" kern="1200">
           <a:solidFill>
-            <a:schemeClr val="tx1"/>
+            <a:schemeClr val="tx2"/>
           </a:solidFill>
           <a:latin typeface="+mn-lt"/>
           <a:ea typeface="+mn-ea"/>
           <a:cs typeface="+mn-cs"/>
         </a:defRPr>
       </a:lvl5pPr>
-      <a:lvl6pPr marL="2514600" indent="-228600" algn="l" defTabSz="914400" rtl="0" eaLnBrk="1" latinLnBrk="0" hangingPunct="1">
-        <a:lnSpc>
-          <a:spcPct val="90000"/>
-        </a:lnSpc>
+      <a:lvl6pPr marL="1900000" indent="-228600" algn="l" defTabSz="457200" rtl="0" eaLnBrk="1" latinLnBrk="0" hangingPunct="1">
         <a:spcBef>
-          <a:spcPts val="500"/>
+          <a:spcPct val="20000"/>
         </a:spcBef>
-        <a:buFont typeface="Arial" panose="020B0604020202020204" pitchFamily="34" charset="0"/>
-        <a:buChar char="•"/>
-        <a:defRPr sz="1800" kern="1200">
+        <a:spcAft>
+          <a:spcPts val="600"/>
+        </a:spcAft>
+        <a:buClr>
+          <a:schemeClr val="accent2"/>
+        </a:buClr>
+        <a:buSzPct val="92000"/>
+        <a:buFont typeface="Wingdings 2" panose="05020102010507070707" pitchFamily="18" charset="2"/>
+        <a:buChar char=""/>
+        <a:defRPr sz="1200" kern="1200">
           <a:solidFill>
-            <a:schemeClr val="tx1"/>
+            <a:schemeClr val="tx2"/>
           </a:solidFill>
           <a:latin typeface="+mn-lt"/>
           <a:ea typeface="+mn-ea"/>
           <a:cs typeface="+mn-cs"/>
         </a:defRPr>
       </a:lvl6pPr>
-      <a:lvl7pPr marL="2971800" indent="-228600" algn="l" defTabSz="914400" rtl="0" eaLnBrk="1" latinLnBrk="0" hangingPunct="1">
-        <a:lnSpc>
-          <a:spcPct val="90000"/>
-        </a:lnSpc>
+      <a:lvl7pPr marL="2200000" indent="-228600" algn="l" defTabSz="457200" rtl="0" eaLnBrk="1" latinLnBrk="0" hangingPunct="1">
         <a:spcBef>
-          <a:spcPts val="500"/>
+          <a:spcPct val="20000"/>
         </a:spcBef>
-        <a:buFont typeface="Arial" panose="020B0604020202020204" pitchFamily="34" charset="0"/>
-        <a:buChar char="•"/>
-        <a:defRPr sz="1800" kern="1200">
+        <a:spcAft>
+          <a:spcPts val="600"/>
+        </a:spcAft>
+        <a:buClr>
+          <a:schemeClr val="accent2"/>
+        </a:buClr>
+        <a:buSzPct val="92000"/>
+        <a:buFont typeface="Wingdings 2" panose="05020102010507070707" pitchFamily="18" charset="2"/>
+        <a:buChar char=""/>
+        <a:defRPr sz="1200" kern="1200">
           <a:solidFill>
-            <a:schemeClr val="tx1"/>
+            <a:schemeClr val="tx2"/>
           </a:solidFill>
           <a:latin typeface="+mn-lt"/>
           <a:ea typeface="+mn-ea"/>
           <a:cs typeface="+mn-cs"/>
         </a:defRPr>
       </a:lvl7pPr>
-      <a:lvl8pPr marL="3429000" indent="-228600" algn="l" defTabSz="914400" rtl="0" eaLnBrk="1" latinLnBrk="0" hangingPunct="1">
-        <a:lnSpc>
-          <a:spcPct val="90000"/>
-        </a:lnSpc>
+      <a:lvl8pPr marL="2500000" indent="-228600" algn="l" defTabSz="457200" rtl="0" eaLnBrk="1" latinLnBrk="0" hangingPunct="1">
         <a:spcBef>
-          <a:spcPts val="500"/>
+          <a:spcPct val="20000"/>
         </a:spcBef>
-        <a:buFont typeface="Arial" panose="020B0604020202020204" pitchFamily="34" charset="0"/>
-        <a:buChar char="•"/>
-        <a:defRPr sz="1800" kern="1200">
+        <a:spcAft>
+          <a:spcPts val="600"/>
+        </a:spcAft>
+        <a:buClr>
+          <a:schemeClr val="accent2"/>
+        </a:buClr>
+        <a:buSzPct val="92000"/>
+        <a:buFont typeface="Wingdings 2" panose="05020102010507070707" pitchFamily="18" charset="2"/>
+        <a:buChar char=""/>
+        <a:defRPr sz="1200" kern="1200">
           <a:solidFill>
-            <a:schemeClr val="tx1"/>
+            <a:schemeClr val="tx2"/>
           </a:solidFill>
           <a:latin typeface="+mn-lt"/>
           <a:ea typeface="+mn-ea"/>
           <a:cs typeface="+mn-cs"/>
         </a:defRPr>
       </a:lvl8pPr>
-      <a:lvl9pPr marL="3886200" indent="-228600" algn="l" defTabSz="914400" rtl="0" eaLnBrk="1" latinLnBrk="0" hangingPunct="1">
-        <a:lnSpc>
-          <a:spcPct val="90000"/>
-        </a:lnSpc>
+      <a:lvl9pPr marL="2800000" indent="-228600" algn="l" defTabSz="457200" rtl="0" eaLnBrk="1" latinLnBrk="0" hangingPunct="1">
         <a:spcBef>
-          <a:spcPts val="500"/>
+          <a:spcPct val="20000"/>
         </a:spcBef>
-        <a:buFont typeface="Arial" panose="020B0604020202020204" pitchFamily="34" charset="0"/>
-        <a:buChar char="•"/>
-        <a:defRPr sz="1800" kern="1200">
+        <a:spcAft>
+          <a:spcPts val="600"/>
+        </a:spcAft>
+        <a:buClr>
+          <a:schemeClr val="accent2"/>
+        </a:buClr>
+        <a:buSzPct val="92000"/>
+        <a:buFont typeface="Wingdings 2" panose="05020102010507070707" pitchFamily="18" charset="2"/>
+        <a:buChar char=""/>
+        <a:defRPr sz="1200" kern="1200">
           <a:solidFill>
-            <a:schemeClr val="tx1"/>
+            <a:schemeClr val="tx2"/>
           </a:solidFill>
           <a:latin typeface="+mn-lt"/>
           <a:ea typeface="+mn-ea"/>
@@ -2852,7 +3755,7 @@
       <a:defPPr>
         <a:defRPr lang="en-US"/>
       </a:defPPr>
-      <a:lvl1pPr marL="0" algn="l" defTabSz="914400" rtl="0" eaLnBrk="1" latinLnBrk="0" hangingPunct="1">
+      <a:lvl1pPr marL="0" algn="l" defTabSz="457200" rtl="0" eaLnBrk="1" latinLnBrk="0" hangingPunct="1">
         <a:defRPr sz="1800" kern="1200">
           <a:solidFill>
             <a:schemeClr val="tx1"/>
@@ -2862,7 +3765,7 @@
           <a:cs typeface="+mn-cs"/>
         </a:defRPr>
       </a:lvl1pPr>
-      <a:lvl2pPr marL="457200" algn="l" defTabSz="914400" rtl="0" eaLnBrk="1" latinLnBrk="0" hangingPunct="1">
+      <a:lvl2pPr marL="457200" algn="l" defTabSz="457200" rtl="0" eaLnBrk="1" latinLnBrk="0" hangingPunct="1">
         <a:defRPr sz="1800" kern="1200">
           <a:solidFill>
             <a:schemeClr val="tx1"/>
@@ -2872,7 +3775,7 @@
           <a:cs typeface="+mn-cs"/>
         </a:defRPr>
       </a:lvl2pPr>
-      <a:lvl3pPr marL="914400" algn="l" defTabSz="914400" rtl="0" eaLnBrk="1" latinLnBrk="0" hangingPunct="1">
+      <a:lvl3pPr marL="914400" algn="l" defTabSz="457200" rtl="0" eaLnBrk="1" latinLnBrk="0" hangingPunct="1">
         <a:defRPr sz="1800" kern="1200">
           <a:solidFill>
             <a:schemeClr val="tx1"/>
@@ -2882,7 +3785,7 @@
           <a:cs typeface="+mn-cs"/>
         </a:defRPr>
       </a:lvl3pPr>
-      <a:lvl4pPr marL="1371600" algn="l" defTabSz="914400" rtl="0" eaLnBrk="1" latinLnBrk="0" hangingPunct="1">
+      <a:lvl4pPr marL="1371600" algn="l" defTabSz="457200" rtl="0" eaLnBrk="1" latinLnBrk="0" hangingPunct="1">
         <a:defRPr sz="1800" kern="1200">
           <a:solidFill>
             <a:schemeClr val="tx1"/>
@@ -2892,7 +3795,7 @@
           <a:cs typeface="+mn-cs"/>
         </a:defRPr>
       </a:lvl4pPr>
-      <a:lvl5pPr marL="1828800" algn="l" defTabSz="914400" rtl="0" eaLnBrk="1" latinLnBrk="0" hangingPunct="1">
+      <a:lvl5pPr marL="1828800" algn="l" defTabSz="457200" rtl="0" eaLnBrk="1" latinLnBrk="0" hangingPunct="1">
         <a:defRPr sz="1800" kern="1200">
           <a:solidFill>
             <a:schemeClr val="tx1"/>
@@ -2902,7 +3805,7 @@
           <a:cs typeface="+mn-cs"/>
         </a:defRPr>
       </a:lvl5pPr>
-      <a:lvl6pPr marL="2286000" algn="l" defTabSz="914400" rtl="0" eaLnBrk="1" latinLnBrk="0" hangingPunct="1">
+      <a:lvl6pPr marL="2286000" algn="l" defTabSz="457200" rtl="0" eaLnBrk="1" latinLnBrk="0" hangingPunct="1">
         <a:defRPr sz="1800" kern="1200">
           <a:solidFill>
             <a:schemeClr val="tx1"/>
@@ -2912,7 +3815,7 @@
           <a:cs typeface="+mn-cs"/>
         </a:defRPr>
       </a:lvl6pPr>
-      <a:lvl7pPr marL="2743200" algn="l" defTabSz="914400" rtl="0" eaLnBrk="1" latinLnBrk="0" hangingPunct="1">
+      <a:lvl7pPr marL="2743200" algn="l" defTabSz="457200" rtl="0" eaLnBrk="1" latinLnBrk="0" hangingPunct="1">
         <a:defRPr sz="1800" kern="1200">
           <a:solidFill>
             <a:schemeClr val="tx1"/>
@@ -2922,7 +3825,7 @@
           <a:cs typeface="+mn-cs"/>
         </a:defRPr>
       </a:lvl7pPr>
-      <a:lvl8pPr marL="3200400" algn="l" defTabSz="914400" rtl="0" eaLnBrk="1" latinLnBrk="0" hangingPunct="1">
+      <a:lvl8pPr marL="3200400" algn="l" defTabSz="457200" rtl="0" eaLnBrk="1" latinLnBrk="0" hangingPunct="1">
         <a:defRPr sz="1800" kern="1200">
           <a:solidFill>
             <a:schemeClr val="tx1"/>
@@ -2932,7 +3835,7 @@
           <a:cs typeface="+mn-cs"/>
         </a:defRPr>
       </a:lvl8pPr>
-      <a:lvl9pPr marL="3657600" algn="l" defTabSz="914400" rtl="0" eaLnBrk="1" latinLnBrk="0" hangingPunct="1">
+      <a:lvl9pPr marL="3657600" algn="l" defTabSz="457200" rtl="0" eaLnBrk="1" latinLnBrk="0" hangingPunct="1">
         <a:defRPr sz="1800" kern="1200">
           <a:solidFill>
             <a:schemeClr val="tx1"/>
@@ -3024,13 +3927,1396 @@
   <p:clrMapOvr>
     <a:masterClrMapping/>
   </p:clrMapOvr>
+  <p:timing>
+    <p:tnLst>
+      <p:par>
+        <p:cTn id="1" dur="indefinite" restart="never" nodeType="tmRoot"/>
+      </p:par>
+    </p:tnLst>
+  </p:timing>
+</p:sld>
+</file>
+
+<file path=ppt/slides/slide2.xml><?xml version="1.0" encoding="utf-8"?>
+<p:sld xmlns:a="http://schemas.openxmlformats.org/drawingml/2006/main" xmlns:r="http://schemas.openxmlformats.org/officeDocument/2006/relationships" xmlns:p="http://schemas.openxmlformats.org/presentationml/2006/main">
+  <p:cSld>
+    <p:spTree>
+      <p:nvGrpSpPr>
+        <p:cNvPr id="1" name=""/>
+        <p:cNvGrpSpPr/>
+        <p:nvPr/>
+      </p:nvGrpSpPr>
+      <p:grpSpPr>
+        <a:xfrm>
+          <a:off x="0" y="0"/>
+          <a:ext cx="0" cy="0"/>
+          <a:chOff x="0" y="0"/>
+          <a:chExt cx="0" cy="0"/>
+        </a:xfrm>
+      </p:grpSpPr>
+      <p:sp>
+        <p:nvSpPr>
+          <p:cNvPr id="2" name="Title 1"/>
+          <p:cNvSpPr>
+            <a:spLocks noGrp="1"/>
+          </p:cNvSpPr>
+          <p:nvPr>
+            <p:ph type="title"/>
+          </p:nvPr>
+        </p:nvSpPr>
+        <p:spPr/>
+        <p:txBody>
+          <a:bodyPr/>
+          <a:lstStyle/>
+          <a:p>
+            <a:r>
+              <a:rPr lang="en-US" dirty="0" smtClean="0"/>
+              <a:t>Link</a:t>
+            </a:r>
+            <a:endParaRPr lang="en-US" dirty="0"/>
+          </a:p>
+        </p:txBody>
+      </p:sp>
+      <p:sp>
+        <p:nvSpPr>
+          <p:cNvPr id="3" name="Content Placeholder 2"/>
+          <p:cNvSpPr>
+            <a:spLocks noGrp="1"/>
+          </p:cNvSpPr>
+          <p:nvPr>
+            <p:ph idx="1"/>
+          </p:nvPr>
+        </p:nvSpPr>
+        <p:spPr/>
+        <p:txBody>
+          <a:bodyPr/>
+          <a:lstStyle/>
+          <a:p>
+            <a:r>
+              <a:rPr lang="en-US" dirty="0">
+                <a:solidFill>
+                  <a:schemeClr val="tx1">
+                    <a:lumMod val="95000"/>
+                  </a:schemeClr>
+                </a:solidFill>
+                <a:hlinkClick r:id="rId2"/>
+              </a:rPr>
+              <a:t>https://youthful-sammet-44c522.netlify.app/</a:t>
+            </a:r>
+            <a:endParaRPr lang="en-US" dirty="0">
+              <a:solidFill>
+                <a:schemeClr val="tx1">
+                  <a:lumMod val="95000"/>
+                </a:schemeClr>
+              </a:solidFill>
+            </a:endParaRPr>
+          </a:p>
+        </p:txBody>
+      </p:sp>
+    </p:spTree>
+    <p:extLst>
+      <p:ext uri="{BB962C8B-B14F-4D97-AF65-F5344CB8AC3E}">
+        <p14:creationId xmlns:p14="http://schemas.microsoft.com/office/powerpoint/2010/main" val="1893826790"/>
+      </p:ext>
+    </p:extLst>
+  </p:cSld>
+  <p:clrMapOvr>
+    <a:masterClrMapping/>
+  </p:clrMapOvr>
+  <p:timing>
+    <p:tnLst>
+      <p:par>
+        <p:cTn id="1" dur="indefinite" restart="never" nodeType="tmRoot"/>
+      </p:par>
+    </p:tnLst>
+  </p:timing>
+</p:sld>
+</file>
+
+<file path=ppt/slides/slide3.xml><?xml version="1.0" encoding="utf-8"?>
+<p:sld xmlns:a="http://schemas.openxmlformats.org/drawingml/2006/main" xmlns:r="http://schemas.openxmlformats.org/officeDocument/2006/relationships" xmlns:p="http://schemas.openxmlformats.org/presentationml/2006/main">
+  <p:cSld>
+    <p:spTree>
+      <p:nvGrpSpPr>
+        <p:cNvPr id="1" name=""/>
+        <p:cNvGrpSpPr/>
+        <p:nvPr/>
+      </p:nvGrpSpPr>
+      <p:grpSpPr>
+        <a:xfrm>
+          <a:off x="0" y="0"/>
+          <a:ext cx="0" cy="0"/>
+          <a:chOff x="0" y="0"/>
+          <a:chExt cx="0" cy="0"/>
+        </a:xfrm>
+      </p:grpSpPr>
+      <p:sp>
+        <p:nvSpPr>
+          <p:cNvPr id="2" name="Title 1"/>
+          <p:cNvSpPr>
+            <a:spLocks noGrp="1"/>
+          </p:cNvSpPr>
+          <p:nvPr>
+            <p:ph type="title"/>
+          </p:nvPr>
+        </p:nvSpPr>
+        <p:spPr/>
+        <p:txBody>
+          <a:bodyPr/>
+          <a:lstStyle/>
+          <a:p>
+            <a:r>
+              <a:rPr lang="en-US" dirty="0" smtClean="0"/>
+              <a:t>HTML &amp; CSS</a:t>
+            </a:r>
+            <a:endParaRPr lang="en-US" dirty="0"/>
+          </a:p>
+        </p:txBody>
+      </p:sp>
+      <p:sp>
+        <p:nvSpPr>
+          <p:cNvPr id="3" name="Content Placeholder 2"/>
+          <p:cNvSpPr>
+            <a:spLocks noGrp="1"/>
+          </p:cNvSpPr>
+          <p:nvPr>
+            <p:ph idx="1"/>
+          </p:nvPr>
+        </p:nvSpPr>
+        <p:spPr/>
+        <p:txBody>
+          <a:bodyPr/>
+          <a:lstStyle/>
+          <a:p>
+            <a:pPr algn="just"/>
+            <a:r>
+              <a:rPr lang="en-US" dirty="0"/>
+              <a:t>HTML </a:t>
+            </a:r>
+            <a:r>
+              <a:rPr lang="en-US" dirty="0" err="1"/>
+              <a:t>adalah</a:t>
+            </a:r>
+            <a:r>
+              <a:rPr lang="en-US" dirty="0"/>
+              <a:t> </a:t>
+            </a:r>
+            <a:r>
+              <a:rPr lang="en-US" dirty="0" err="1"/>
+              <a:t>singkatan</a:t>
+            </a:r>
+            <a:r>
+              <a:rPr lang="en-US" dirty="0"/>
+              <a:t> </a:t>
+            </a:r>
+            <a:r>
+              <a:rPr lang="en-US" dirty="0" err="1"/>
+              <a:t>dari</a:t>
+            </a:r>
+            <a:r>
+              <a:rPr lang="en-US" dirty="0"/>
+              <a:t> </a:t>
+            </a:r>
+            <a:r>
+              <a:rPr lang="en-US" dirty="0" err="1"/>
+              <a:t>HyperText</a:t>
+            </a:r>
+            <a:r>
+              <a:rPr lang="en-US" dirty="0"/>
+              <a:t> Markup Language </a:t>
+            </a:r>
+            <a:r>
+              <a:rPr lang="en-US" dirty="0" err="1"/>
+              <a:t>yaitu</a:t>
+            </a:r>
+            <a:r>
+              <a:rPr lang="en-US" dirty="0"/>
+              <a:t> </a:t>
+            </a:r>
+            <a:r>
+              <a:rPr lang="en-US" dirty="0" err="1"/>
+              <a:t>bahasa</a:t>
+            </a:r>
+            <a:r>
+              <a:rPr lang="en-US" dirty="0"/>
+              <a:t> </a:t>
+            </a:r>
+            <a:r>
+              <a:rPr lang="en-US" dirty="0" err="1"/>
+              <a:t>pemrograman</a:t>
+            </a:r>
+            <a:r>
+              <a:rPr lang="en-US" dirty="0"/>
+              <a:t> </a:t>
+            </a:r>
+            <a:r>
+              <a:rPr lang="en-US" dirty="0" err="1"/>
+              <a:t>standar</a:t>
+            </a:r>
+            <a:r>
+              <a:rPr lang="en-US" dirty="0"/>
+              <a:t> yang </a:t>
+            </a:r>
+            <a:r>
+              <a:rPr lang="en-US" dirty="0" err="1"/>
+              <a:t>digunakan</a:t>
+            </a:r>
+            <a:r>
+              <a:rPr lang="en-US" dirty="0"/>
+              <a:t> </a:t>
+            </a:r>
+            <a:r>
+              <a:rPr lang="en-US" dirty="0" err="1"/>
+              <a:t>untuk</a:t>
+            </a:r>
+            <a:r>
+              <a:rPr lang="en-US" dirty="0"/>
+              <a:t> </a:t>
+            </a:r>
+            <a:r>
+              <a:rPr lang="en-US" dirty="0" err="1"/>
+              <a:t>membuat</a:t>
+            </a:r>
+            <a:r>
+              <a:rPr lang="en-US" dirty="0"/>
+              <a:t> </a:t>
+            </a:r>
+            <a:r>
+              <a:rPr lang="en-US" dirty="0" err="1"/>
+              <a:t>sebuah</a:t>
+            </a:r>
+            <a:r>
+              <a:rPr lang="en-US" dirty="0"/>
+              <a:t> </a:t>
+            </a:r>
+            <a:r>
+              <a:rPr lang="en-US" dirty="0" err="1"/>
+              <a:t>halaman</a:t>
+            </a:r>
+            <a:r>
+              <a:rPr lang="en-US" dirty="0"/>
+              <a:t> web, yang </a:t>
+            </a:r>
+            <a:r>
+              <a:rPr lang="en-US" dirty="0" err="1"/>
+              <a:t>kemudian</a:t>
+            </a:r>
+            <a:r>
+              <a:rPr lang="en-US" dirty="0"/>
+              <a:t> </a:t>
+            </a:r>
+            <a:r>
+              <a:rPr lang="en-US" dirty="0" err="1"/>
+              <a:t>dapat</a:t>
+            </a:r>
+            <a:r>
+              <a:rPr lang="en-US" dirty="0"/>
+              <a:t> </a:t>
+            </a:r>
+            <a:r>
+              <a:rPr lang="en-US" dirty="0" err="1"/>
+              <a:t>diakses</a:t>
+            </a:r>
+            <a:r>
+              <a:rPr lang="en-US" dirty="0"/>
+              <a:t> </a:t>
+            </a:r>
+            <a:r>
+              <a:rPr lang="en-US" dirty="0" err="1"/>
+              <a:t>untuk</a:t>
+            </a:r>
+            <a:r>
+              <a:rPr lang="en-US" dirty="0"/>
+              <a:t> </a:t>
+            </a:r>
+            <a:r>
+              <a:rPr lang="en-US" dirty="0" err="1"/>
+              <a:t>menampilkan</a:t>
+            </a:r>
+            <a:r>
+              <a:rPr lang="en-US" dirty="0"/>
+              <a:t> </a:t>
+            </a:r>
+            <a:r>
+              <a:rPr lang="en-US" dirty="0" err="1"/>
+              <a:t>berbagai</a:t>
+            </a:r>
+            <a:r>
+              <a:rPr lang="en-US" dirty="0"/>
+              <a:t> </a:t>
+            </a:r>
+            <a:r>
+              <a:rPr lang="en-US" dirty="0" err="1"/>
+              <a:t>informasi</a:t>
+            </a:r>
+            <a:r>
+              <a:rPr lang="en-US" dirty="0"/>
+              <a:t> di </a:t>
+            </a:r>
+            <a:r>
+              <a:rPr lang="en-US" dirty="0" err="1"/>
+              <a:t>dalam</a:t>
+            </a:r>
+            <a:r>
+              <a:rPr lang="en-US" dirty="0"/>
+              <a:t> </a:t>
+            </a:r>
+            <a:r>
+              <a:rPr lang="en-US" dirty="0" smtClean="0"/>
+              <a:t>browser</a:t>
+            </a:r>
+          </a:p>
+          <a:p>
+            <a:pPr algn="just"/>
+            <a:endParaRPr lang="en-US" dirty="0"/>
+          </a:p>
+          <a:p>
+            <a:pPr algn="just"/>
+            <a:r>
+              <a:rPr lang="en-US" dirty="0"/>
+              <a:t>CSS </a:t>
+            </a:r>
+            <a:r>
+              <a:rPr lang="en-US" dirty="0" err="1"/>
+              <a:t>adalah</a:t>
+            </a:r>
+            <a:r>
+              <a:rPr lang="en-US" dirty="0"/>
+              <a:t> </a:t>
+            </a:r>
+            <a:r>
+              <a:rPr lang="en-US" dirty="0" err="1"/>
+              <a:t>kependekan</a:t>
+            </a:r>
+            <a:r>
+              <a:rPr lang="en-US" dirty="0"/>
+              <a:t> </a:t>
+            </a:r>
+            <a:r>
+              <a:rPr lang="en-US" dirty="0" err="1"/>
+              <a:t>dari</a:t>
+            </a:r>
+            <a:r>
+              <a:rPr lang="en-US" dirty="0"/>
+              <a:t> Cascading Style Sheet. CSS </a:t>
+            </a:r>
+            <a:r>
+              <a:rPr lang="en-US" dirty="0" err="1"/>
+              <a:t>merupakan</a:t>
+            </a:r>
+            <a:r>
+              <a:rPr lang="en-US" dirty="0"/>
+              <a:t> </a:t>
+            </a:r>
+            <a:r>
+              <a:rPr lang="en-US" dirty="0" err="1"/>
+              <a:t>kumpulan</a:t>
+            </a:r>
+            <a:r>
+              <a:rPr lang="en-US" dirty="0"/>
+              <a:t> </a:t>
+            </a:r>
+            <a:r>
+              <a:rPr lang="en-US" dirty="0" err="1"/>
+              <a:t>kode-kode</a:t>
+            </a:r>
+            <a:r>
+              <a:rPr lang="en-US" dirty="0"/>
+              <a:t> yang </a:t>
+            </a:r>
+            <a:r>
+              <a:rPr lang="en-US" dirty="0" err="1"/>
+              <a:t>bertujuan</a:t>
+            </a:r>
+            <a:r>
+              <a:rPr lang="en-US" dirty="0"/>
+              <a:t> </a:t>
+            </a:r>
+            <a:r>
+              <a:rPr lang="en-US" dirty="0" err="1"/>
+              <a:t>untuk</a:t>
+            </a:r>
+            <a:r>
+              <a:rPr lang="en-US" dirty="0"/>
+              <a:t> </a:t>
+            </a:r>
+            <a:r>
+              <a:rPr lang="en-US" dirty="0" err="1"/>
+              <a:t>menghias</a:t>
+            </a:r>
+            <a:r>
+              <a:rPr lang="en-US" dirty="0"/>
+              <a:t> </a:t>
+            </a:r>
+            <a:r>
+              <a:rPr lang="en-US" dirty="0" err="1"/>
+              <a:t>dan</a:t>
+            </a:r>
+            <a:r>
+              <a:rPr lang="en-US" dirty="0"/>
+              <a:t> </a:t>
+            </a:r>
+            <a:r>
+              <a:rPr lang="en-US" dirty="0" err="1"/>
+              <a:t>mengatur</a:t>
+            </a:r>
+            <a:r>
+              <a:rPr lang="en-US" dirty="0"/>
+              <a:t> </a:t>
+            </a:r>
+            <a:r>
+              <a:rPr lang="en-US" dirty="0" err="1"/>
+              <a:t>gaya</a:t>
+            </a:r>
+            <a:r>
+              <a:rPr lang="en-US" dirty="0"/>
+              <a:t> </a:t>
+            </a:r>
+            <a:r>
+              <a:rPr lang="en-US" dirty="0" err="1"/>
+              <a:t>tampilan</a:t>
+            </a:r>
+            <a:r>
+              <a:rPr lang="en-US" dirty="0"/>
+              <a:t>/layout </a:t>
+            </a:r>
+            <a:r>
+              <a:rPr lang="en-US" dirty="0" err="1"/>
+              <a:t>halaman</a:t>
+            </a:r>
+            <a:r>
+              <a:rPr lang="en-US" dirty="0"/>
+              <a:t> web </a:t>
+            </a:r>
+            <a:r>
+              <a:rPr lang="en-US" dirty="0" err="1"/>
+              <a:t>supaya</a:t>
+            </a:r>
+            <a:r>
+              <a:rPr lang="en-US" dirty="0"/>
+              <a:t> </a:t>
+            </a:r>
+            <a:r>
+              <a:rPr lang="en-US" dirty="0" err="1"/>
+              <a:t>lebih</a:t>
+            </a:r>
+            <a:r>
+              <a:rPr lang="en-US" dirty="0"/>
+              <a:t> </a:t>
+            </a:r>
+            <a:r>
+              <a:rPr lang="en-US" dirty="0" err="1"/>
+              <a:t>elegan</a:t>
+            </a:r>
+            <a:r>
+              <a:rPr lang="en-US" dirty="0"/>
+              <a:t> </a:t>
+            </a:r>
+            <a:r>
+              <a:rPr lang="en-US" dirty="0" err="1"/>
+              <a:t>dan</a:t>
+            </a:r>
+            <a:r>
+              <a:rPr lang="en-US" dirty="0"/>
+              <a:t> </a:t>
+            </a:r>
+            <a:r>
+              <a:rPr lang="en-US" dirty="0" err="1" smtClean="0"/>
+              <a:t>menarik</a:t>
+            </a:r>
+            <a:endParaRPr lang="en-US" dirty="0"/>
+          </a:p>
+          <a:p>
+            <a:pPr marL="0" indent="0" algn="just">
+              <a:buNone/>
+            </a:pPr>
+            <a:endParaRPr lang="en-US" dirty="0" smtClean="0"/>
+          </a:p>
+          <a:p>
+            <a:pPr algn="just"/>
+            <a:endParaRPr lang="en-US" dirty="0"/>
+          </a:p>
+          <a:p>
+            <a:pPr algn="just"/>
+            <a:endParaRPr lang="en-US" dirty="0" smtClean="0"/>
+          </a:p>
+          <a:p>
+            <a:endParaRPr lang="en-US" dirty="0"/>
+          </a:p>
+        </p:txBody>
+      </p:sp>
+    </p:spTree>
+    <p:extLst>
+      <p:ext uri="{BB962C8B-B14F-4D97-AF65-F5344CB8AC3E}">
+        <p14:creationId xmlns:p14="http://schemas.microsoft.com/office/powerpoint/2010/main" val="1685858390"/>
+      </p:ext>
+    </p:extLst>
+  </p:cSld>
+  <p:clrMapOvr>
+    <a:masterClrMapping/>
+  </p:clrMapOvr>
+  <p:timing>
+    <p:tnLst>
+      <p:par>
+        <p:cTn id="1" dur="indefinite" restart="never" nodeType="tmRoot"/>
+      </p:par>
+    </p:tnLst>
+  </p:timing>
+</p:sld>
+</file>
+
+<file path=ppt/slides/slide4.xml><?xml version="1.0" encoding="utf-8"?>
+<p:sld xmlns:a="http://schemas.openxmlformats.org/drawingml/2006/main" xmlns:r="http://schemas.openxmlformats.org/officeDocument/2006/relationships" xmlns:p="http://schemas.openxmlformats.org/presentationml/2006/main">
+  <p:cSld>
+    <p:spTree>
+      <p:nvGrpSpPr>
+        <p:cNvPr id="1" name=""/>
+        <p:cNvGrpSpPr/>
+        <p:nvPr/>
+      </p:nvGrpSpPr>
+      <p:grpSpPr>
+        <a:xfrm>
+          <a:off x="0" y="0"/>
+          <a:ext cx="0" cy="0"/>
+          <a:chOff x="0" y="0"/>
+          <a:chExt cx="0" cy="0"/>
+        </a:xfrm>
+      </p:grpSpPr>
+      <p:sp>
+        <p:nvSpPr>
+          <p:cNvPr id="2" name="Title 1"/>
+          <p:cNvSpPr>
+            <a:spLocks noGrp="1"/>
+          </p:cNvSpPr>
+          <p:nvPr>
+            <p:ph type="title"/>
+          </p:nvPr>
+        </p:nvSpPr>
+        <p:spPr/>
+        <p:txBody>
+          <a:bodyPr/>
+          <a:lstStyle/>
+          <a:p>
+            <a:r>
+              <a:rPr lang="en-US" dirty="0" smtClean="0"/>
+              <a:t>Tag</a:t>
+            </a:r>
+            <a:endParaRPr lang="en-US" dirty="0"/>
+          </a:p>
+        </p:txBody>
+      </p:sp>
+      <p:sp>
+        <p:nvSpPr>
+          <p:cNvPr id="3" name="Text Placeholder 2"/>
+          <p:cNvSpPr>
+            <a:spLocks noGrp="1"/>
+          </p:cNvSpPr>
+          <p:nvPr>
+            <p:ph type="body" idx="1"/>
+          </p:nvPr>
+        </p:nvSpPr>
+        <p:spPr/>
+        <p:txBody>
+          <a:bodyPr/>
+          <a:lstStyle/>
+          <a:p>
+            <a:r>
+              <a:rPr lang="en-US" dirty="0" smtClean="0"/>
+              <a:t>HTML</a:t>
+            </a:r>
+            <a:endParaRPr lang="en-US" dirty="0"/>
+          </a:p>
+        </p:txBody>
+      </p:sp>
+      <p:sp>
+        <p:nvSpPr>
+          <p:cNvPr id="4" name="Content Placeholder 3"/>
+          <p:cNvSpPr>
+            <a:spLocks noGrp="1"/>
+          </p:cNvSpPr>
+          <p:nvPr>
+            <p:ph sz="half" idx="2"/>
+          </p:nvPr>
+        </p:nvSpPr>
+        <p:spPr/>
+        <p:txBody>
+          <a:bodyPr/>
+          <a:lstStyle/>
+          <a:p>
+            <a:r>
+              <a:rPr lang="en-US" dirty="0" smtClean="0"/>
+              <a:t>&lt;picture&gt;</a:t>
+            </a:r>
+          </a:p>
+          <a:p>
+            <a:r>
+              <a:rPr lang="en-US" dirty="0" smtClean="0"/>
+              <a:t>&lt;</a:t>
+            </a:r>
+            <a:r>
+              <a:rPr lang="en-US" dirty="0" err="1" smtClean="0"/>
+              <a:t>blockquote</a:t>
+            </a:r>
+            <a:r>
+              <a:rPr lang="en-US" dirty="0" smtClean="0"/>
+              <a:t>&gt;</a:t>
+            </a:r>
+            <a:endParaRPr lang="en-US" dirty="0"/>
+          </a:p>
+        </p:txBody>
+      </p:sp>
+      <p:sp>
+        <p:nvSpPr>
+          <p:cNvPr id="5" name="Text Placeholder 4"/>
+          <p:cNvSpPr>
+            <a:spLocks noGrp="1"/>
+          </p:cNvSpPr>
+          <p:nvPr>
+            <p:ph type="body" sz="quarter" idx="3"/>
+          </p:nvPr>
+        </p:nvSpPr>
+        <p:spPr/>
+        <p:txBody>
+          <a:bodyPr/>
+          <a:lstStyle/>
+          <a:p>
+            <a:r>
+              <a:rPr lang="en-US" dirty="0" smtClean="0"/>
+              <a:t>CSS &amp; </a:t>
+            </a:r>
+            <a:r>
+              <a:rPr lang="en-US" dirty="0" err="1" smtClean="0"/>
+              <a:t>Bootstrapp</a:t>
+            </a:r>
+            <a:endParaRPr lang="en-US" dirty="0"/>
+          </a:p>
+        </p:txBody>
+      </p:sp>
+      <p:sp>
+        <p:nvSpPr>
+          <p:cNvPr id="6" name="Content Placeholder 5"/>
+          <p:cNvSpPr>
+            <a:spLocks noGrp="1"/>
+          </p:cNvSpPr>
+          <p:nvPr>
+            <p:ph sz="quarter" idx="4"/>
+          </p:nvPr>
+        </p:nvSpPr>
+        <p:spPr/>
+        <p:txBody>
+          <a:bodyPr/>
+          <a:lstStyle/>
+          <a:p>
+            <a:r>
+              <a:rPr lang="en-US" dirty="0" err="1" smtClean="0"/>
+              <a:t>Vw</a:t>
+            </a:r>
+            <a:r>
+              <a:rPr lang="en-US" dirty="0" smtClean="0"/>
+              <a:t> and </a:t>
+            </a:r>
+            <a:r>
+              <a:rPr lang="en-US" dirty="0" err="1" smtClean="0"/>
+              <a:t>vh</a:t>
+            </a:r>
+            <a:r>
+              <a:rPr lang="en-US" dirty="0" smtClean="0"/>
+              <a:t> as size unit</a:t>
+            </a:r>
+          </a:p>
+          <a:p>
+            <a:r>
+              <a:rPr lang="en-US" dirty="0" err="1" smtClean="0"/>
+              <a:t>Bootstrapp</a:t>
+            </a:r>
+            <a:r>
+              <a:rPr lang="en-US" dirty="0" smtClean="0"/>
+              <a:t> class for </a:t>
+            </a:r>
+            <a:r>
+              <a:rPr lang="en-US" dirty="0" smtClean="0"/>
+              <a:t>carousel </a:t>
+            </a:r>
+          </a:p>
+          <a:p>
+            <a:pPr lvl="1"/>
+            <a:r>
+              <a:rPr lang="en-US" dirty="0" smtClean="0"/>
+              <a:t>w-100 </a:t>
+            </a:r>
+          </a:p>
+          <a:p>
+            <a:pPr lvl="1"/>
+            <a:r>
+              <a:rPr lang="en-US" dirty="0" smtClean="0"/>
+              <a:t>h-100</a:t>
+            </a:r>
+          </a:p>
+          <a:p>
+            <a:pPr lvl="1"/>
+            <a:r>
+              <a:rPr lang="en-US" dirty="0" smtClean="0"/>
+              <a:t>D-none</a:t>
+            </a:r>
+            <a:endParaRPr lang="en-US" dirty="0"/>
+          </a:p>
+          <a:p>
+            <a:r>
+              <a:rPr lang="en-US" dirty="0" err="1" smtClean="0"/>
+              <a:t>Overflow:hidden</a:t>
+            </a:r>
+            <a:r>
+              <a:rPr lang="en-US" dirty="0" smtClean="0"/>
+              <a:t> to get clean look</a:t>
+            </a:r>
+          </a:p>
+          <a:p>
+            <a:r>
+              <a:rPr lang="en-US" dirty="0" err="1" smtClean="0"/>
+              <a:t>Calc</a:t>
+            </a:r>
+            <a:r>
+              <a:rPr lang="en-US" smtClean="0"/>
+              <a:t>()</a:t>
+            </a:r>
+            <a:endParaRPr lang="en-US" dirty="0" smtClean="0"/>
+          </a:p>
+        </p:txBody>
+      </p:sp>
+    </p:spTree>
+    <p:extLst>
+      <p:ext uri="{BB962C8B-B14F-4D97-AF65-F5344CB8AC3E}">
+        <p14:creationId xmlns:p14="http://schemas.microsoft.com/office/powerpoint/2010/main" val="3040126673"/>
+      </p:ext>
+    </p:extLst>
+  </p:cSld>
+  <p:clrMapOvr>
+    <a:masterClrMapping/>
+  </p:clrMapOvr>
+</p:sld>
+</file>
+
+<file path=ppt/slides/slide5.xml><?xml version="1.0" encoding="utf-8"?>
+<p:sld xmlns:a="http://schemas.openxmlformats.org/drawingml/2006/main" xmlns:r="http://schemas.openxmlformats.org/officeDocument/2006/relationships" xmlns:p="http://schemas.openxmlformats.org/presentationml/2006/main">
+  <p:cSld>
+    <p:spTree>
+      <p:nvGrpSpPr>
+        <p:cNvPr id="1" name=""/>
+        <p:cNvGrpSpPr/>
+        <p:nvPr/>
+      </p:nvGrpSpPr>
+      <p:grpSpPr>
+        <a:xfrm>
+          <a:off x="0" y="0"/>
+          <a:ext cx="0" cy="0"/>
+          <a:chOff x="0" y="0"/>
+          <a:chExt cx="0" cy="0"/>
+        </a:xfrm>
+      </p:grpSpPr>
+      <p:sp>
+        <p:nvSpPr>
+          <p:cNvPr id="2" name="Title 1"/>
+          <p:cNvSpPr>
+            <a:spLocks noGrp="1"/>
+          </p:cNvSpPr>
+          <p:nvPr>
+            <p:ph type="title"/>
+          </p:nvPr>
+        </p:nvSpPr>
+        <p:spPr/>
+        <p:txBody>
+          <a:bodyPr/>
+          <a:lstStyle/>
+          <a:p>
+            <a:r>
+              <a:rPr lang="en-US" dirty="0" err="1" smtClean="0"/>
+              <a:t>Javascript</a:t>
+            </a:r>
+            <a:r>
+              <a:rPr lang="en-US" dirty="0" smtClean="0"/>
+              <a:t> &amp; </a:t>
+            </a:r>
+            <a:r>
+              <a:rPr lang="en-US" dirty="0" err="1" smtClean="0"/>
+              <a:t>dom</a:t>
+            </a:r>
+            <a:endParaRPr lang="en-US" dirty="0"/>
+          </a:p>
+        </p:txBody>
+      </p:sp>
+      <p:sp>
+        <p:nvSpPr>
+          <p:cNvPr id="7" name="Content Placeholder 6"/>
+          <p:cNvSpPr>
+            <a:spLocks noGrp="1"/>
+          </p:cNvSpPr>
+          <p:nvPr>
+            <p:ph idx="1"/>
+          </p:nvPr>
+        </p:nvSpPr>
+        <p:spPr/>
+        <p:txBody>
+          <a:bodyPr/>
+          <a:lstStyle/>
+          <a:p>
+            <a:r>
+              <a:rPr lang="en-US" dirty="0">
+                <a:hlinkClick r:id="rId2"/>
+              </a:rPr>
+              <a:t>JavaScript</a:t>
+            </a:r>
+            <a:r>
+              <a:rPr lang="en-US" dirty="0"/>
+              <a:t> </a:t>
+            </a:r>
+            <a:r>
+              <a:rPr lang="en-US" dirty="0" err="1"/>
+              <a:t>adalah</a:t>
+            </a:r>
+            <a:r>
+              <a:rPr lang="en-US" dirty="0"/>
+              <a:t> </a:t>
+            </a:r>
+            <a:r>
+              <a:rPr lang="en-US" dirty="0" err="1"/>
+              <a:t>bahasa</a:t>
+            </a:r>
+            <a:r>
+              <a:rPr lang="en-US" dirty="0"/>
+              <a:t> </a:t>
+            </a:r>
+            <a:r>
+              <a:rPr lang="en-US" dirty="0" err="1"/>
+              <a:t>pemrograman</a:t>
+            </a:r>
+            <a:r>
+              <a:rPr lang="en-US" dirty="0"/>
+              <a:t> yang </a:t>
+            </a:r>
+            <a:r>
+              <a:rPr lang="en-US" dirty="0" err="1"/>
+              <a:t>digunakan</a:t>
+            </a:r>
+            <a:r>
+              <a:rPr lang="en-US" dirty="0"/>
+              <a:t> </a:t>
+            </a:r>
+            <a:r>
+              <a:rPr lang="en-US" dirty="0" err="1"/>
+              <a:t>untuk</a:t>
+            </a:r>
+            <a:r>
+              <a:rPr lang="en-US" dirty="0"/>
+              <a:t> </a:t>
+            </a:r>
+            <a:r>
+              <a:rPr lang="en-US" dirty="0" err="1"/>
+              <a:t>membuat</a:t>
+            </a:r>
+            <a:r>
+              <a:rPr lang="en-US" dirty="0"/>
+              <a:t> </a:t>
+            </a:r>
+            <a:r>
+              <a:rPr lang="en-US" dirty="0" err="1"/>
+              <a:t>sebuah</a:t>
+            </a:r>
+            <a:r>
+              <a:rPr lang="en-US" dirty="0"/>
+              <a:t> </a:t>
+            </a:r>
+            <a:r>
+              <a:rPr lang="en-US" dirty="0" err="1"/>
+              <a:t>halaman</a:t>
+            </a:r>
+            <a:r>
+              <a:rPr lang="en-US" dirty="0"/>
+              <a:t> web yang </a:t>
+            </a:r>
+            <a:r>
+              <a:rPr lang="en-US" dirty="0" err="1"/>
+              <a:t>dinamis</a:t>
+            </a:r>
+            <a:r>
+              <a:rPr lang="en-US" dirty="0"/>
+              <a:t> </a:t>
+            </a:r>
+            <a:r>
+              <a:rPr lang="en-US" dirty="0" err="1"/>
+              <a:t>dan</a:t>
+            </a:r>
+            <a:r>
+              <a:rPr lang="en-US" dirty="0"/>
+              <a:t> </a:t>
+            </a:r>
+            <a:r>
+              <a:rPr lang="en-US" dirty="0" err="1"/>
+              <a:t>interaktif</a:t>
+            </a:r>
+            <a:r>
+              <a:rPr lang="en-US" dirty="0"/>
+              <a:t>. </a:t>
+            </a:r>
+            <a:endParaRPr lang="en-US" dirty="0" smtClean="0"/>
+          </a:p>
+          <a:p>
+            <a:endParaRPr lang="en-US" dirty="0" smtClean="0"/>
+          </a:p>
+          <a:p>
+            <a:r>
+              <a:rPr lang="en-US" dirty="0"/>
+              <a:t>DOM </a:t>
+            </a:r>
+            <a:r>
+              <a:rPr lang="en-US" dirty="0" err="1"/>
+              <a:t>adalah</a:t>
+            </a:r>
+            <a:r>
+              <a:rPr lang="en-US" dirty="0"/>
+              <a:t> </a:t>
+            </a:r>
+            <a:r>
+              <a:rPr lang="en-US" dirty="0" err="1"/>
+              <a:t>elemen</a:t>
+            </a:r>
+            <a:r>
+              <a:rPr lang="en-US" dirty="0"/>
+              <a:t> HTML </a:t>
+            </a:r>
+            <a:r>
+              <a:rPr lang="en-US" dirty="0" err="1" smtClean="0"/>
+              <a:t>pada</a:t>
+            </a:r>
+            <a:r>
+              <a:rPr lang="en-US" dirty="0" smtClean="0"/>
+              <a:t> </a:t>
+            </a:r>
+            <a:r>
+              <a:rPr lang="en-US" dirty="0" err="1" smtClean="0"/>
+              <a:t>umumnya</a:t>
+            </a:r>
+            <a:r>
+              <a:rPr lang="en-US" dirty="0" smtClean="0"/>
+              <a:t> </a:t>
+            </a:r>
+            <a:r>
+              <a:rPr lang="en-US" dirty="0" err="1" smtClean="0"/>
+              <a:t>tertulis</a:t>
+            </a:r>
+            <a:r>
+              <a:rPr lang="en-US" dirty="0"/>
+              <a:t>, </a:t>
+            </a:r>
+            <a:r>
+              <a:rPr lang="en-US" dirty="0" err="1"/>
+              <a:t>ya</a:t>
+            </a:r>
+            <a:r>
+              <a:rPr lang="en-US" dirty="0"/>
+              <a:t> div, </a:t>
+            </a:r>
+            <a:r>
+              <a:rPr lang="en-US" dirty="0" err="1"/>
+              <a:t>ya</a:t>
+            </a:r>
+            <a:r>
+              <a:rPr lang="en-US" dirty="0"/>
+              <a:t> h2 h3, </a:t>
+            </a:r>
+            <a:r>
+              <a:rPr lang="en-US" dirty="0" err="1"/>
+              <a:t>ya</a:t>
+            </a:r>
+            <a:r>
+              <a:rPr lang="en-US" dirty="0"/>
+              <a:t> p, </a:t>
+            </a:r>
+            <a:r>
+              <a:rPr lang="en-US" dirty="0" err="1"/>
+              <a:t>ya</a:t>
+            </a:r>
+            <a:r>
+              <a:rPr lang="en-US" dirty="0"/>
+              <a:t> form, </a:t>
+            </a:r>
+            <a:r>
+              <a:rPr lang="en-US" dirty="0" err="1"/>
+              <a:t>pokoknya</a:t>
+            </a:r>
+            <a:r>
+              <a:rPr lang="en-US" dirty="0"/>
+              <a:t> </a:t>
+            </a:r>
+            <a:r>
+              <a:rPr lang="en-US" dirty="0" err="1"/>
+              <a:t>semua</a:t>
+            </a:r>
+            <a:r>
+              <a:rPr lang="en-US" dirty="0"/>
+              <a:t> </a:t>
+            </a:r>
+            <a:r>
+              <a:rPr lang="en-US" dirty="0" err="1"/>
+              <a:t>elemen</a:t>
+            </a:r>
+            <a:r>
+              <a:rPr lang="en-US" dirty="0"/>
+              <a:t> HTML yang </a:t>
+            </a:r>
+            <a:r>
+              <a:rPr lang="en-US" dirty="0" err="1"/>
+              <a:t>ada</a:t>
+            </a:r>
+            <a:r>
+              <a:rPr lang="en-US" dirty="0"/>
+              <a:t> di </a:t>
+            </a:r>
+            <a:r>
+              <a:rPr lang="en-US" dirty="0" err="1"/>
+              <a:t>dalam</a:t>
+            </a:r>
+            <a:r>
+              <a:rPr lang="en-US" dirty="0"/>
+              <a:t> &lt;body&gt;, </a:t>
+            </a:r>
+            <a:r>
+              <a:rPr lang="en-US" dirty="0" err="1"/>
+              <a:t>itu</a:t>
+            </a:r>
+            <a:r>
+              <a:rPr lang="en-US" dirty="0"/>
+              <a:t> </a:t>
+            </a:r>
+            <a:r>
+              <a:rPr lang="en-US" dirty="0" err="1"/>
+              <a:t>disebut</a:t>
+            </a:r>
+            <a:r>
+              <a:rPr lang="en-US" dirty="0"/>
+              <a:t> DOM</a:t>
+            </a:r>
+            <a:r>
+              <a:rPr lang="en-US" dirty="0" smtClean="0"/>
+              <a:t>.</a:t>
+            </a:r>
+          </a:p>
+          <a:p>
+            <a:endParaRPr lang="en-US" b="1" dirty="0"/>
+          </a:p>
+          <a:p>
+            <a:r>
+              <a:rPr lang="en-US" dirty="0" smtClean="0"/>
+              <a:t>Usage: fetch data(API) &amp; </a:t>
+            </a:r>
+            <a:r>
+              <a:rPr lang="en-US" dirty="0" err="1" smtClean="0"/>
+              <a:t>document.getElementbyID</a:t>
+            </a:r>
+            <a:r>
+              <a:rPr lang="en-US" dirty="0" smtClean="0"/>
+              <a:t> </a:t>
+            </a:r>
+            <a:endParaRPr lang="en-US" dirty="0"/>
+          </a:p>
+        </p:txBody>
+      </p:sp>
+    </p:spTree>
+    <p:extLst>
+      <p:ext uri="{BB962C8B-B14F-4D97-AF65-F5344CB8AC3E}">
+        <p14:creationId xmlns:p14="http://schemas.microsoft.com/office/powerpoint/2010/main" val="1240944213"/>
+      </p:ext>
+    </p:extLst>
+  </p:cSld>
+  <p:clrMapOvr>
+    <a:masterClrMapping/>
+  </p:clrMapOvr>
+</p:sld>
+</file>
+
+<file path=ppt/slides/slide6.xml><?xml version="1.0" encoding="utf-8"?>
+<p:sld xmlns:a="http://schemas.openxmlformats.org/drawingml/2006/main" xmlns:r="http://schemas.openxmlformats.org/officeDocument/2006/relationships" xmlns:p="http://schemas.openxmlformats.org/presentationml/2006/main">
+  <p:cSld>
+    <p:spTree>
+      <p:nvGrpSpPr>
+        <p:cNvPr id="1" name=""/>
+        <p:cNvGrpSpPr/>
+        <p:nvPr/>
+      </p:nvGrpSpPr>
+      <p:grpSpPr>
+        <a:xfrm>
+          <a:off x="0" y="0"/>
+          <a:ext cx="0" cy="0"/>
+          <a:chOff x="0" y="0"/>
+          <a:chExt cx="0" cy="0"/>
+        </a:xfrm>
+      </p:grpSpPr>
+      <p:sp>
+        <p:nvSpPr>
+          <p:cNvPr id="2" name="Title 1"/>
+          <p:cNvSpPr>
+            <a:spLocks noGrp="1"/>
+          </p:cNvSpPr>
+          <p:nvPr>
+            <p:ph type="title"/>
+          </p:nvPr>
+        </p:nvSpPr>
+        <p:spPr/>
+        <p:txBody>
+          <a:bodyPr/>
+          <a:lstStyle/>
+          <a:p>
+            <a:r>
+              <a:rPr lang="en-US" dirty="0" smtClean="0"/>
+              <a:t>GIT/REPOSITORI</a:t>
+            </a:r>
+            <a:endParaRPr lang="en-US" dirty="0"/>
+          </a:p>
+        </p:txBody>
+      </p:sp>
+      <p:sp>
+        <p:nvSpPr>
+          <p:cNvPr id="3" name="Content Placeholder 2"/>
+          <p:cNvSpPr>
+            <a:spLocks noGrp="1"/>
+          </p:cNvSpPr>
+          <p:nvPr>
+            <p:ph idx="1"/>
+          </p:nvPr>
+        </p:nvSpPr>
+        <p:spPr/>
+        <p:txBody>
+          <a:bodyPr/>
+          <a:lstStyle/>
+          <a:p>
+            <a:r>
+              <a:rPr lang="en-US" dirty="0" err="1" smtClean="0"/>
+              <a:t>Git</a:t>
+            </a:r>
+            <a:r>
+              <a:rPr lang="en-US" dirty="0" smtClean="0"/>
+              <a:t> </a:t>
+            </a:r>
+            <a:r>
+              <a:rPr lang="en-US" dirty="0" err="1"/>
+              <a:t>adalah</a:t>
+            </a:r>
+            <a:r>
+              <a:rPr lang="en-US" dirty="0"/>
+              <a:t> </a:t>
+            </a:r>
+            <a:r>
+              <a:rPr lang="en-US" i="1" dirty="0" smtClean="0"/>
+              <a:t>helping tools </a:t>
+            </a:r>
+            <a:r>
+              <a:rPr lang="en-US" dirty="0" smtClean="0"/>
+              <a:t>yang </a:t>
+            </a:r>
+            <a:r>
+              <a:rPr lang="en-US" dirty="0" err="1" smtClean="0"/>
+              <a:t>umum</a:t>
+            </a:r>
+            <a:r>
+              <a:rPr lang="en-US" dirty="0" smtClean="0"/>
+              <a:t> </a:t>
+            </a:r>
+            <a:r>
+              <a:rPr lang="en-US" dirty="0" err="1" smtClean="0"/>
+              <a:t>digunakan</a:t>
+            </a:r>
+            <a:r>
+              <a:rPr lang="en-US" dirty="0" smtClean="0"/>
+              <a:t> </a:t>
+            </a:r>
+            <a:r>
+              <a:rPr lang="en-US" i="1" dirty="0" smtClean="0"/>
+              <a:t>developers </a:t>
+            </a:r>
+            <a:r>
+              <a:rPr lang="en-US" dirty="0" err="1" smtClean="0"/>
+              <a:t>untuk</a:t>
+            </a:r>
+            <a:r>
+              <a:rPr lang="en-US" dirty="0" smtClean="0"/>
+              <a:t> </a:t>
+            </a:r>
+            <a:r>
+              <a:rPr lang="en-US" dirty="0" err="1"/>
+              <a:t>mengatur</a:t>
+            </a:r>
+            <a:r>
+              <a:rPr lang="en-US" dirty="0"/>
+              <a:t> </a:t>
+            </a:r>
+            <a:r>
+              <a:rPr lang="en-US" dirty="0" err="1"/>
+              <a:t>versi</a:t>
+            </a:r>
+            <a:r>
+              <a:rPr lang="en-US" dirty="0"/>
+              <a:t> </a:t>
+            </a:r>
+            <a:r>
+              <a:rPr lang="en-US" dirty="0" err="1"/>
+              <a:t>dari</a:t>
+            </a:r>
+            <a:r>
+              <a:rPr lang="en-US" dirty="0"/>
+              <a:t> source code program </a:t>
+            </a:r>
+            <a:r>
+              <a:rPr lang="en-US" dirty="0" err="1" smtClean="0"/>
+              <a:t>dengan</a:t>
+            </a:r>
+            <a:r>
+              <a:rPr lang="en-US" dirty="0" smtClean="0"/>
+              <a:t> </a:t>
+            </a:r>
+            <a:r>
+              <a:rPr lang="en-US" dirty="0" err="1"/>
+              <a:t>memberikan</a:t>
+            </a:r>
+            <a:r>
+              <a:rPr lang="en-US" dirty="0"/>
+              <a:t> </a:t>
+            </a:r>
+            <a:r>
+              <a:rPr lang="en-US" dirty="0" err="1"/>
+              <a:t>tanda</a:t>
+            </a:r>
+            <a:r>
+              <a:rPr lang="en-US" dirty="0"/>
+              <a:t> </a:t>
+            </a:r>
+            <a:r>
+              <a:rPr lang="en-US" dirty="0" err="1"/>
+              <a:t>baris</a:t>
+            </a:r>
+            <a:r>
+              <a:rPr lang="en-US" dirty="0"/>
+              <a:t> </a:t>
+            </a:r>
+            <a:r>
+              <a:rPr lang="en-US" dirty="0" err="1"/>
+              <a:t>dan</a:t>
+            </a:r>
+            <a:r>
+              <a:rPr lang="en-US" dirty="0"/>
+              <a:t> </a:t>
+            </a:r>
+            <a:r>
+              <a:rPr lang="en-US" dirty="0" err="1"/>
+              <a:t>kode</a:t>
+            </a:r>
+            <a:r>
+              <a:rPr lang="en-US" dirty="0"/>
+              <a:t> mana yang </a:t>
+            </a:r>
+            <a:r>
+              <a:rPr lang="en-US" dirty="0" err="1"/>
+              <a:t>ditambah</a:t>
+            </a:r>
+            <a:r>
+              <a:rPr lang="en-US" dirty="0"/>
+              <a:t> </a:t>
+            </a:r>
+            <a:r>
+              <a:rPr lang="en-US" dirty="0" err="1"/>
+              <a:t>atau</a:t>
+            </a:r>
+            <a:r>
+              <a:rPr lang="en-US" dirty="0"/>
+              <a:t> </a:t>
+            </a:r>
+            <a:r>
+              <a:rPr lang="en-US" dirty="0" err="1"/>
+              <a:t>diganti</a:t>
+            </a:r>
+            <a:r>
+              <a:rPr lang="en-US" dirty="0"/>
+              <a:t>.</a:t>
+            </a:r>
+          </a:p>
+        </p:txBody>
+      </p:sp>
+    </p:spTree>
+    <p:extLst>
+      <p:ext uri="{BB962C8B-B14F-4D97-AF65-F5344CB8AC3E}">
+        <p14:creationId xmlns:p14="http://schemas.microsoft.com/office/powerpoint/2010/main" val="2070923292"/>
+      </p:ext>
+    </p:extLst>
+  </p:cSld>
+  <p:clrMapOvr>
+    <a:masterClrMapping/>
+  </p:clrMapOvr>
+</p:sld>
+</file>
+
+<file path=ppt/slides/slide7.xml><?xml version="1.0" encoding="utf-8"?>
+<p:sld xmlns:a="http://schemas.openxmlformats.org/drawingml/2006/main" xmlns:r="http://schemas.openxmlformats.org/officeDocument/2006/relationships" xmlns:p="http://schemas.openxmlformats.org/presentationml/2006/main">
+  <p:cSld>
+    <p:spTree>
+      <p:nvGrpSpPr>
+        <p:cNvPr id="1" name=""/>
+        <p:cNvGrpSpPr/>
+        <p:nvPr/>
+      </p:nvGrpSpPr>
+      <p:grpSpPr>
+        <a:xfrm>
+          <a:off x="0" y="0"/>
+          <a:ext cx="0" cy="0"/>
+          <a:chOff x="0" y="0"/>
+          <a:chExt cx="0" cy="0"/>
+        </a:xfrm>
+      </p:grpSpPr>
+      <p:sp>
+        <p:nvSpPr>
+          <p:cNvPr id="2" name="Title 1"/>
+          <p:cNvSpPr>
+            <a:spLocks noGrp="1"/>
+          </p:cNvSpPr>
+          <p:nvPr>
+            <p:ph type="title"/>
+          </p:nvPr>
+        </p:nvSpPr>
+        <p:spPr>
+          <a:xfrm>
+            <a:off x="581193" y="2273201"/>
+            <a:ext cx="11029615" cy="1497507"/>
+          </a:xfrm>
+        </p:spPr>
+        <p:txBody>
+          <a:bodyPr>
+            <a:noAutofit/>
+          </a:bodyPr>
+          <a:lstStyle/>
+          <a:p>
+            <a:pPr algn="ctr"/>
+            <a:r>
+              <a:rPr lang="en-US" sz="11500" dirty="0" smtClean="0"/>
+              <a:t>THANK YOU</a:t>
+            </a:r>
+            <a:endParaRPr lang="en-US" sz="11500" dirty="0"/>
+          </a:p>
+        </p:txBody>
+      </p:sp>
+    </p:spTree>
+    <p:extLst>
+      <p:ext uri="{BB962C8B-B14F-4D97-AF65-F5344CB8AC3E}">
+        <p14:creationId xmlns:p14="http://schemas.microsoft.com/office/powerpoint/2010/main" val="3454713636"/>
+      </p:ext>
+    </p:extLst>
+  </p:cSld>
+  <p:clrMapOvr>
+    <a:masterClrMapping/>
+  </p:clrMapOvr>
 </p:sld>
 </file>
 
 <file path=ppt/theme/theme1.xml><?xml version="1.0" encoding="utf-8"?>
-<a:theme xmlns:a="http://schemas.openxmlformats.org/drawingml/2006/main" name="Office Theme">
+<a:theme xmlns:a="http://schemas.openxmlformats.org/drawingml/2006/main" name="Dividend">
   <a:themeElements>
-    <a:clrScheme name="Office">
+    <a:clrScheme name="Blue Green">
       <a:dk1>
         <a:sysClr val="windowText" lastClr="000000"/>
       </a:dk1>
@@ -3038,81 +5324,48 @@
         <a:sysClr val="window" lastClr="FFFFFF"/>
       </a:lt1>
       <a:dk2>
-        <a:srgbClr val="44546A"/>
+        <a:srgbClr val="373545"/>
       </a:dk2>
       <a:lt2>
-        <a:srgbClr val="E7E6E6"/>
+        <a:srgbClr val="CEDBE6"/>
       </a:lt2>
       <a:accent1>
-        <a:srgbClr val="5B9BD5"/>
+        <a:srgbClr val="3494BA"/>
       </a:accent1>
       <a:accent2>
-        <a:srgbClr val="ED7D31"/>
+        <a:srgbClr val="58B6C0"/>
       </a:accent2>
       <a:accent3>
-        <a:srgbClr val="A5A5A5"/>
+        <a:srgbClr val="75BDA7"/>
       </a:accent3>
       <a:accent4>
-        <a:srgbClr val="FFC000"/>
+        <a:srgbClr val="7A8C8E"/>
       </a:accent4>
       <a:accent5>
-        <a:srgbClr val="4472C4"/>
+        <a:srgbClr val="84ACB6"/>
       </a:accent5>
       <a:accent6>
-        <a:srgbClr val="70AD47"/>
+        <a:srgbClr val="2683C6"/>
       </a:accent6>
       <a:hlink>
-        <a:srgbClr val="0563C1"/>
+        <a:srgbClr val="6B9F25"/>
       </a:hlink>
       <a:folHlink>
-        <a:srgbClr val="954F72"/>
+        <a:srgbClr val="9F6715"/>
       </a:folHlink>
     </a:clrScheme>
-    <a:fontScheme name="Office">
+    <a:fontScheme name="Dividend">
       <a:majorFont>
-        <a:latin typeface="Calibri Light" panose="020F0302020204030204"/>
+        <a:latin typeface="Gill Sans MT" panose="020B0502020104020203"/>
         <a:ea typeface=""/>
         <a:cs typeface=""/>
-        <a:font script="Jpan" typeface="游ゴシック Light"/>
-        <a:font script="Hang" typeface="맑은 고딕"/>
-        <a:font script="Hans" typeface="等线 Light"/>
-        <a:font script="Hant" typeface="新細明體"/>
-        <a:font script="Arab" typeface="Times New Roman"/>
-        <a:font script="Hebr" typeface="Times New Roman"/>
-        <a:font script="Thai" typeface="Angsana New"/>
-        <a:font script="Ethi" typeface="Nyala"/>
-        <a:font script="Beng" typeface="Vrinda"/>
-        <a:font script="Gujr" typeface="Shruti"/>
-        <a:font script="Khmr" typeface="MoolBoran"/>
-        <a:font script="Knda" typeface="Tunga"/>
-        <a:font script="Guru" typeface="Raavi"/>
-        <a:font script="Cans" typeface="Euphemia"/>
-        <a:font script="Cher" typeface="Plantagenet Cherokee"/>
-        <a:font script="Yiii" typeface="Microsoft Yi Baiti"/>
-        <a:font script="Tibt" typeface="Microsoft Himalaya"/>
-        <a:font script="Thaa" typeface="MV Boli"/>
-        <a:font script="Deva" typeface="Mangal"/>
-        <a:font script="Telu" typeface="Gautami"/>
-        <a:font script="Taml" typeface="Latha"/>
-        <a:font script="Syrc" typeface="Estrangelo Edessa"/>
-        <a:font script="Orya" typeface="Kalinga"/>
-        <a:font script="Mlym" typeface="Kartika"/>
-        <a:font script="Laoo" typeface="DokChampa"/>
-        <a:font script="Sinh" typeface="Iskoola Pota"/>
-        <a:font script="Mong" typeface="Mongolian Baiti"/>
-        <a:font script="Viet" typeface="Times New Roman"/>
-        <a:font script="Uigh" typeface="Microsoft Uighur"/>
-        <a:font script="Geor" typeface="Sylfaen"/>
-      </a:majorFont>
-      <a:minorFont>
-        <a:latin typeface="Calibri" panose="020F0502020204030204"/>
-        <a:ea typeface=""/>
-        <a:cs typeface=""/>
-        <a:font script="Jpan" typeface="游ゴシック"/>
-        <a:font script="Hang" typeface="맑은 고딕"/>
-        <a:font script="Hans" typeface="等线"/>
-        <a:font script="Hant" typeface="新細明體"/>
-        <a:font script="Arab" typeface="Arial"/>
+        <a:font script="Grek" typeface="Corbel"/>
+        <a:font script="Cyrl" typeface="Corbel"/>
+        <a:font script="Jpan" typeface="HGｺﾞｼｯｸE"/>
+        <a:font script="Hang" typeface="휴먼매직체"/>
+        <a:font script="Hans" typeface="华文中宋"/>
+        <a:font script="Hant" typeface="微軟正黑體"/>
+        <a:font script="Arab" typeface="Majalla UI"/>
         <a:font script="Hebr" typeface="Arial"/>
         <a:font script="Thai" typeface="Cordia New"/>
         <a:font script="Ethi" typeface="Nyala"/>
@@ -3135,12 +5388,49 @@
         <a:font script="Laoo" typeface="DokChampa"/>
         <a:font script="Sinh" typeface="Iskoola Pota"/>
         <a:font script="Mong" typeface="Mongolian Baiti"/>
-        <a:font script="Viet" typeface="Arial"/>
+        <a:font script="Viet" typeface="Tahoma"/>
+        <a:font script="Uigh" typeface="Microsoft Uighur"/>
+        <a:font script="Geor" typeface="Sylfaen"/>
+      </a:majorFont>
+      <a:minorFont>
+        <a:latin typeface="Gill Sans MT" panose="020B0502020104020203"/>
+        <a:ea typeface=""/>
+        <a:cs typeface=""/>
+        <a:font script="Grek" typeface="Corbel"/>
+        <a:font script="Cyrl" typeface="Corbel"/>
+        <a:font script="Jpan" typeface="HGｺﾞｼｯｸE"/>
+        <a:font script="Hang" typeface="휴먼매직체"/>
+        <a:font script="Hans" typeface="华文中宋"/>
+        <a:font script="Hant" typeface="微軟正黑體"/>
+        <a:font script="Arab" typeface="Majalla UI"/>
+        <a:font script="Hebr" typeface="Arial"/>
+        <a:font script="Thai" typeface="Cordia New"/>
+        <a:font script="Ethi" typeface="Nyala"/>
+        <a:font script="Beng" typeface="Vrinda"/>
+        <a:font script="Gujr" typeface="Shruti"/>
+        <a:font script="Khmr" typeface="DaunPenh"/>
+        <a:font script="Knda" typeface="Tunga"/>
+        <a:font script="Guru" typeface="Raavi"/>
+        <a:font script="Cans" typeface="Euphemia"/>
+        <a:font script="Cher" typeface="Plantagenet Cherokee"/>
+        <a:font script="Yiii" typeface="Microsoft Yi Baiti"/>
+        <a:font script="Tibt" typeface="Microsoft Himalaya"/>
+        <a:font script="Thaa" typeface="MV Boli"/>
+        <a:font script="Deva" typeface="Mangal"/>
+        <a:font script="Telu" typeface="Gautami"/>
+        <a:font script="Taml" typeface="Latha"/>
+        <a:font script="Syrc" typeface="Estrangelo Edessa"/>
+        <a:font script="Orya" typeface="Kalinga"/>
+        <a:font script="Mlym" typeface="Kartika"/>
+        <a:font script="Laoo" typeface="DokChampa"/>
+        <a:font script="Sinh" typeface="Iskoola Pota"/>
+        <a:font script="Mong" typeface="Mongolian Baiti"/>
+        <a:font script="Viet" typeface="Tahoma"/>
         <a:font script="Uigh" typeface="Microsoft Uighur"/>
         <a:font script="Geor" typeface="Sylfaen"/>
       </a:minorFont>
     </a:fontScheme>
-    <a:fmtScheme name="Office">
+    <a:fmtScheme name="Dividend">
       <a:fillStyleLst>
         <a:solidFill>
           <a:schemeClr val="phClr"/>
@@ -3149,23 +5439,111 @@
           <a:gsLst>
             <a:gs pos="0">
               <a:schemeClr val="phClr">
-                <a:lumMod val="110000"/>
-                <a:satMod val="105000"/>
-                <a:tint val="67000"/>
-              </a:schemeClr>
-            </a:gs>
-            <a:gs pos="50000">
-              <a:schemeClr val="phClr">
-                <a:lumMod val="105000"/>
-                <a:satMod val="103000"/>
-                <a:tint val="73000"/>
+                <a:tint val="68000"/>
+                <a:alpha val="90000"/>
+                <a:lumMod val="100000"/>
               </a:schemeClr>
             </a:gs>
             <a:gs pos="100000">
               <a:schemeClr val="phClr">
-                <a:lumMod val="105000"/>
-                <a:satMod val="109000"/>
-                <a:tint val="81000"/>
+                <a:tint val="90000"/>
+                <a:lumMod val="95000"/>
+              </a:schemeClr>
+            </a:gs>
+          </a:gsLst>
+          <a:lin ang="5400000" scaled="1"/>
+        </a:gradFill>
+        <a:gradFill rotWithShape="1">
+          <a:gsLst>
+            <a:gs pos="0">
+              <a:schemeClr val="phClr">
+                <a:tint val="98000"/>
+                <a:lumMod val="110000"/>
+              </a:schemeClr>
+            </a:gs>
+            <a:gs pos="84000">
+              <a:schemeClr val="phClr">
+                <a:shade val="90000"/>
+                <a:lumMod val="88000"/>
+              </a:schemeClr>
+            </a:gs>
+          </a:gsLst>
+          <a:lin ang="5400000" scaled="0"/>
+        </a:gradFill>
+      </a:fillStyleLst>
+      <a:lnStyleLst>
+        <a:ln w="12700" cap="rnd" cmpd="sng" algn="ctr">
+          <a:solidFill>
+            <a:schemeClr val="phClr">
+              <a:lumMod val="90000"/>
+            </a:schemeClr>
+          </a:solidFill>
+          <a:prstDash val="solid"/>
+        </a:ln>
+        <a:ln w="22225" cap="rnd" cmpd="sng" algn="ctr">
+          <a:solidFill>
+            <a:schemeClr val="phClr"/>
+          </a:solidFill>
+          <a:prstDash val="solid"/>
+        </a:ln>
+        <a:ln w="25400" cap="rnd" cmpd="sng" algn="ctr">
+          <a:solidFill>
+            <a:schemeClr val="phClr"/>
+          </a:solidFill>
+          <a:prstDash val="solid"/>
+        </a:ln>
+      </a:lnStyleLst>
+      <a:effectStyleLst>
+        <a:effectStyle>
+          <a:effectLst/>
+        </a:effectStyle>
+        <a:effectStyle>
+          <a:effectLst>
+            <a:outerShdw blurRad="38100" dist="25400" dir="5400000" rotWithShape="0">
+              <a:srgbClr val="000000">
+                <a:alpha val="55000"/>
+              </a:srgbClr>
+            </a:outerShdw>
+          </a:effectLst>
+        </a:effectStyle>
+        <a:effectStyle>
+          <a:effectLst>
+            <a:outerShdw blurRad="88900" dist="38100" dir="5040000" rotWithShape="0">
+              <a:srgbClr val="000000">
+                <a:alpha val="60000"/>
+              </a:srgbClr>
+            </a:outerShdw>
+          </a:effectLst>
+          <a:scene3d>
+            <a:camera prst="orthographicFront">
+              <a:rot lat="0" lon="0" rev="0"/>
+            </a:camera>
+            <a:lightRig rig="threePt" dir="tl">
+              <a:rot lat="0" lon="0" rev="1200000"/>
+            </a:lightRig>
+          </a:scene3d>
+          <a:sp3d>
+            <a:bevelT w="38100" h="50800"/>
+          </a:sp3d>
+        </a:effectStyle>
+      </a:effectStyleLst>
+      <a:bgFillStyleLst>
+        <a:solidFill>
+          <a:schemeClr val="phClr"/>
+        </a:solidFill>
+        <a:gradFill rotWithShape="1">
+          <a:gsLst>
+            <a:gs pos="0">
+              <a:schemeClr val="phClr">
+                <a:tint val="90000"/>
+                <a:lumMod val="110000"/>
+              </a:schemeClr>
+            </a:gs>
+            <a:gs pos="88000">
+              <a:schemeClr val="phClr">
+                <a:shade val="94000"/>
+                <a:satMod val="110000"/>
+                <a:lumMod val="88000"/>
               </a:schemeClr>
             </a:gs>
           </a:gsLst>
@@ -3175,105 +5553,21 @@
           <a:gsLst>
             <a:gs pos="0">
               <a:schemeClr val="phClr">
-                <a:satMod val="103000"/>
-                <a:lumMod val="102000"/>
-                <a:tint val="94000"/>
-              </a:schemeClr>
-            </a:gs>
-            <a:gs pos="50000">
-              <a:schemeClr val="phClr">
-                <a:satMod val="110000"/>
-                <a:lumMod val="100000"/>
-                <a:shade val="100000"/>
+                <a:tint val="90000"/>
+                <a:lumMod val="110000"/>
               </a:schemeClr>
             </a:gs>
             <a:gs pos="100000">
               <a:schemeClr val="phClr">
-                <a:lumMod val="99000"/>
-                <a:satMod val="120000"/>
-                <a:shade val="78000"/>
+                <a:shade val="98000"/>
+                <a:satMod val="110000"/>
+                <a:lumMod val="86000"/>
               </a:schemeClr>
             </a:gs>
           </a:gsLst>
-          <a:lin ang="5400000" scaled="0"/>
-        </a:gradFill>
-      </a:fillStyleLst>
-      <a:lnStyleLst>
-        <a:ln w="6350" cap="flat" cmpd="sng" algn="ctr">
-          <a:solidFill>
-            <a:schemeClr val="phClr"/>
-          </a:solidFill>
-          <a:prstDash val="solid"/>
-          <a:miter lim="800000"/>
-        </a:ln>
-        <a:ln w="12700" cap="flat" cmpd="sng" algn="ctr">
-          <a:solidFill>
-            <a:schemeClr val="phClr"/>
-          </a:solidFill>
-          <a:prstDash val="solid"/>
-          <a:miter lim="800000"/>
-        </a:ln>
-        <a:ln w="19050" cap="flat" cmpd="sng" algn="ctr">
-          <a:solidFill>
-            <a:schemeClr val="phClr"/>
-          </a:solidFill>
-          <a:prstDash val="solid"/>
-          <a:miter lim="800000"/>
-        </a:ln>
-      </a:lnStyleLst>
-      <a:effectStyleLst>
-        <a:effectStyle>
-          <a:effectLst/>
-        </a:effectStyle>
-        <a:effectStyle>
-          <a:effectLst/>
-        </a:effectStyle>
-        <a:effectStyle>
-          <a:effectLst>
-            <a:outerShdw blurRad="57150" dist="19050" dir="5400000" algn="ctr" rotWithShape="0">
-              <a:srgbClr val="000000">
-                <a:alpha val="63000"/>
-              </a:srgbClr>
-            </a:outerShdw>
-          </a:effectLst>
-        </a:effectStyle>
-      </a:effectStyleLst>
-      <a:bgFillStyleLst>
-        <a:solidFill>
-          <a:schemeClr val="phClr"/>
-        </a:solidFill>
-        <a:solidFill>
-          <a:schemeClr val="phClr">
-            <a:tint val="95000"/>
-            <a:satMod val="170000"/>
-          </a:schemeClr>
-        </a:solidFill>
-        <a:gradFill rotWithShape="1">
-          <a:gsLst>
-            <a:gs pos="0">
-              <a:schemeClr val="phClr">
-                <a:tint val="93000"/>
-                <a:satMod val="150000"/>
-                <a:shade val="98000"/>
-                <a:lumMod val="102000"/>
-              </a:schemeClr>
-            </a:gs>
-            <a:gs pos="50000">
-              <a:schemeClr val="phClr">
-                <a:tint val="98000"/>
-                <a:satMod val="130000"/>
-                <a:shade val="90000"/>
-                <a:lumMod val="103000"/>
-              </a:schemeClr>
-            </a:gs>
-            <a:gs pos="100000">
-              <a:schemeClr val="phClr">
-                <a:shade val="63000"/>
-                <a:satMod val="120000"/>
-              </a:schemeClr>
-            </a:gs>
-          </a:gsLst>
-          <a:lin ang="5400000" scaled="0"/>
+          <a:path path="circle">
+            <a:fillToRect l="50000" t="50000" r="100000" b="100000"/>
+          </a:path>
         </a:gradFill>
       </a:bgFillStyleLst>
     </a:fmtScheme>
@@ -3282,7 +5576,7 @@
   <a:extraClrSchemeLst/>
   <a:extLst>
     <a:ext uri="{05A4C25C-085E-4340-85A3-A5531E510DB2}">
-      <thm15:themeFamily xmlns:thm15="http://schemas.microsoft.com/office/thememl/2012/main" name="Office Theme" id="{62F939B6-93AF-4DB8-9C6B-D6C7DFDC589F}" vid="{4A3C46E8-61CC-4603-A589-7422A47A8E4A}"/>
+      <thm15:themeFamily xmlns:thm15="http://schemas.microsoft.com/office/thememl/2012/main" name="Dividend" id="{9697A71B-4AB7-4A1A-BD5B-BB2D22835B57}" vid="{C21699FF-00E4-43C8-BBCC-D7E5536C3717}"/>
     </a:ext>
   </a:extLst>
 </a:theme>

--- a/Annisaa Adindra Daulay.pptx
+++ b/Annisaa Adindra Daulay.pptx
@@ -2,7 +2,7 @@
 <file path=ppt/presentation.xml><?xml version="1.0" encoding="utf-8"?>
 <p:presentation xmlns:a="http://schemas.openxmlformats.org/drawingml/2006/main" xmlns:r="http://schemas.openxmlformats.org/officeDocument/2006/relationships" xmlns:p="http://schemas.openxmlformats.org/presentationml/2006/main" saveSubsetFonts="1">
   <p:sldMasterIdLst>
-    <p:sldMasterId id="2147483714" r:id="rId1"/>
+    <p:sldMasterId id="2147483762" r:id="rId1"/>
   </p:sldMasterIdLst>
   <p:sldIdLst>
     <p:sldId id="256" r:id="rId2"/>
@@ -11,7 +11,8 @@
     <p:sldId id="260" r:id="rId5"/>
     <p:sldId id="261" r:id="rId6"/>
     <p:sldId id="262" r:id="rId7"/>
-    <p:sldId id="263" r:id="rId8"/>
+    <p:sldId id="264" r:id="rId8"/>
+    <p:sldId id="263" r:id="rId9"/>
   </p:sldIdLst>
   <p:sldSz cx="12192000" cy="6858000"/>
   <p:notesSz cx="6858000" cy="9144000"/>
@@ -119,7 +120,7 @@
 </file>
 
 <file path=ppt/slideLayouts/slideLayout1.xml><?xml version="1.0" encoding="utf-8"?>
-<p:sldLayout xmlns:a="http://schemas.openxmlformats.org/drawingml/2006/main" xmlns:r="http://schemas.openxmlformats.org/officeDocument/2006/relationships" xmlns:p="http://schemas.openxmlformats.org/presentationml/2006/main" type="title" preserve="1">
+<p:sldLayout xmlns:a="http://schemas.openxmlformats.org/drawingml/2006/main" xmlns:r="http://schemas.openxmlformats.org/officeDocument/2006/relationships" xmlns:p="http://schemas.openxmlformats.org/presentationml/2006/main" showMasterSp="0" type="title" preserve="1">
   <p:cSld name="Title Slide">
     <p:spTree>
       <p:nvGrpSpPr>
@@ -143,28 +144,31 @@
         </p:nvSpPr>
         <p:spPr>
           <a:xfrm>
-            <a:off x="446534" y="3085765"/>
-            <a:ext cx="11262866" cy="3304800"/>
+            <a:off x="3175" y="6400800"/>
+            <a:ext cx="12188825" cy="457200"/>
           </a:xfrm>
           <a:prstGeom prst="rect">
             <a:avLst/>
           </a:prstGeom>
           <a:solidFill>
-            <a:schemeClr val="accent1"/>
+            <a:schemeClr val="accent4">
+              <a:lumMod val="75000"/>
+            </a:schemeClr>
           </a:solidFill>
           <a:ln>
             <a:noFill/>
           </a:ln>
-          <a:effectLst/>
         </p:spPr>
         <p:style>
-          <a:lnRef idx="1">
-            <a:schemeClr val="accent1"/>
+          <a:lnRef idx="2">
+            <a:schemeClr val="accent1">
+              <a:shade val="50000"/>
+            </a:schemeClr>
           </a:lnRef>
-          <a:fillRef idx="3">
+          <a:fillRef idx="1">
             <a:schemeClr val="accent1"/>
           </a:fillRef>
-          <a:effectRef idx="2">
+          <a:effectRef idx="0">
             <a:schemeClr val="accent1"/>
           </a:effectRef>
           <a:fontRef idx="minor">
@@ -174,196 +178,176 @@
       </p:sp>
       <p:sp>
         <p:nvSpPr>
-          <p:cNvPr id="2" name="Title 1"/>
-          <p:cNvSpPr>
-            <a:spLocks noGrp="1"/>
-          </p:cNvSpPr>
-          <p:nvPr>
-            <p:ph type="ctrTitle"/>
-          </p:nvPr>
+          <p:cNvPr id="8" name="Rectangle 7"/>
+          <p:cNvSpPr/>
+          <p:nvPr/>
         </p:nvSpPr>
         <p:spPr>
           <a:xfrm>
-            <a:off x="581191" y="1020431"/>
-            <a:ext cx="10993549" cy="1475013"/>
+            <a:off x="15" y="6334316"/>
+            <a:ext cx="12188825" cy="64008"/>
           </a:xfrm>
-          <a:effectLst/>
+          <a:prstGeom prst="rect">
+            <a:avLst/>
+          </a:prstGeom>
+          <a:solidFill>
+            <a:schemeClr val="accent4"/>
+          </a:solidFill>
+          <a:ln>
+            <a:noFill/>
+          </a:ln>
+        </p:spPr>
+        <p:style>
+          <a:lnRef idx="2">
+            <a:schemeClr val="accent1">
+              <a:shade val="50000"/>
+            </a:schemeClr>
+          </a:lnRef>
+          <a:fillRef idx="1">
+            <a:schemeClr val="accent1"/>
+          </a:fillRef>
+          <a:effectRef idx="0">
+            <a:schemeClr val="accent1"/>
+          </a:effectRef>
+          <a:fontRef idx="minor">
+            <a:schemeClr val="lt1"/>
+          </a:fontRef>
+        </p:style>
+      </p:sp>
+      <p:sp>
+        <p:nvSpPr>
+          <p:cNvPr id="2" name="Title 1"/>
+          <p:cNvSpPr>
+            <a:spLocks noGrp="1"/>
+          </p:cNvSpPr>
+          <p:nvPr>
+            <p:ph type="ctrTitle"/>
+          </p:nvPr>
+        </p:nvSpPr>
+        <p:spPr>
+          <a:xfrm>
+            <a:off x="1097280" y="758952"/>
+            <a:ext cx="10058400" cy="3566160"/>
+          </a:xfrm>
         </p:spPr>
         <p:txBody>
           <a:bodyPr anchor="b">
             <a:normAutofit/>
           </a:bodyPr>
           <a:lstStyle>
-            <a:lvl1pPr>
-              <a:defRPr sz="3600">
-                <a:solidFill>
-                  <a:schemeClr val="accent1"/>
-                </a:solidFill>
-              </a:defRPr>
-            </a:lvl1pPr>
-          </a:lstStyle>
-          <a:p>
-            <a:r>
-              <a:rPr lang="en-US" smtClean="0"/>
-              <a:t>Click to edit Master title style</a:t>
-            </a:r>
-            <a:endParaRPr lang="en-US" dirty="0"/>
-          </a:p>
-        </p:txBody>
-      </p:sp>
-      <p:sp>
-        <p:nvSpPr>
-          <p:cNvPr id="3" name="Subtitle 2"/>
-          <p:cNvSpPr>
-            <a:spLocks noGrp="1"/>
-          </p:cNvSpPr>
-          <p:nvPr>
-            <p:ph type="subTitle" idx="1"/>
-          </p:nvPr>
-        </p:nvSpPr>
-        <p:spPr>
-          <a:xfrm>
-            <a:off x="581194" y="2495445"/>
-            <a:ext cx="10993546" cy="590321"/>
-          </a:xfrm>
-        </p:spPr>
-        <p:txBody>
-          <a:bodyPr anchor="t">
-            <a:normAutofit/>
-          </a:bodyPr>
-          <a:lstStyle>
-            <a:lvl1pPr marL="0" indent="0" algn="l">
-              <a:buNone/>
-              <a:defRPr sz="1600" cap="all">
-                <a:solidFill>
-                  <a:schemeClr val="accent2"/>
-                </a:solidFill>
-              </a:defRPr>
-            </a:lvl1pPr>
-            <a:lvl2pPr marL="457200" indent="0" algn="ctr">
-              <a:buNone/>
-              <a:defRPr>
+            <a:lvl1pPr algn="l">
+              <a:lnSpc>
+                <a:spcPct val="85000"/>
+              </a:lnSpc>
+              <a:defRPr sz="8000" spc="-50" baseline="0">
                 <a:solidFill>
                   <a:schemeClr val="tx1">
-                    <a:tint val="75000"/>
-                  </a:schemeClr>
-                </a:solidFill>
-              </a:defRPr>
-            </a:lvl2pPr>
-            <a:lvl3pPr marL="914400" indent="0" algn="ctr">
-              <a:buNone/>
-              <a:defRPr>
-                <a:solidFill>
-                  <a:schemeClr val="tx1">
-                    <a:tint val="75000"/>
-                  </a:schemeClr>
-                </a:solidFill>
-              </a:defRPr>
-            </a:lvl3pPr>
-            <a:lvl4pPr marL="1371600" indent="0" algn="ctr">
-              <a:buNone/>
-              <a:defRPr>
-                <a:solidFill>
-                  <a:schemeClr val="tx1">
-                    <a:tint val="75000"/>
-                  </a:schemeClr>
-                </a:solidFill>
-              </a:defRPr>
-            </a:lvl4pPr>
-            <a:lvl5pPr marL="1828800" indent="0" algn="ctr">
-              <a:buNone/>
-              <a:defRPr>
-                <a:solidFill>
-                  <a:schemeClr val="tx1">
-                    <a:tint val="75000"/>
-                  </a:schemeClr>
-                </a:solidFill>
-              </a:defRPr>
-            </a:lvl5pPr>
-            <a:lvl6pPr marL="2286000" indent="0" algn="ctr">
-              <a:buNone/>
-              <a:defRPr>
-                <a:solidFill>
-                  <a:schemeClr val="tx1">
-                    <a:tint val="75000"/>
-                  </a:schemeClr>
-                </a:solidFill>
-              </a:defRPr>
-            </a:lvl6pPr>
-            <a:lvl7pPr marL="2743200" indent="0" algn="ctr">
-              <a:buNone/>
-              <a:defRPr>
-                <a:solidFill>
-                  <a:schemeClr val="tx1">
-                    <a:tint val="75000"/>
-                  </a:schemeClr>
-                </a:solidFill>
-              </a:defRPr>
-            </a:lvl7pPr>
-            <a:lvl8pPr marL="3200400" indent="0" algn="ctr">
-              <a:buNone/>
-              <a:defRPr>
-                <a:solidFill>
-                  <a:schemeClr val="tx1">
-                    <a:tint val="75000"/>
-                  </a:schemeClr>
-                </a:solidFill>
-              </a:defRPr>
-            </a:lvl8pPr>
-            <a:lvl9pPr marL="3657600" indent="0" algn="ctr">
-              <a:buNone/>
-              <a:defRPr>
-                <a:solidFill>
-                  <a:schemeClr val="tx1">
-                    <a:tint val="75000"/>
-                  </a:schemeClr>
-                </a:solidFill>
-              </a:defRPr>
-            </a:lvl9pPr>
-          </a:lstStyle>
-          <a:p>
-            <a:r>
-              <a:rPr lang="en-US" smtClean="0"/>
-              <a:t>Click to edit Master subtitle style</a:t>
-            </a:r>
-            <a:endParaRPr lang="en-US" dirty="0"/>
-          </a:p>
-        </p:txBody>
-      </p:sp>
-      <p:sp>
-        <p:nvSpPr>
-          <p:cNvPr id="4" name="Date Placeholder 3"/>
-          <p:cNvSpPr>
-            <a:spLocks noGrp="1"/>
-          </p:cNvSpPr>
-          <p:nvPr>
-            <p:ph type="dt" sz="half" idx="10"/>
-          </p:nvPr>
-        </p:nvSpPr>
-        <p:spPr>
-          <a:xfrm>
-            <a:off x="7605951" y="5956137"/>
-            <a:ext cx="2844800" cy="365125"/>
-          </a:xfrm>
-        </p:spPr>
-        <p:txBody>
-          <a:bodyPr/>
-          <a:lstStyle>
-            <a:lvl1pPr>
-              <a:defRPr>
-                <a:solidFill>
-                  <a:schemeClr val="accent1">
-                    <a:lumMod val="75000"/>
-                    <a:lumOff val="25000"/>
+                    <a:lumMod val="85000"/>
+                    <a:lumOff val="15000"/>
                   </a:schemeClr>
                 </a:solidFill>
               </a:defRPr>
             </a:lvl1pPr>
           </a:lstStyle>
           <a:p>
+            <a:r>
+              <a:rPr lang="en-US" smtClean="0"/>
+              <a:t>Click to edit Master title style</a:t>
+            </a:r>
+            <a:endParaRPr lang="en-US" dirty="0"/>
+          </a:p>
+        </p:txBody>
+      </p:sp>
+      <p:sp>
+        <p:nvSpPr>
+          <p:cNvPr id="3" name="Subtitle 2"/>
+          <p:cNvSpPr>
+            <a:spLocks noGrp="1"/>
+          </p:cNvSpPr>
+          <p:nvPr>
+            <p:ph type="subTitle" idx="1"/>
+          </p:nvPr>
+        </p:nvSpPr>
+        <p:spPr>
+          <a:xfrm>
+            <a:off x="1100051" y="4455621"/>
+            <a:ext cx="10058400" cy="1143000"/>
+          </a:xfrm>
+        </p:spPr>
+        <p:txBody>
+          <a:bodyPr lIns="91440" rIns="91440">
+            <a:normAutofit/>
+          </a:bodyPr>
+          <a:lstStyle>
+            <a:lvl1pPr marL="0" indent="0" algn="l">
+              <a:buNone/>
+              <a:defRPr sz="2400" cap="all" spc="200" baseline="0">
+                <a:solidFill>
+                  <a:schemeClr val="tx2"/>
+                </a:solidFill>
+                <a:latin typeface="+mj-lt"/>
+              </a:defRPr>
+            </a:lvl1pPr>
+            <a:lvl2pPr marL="457200" indent="0" algn="ctr">
+              <a:buNone/>
+              <a:defRPr sz="2400"/>
+            </a:lvl2pPr>
+            <a:lvl3pPr marL="914400" indent="0" algn="ctr">
+              <a:buNone/>
+              <a:defRPr sz="2400"/>
+            </a:lvl3pPr>
+            <a:lvl4pPr marL="1371600" indent="0" algn="ctr">
+              <a:buNone/>
+              <a:defRPr sz="2000"/>
+            </a:lvl4pPr>
+            <a:lvl5pPr marL="1828800" indent="0" algn="ctr">
+              <a:buNone/>
+              <a:defRPr sz="2000"/>
+            </a:lvl5pPr>
+            <a:lvl6pPr marL="2286000" indent="0" algn="ctr">
+              <a:buNone/>
+              <a:defRPr sz="2000"/>
+            </a:lvl6pPr>
+            <a:lvl7pPr marL="2743200" indent="0" algn="ctr">
+              <a:buNone/>
+              <a:defRPr sz="2000"/>
+            </a:lvl7pPr>
+            <a:lvl8pPr marL="3200400" indent="0" algn="ctr">
+              <a:buNone/>
+              <a:defRPr sz="2000"/>
+            </a:lvl8pPr>
+            <a:lvl9pPr marL="3657600" indent="0" algn="ctr">
+              <a:buNone/>
+              <a:defRPr sz="2000"/>
+            </a:lvl9pPr>
+          </a:lstStyle>
+          <a:p>
+            <a:r>
+              <a:rPr lang="en-US" smtClean="0"/>
+              <a:t>Click to edit Master subtitle style</a:t>
+            </a:r>
+            <a:endParaRPr lang="en-US" dirty="0"/>
+          </a:p>
+        </p:txBody>
+      </p:sp>
+      <p:sp>
+        <p:nvSpPr>
+          <p:cNvPr id="4" name="Date Placeholder 3"/>
+          <p:cNvSpPr>
+            <a:spLocks noGrp="1"/>
+          </p:cNvSpPr>
+          <p:nvPr>
+            <p:ph type="dt" sz="half" idx="10"/>
+          </p:nvPr>
+        </p:nvSpPr>
+        <p:spPr/>
+        <p:txBody>
+          <a:bodyPr/>
+          <a:lstStyle/>
+          <a:p>
             <a:fld id="{5AA6EF1D-4F61-4C45-A839-E6A56AB1DCE3}" type="datetimeFigureOut">
               <a:rPr lang="en-US" smtClean="0"/>
-              <a:t>8/27/2020</a:t>
+              <a:t>8/28/2020</a:t>
             </a:fld>
             <a:endParaRPr lang="en-US"/>
           </a:p>
@@ -379,26 +363,10 @@
             <p:ph type="ftr" sz="quarter" idx="11"/>
           </p:nvPr>
         </p:nvSpPr>
-        <p:spPr>
-          <a:xfrm>
-            <a:off x="581192" y="5951811"/>
-            <a:ext cx="6917210" cy="365125"/>
-          </a:xfrm>
-        </p:spPr>
-        <p:txBody>
-          <a:bodyPr/>
-          <a:lstStyle>
-            <a:lvl1pPr>
-              <a:defRPr>
-                <a:solidFill>
-                  <a:schemeClr val="accent1">
-                    <a:lumMod val="75000"/>
-                    <a:lumOff val="25000"/>
-                  </a:schemeClr>
-                </a:solidFill>
-              </a:defRPr>
-            </a:lvl1pPr>
-          </a:lstStyle>
+        <p:spPr/>
+        <p:txBody>
+          <a:bodyPr/>
+          <a:lstStyle/>
           <a:p>
             <a:endParaRPr lang="en-US"/>
           </a:p>
@@ -414,26 +382,10 @@
             <p:ph type="sldNum" sz="quarter" idx="12"/>
           </p:nvPr>
         </p:nvSpPr>
-        <p:spPr>
-          <a:xfrm>
-            <a:off x="10558300" y="5956137"/>
-            <a:ext cx="1016440" cy="365125"/>
-          </a:xfrm>
-        </p:spPr>
-        <p:txBody>
-          <a:bodyPr/>
-          <a:lstStyle>
-            <a:lvl1pPr>
-              <a:defRPr>
-                <a:solidFill>
-                  <a:schemeClr val="accent1">
-                    <a:lumMod val="75000"/>
-                    <a:lumOff val="25000"/>
-                  </a:schemeClr>
-                </a:solidFill>
-              </a:defRPr>
-            </a:lvl1pPr>
-          </a:lstStyle>
+        <p:spPr/>
+        <p:txBody>
+          <a:bodyPr/>
+          <a:lstStyle/>
           <a:p>
             <a:fld id="{AE6D0C63-3EF0-4A08-B9D7-7118B2621E28}" type="slidenum">
               <a:rPr lang="en-US" smtClean="0"/>
@@ -443,10 +395,48 @@
           </a:p>
         </p:txBody>
       </p:sp>
+      <p:cxnSp>
+        <p:nvCxnSpPr>
+          <p:cNvPr id="9" name="Straight Connector 8"/>
+          <p:cNvCxnSpPr/>
+          <p:nvPr/>
+        </p:nvCxnSpPr>
+        <p:spPr>
+          <a:xfrm>
+            <a:off x="1207658" y="4343400"/>
+            <a:ext cx="9875520" cy="0"/>
+          </a:xfrm>
+          <a:prstGeom prst="line">
+            <a:avLst/>
+          </a:prstGeom>
+          <a:ln w="6350">
+            <a:solidFill>
+              <a:schemeClr val="tx1">
+                <a:lumMod val="50000"/>
+                <a:lumOff val="50000"/>
+              </a:schemeClr>
+            </a:solidFill>
+          </a:ln>
+        </p:spPr>
+        <p:style>
+          <a:lnRef idx="1">
+            <a:schemeClr val="accent1"/>
+          </a:lnRef>
+          <a:fillRef idx="0">
+            <a:schemeClr val="accent1"/>
+          </a:fillRef>
+          <a:effectRef idx="0">
+            <a:schemeClr val="accent1"/>
+          </a:effectRef>
+          <a:fontRef idx="minor">
+            <a:schemeClr val="tx1"/>
+          </a:fontRef>
+        </p:style>
+      </p:cxnSp>
     </p:spTree>
     <p:extLst>
       <p:ext uri="{BB962C8B-B14F-4D97-AF65-F5344CB8AC3E}">
-        <p14:creationId xmlns:p14="http://schemas.microsoft.com/office/powerpoint/2010/main" val="3433914050"/>
+        <p14:creationId xmlns:p14="http://schemas.microsoft.com/office/powerpoint/2010/main" val="2113787410"/>
       </p:ext>
     </p:extLst>
   </p:cSld>
@@ -475,46 +465,7 @@
       </p:grpSpPr>
       <p:sp>
         <p:nvSpPr>
-          <p:cNvPr id="8" name="Rectangle 7"/>
-          <p:cNvSpPr>
-            <a:spLocks noChangeAspect="1"/>
-          </p:cNvSpPr>
-          <p:nvPr/>
-        </p:nvSpPr>
-        <p:spPr>
-          <a:xfrm>
-            <a:off x="440286" y="614407"/>
-            <a:ext cx="11309338" cy="1189298"/>
-          </a:xfrm>
-          <a:prstGeom prst="rect">
-            <a:avLst/>
-          </a:prstGeom>
-          <a:solidFill>
-            <a:schemeClr val="accent1"/>
-          </a:solidFill>
-          <a:ln>
-            <a:noFill/>
-          </a:ln>
-          <a:effectLst/>
-        </p:spPr>
-        <p:style>
-          <a:lnRef idx="1">
-            <a:schemeClr val="accent1"/>
-          </a:lnRef>
-          <a:fillRef idx="3">
-            <a:schemeClr val="accent1"/>
-          </a:fillRef>
-          <a:effectRef idx="2">
-            <a:schemeClr val="accent1"/>
-          </a:effectRef>
-          <a:fontRef idx="minor">
-            <a:schemeClr val="lt1"/>
-          </a:fontRef>
-        </p:style>
-      </p:sp>
-      <p:sp>
-        <p:nvSpPr>
-          <p:cNvPr id="9" name="Title 1"/>
+          <p:cNvPr id="2" name="Title 1"/>
           <p:cNvSpPr>
             <a:spLocks noGrp="1"/>
           </p:cNvSpPr>
@@ -522,12 +473,7 @@
             <p:ph type="title"/>
           </p:nvPr>
         </p:nvSpPr>
-        <p:spPr>
-          <a:xfrm>
-            <a:off x="581192" y="702156"/>
-            <a:ext cx="11029616" cy="1013800"/>
-          </a:xfrm>
-        </p:spPr>
+        <p:spPr/>
         <p:txBody>
           <a:bodyPr/>
           <a:lstStyle/>
@@ -552,24 +498,8 @@
         </p:nvSpPr>
         <p:spPr/>
         <p:txBody>
-          <a:bodyPr vert="eaVert" anchor="t"/>
-          <a:lstStyle>
-            <a:lvl1pPr algn="l">
-              <a:defRPr/>
-            </a:lvl1pPr>
-            <a:lvl2pPr algn="l">
-              <a:defRPr/>
-            </a:lvl2pPr>
-            <a:lvl3pPr algn="l">
-              <a:defRPr/>
-            </a:lvl3pPr>
-            <a:lvl4pPr algn="l">
-              <a:defRPr/>
-            </a:lvl4pPr>
-            <a:lvl5pPr algn="l">
-              <a:defRPr/>
-            </a:lvl5pPr>
-          </a:lstStyle>
+          <a:bodyPr vert="eaVert" lIns="45720" tIns="0" rIns="45720" bIns="0"/>
+          <a:lstStyle/>
           <a:p>
             <a:pPr lvl="0"/>
             <a:r>
@@ -625,7 +555,7 @@
           <a:p>
             <a:fld id="{5AA6EF1D-4F61-4C45-A839-E6A56AB1DCE3}" type="datetimeFigureOut">
               <a:rPr lang="en-US" smtClean="0"/>
-              <a:t>8/27/2020</a:t>
+              <a:t>8/28/2020</a:t>
             </a:fld>
             <a:endParaRPr lang="en-US"/>
           </a:p>
@@ -676,7 +606,7 @@
     </p:spTree>
     <p:extLst>
       <p:ext uri="{BB962C8B-B14F-4D97-AF65-F5344CB8AC3E}">
-        <p14:creationId xmlns:p14="http://schemas.microsoft.com/office/powerpoint/2010/main" val="819764784"/>
+        <p14:creationId xmlns:p14="http://schemas.microsoft.com/office/powerpoint/2010/main" val="4151864659"/>
       </p:ext>
     </p:extLst>
   </p:cSld>
@@ -687,7 +617,7 @@
 </file>
 
 <file path=ppt/slideLayouts/slideLayout11.xml><?xml version="1.0" encoding="utf-8"?>
-<p:sldLayout xmlns:a="http://schemas.openxmlformats.org/drawingml/2006/main" xmlns:r="http://schemas.openxmlformats.org/officeDocument/2006/relationships" xmlns:p="http://schemas.openxmlformats.org/presentationml/2006/main" type="vertTitleAndTx" preserve="1">
+<p:sldLayout xmlns:a="http://schemas.openxmlformats.org/drawingml/2006/main" xmlns:r="http://schemas.openxmlformats.org/officeDocument/2006/relationships" xmlns:p="http://schemas.openxmlformats.org/presentationml/2006/main" showMasterSp="0" type="vertTitleAndTx" preserve="1">
   <p:cSld name="Vertical Title and Text">
     <p:spTree>
       <p:nvGrpSpPr>
@@ -706,35 +636,36 @@
       <p:sp>
         <p:nvSpPr>
           <p:cNvPr id="7" name="Rectangle 6"/>
-          <p:cNvSpPr>
-            <a:spLocks noChangeAspect="1"/>
-          </p:cNvSpPr>
+          <p:cNvSpPr/>
           <p:nvPr/>
         </p:nvSpPr>
         <p:spPr>
           <a:xfrm>
-            <a:off x="8839201" y="599725"/>
-            <a:ext cx="2906817" cy="5816950"/>
+            <a:off x="3175" y="6400800"/>
+            <a:ext cx="12188825" cy="457200"/>
           </a:xfrm>
           <a:prstGeom prst="rect">
             <a:avLst/>
           </a:prstGeom>
           <a:solidFill>
-            <a:schemeClr val="accent1"/>
+            <a:schemeClr val="accent4">
+              <a:lumMod val="75000"/>
+            </a:schemeClr>
           </a:solidFill>
           <a:ln>
             <a:noFill/>
           </a:ln>
-          <a:effectLst/>
         </p:spPr>
         <p:style>
-          <a:lnRef idx="1">
-            <a:schemeClr val="accent1"/>
+          <a:lnRef idx="2">
+            <a:schemeClr val="accent1">
+              <a:shade val="50000"/>
+            </a:schemeClr>
           </a:lnRef>
-          <a:fillRef idx="3">
+          <a:fillRef idx="1">
             <a:schemeClr val="accent1"/>
           </a:fillRef>
-          <a:effectRef idx="2">
+          <a:effectRef idx="0">
             <a:schemeClr val="accent1"/>
           </a:effectRef>
           <a:fontRef idx="minor">
@@ -744,18 +675,56 @@
       </p:sp>
       <p:sp>
         <p:nvSpPr>
-          <p:cNvPr id="2" name="Vertical Title 1"/>
-          <p:cNvSpPr>
-            <a:spLocks noGrp="1"/>
-          </p:cNvSpPr>
-          <p:nvPr>
-            <p:ph type="title" orient="vert"/>
-          </p:nvPr>
+          <p:cNvPr id="8" name="Rectangle 7"/>
+          <p:cNvSpPr/>
+          <p:nvPr/>
         </p:nvSpPr>
         <p:spPr>
           <a:xfrm>
-            <a:off x="8839201" y="675726"/>
-            <a:ext cx="2004164" cy="5183073"/>
+            <a:off x="15" y="6334316"/>
+            <a:ext cx="12188825" cy="64008"/>
+          </a:xfrm>
+          <a:prstGeom prst="rect">
+            <a:avLst/>
+          </a:prstGeom>
+          <a:solidFill>
+            <a:schemeClr val="accent4"/>
+          </a:solidFill>
+          <a:ln>
+            <a:noFill/>
+          </a:ln>
+        </p:spPr>
+        <p:style>
+          <a:lnRef idx="2">
+            <a:schemeClr val="accent1">
+              <a:shade val="50000"/>
+            </a:schemeClr>
+          </a:lnRef>
+          <a:fillRef idx="1">
+            <a:schemeClr val="accent1"/>
+          </a:fillRef>
+          <a:effectRef idx="0">
+            <a:schemeClr val="accent1"/>
+          </a:effectRef>
+          <a:fontRef idx="minor">
+            <a:schemeClr val="lt1"/>
+          </a:fontRef>
+        </p:style>
+      </p:sp>
+      <p:sp>
+        <p:nvSpPr>
+          <p:cNvPr id="2" name="Vertical Title 1"/>
+          <p:cNvSpPr>
+            <a:spLocks noGrp="1"/>
+          </p:cNvSpPr>
+          <p:nvPr>
+            <p:ph type="title" orient="vert"/>
+          </p:nvPr>
+        </p:nvSpPr>
+        <p:spPr>
+          <a:xfrm>
+            <a:off x="8724900" y="412302"/>
+            <a:ext cx="2628900" cy="5759898"/>
           </a:xfrm>
         </p:spPr>
         <p:txBody>
@@ -782,12 +751,12 @@
         </p:nvSpPr>
         <p:spPr>
           <a:xfrm>
-            <a:off x="774923" y="675726"/>
-            <a:ext cx="7896279" cy="5183073"/>
+            <a:off x="838200" y="412302"/>
+            <a:ext cx="7734300" cy="5759898"/>
           </a:xfrm>
         </p:spPr>
         <p:txBody>
-          <a:bodyPr vert="eaVert" anchor="t"/>
+          <a:bodyPr vert="eaVert" lIns="45720" tIns="0" rIns="45720" bIns="0"/>
           <a:lstStyle/>
           <a:p>
             <a:pPr lvl="0"/>
@@ -837,30 +806,14 @@
             <p:ph type="dt" sz="half" idx="10"/>
           </p:nvPr>
         </p:nvSpPr>
-        <p:spPr>
-          <a:xfrm>
-            <a:off x="8993673" y="5956137"/>
-            <a:ext cx="1328141" cy="365125"/>
-          </a:xfrm>
-        </p:spPr>
-        <p:txBody>
-          <a:bodyPr/>
-          <a:lstStyle>
-            <a:lvl1pPr>
-              <a:defRPr>
-                <a:solidFill>
-                  <a:schemeClr val="accent1">
-                    <a:lumMod val="75000"/>
-                    <a:lumOff val="25000"/>
-                  </a:schemeClr>
-                </a:solidFill>
-              </a:defRPr>
-            </a:lvl1pPr>
-          </a:lstStyle>
+        <p:spPr/>
+        <p:txBody>
+          <a:bodyPr/>
+          <a:lstStyle/>
           <a:p>
             <a:fld id="{5AA6EF1D-4F61-4C45-A839-E6A56AB1DCE3}" type="datetimeFigureOut">
               <a:rPr lang="en-US" smtClean="0"/>
-              <a:t>8/27/2020</a:t>
+              <a:t>8/28/2020</a:t>
             </a:fld>
             <a:endParaRPr lang="en-US"/>
           </a:p>
@@ -876,12 +829,7 @@
             <p:ph type="ftr" sz="quarter" idx="11"/>
           </p:nvPr>
         </p:nvSpPr>
-        <p:spPr>
-          <a:xfrm>
-            <a:off x="774923" y="5951811"/>
-            <a:ext cx="7896279" cy="365125"/>
-          </a:xfrm>
-        </p:spPr>
+        <p:spPr/>
         <p:txBody>
           <a:bodyPr/>
           <a:lstStyle/>
@@ -900,26 +848,10 @@
             <p:ph type="sldNum" sz="quarter" idx="12"/>
           </p:nvPr>
         </p:nvSpPr>
-        <p:spPr>
-          <a:xfrm>
-            <a:off x="10446615" y="5956137"/>
-            <a:ext cx="1164195" cy="365125"/>
-          </a:xfrm>
-        </p:spPr>
-        <p:txBody>
-          <a:bodyPr/>
-          <a:lstStyle>
-            <a:lvl1pPr>
-              <a:defRPr>
-                <a:solidFill>
-                  <a:schemeClr val="accent1">
-                    <a:lumMod val="75000"/>
-                    <a:lumOff val="25000"/>
-                  </a:schemeClr>
-                </a:solidFill>
-              </a:defRPr>
-            </a:lvl1pPr>
-          </a:lstStyle>
+        <p:spPr/>
+        <p:txBody>
+          <a:bodyPr/>
+          <a:lstStyle/>
           <a:p>
             <a:fld id="{AE6D0C63-3EF0-4A08-B9D7-7118B2621E28}" type="slidenum">
               <a:rPr lang="en-US" smtClean="0"/>
@@ -932,7 +864,7 @@
     </p:spTree>
     <p:extLst>
       <p:ext uri="{BB962C8B-B14F-4D97-AF65-F5344CB8AC3E}">
-        <p14:creationId xmlns:p14="http://schemas.microsoft.com/office/powerpoint/2010/main" val="3120276195"/>
+        <p14:creationId xmlns:p14="http://schemas.microsoft.com/office/powerpoint/2010/main" val="4209563486"/>
       </p:ext>
     </p:extLst>
   </p:cSld>
@@ -961,45 +893,6 @@
       </p:grpSpPr>
       <p:sp>
         <p:nvSpPr>
-          <p:cNvPr id="7" name="Rectangle 6"/>
-          <p:cNvSpPr>
-            <a:spLocks noChangeAspect="1"/>
-          </p:cNvSpPr>
-          <p:nvPr/>
-        </p:nvSpPr>
-        <p:spPr>
-          <a:xfrm>
-            <a:off x="440286" y="614407"/>
-            <a:ext cx="11309338" cy="1189298"/>
-          </a:xfrm>
-          <a:prstGeom prst="rect">
-            <a:avLst/>
-          </a:prstGeom>
-          <a:solidFill>
-            <a:schemeClr val="accent1"/>
-          </a:solidFill>
-          <a:ln>
-            <a:noFill/>
-          </a:ln>
-          <a:effectLst/>
-        </p:spPr>
-        <p:style>
-          <a:lnRef idx="1">
-            <a:schemeClr val="accent1"/>
-          </a:lnRef>
-          <a:fillRef idx="3">
-            <a:schemeClr val="accent1"/>
-          </a:fillRef>
-          <a:effectRef idx="2">
-            <a:schemeClr val="accent1"/>
-          </a:effectRef>
-          <a:fontRef idx="minor">
-            <a:schemeClr val="lt1"/>
-          </a:fontRef>
-        </p:style>
-      </p:sp>
-      <p:sp>
-        <p:nvSpPr>
           <p:cNvPr id="2" name="Title 1"/>
           <p:cNvSpPr>
             <a:spLocks noGrp="1"/>
@@ -1008,12 +901,7 @@
             <p:ph type="title"/>
           </p:nvPr>
         </p:nvSpPr>
-        <p:spPr>
-          <a:xfrm>
-            <a:off x="581192" y="702156"/>
-            <a:ext cx="11029616" cy="1013800"/>
-          </a:xfrm>
-        </p:spPr>
+        <p:spPr/>
         <p:txBody>
           <a:bodyPr/>
           <a:lstStyle/>
@@ -1036,12 +924,7 @@
             <p:ph idx="1"/>
           </p:nvPr>
         </p:nvSpPr>
-        <p:spPr>
-          <a:xfrm>
-            <a:off x="581192" y="2180496"/>
-            <a:ext cx="11029615" cy="3678303"/>
-          </a:xfrm>
-        </p:spPr>
+        <p:spPr/>
         <p:txBody>
           <a:bodyPr/>
           <a:lstStyle/>
@@ -1100,7 +983,7 @@
           <a:p>
             <a:fld id="{5AA6EF1D-4F61-4C45-A839-E6A56AB1DCE3}" type="datetimeFigureOut">
               <a:rPr lang="en-US" smtClean="0"/>
-              <a:t>8/27/2020</a:t>
+              <a:t>8/28/2020</a:t>
             </a:fld>
             <a:endParaRPr lang="en-US"/>
           </a:p>
@@ -1135,12 +1018,7 @@
             <p:ph type="sldNum" sz="quarter" idx="12"/>
           </p:nvPr>
         </p:nvSpPr>
-        <p:spPr>
-          <a:xfrm>
-            <a:off x="10558300" y="5956137"/>
-            <a:ext cx="1052508" cy="365125"/>
-          </a:xfrm>
-        </p:spPr>
+        <p:spPr/>
         <p:txBody>
           <a:bodyPr/>
           <a:lstStyle/>
@@ -1156,7 +1034,7 @@
     </p:spTree>
     <p:extLst>
       <p:ext uri="{BB962C8B-B14F-4D97-AF65-F5344CB8AC3E}">
-        <p14:creationId xmlns:p14="http://schemas.microsoft.com/office/powerpoint/2010/main" val="4123128726"/>
+        <p14:creationId xmlns:p14="http://schemas.microsoft.com/office/powerpoint/2010/main" val="776353181"/>
       </p:ext>
     </p:extLst>
   </p:cSld>
@@ -1167,7 +1045,7 @@
 </file>
 
 <file path=ppt/slideLayouts/slideLayout3.xml><?xml version="1.0" encoding="utf-8"?>
-<p:sldLayout xmlns:a="http://schemas.openxmlformats.org/drawingml/2006/main" xmlns:r="http://schemas.openxmlformats.org/officeDocument/2006/relationships" xmlns:p="http://schemas.openxmlformats.org/presentationml/2006/main" type="secHead" preserve="1">
+<p:sldLayout xmlns:a="http://schemas.openxmlformats.org/drawingml/2006/main" xmlns:r="http://schemas.openxmlformats.org/officeDocument/2006/relationships" xmlns:p="http://schemas.openxmlformats.org/presentationml/2006/main" showMasterSp="0" type="secHead" preserve="1">
   <p:cSld name="Section Header">
     <p:spTree>
       <p:nvGrpSpPr>
@@ -1185,36 +1063,37 @@
       </p:grpSpPr>
       <p:sp>
         <p:nvSpPr>
-          <p:cNvPr id="8" name="Rectangle 7"/>
-          <p:cNvSpPr>
-            <a:spLocks noChangeAspect="1"/>
-          </p:cNvSpPr>
+          <p:cNvPr id="7" name="Rectangle 6"/>
+          <p:cNvSpPr/>
           <p:nvPr/>
         </p:nvSpPr>
         <p:spPr>
           <a:xfrm>
-            <a:off x="447817" y="5141974"/>
-            <a:ext cx="11290860" cy="1258827"/>
+            <a:off x="3175" y="6400800"/>
+            <a:ext cx="12188825" cy="457200"/>
           </a:xfrm>
           <a:prstGeom prst="rect">
             <a:avLst/>
           </a:prstGeom>
           <a:solidFill>
-            <a:schemeClr val="accent1"/>
+            <a:schemeClr val="accent4">
+              <a:lumMod val="75000"/>
+            </a:schemeClr>
           </a:solidFill>
           <a:ln>
             <a:noFill/>
           </a:ln>
-          <a:effectLst/>
         </p:spPr>
         <p:style>
-          <a:lnRef idx="1">
-            <a:schemeClr val="accent1"/>
+          <a:lnRef idx="2">
+            <a:schemeClr val="accent1">
+              <a:shade val="50000"/>
+            </a:schemeClr>
           </a:lnRef>
-          <a:fillRef idx="3">
+          <a:fillRef idx="1">
             <a:schemeClr val="accent1"/>
           </a:fillRef>
-          <a:effectRef idx="2">
+          <a:effectRef idx="0">
             <a:schemeClr val="accent1"/>
           </a:effectRef>
           <a:fontRef idx="minor">
@@ -1224,29 +1103,73 @@
       </p:sp>
       <p:sp>
         <p:nvSpPr>
-          <p:cNvPr id="2" name="Title 1"/>
-          <p:cNvSpPr>
-            <a:spLocks noGrp="1"/>
-          </p:cNvSpPr>
-          <p:nvPr>
-            <p:ph type="title"/>
-          </p:nvPr>
+          <p:cNvPr id="8" name="Rectangle 7"/>
+          <p:cNvSpPr/>
+          <p:nvPr/>
         </p:nvSpPr>
         <p:spPr>
           <a:xfrm>
-            <a:off x="581193" y="3043910"/>
-            <a:ext cx="11029615" cy="1497507"/>
+            <a:off x="15" y="6334316"/>
+            <a:ext cx="12188825" cy="64008"/>
+          </a:xfrm>
+          <a:prstGeom prst="rect">
+            <a:avLst/>
+          </a:prstGeom>
+          <a:solidFill>
+            <a:schemeClr val="accent4"/>
+          </a:solidFill>
+          <a:ln>
+            <a:noFill/>
+          </a:ln>
+        </p:spPr>
+        <p:style>
+          <a:lnRef idx="2">
+            <a:schemeClr val="accent1">
+              <a:shade val="50000"/>
+            </a:schemeClr>
+          </a:lnRef>
+          <a:fillRef idx="1">
+            <a:schemeClr val="accent1"/>
+          </a:fillRef>
+          <a:effectRef idx="0">
+            <a:schemeClr val="accent1"/>
+          </a:effectRef>
+          <a:fontRef idx="minor">
+            <a:schemeClr val="lt1"/>
+          </a:fontRef>
+        </p:style>
+      </p:sp>
+      <p:sp>
+        <p:nvSpPr>
+          <p:cNvPr id="2" name="Title 1"/>
+          <p:cNvSpPr>
+            <a:spLocks noGrp="1"/>
+          </p:cNvSpPr>
+          <p:nvPr>
+            <p:ph type="title"/>
+          </p:nvPr>
+        </p:nvSpPr>
+        <p:spPr>
+          <a:xfrm>
+            <a:off x="1097280" y="758952"/>
+            <a:ext cx="10058400" cy="3566160"/>
           </a:xfrm>
         </p:spPr>
         <p:txBody>
-          <a:bodyPr anchor="b">
+          <a:bodyPr anchor="b" anchorCtr="0">
             <a:normAutofit/>
           </a:bodyPr>
           <a:lstStyle>
-            <a:lvl1pPr algn="l">
-              <a:defRPr sz="3600" b="0" cap="all">
+            <a:lvl1pPr>
+              <a:lnSpc>
+                <a:spcPct val="85000"/>
+              </a:lnSpc>
+              <a:defRPr sz="8000" b="0">
                 <a:solidFill>
-                  <a:schemeClr val="accent1"/>
+                  <a:schemeClr val="tx1">
+                    <a:lumMod val="85000"/>
+                    <a:lumOff val="15000"/>
+                  </a:schemeClr>
                 </a:solidFill>
               </a:defRPr>
             </a:lvl1pPr>
@@ -1272,21 +1195,22 @@
         </p:nvSpPr>
         <p:spPr>
           <a:xfrm>
-            <a:off x="581192" y="4541417"/>
-            <a:ext cx="11029615" cy="600556"/>
+            <a:off x="1097280" y="4453128"/>
+            <a:ext cx="10058400" cy="1143000"/>
           </a:xfrm>
         </p:spPr>
         <p:txBody>
-          <a:bodyPr anchor="t">
+          <a:bodyPr lIns="91440" rIns="91440" anchor="t" anchorCtr="0">
             <a:normAutofit/>
           </a:bodyPr>
           <a:lstStyle>
-            <a:lvl1pPr marL="0" indent="0" algn="l">
-              <a:buNone/>
-              <a:defRPr sz="1800" cap="all">
+            <a:lvl1pPr marL="0" indent="0">
+              <a:buNone/>
+              <a:defRPr sz="2400" cap="all" spc="200" baseline="0">
                 <a:solidFill>
-                  <a:schemeClr val="accent2"/>
+                  <a:schemeClr val="tx2"/>
                 </a:solidFill>
+                <a:latin typeface="+mj-lt"/>
               </a:defRPr>
             </a:lvl1pPr>
             <a:lvl2pPr marL="457200" indent="0">
@@ -1392,22 +1316,11 @@
         <p:spPr/>
         <p:txBody>
           <a:bodyPr/>
-          <a:lstStyle>
-            <a:lvl1pPr>
-              <a:defRPr>
-                <a:solidFill>
-                  <a:schemeClr val="accent1">
-                    <a:lumMod val="75000"/>
-                    <a:lumOff val="25000"/>
-                  </a:schemeClr>
-                </a:solidFill>
-              </a:defRPr>
-            </a:lvl1pPr>
-          </a:lstStyle>
+          <a:lstStyle/>
           <a:p>
             <a:fld id="{5AA6EF1D-4F61-4C45-A839-E6A56AB1DCE3}" type="datetimeFigureOut">
               <a:rPr lang="en-US" smtClean="0"/>
-              <a:t>8/27/2020</a:t>
+              <a:t>8/28/2020</a:t>
             </a:fld>
             <a:endParaRPr lang="en-US"/>
           </a:p>
@@ -1426,18 +1339,7 @@
         <p:spPr/>
         <p:txBody>
           <a:bodyPr/>
-          <a:lstStyle>
-            <a:lvl1pPr>
-              <a:defRPr>
-                <a:solidFill>
-                  <a:schemeClr val="accent1">
-                    <a:lumMod val="75000"/>
-                    <a:lumOff val="25000"/>
-                  </a:schemeClr>
-                </a:solidFill>
-              </a:defRPr>
-            </a:lvl1pPr>
-          </a:lstStyle>
+          <a:lstStyle/>
           <a:p>
             <a:endParaRPr lang="en-US"/>
           </a:p>
@@ -1456,18 +1358,7 @@
         <p:spPr/>
         <p:txBody>
           <a:bodyPr/>
-          <a:lstStyle>
-            <a:lvl1pPr>
-              <a:defRPr>
-                <a:solidFill>
-                  <a:schemeClr val="accent1">
-                    <a:lumMod val="75000"/>
-                    <a:lumOff val="25000"/>
-                  </a:schemeClr>
-                </a:solidFill>
-              </a:defRPr>
-            </a:lvl1pPr>
-          </a:lstStyle>
+          <a:lstStyle/>
           <a:p>
             <a:fld id="{AE6D0C63-3EF0-4A08-B9D7-7118B2621E28}" type="slidenum">
               <a:rPr lang="en-US" smtClean="0"/>
@@ -1477,10 +1368,48 @@
           </a:p>
         </p:txBody>
       </p:sp>
+      <p:cxnSp>
+        <p:nvCxnSpPr>
+          <p:cNvPr id="9" name="Straight Connector 8"/>
+          <p:cNvCxnSpPr/>
+          <p:nvPr/>
+        </p:nvCxnSpPr>
+        <p:spPr>
+          <a:xfrm>
+            <a:off x="1207658" y="4343400"/>
+            <a:ext cx="9875520" cy="0"/>
+          </a:xfrm>
+          <a:prstGeom prst="line">
+            <a:avLst/>
+          </a:prstGeom>
+          <a:ln w="6350">
+            <a:solidFill>
+              <a:schemeClr val="tx1">
+                <a:lumMod val="50000"/>
+                <a:lumOff val="50000"/>
+              </a:schemeClr>
+            </a:solidFill>
+          </a:ln>
+        </p:spPr>
+        <p:style>
+          <a:lnRef idx="1">
+            <a:schemeClr val="accent1"/>
+          </a:lnRef>
+          <a:fillRef idx="0">
+            <a:schemeClr val="accent1"/>
+          </a:fillRef>
+          <a:effectRef idx="0">
+            <a:schemeClr val="accent1"/>
+          </a:effectRef>
+          <a:fontRef idx="minor">
+            <a:schemeClr val="tx1"/>
+          </a:fontRef>
+        </p:style>
+      </p:cxnSp>
     </p:spTree>
     <p:extLst>
       <p:ext uri="{BB962C8B-B14F-4D97-AF65-F5344CB8AC3E}">
-        <p14:creationId xmlns:p14="http://schemas.microsoft.com/office/powerpoint/2010/main" val="2195234164"/>
+        <p14:creationId xmlns:p14="http://schemas.microsoft.com/office/powerpoint/2010/main" val="1626065619"/>
       </p:ext>
     </p:extLst>
   </p:cSld>
@@ -1509,66 +1438,84 @@
       </p:grpSpPr>
       <p:sp>
         <p:nvSpPr>
-          <p:cNvPr id="8" name="Rectangle 7"/>
-          <p:cNvSpPr>
-            <a:spLocks noChangeAspect="1"/>
-          </p:cNvSpPr>
-          <p:nvPr/>
+          <p:cNvPr id="8" name="Title 7"/>
+          <p:cNvSpPr>
+            <a:spLocks noGrp="1"/>
+          </p:cNvSpPr>
+          <p:nvPr>
+            <p:ph type="title"/>
+          </p:nvPr>
         </p:nvSpPr>
         <p:spPr>
           <a:xfrm>
-            <a:off x="445982" y="606554"/>
-            <a:ext cx="11300036" cy="1258827"/>
+            <a:off x="1097280" y="286603"/>
+            <a:ext cx="10058400" cy="1450757"/>
           </a:xfrm>
-          <a:prstGeom prst="rect">
-            <a:avLst/>
-          </a:prstGeom>
-          <a:solidFill>
-            <a:schemeClr val="accent1"/>
-          </a:solidFill>
-          <a:ln>
-            <a:noFill/>
-          </a:ln>
-          <a:effectLst/>
         </p:spPr>
-        <p:style>
-          <a:lnRef idx="1">
-            <a:schemeClr val="accent1"/>
-          </a:lnRef>
-          <a:fillRef idx="3">
-            <a:schemeClr val="accent1"/>
-          </a:fillRef>
-          <a:effectRef idx="2">
-            <a:schemeClr val="accent1"/>
-          </a:effectRef>
-          <a:fontRef idx="minor">
-            <a:schemeClr val="lt1"/>
-          </a:fontRef>
-        </p:style>
-      </p:sp>
-      <p:sp>
-        <p:nvSpPr>
-          <p:cNvPr id="2" name="Title 1"/>
-          <p:cNvSpPr>
-            <a:spLocks noGrp="1"/>
-          </p:cNvSpPr>
-          <p:nvPr>
-            <p:ph type="title"/>
+        <p:txBody>
+          <a:bodyPr/>
+          <a:lstStyle/>
+          <a:p>
+            <a:r>
+              <a:rPr lang="en-US" smtClean="0"/>
+              <a:t>Click to edit Master title style</a:t>
+            </a:r>
+            <a:endParaRPr lang="en-US" dirty="0"/>
+          </a:p>
+        </p:txBody>
+      </p:sp>
+      <p:sp>
+        <p:nvSpPr>
+          <p:cNvPr id="3" name="Content Placeholder 2"/>
+          <p:cNvSpPr>
+            <a:spLocks noGrp="1"/>
+          </p:cNvSpPr>
+          <p:nvPr>
+            <p:ph sz="half" idx="1"/>
           </p:nvPr>
         </p:nvSpPr>
         <p:spPr>
           <a:xfrm>
-            <a:off x="581193" y="729658"/>
-            <a:ext cx="11029616" cy="988332"/>
+            <a:off x="1097278" y="1845734"/>
+            <a:ext cx="4937760" cy="4023360"/>
           </a:xfrm>
         </p:spPr>
         <p:txBody>
           <a:bodyPr/>
           <a:lstStyle/>
           <a:p>
-            <a:r>
-              <a:rPr lang="en-US" smtClean="0"/>
-              <a:t>Click to edit Master title style</a:t>
+            <a:pPr lvl="0"/>
+            <a:r>
+              <a:rPr lang="en-US" smtClean="0"/>
+              <a:t>Edit Master text styles</a:t>
+            </a:r>
+          </a:p>
+          <a:p>
+            <a:pPr lvl="1"/>
+            <a:r>
+              <a:rPr lang="en-US" smtClean="0"/>
+              <a:t>Second level</a:t>
+            </a:r>
+          </a:p>
+          <a:p>
+            <a:pPr lvl="2"/>
+            <a:r>
+              <a:rPr lang="en-US" smtClean="0"/>
+              <a:t>Third level</a:t>
+            </a:r>
+          </a:p>
+          <a:p>
+            <a:pPr lvl="3"/>
+            <a:r>
+              <a:rPr lang="en-US" smtClean="0"/>
+              <a:t>Fourth level</a:t>
+            </a:r>
+          </a:p>
+          <a:p>
+            <a:pPr lvl="4"/>
+            <a:r>
+              <a:rPr lang="en-US" smtClean="0"/>
+              <a:t>Fifth level</a:t>
             </a:r>
             <a:endParaRPr lang="en-US" dirty="0"/>
           </a:p>
@@ -1576,24 +1523,22 @@
       </p:sp>
       <p:sp>
         <p:nvSpPr>
-          <p:cNvPr id="3" name="Content Placeholder 2"/>
-          <p:cNvSpPr>
-            <a:spLocks noGrp="1"/>
-          </p:cNvSpPr>
-          <p:nvPr>
-            <p:ph sz="half" idx="1"/>
+          <p:cNvPr id="4" name="Content Placeholder 3"/>
+          <p:cNvSpPr>
+            <a:spLocks noGrp="1"/>
+          </p:cNvSpPr>
+          <p:nvPr>
+            <p:ph sz="half" idx="2"/>
           </p:nvPr>
         </p:nvSpPr>
         <p:spPr>
           <a:xfrm>
-            <a:off x="581193" y="2228003"/>
-            <a:ext cx="5422390" cy="3633047"/>
+            <a:off x="6217920" y="1845735"/>
+            <a:ext cx="4937760" cy="4023360"/>
           </a:xfrm>
         </p:spPr>
         <p:txBody>
-          <a:bodyPr>
-            <a:normAutofit/>
-          </a:bodyPr>
+          <a:bodyPr/>
           <a:lstStyle/>
           <a:p>
             <a:pPr lvl="0"/>
@@ -1635,65 +1580,6 @@
       </p:sp>
       <p:sp>
         <p:nvSpPr>
-          <p:cNvPr id="4" name="Content Placeholder 3"/>
-          <p:cNvSpPr>
-            <a:spLocks noGrp="1"/>
-          </p:cNvSpPr>
-          <p:nvPr>
-            <p:ph sz="half" idx="2"/>
-          </p:nvPr>
-        </p:nvSpPr>
-        <p:spPr>
-          <a:xfrm>
-            <a:off x="6188417" y="2228003"/>
-            <a:ext cx="5422392" cy="3633047"/>
-          </a:xfrm>
-        </p:spPr>
-        <p:txBody>
-          <a:bodyPr>
-            <a:normAutofit/>
-          </a:bodyPr>
-          <a:lstStyle/>
-          <a:p>
-            <a:pPr lvl="0"/>
-            <a:r>
-              <a:rPr lang="en-US" smtClean="0"/>
-              <a:t>Edit Master text styles</a:t>
-            </a:r>
-          </a:p>
-          <a:p>
-            <a:pPr lvl="1"/>
-            <a:r>
-              <a:rPr lang="en-US" smtClean="0"/>
-              <a:t>Second level</a:t>
-            </a:r>
-          </a:p>
-          <a:p>
-            <a:pPr lvl="2"/>
-            <a:r>
-              <a:rPr lang="en-US" smtClean="0"/>
-              <a:t>Third level</a:t>
-            </a:r>
-          </a:p>
-          <a:p>
-            <a:pPr lvl="3"/>
-            <a:r>
-              <a:rPr lang="en-US" smtClean="0"/>
-              <a:t>Fourth level</a:t>
-            </a:r>
-          </a:p>
-          <a:p>
-            <a:pPr lvl="4"/>
-            <a:r>
-              <a:rPr lang="en-US" smtClean="0"/>
-              <a:t>Fifth level</a:t>
-            </a:r>
-            <a:endParaRPr lang="en-US" dirty="0"/>
-          </a:p>
-        </p:txBody>
-      </p:sp>
-      <p:sp>
-        <p:nvSpPr>
           <p:cNvPr id="5" name="Date Placeholder 4"/>
           <p:cNvSpPr>
             <a:spLocks noGrp="1"/>
@@ -1709,7 +1595,7 @@
           <a:p>
             <a:fld id="{5AA6EF1D-4F61-4C45-A839-E6A56AB1DCE3}" type="datetimeFigureOut">
               <a:rPr lang="en-US" smtClean="0"/>
-              <a:t>8/27/2020</a:t>
+              <a:t>8/28/2020</a:t>
             </a:fld>
             <a:endParaRPr lang="en-US"/>
           </a:p>
@@ -1760,7 +1646,7 @@
     </p:spTree>
     <p:extLst>
       <p:ext uri="{BB962C8B-B14F-4D97-AF65-F5344CB8AC3E}">
-        <p14:creationId xmlns:p14="http://schemas.microsoft.com/office/powerpoint/2010/main" val="1327093185"/>
+        <p14:creationId xmlns:p14="http://schemas.microsoft.com/office/powerpoint/2010/main" val="1205703842"/>
       </p:ext>
     </p:extLst>
   </p:cSld>
@@ -1789,97 +1675,58 @@
       </p:grpSpPr>
       <p:sp>
         <p:nvSpPr>
-          <p:cNvPr id="11" name="Rectangle 10"/>
-          <p:cNvSpPr>
-            <a:spLocks noChangeAspect="1"/>
-          </p:cNvSpPr>
-          <p:nvPr/>
+          <p:cNvPr id="10" name="Title 9"/>
+          <p:cNvSpPr>
+            <a:spLocks noGrp="1"/>
+          </p:cNvSpPr>
+          <p:nvPr>
+            <p:ph type="title"/>
+          </p:nvPr>
         </p:nvSpPr>
         <p:spPr>
           <a:xfrm>
-            <a:off x="445982" y="606554"/>
-            <a:ext cx="11300036" cy="1258827"/>
+            <a:off x="1097280" y="286603"/>
+            <a:ext cx="10058400" cy="1450757"/>
           </a:xfrm>
-          <a:prstGeom prst="rect">
-            <a:avLst/>
-          </a:prstGeom>
-          <a:solidFill>
-            <a:schemeClr val="accent1"/>
-          </a:solidFill>
-          <a:ln>
-            <a:noFill/>
-          </a:ln>
-          <a:effectLst/>
         </p:spPr>
-        <p:style>
-          <a:lnRef idx="1">
-            <a:schemeClr val="accent1"/>
-          </a:lnRef>
-          <a:fillRef idx="3">
-            <a:schemeClr val="accent1"/>
-          </a:fillRef>
-          <a:effectRef idx="2">
-            <a:schemeClr val="accent1"/>
-          </a:effectRef>
-          <a:fontRef idx="minor">
-            <a:schemeClr val="lt1"/>
-          </a:fontRef>
-        </p:style>
-      </p:sp>
-      <p:sp>
-        <p:nvSpPr>
-          <p:cNvPr id="12" name="Title 1"/>
-          <p:cNvSpPr>
-            <a:spLocks noGrp="1"/>
-          </p:cNvSpPr>
-          <p:nvPr>
-            <p:ph type="title"/>
+        <p:txBody>
+          <a:bodyPr/>
+          <a:lstStyle/>
+          <a:p>
+            <a:r>
+              <a:rPr lang="en-US" smtClean="0"/>
+              <a:t>Click to edit Master title style</a:t>
+            </a:r>
+            <a:endParaRPr lang="en-US" dirty="0"/>
+          </a:p>
+        </p:txBody>
+      </p:sp>
+      <p:sp>
+        <p:nvSpPr>
+          <p:cNvPr id="3" name="Text Placeholder 2"/>
+          <p:cNvSpPr>
+            <a:spLocks noGrp="1"/>
+          </p:cNvSpPr>
+          <p:nvPr>
+            <p:ph type="body" idx="1"/>
           </p:nvPr>
         </p:nvSpPr>
         <p:spPr>
           <a:xfrm>
-            <a:off x="581193" y="729658"/>
-            <a:ext cx="11029616" cy="988332"/>
+            <a:off x="1097280" y="1846052"/>
+            <a:ext cx="4937760" cy="736282"/>
           </a:xfrm>
         </p:spPr>
         <p:txBody>
-          <a:bodyPr/>
-          <a:lstStyle/>
-          <a:p>
-            <a:r>
-              <a:rPr lang="en-US" smtClean="0"/>
-              <a:t>Click to edit Master title style</a:t>
-            </a:r>
-            <a:endParaRPr lang="en-US" dirty="0"/>
-          </a:p>
-        </p:txBody>
-      </p:sp>
-      <p:sp>
-        <p:nvSpPr>
-          <p:cNvPr id="3" name="Text Placeholder 2"/>
-          <p:cNvSpPr>
-            <a:spLocks noGrp="1"/>
-          </p:cNvSpPr>
-          <p:nvPr>
-            <p:ph type="body" idx="1"/>
-          </p:nvPr>
-        </p:nvSpPr>
-        <p:spPr>
-          <a:xfrm>
-            <a:off x="887219" y="2250892"/>
-            <a:ext cx="5087075" cy="536005"/>
-          </a:xfrm>
-        </p:spPr>
-        <p:txBody>
-          <a:bodyPr anchor="b">
-            <a:noAutofit/>
+          <a:bodyPr lIns="91440" rIns="91440" anchor="ctr">
+            <a:normAutofit/>
           </a:bodyPr>
           <a:lstStyle>
             <a:lvl1pPr marL="0" indent="0">
               <a:buNone/>
-              <a:defRPr sz="2200" b="0">
+              <a:defRPr sz="2000" b="0" cap="all" baseline="0">
                 <a:solidFill>
-                  <a:schemeClr val="accent2"/>
+                  <a:schemeClr val="tx2"/>
                 </a:solidFill>
               </a:defRPr>
             </a:lvl1pPr>
@@ -1937,14 +1784,12 @@
         </p:nvSpPr>
         <p:spPr>
           <a:xfrm>
-            <a:off x="581194" y="2926052"/>
-            <a:ext cx="5393100" cy="2934999"/>
+            <a:off x="1097280" y="2582334"/>
+            <a:ext cx="4937760" cy="3378200"/>
           </a:xfrm>
         </p:spPr>
         <p:txBody>
-          <a:bodyPr anchor="t">
-            <a:normAutofit/>
-          </a:bodyPr>
+          <a:bodyPr/>
           <a:lstStyle/>
           <a:p>
             <a:pPr lvl="0"/>
@@ -1996,20 +1841,20 @@
         </p:nvSpPr>
         <p:spPr>
           <a:xfrm>
-            <a:off x="6523735" y="2250892"/>
-            <a:ext cx="5087073" cy="553373"/>
+            <a:off x="6217920" y="1846052"/>
+            <a:ext cx="4937760" cy="736282"/>
           </a:xfrm>
         </p:spPr>
         <p:txBody>
-          <a:bodyPr anchor="b">
-            <a:noAutofit/>
+          <a:bodyPr lIns="91440" rIns="91440" anchor="ctr">
+            <a:normAutofit/>
           </a:bodyPr>
           <a:lstStyle>
             <a:lvl1pPr marL="0" indent="0">
               <a:buNone/>
-              <a:defRPr sz="2200" b="0">
+              <a:defRPr sz="2000" b="0" cap="all" baseline="0">
                 <a:solidFill>
-                  <a:schemeClr val="accent2"/>
+                  <a:schemeClr val="tx2"/>
                 </a:solidFill>
               </a:defRPr>
             </a:lvl1pPr>
@@ -2067,14 +1912,12 @@
         </p:nvSpPr>
         <p:spPr>
           <a:xfrm>
-            <a:off x="6217709" y="2926052"/>
-            <a:ext cx="5393100" cy="2934999"/>
+            <a:off x="6217920" y="2582334"/>
+            <a:ext cx="4937760" cy="3378200"/>
           </a:xfrm>
         </p:spPr>
         <p:txBody>
-          <a:bodyPr anchor="t">
-            <a:normAutofit/>
-          </a:bodyPr>
+          <a:bodyPr/>
           <a:lstStyle/>
           <a:p>
             <a:pPr lvl="0"/>
@@ -2131,7 +1974,7 @@
           <a:p>
             <a:fld id="{5AA6EF1D-4F61-4C45-A839-E6A56AB1DCE3}" type="datetimeFigureOut">
               <a:rPr lang="en-US" smtClean="0"/>
-              <a:t>8/27/2020</a:t>
+              <a:t>8/28/2020</a:t>
             </a:fld>
             <a:endParaRPr lang="en-US"/>
           </a:p>
@@ -2182,7 +2025,7 @@
     </p:spTree>
     <p:extLst>
       <p:ext uri="{BB962C8B-B14F-4D97-AF65-F5344CB8AC3E}">
-        <p14:creationId xmlns:p14="http://schemas.microsoft.com/office/powerpoint/2010/main" val="1050841827"/>
+        <p14:creationId xmlns:p14="http://schemas.microsoft.com/office/powerpoint/2010/main" val="835138563"/>
       </p:ext>
     </p:extLst>
   </p:cSld>
@@ -2211,46 +2054,7 @@
       </p:grpSpPr>
       <p:sp>
         <p:nvSpPr>
-          <p:cNvPr id="7" name="Rectangle 6"/>
-          <p:cNvSpPr>
-            <a:spLocks noChangeAspect="1"/>
-          </p:cNvSpPr>
-          <p:nvPr/>
-        </p:nvSpPr>
-        <p:spPr>
-          <a:xfrm>
-            <a:off x="440683" y="606554"/>
-            <a:ext cx="11300036" cy="1258827"/>
-          </a:xfrm>
-          <a:prstGeom prst="rect">
-            <a:avLst/>
-          </a:prstGeom>
-          <a:solidFill>
-            <a:schemeClr val="accent1"/>
-          </a:solidFill>
-          <a:ln>
-            <a:noFill/>
-          </a:ln>
-          <a:effectLst/>
-        </p:spPr>
-        <p:style>
-          <a:lnRef idx="1">
-            <a:schemeClr val="accent1"/>
-          </a:lnRef>
-          <a:fillRef idx="3">
-            <a:schemeClr val="accent1"/>
-          </a:fillRef>
-          <a:effectRef idx="2">
-            <a:schemeClr val="accent1"/>
-          </a:effectRef>
-          <a:fontRef idx="minor">
-            <a:schemeClr val="lt1"/>
-          </a:fontRef>
-        </p:style>
-      </p:sp>
-      <p:sp>
-        <p:nvSpPr>
-          <p:cNvPr id="8" name="Title 1"/>
+          <p:cNvPr id="2" name="Title 1"/>
           <p:cNvSpPr>
             <a:spLocks noGrp="1"/>
           </p:cNvSpPr>
@@ -2258,12 +2062,7 @@
             <p:ph type="title"/>
           </p:nvPr>
         </p:nvSpPr>
-        <p:spPr>
-          <a:xfrm>
-            <a:off x="575894" y="729658"/>
-            <a:ext cx="11029616" cy="988332"/>
-          </a:xfrm>
-        </p:spPr>
+        <p:spPr/>
         <p:txBody>
           <a:bodyPr/>
           <a:lstStyle/>
@@ -2293,7 +2092,7 @@
           <a:p>
             <a:fld id="{5AA6EF1D-4F61-4C45-A839-E6A56AB1DCE3}" type="datetimeFigureOut">
               <a:rPr lang="en-US" smtClean="0"/>
-              <a:t>8/27/2020</a:t>
+              <a:t>8/28/2020</a:t>
             </a:fld>
             <a:endParaRPr lang="en-US"/>
           </a:p>
@@ -2344,7 +2143,7 @@
     </p:spTree>
     <p:extLst>
       <p:ext uri="{BB962C8B-B14F-4D97-AF65-F5344CB8AC3E}">
-        <p14:creationId xmlns:p14="http://schemas.microsoft.com/office/powerpoint/2010/main" val="1498958107"/>
+        <p14:creationId xmlns:p14="http://schemas.microsoft.com/office/powerpoint/2010/main" val="3723949988"/>
       </p:ext>
     </p:extLst>
   </p:cSld>
@@ -2355,7 +2154,7 @@
 </file>
 
 <file path=ppt/slideLayouts/slideLayout7.xml><?xml version="1.0" encoding="utf-8"?>
-<p:sldLayout xmlns:a="http://schemas.openxmlformats.org/drawingml/2006/main" xmlns:r="http://schemas.openxmlformats.org/officeDocument/2006/relationships" xmlns:p="http://schemas.openxmlformats.org/presentationml/2006/main" type="blank" preserve="1">
+<p:sldLayout xmlns:a="http://schemas.openxmlformats.org/drawingml/2006/main" xmlns:r="http://schemas.openxmlformats.org/officeDocument/2006/relationships" xmlns:p="http://schemas.openxmlformats.org/presentationml/2006/main" showMasterSp="0" type="blank" preserve="1">
   <p:cSld name="Blank">
     <p:spTree>
       <p:nvGrpSpPr>
@@ -2373,7 +2172,85 @@
       </p:grpSpPr>
       <p:sp>
         <p:nvSpPr>
-          <p:cNvPr id="2" name="Date Placeholder 1"/>
+          <p:cNvPr id="5" name="Rectangle 4"/>
+          <p:cNvSpPr/>
+          <p:nvPr/>
+        </p:nvSpPr>
+        <p:spPr>
+          <a:xfrm>
+            <a:off x="3175" y="6400800"/>
+            <a:ext cx="12188825" cy="457200"/>
+          </a:xfrm>
+          <a:prstGeom prst="rect">
+            <a:avLst/>
+          </a:prstGeom>
+          <a:solidFill>
+            <a:schemeClr val="accent4">
+              <a:lumMod val="75000"/>
+            </a:schemeClr>
+          </a:solidFill>
+          <a:ln>
+            <a:noFill/>
+          </a:ln>
+        </p:spPr>
+        <p:style>
+          <a:lnRef idx="2">
+            <a:schemeClr val="accent1">
+              <a:shade val="50000"/>
+            </a:schemeClr>
+          </a:lnRef>
+          <a:fillRef idx="1">
+            <a:schemeClr val="accent1"/>
+          </a:fillRef>
+          <a:effectRef idx="0">
+            <a:schemeClr val="accent1"/>
+          </a:effectRef>
+          <a:fontRef idx="minor">
+            <a:schemeClr val="lt1"/>
+          </a:fontRef>
+        </p:style>
+      </p:sp>
+      <p:sp>
+        <p:nvSpPr>
+          <p:cNvPr id="6" name="Rectangle 5"/>
+          <p:cNvSpPr/>
+          <p:nvPr/>
+        </p:nvSpPr>
+        <p:spPr>
+          <a:xfrm>
+            <a:off x="15" y="6334316"/>
+            <a:ext cx="12188825" cy="64008"/>
+          </a:xfrm>
+          <a:prstGeom prst="rect">
+            <a:avLst/>
+          </a:prstGeom>
+          <a:solidFill>
+            <a:schemeClr val="accent4"/>
+          </a:solidFill>
+          <a:ln>
+            <a:noFill/>
+          </a:ln>
+        </p:spPr>
+        <p:style>
+          <a:lnRef idx="2">
+            <a:schemeClr val="accent1">
+              <a:shade val="50000"/>
+            </a:schemeClr>
+          </a:lnRef>
+          <a:fillRef idx="1">
+            <a:schemeClr val="accent1"/>
+          </a:fillRef>
+          <a:effectRef idx="0">
+            <a:schemeClr val="accent1"/>
+          </a:effectRef>
+          <a:fontRef idx="minor">
+            <a:schemeClr val="lt1"/>
+          </a:fontRef>
+        </p:style>
+      </p:sp>
+      <p:sp>
+        <p:nvSpPr>
+          <p:cNvPr id="7" name="Date Placeholder 6"/>
           <p:cNvSpPr>
             <a:spLocks noGrp="1"/>
           </p:cNvSpPr>
@@ -2388,7 +2265,7 @@
           <a:p>
             <a:fld id="{5AA6EF1D-4F61-4C45-A839-E6A56AB1DCE3}" type="datetimeFigureOut">
               <a:rPr lang="en-US" smtClean="0"/>
-              <a:t>8/27/2020</a:t>
+              <a:t>8/28/2020</a:t>
             </a:fld>
             <a:endParaRPr lang="en-US"/>
           </a:p>
@@ -2396,7 +2273,7 @@
       </p:sp>
       <p:sp>
         <p:nvSpPr>
-          <p:cNvPr id="3" name="Footer Placeholder 2"/>
+          <p:cNvPr id="8" name="Footer Placeholder 7"/>
           <p:cNvSpPr>
             <a:spLocks noGrp="1"/>
           </p:cNvSpPr>
@@ -2407,7 +2284,15 @@
         <p:spPr/>
         <p:txBody>
           <a:bodyPr/>
-          <a:lstStyle/>
+          <a:lstStyle>
+            <a:lvl1pPr>
+              <a:defRPr>
+                <a:solidFill>
+                  <a:srgbClr val="FFFFFF"/>
+                </a:solidFill>
+              </a:defRPr>
+            </a:lvl1pPr>
+          </a:lstStyle>
           <a:p>
             <a:endParaRPr lang="en-US"/>
           </a:p>
@@ -2415,7 +2300,7 @@
       </p:sp>
       <p:sp>
         <p:nvSpPr>
-          <p:cNvPr id="4" name="Slide Number Placeholder 3"/>
+          <p:cNvPr id="9" name="Slide Number Placeholder 8"/>
           <p:cNvSpPr>
             <a:spLocks noGrp="1"/>
           </p:cNvSpPr>
@@ -2439,7 +2324,7 @@
     </p:spTree>
     <p:extLst>
       <p:ext uri="{BB962C8B-B14F-4D97-AF65-F5344CB8AC3E}">
-        <p14:creationId xmlns:p14="http://schemas.microsoft.com/office/powerpoint/2010/main" val="2736932215"/>
+        <p14:creationId xmlns:p14="http://schemas.microsoft.com/office/powerpoint/2010/main" val="3263555973"/>
       </p:ext>
     </p:extLst>
   </p:cSld>
@@ -2450,7 +2335,7 @@
 </file>
 
 <file path=ppt/slideLayouts/slideLayout8.xml><?xml version="1.0" encoding="utf-8"?>
-<p:sldLayout xmlns:a="http://schemas.openxmlformats.org/drawingml/2006/main" xmlns:r="http://schemas.openxmlformats.org/officeDocument/2006/relationships" xmlns:p="http://schemas.openxmlformats.org/presentationml/2006/main" type="objTx" preserve="1">
+<p:sldLayout xmlns:a="http://schemas.openxmlformats.org/drawingml/2006/main" xmlns:r="http://schemas.openxmlformats.org/officeDocument/2006/relationships" xmlns:p="http://schemas.openxmlformats.org/presentationml/2006/main" showMasterSp="0" type="objTx" preserve="1">
   <p:cSld name="Content with Caption">
     <p:spTree>
       <p:nvGrpSpPr>
@@ -2468,36 +2353,37 @@
       </p:grpSpPr>
       <p:sp>
         <p:nvSpPr>
-          <p:cNvPr id="9" name="Rectangle 8"/>
-          <p:cNvSpPr>
-            <a:spLocks noChangeAspect="1"/>
-          </p:cNvSpPr>
+          <p:cNvPr id="8" name="Rectangle 7"/>
+          <p:cNvSpPr/>
           <p:nvPr/>
         </p:nvSpPr>
         <p:spPr>
           <a:xfrm>
-            <a:off x="447817" y="5141973"/>
-            <a:ext cx="11298200" cy="1274702"/>
+            <a:off x="16" y="0"/>
+            <a:ext cx="4050791" cy="6858000"/>
           </a:xfrm>
           <a:prstGeom prst="rect">
             <a:avLst/>
           </a:prstGeom>
           <a:solidFill>
-            <a:schemeClr val="accent1"/>
+            <a:schemeClr val="accent4">
+              <a:lumMod val="75000"/>
+            </a:schemeClr>
           </a:solidFill>
           <a:ln>
             <a:noFill/>
           </a:ln>
-          <a:effectLst/>
         </p:spPr>
         <p:style>
-          <a:lnRef idx="1">
-            <a:schemeClr val="accent1"/>
+          <a:lnRef idx="2">
+            <a:schemeClr val="accent1">
+              <a:shade val="50000"/>
+            </a:schemeClr>
           </a:lnRef>
-          <a:fillRef idx="3">
+          <a:fillRef idx="1">
             <a:schemeClr val="accent1"/>
           </a:fillRef>
-          <a:effectRef idx="2">
+          <a:effectRef idx="0">
             <a:schemeClr val="accent1"/>
           </a:effectRef>
           <a:fontRef idx="minor">
@@ -2507,30 +2393,67 @@
       </p:sp>
       <p:sp>
         <p:nvSpPr>
-          <p:cNvPr id="2" name="Title 1"/>
-          <p:cNvSpPr>
-            <a:spLocks noGrp="1"/>
-          </p:cNvSpPr>
-          <p:nvPr>
-            <p:ph type="title"/>
-          </p:nvPr>
+          <p:cNvPr id="9" name="Rectangle 8"/>
+          <p:cNvSpPr/>
+          <p:nvPr/>
         </p:nvSpPr>
         <p:spPr>
           <a:xfrm>
-            <a:off x="581192" y="5262296"/>
-            <a:ext cx="4909445" cy="689514"/>
+            <a:off x="4040071" y="0"/>
+            <a:ext cx="64008" cy="6858000"/>
+          </a:xfrm>
+          <a:prstGeom prst="rect">
+            <a:avLst/>
+          </a:prstGeom>
+          <a:solidFill>
+            <a:schemeClr val="accent4"/>
+          </a:solidFill>
+          <a:ln>
+            <a:noFill/>
+          </a:ln>
+        </p:spPr>
+        <p:style>
+          <a:lnRef idx="2">
+            <a:schemeClr val="accent1">
+              <a:shade val="50000"/>
+            </a:schemeClr>
+          </a:lnRef>
+          <a:fillRef idx="1">
+            <a:schemeClr val="accent1"/>
+          </a:fillRef>
+          <a:effectRef idx="0">
+            <a:schemeClr val="accent1"/>
+          </a:effectRef>
+          <a:fontRef idx="minor">
+            <a:schemeClr val="lt1"/>
+          </a:fontRef>
+        </p:style>
+      </p:sp>
+      <p:sp>
+        <p:nvSpPr>
+          <p:cNvPr id="2" name="Title 1"/>
+          <p:cNvSpPr>
+            <a:spLocks noGrp="1"/>
+          </p:cNvSpPr>
+          <p:nvPr>
+            <p:ph type="title"/>
+          </p:nvPr>
+        </p:nvSpPr>
+        <p:spPr>
+          <a:xfrm>
+            <a:off x="457200" y="594359"/>
+            <a:ext cx="3200400" cy="2286000"/>
           </a:xfrm>
         </p:spPr>
         <p:txBody>
-          <a:bodyPr anchor="ctr"/>
+          <a:bodyPr anchor="b">
+            <a:normAutofit/>
+          </a:bodyPr>
           <a:lstStyle>
-            <a:lvl1pPr algn="l">
-              <a:defRPr sz="2000" b="0">
+            <a:lvl1pPr>
+              <a:defRPr sz="3600" b="0">
                 <a:solidFill>
-                  <a:schemeClr val="accent1">
-                    <a:lumMod val="75000"/>
-                    <a:lumOff val="25000"/>
-                  </a:schemeClr>
+                  <a:srgbClr val="FFFFFF"/>
                 </a:solidFill>
               </a:defRPr>
             </a:lvl1pPr>
@@ -2556,275 +2479,206 @@
         </p:nvSpPr>
         <p:spPr>
           <a:xfrm>
-            <a:off x="447816" y="601200"/>
-            <a:ext cx="11292840" cy="4204800"/>
+            <a:off x="4800600" y="731520"/>
+            <a:ext cx="6492240" cy="5257800"/>
           </a:xfrm>
         </p:spPr>
         <p:txBody>
-          <a:bodyPr anchor="ctr">
+          <a:bodyPr/>
+          <a:lstStyle/>
+          <a:p>
+            <a:pPr lvl="0"/>
+            <a:r>
+              <a:rPr lang="en-US" smtClean="0"/>
+              <a:t>Edit Master text styles</a:t>
+            </a:r>
+          </a:p>
+          <a:p>
+            <a:pPr lvl="1"/>
+            <a:r>
+              <a:rPr lang="en-US" smtClean="0"/>
+              <a:t>Second level</a:t>
+            </a:r>
+          </a:p>
+          <a:p>
+            <a:pPr lvl="2"/>
+            <a:r>
+              <a:rPr lang="en-US" smtClean="0"/>
+              <a:t>Third level</a:t>
+            </a:r>
+          </a:p>
+          <a:p>
+            <a:pPr lvl="3"/>
+            <a:r>
+              <a:rPr lang="en-US" smtClean="0"/>
+              <a:t>Fourth level</a:t>
+            </a:r>
+          </a:p>
+          <a:p>
+            <a:pPr lvl="4"/>
+            <a:r>
+              <a:rPr lang="en-US" smtClean="0"/>
+              <a:t>Fifth level</a:t>
+            </a:r>
+            <a:endParaRPr lang="en-US" dirty="0"/>
+          </a:p>
+        </p:txBody>
+      </p:sp>
+      <p:sp>
+        <p:nvSpPr>
+          <p:cNvPr id="4" name="Text Placeholder 3"/>
+          <p:cNvSpPr>
+            <a:spLocks noGrp="1"/>
+          </p:cNvSpPr>
+          <p:nvPr>
+            <p:ph type="body" sz="half" idx="2"/>
+          </p:nvPr>
+        </p:nvSpPr>
+        <p:spPr>
+          <a:xfrm>
+            <a:off x="457200" y="2926080"/>
+            <a:ext cx="3200400" cy="3379124"/>
+          </a:xfrm>
+        </p:spPr>
+        <p:txBody>
+          <a:bodyPr lIns="91440" rIns="91440">
             <a:normAutofit/>
           </a:bodyPr>
           <a:lstStyle>
-            <a:lvl1pPr>
-              <a:defRPr sz="2000">
+            <a:lvl1pPr marL="0" indent="0">
+              <a:buNone/>
+              <a:defRPr sz="1500">
+                <a:solidFill>
+                  <a:srgbClr val="FFFFFF"/>
+                </a:solidFill>
+              </a:defRPr>
+            </a:lvl1pPr>
+            <a:lvl2pPr marL="457200" indent="0">
+              <a:buNone/>
+              <a:defRPr sz="1200"/>
+            </a:lvl2pPr>
+            <a:lvl3pPr marL="914400" indent="0">
+              <a:buNone/>
+              <a:defRPr sz="1000"/>
+            </a:lvl3pPr>
+            <a:lvl4pPr marL="1371600" indent="0">
+              <a:buNone/>
+              <a:defRPr sz="900"/>
+            </a:lvl4pPr>
+            <a:lvl5pPr marL="1828800" indent="0">
+              <a:buNone/>
+              <a:defRPr sz="900"/>
+            </a:lvl5pPr>
+            <a:lvl6pPr marL="2286000" indent="0">
+              <a:buNone/>
+              <a:defRPr sz="900"/>
+            </a:lvl6pPr>
+            <a:lvl7pPr marL="2743200" indent="0">
+              <a:buNone/>
+              <a:defRPr sz="900"/>
+            </a:lvl7pPr>
+            <a:lvl8pPr marL="3200400" indent="0">
+              <a:buNone/>
+              <a:defRPr sz="900"/>
+            </a:lvl8pPr>
+            <a:lvl9pPr marL="3657600" indent="0">
+              <a:buNone/>
+              <a:defRPr sz="900"/>
+            </a:lvl9pPr>
+          </a:lstStyle>
+          <a:p>
+            <a:pPr lvl="0"/>
+            <a:r>
+              <a:rPr lang="en-US" smtClean="0"/>
+              <a:t>Edit Master text styles</a:t>
+            </a:r>
+          </a:p>
+        </p:txBody>
+      </p:sp>
+      <p:sp>
+        <p:nvSpPr>
+          <p:cNvPr id="5" name="Date Placeholder 4"/>
+          <p:cNvSpPr>
+            <a:spLocks noGrp="1"/>
+          </p:cNvSpPr>
+          <p:nvPr>
+            <p:ph type="dt" sz="half" idx="10"/>
+          </p:nvPr>
+        </p:nvSpPr>
+        <p:spPr>
+          <a:xfrm>
+            <a:off x="465512" y="6459785"/>
+            <a:ext cx="2618510" cy="365125"/>
+          </a:xfrm>
+        </p:spPr>
+        <p:txBody>
+          <a:bodyPr/>
+          <a:lstStyle>
+            <a:lvl1pPr algn="l">
+              <a:defRPr/>
+            </a:lvl1pPr>
+          </a:lstStyle>
+          <a:p>
+            <a:fld id="{5AA6EF1D-4F61-4C45-A839-E6A56AB1DCE3}" type="datetimeFigureOut">
+              <a:rPr lang="en-US" smtClean="0"/>
+              <a:t>8/28/2020</a:t>
+            </a:fld>
+            <a:endParaRPr lang="en-US"/>
+          </a:p>
+        </p:txBody>
+      </p:sp>
+      <p:sp>
+        <p:nvSpPr>
+          <p:cNvPr id="6" name="Footer Placeholder 5"/>
+          <p:cNvSpPr>
+            <a:spLocks noGrp="1"/>
+          </p:cNvSpPr>
+          <p:nvPr>
+            <p:ph type="ftr" sz="quarter" idx="11"/>
+          </p:nvPr>
+        </p:nvSpPr>
+        <p:spPr>
+          <a:xfrm>
+            <a:off x="4800600" y="6459785"/>
+            <a:ext cx="4648200" cy="365125"/>
+          </a:xfrm>
+        </p:spPr>
+        <p:txBody>
+          <a:bodyPr/>
+          <a:lstStyle>
+            <a:lvl1pPr algn="l">
+              <a:defRPr>
                 <a:solidFill>
                   <a:schemeClr val="tx2"/>
                 </a:solidFill>
               </a:defRPr>
             </a:lvl1pPr>
-            <a:lvl2pPr>
-              <a:defRPr sz="1800">
+          </a:lstStyle>
+          <a:p>
+            <a:endParaRPr lang="en-US"/>
+          </a:p>
+        </p:txBody>
+      </p:sp>
+      <p:sp>
+        <p:nvSpPr>
+          <p:cNvPr id="7" name="Slide Number Placeholder 6"/>
+          <p:cNvSpPr>
+            <a:spLocks noGrp="1"/>
+          </p:cNvSpPr>
+          <p:nvPr>
+            <p:ph type="sldNum" sz="quarter" idx="12"/>
+          </p:nvPr>
+        </p:nvSpPr>
+        <p:spPr/>
+        <p:txBody>
+          <a:bodyPr/>
+          <a:lstStyle>
+            <a:lvl1pPr>
+              <a:defRPr>
                 <a:solidFill>
                   <a:schemeClr val="tx2"/>
                 </a:solidFill>
               </a:defRPr>
-            </a:lvl2pPr>
-            <a:lvl3pPr>
-              <a:defRPr sz="1600">
-                <a:solidFill>
-                  <a:schemeClr val="tx2"/>
-                </a:solidFill>
-              </a:defRPr>
-            </a:lvl3pPr>
-            <a:lvl4pPr>
-              <a:defRPr sz="1400">
-                <a:solidFill>
-                  <a:schemeClr val="tx2"/>
-                </a:solidFill>
-              </a:defRPr>
-            </a:lvl4pPr>
-            <a:lvl5pPr>
-              <a:defRPr sz="1400">
-                <a:solidFill>
-                  <a:schemeClr val="tx2"/>
-                </a:solidFill>
-              </a:defRPr>
-            </a:lvl5pPr>
-            <a:lvl6pPr>
-              <a:defRPr sz="1400">
-                <a:solidFill>
-                  <a:schemeClr val="tx2"/>
-                </a:solidFill>
-              </a:defRPr>
-            </a:lvl6pPr>
-            <a:lvl7pPr>
-              <a:defRPr sz="1400">
-                <a:solidFill>
-                  <a:schemeClr val="tx2"/>
-                </a:solidFill>
-              </a:defRPr>
-            </a:lvl7pPr>
-            <a:lvl8pPr>
-              <a:defRPr sz="1400">
-                <a:solidFill>
-                  <a:schemeClr val="tx2"/>
-                </a:solidFill>
-              </a:defRPr>
-            </a:lvl8pPr>
-            <a:lvl9pPr>
-              <a:defRPr sz="1400">
-                <a:solidFill>
-                  <a:schemeClr val="tx2"/>
-                </a:solidFill>
-              </a:defRPr>
-            </a:lvl9pPr>
-          </a:lstStyle>
-          <a:p>
-            <a:pPr lvl="0"/>
-            <a:r>
-              <a:rPr lang="en-US" smtClean="0"/>
-              <a:t>Edit Master text styles</a:t>
-            </a:r>
-          </a:p>
-          <a:p>
-            <a:pPr lvl="1"/>
-            <a:r>
-              <a:rPr lang="en-US" smtClean="0"/>
-              <a:t>Second level</a:t>
-            </a:r>
-          </a:p>
-          <a:p>
-            <a:pPr lvl="2"/>
-            <a:r>
-              <a:rPr lang="en-US" smtClean="0"/>
-              <a:t>Third level</a:t>
-            </a:r>
-          </a:p>
-          <a:p>
-            <a:pPr lvl="3"/>
-            <a:r>
-              <a:rPr lang="en-US" smtClean="0"/>
-              <a:t>Fourth level</a:t>
-            </a:r>
-          </a:p>
-          <a:p>
-            <a:pPr lvl="4"/>
-            <a:r>
-              <a:rPr lang="en-US" smtClean="0"/>
-              <a:t>Fifth level</a:t>
-            </a:r>
-            <a:endParaRPr lang="en-US" dirty="0"/>
-          </a:p>
-        </p:txBody>
-      </p:sp>
-      <p:sp>
-        <p:nvSpPr>
-          <p:cNvPr id="4" name="Text Placeholder 3"/>
-          <p:cNvSpPr>
-            <a:spLocks noGrp="1"/>
-          </p:cNvSpPr>
-          <p:nvPr>
-            <p:ph type="body" sz="half" idx="2"/>
-          </p:nvPr>
-        </p:nvSpPr>
-        <p:spPr>
-          <a:xfrm>
-            <a:off x="5740823" y="5262296"/>
-            <a:ext cx="5869987" cy="689515"/>
-          </a:xfrm>
-        </p:spPr>
-        <p:txBody>
-          <a:bodyPr anchor="ctr">
-            <a:normAutofit/>
-          </a:bodyPr>
-          <a:lstStyle>
-            <a:lvl1pPr marL="0" indent="0" algn="r">
-              <a:buNone/>
-              <a:defRPr sz="1100">
-                <a:solidFill>
-                  <a:schemeClr val="bg1"/>
-                </a:solidFill>
-              </a:defRPr>
-            </a:lvl1pPr>
-            <a:lvl2pPr marL="457200" indent="0">
-              <a:buNone/>
-              <a:defRPr sz="1100"/>
-            </a:lvl2pPr>
-            <a:lvl3pPr marL="914400" indent="0">
-              <a:buNone/>
-              <a:defRPr sz="1000"/>
-            </a:lvl3pPr>
-            <a:lvl4pPr marL="1371600" indent="0">
-              <a:buNone/>
-              <a:defRPr sz="900"/>
-            </a:lvl4pPr>
-            <a:lvl5pPr marL="1828800" indent="0">
-              <a:buNone/>
-              <a:defRPr sz="900"/>
-            </a:lvl5pPr>
-            <a:lvl6pPr marL="2286000" indent="0">
-              <a:buNone/>
-              <a:defRPr sz="900"/>
-            </a:lvl6pPr>
-            <a:lvl7pPr marL="2743200" indent="0">
-              <a:buNone/>
-              <a:defRPr sz="900"/>
-            </a:lvl7pPr>
-            <a:lvl8pPr marL="3200400" indent="0">
-              <a:buNone/>
-              <a:defRPr sz="900"/>
-            </a:lvl8pPr>
-            <a:lvl9pPr marL="3657600" indent="0">
-              <a:buNone/>
-              <a:defRPr sz="900"/>
-            </a:lvl9pPr>
-          </a:lstStyle>
-          <a:p>
-            <a:pPr lvl="0"/>
-            <a:r>
-              <a:rPr lang="en-US" smtClean="0"/>
-              <a:t>Edit Master text styles</a:t>
-            </a:r>
-          </a:p>
-        </p:txBody>
-      </p:sp>
-      <p:sp>
-        <p:nvSpPr>
-          <p:cNvPr id="5" name="Date Placeholder 4"/>
-          <p:cNvSpPr>
-            <a:spLocks noGrp="1"/>
-          </p:cNvSpPr>
-          <p:nvPr>
-            <p:ph type="dt" sz="half" idx="10"/>
-          </p:nvPr>
-        </p:nvSpPr>
-        <p:spPr/>
-        <p:txBody>
-          <a:bodyPr/>
-          <a:lstStyle>
-            <a:lvl1pPr>
-              <a:defRPr>
-                <a:solidFill>
-                  <a:schemeClr val="accent1">
-                    <a:lumMod val="75000"/>
-                    <a:lumOff val="25000"/>
-                  </a:schemeClr>
-                </a:solidFill>
-              </a:defRPr>
-            </a:lvl1pPr>
-          </a:lstStyle>
-          <a:p>
-            <a:fld id="{5AA6EF1D-4F61-4C45-A839-E6A56AB1DCE3}" type="datetimeFigureOut">
-              <a:rPr lang="en-US" smtClean="0"/>
-              <a:t>8/27/2020</a:t>
-            </a:fld>
-            <a:endParaRPr lang="en-US"/>
-          </a:p>
-        </p:txBody>
-      </p:sp>
-      <p:sp>
-        <p:nvSpPr>
-          <p:cNvPr id="6" name="Footer Placeholder 5"/>
-          <p:cNvSpPr>
-            <a:spLocks noGrp="1"/>
-          </p:cNvSpPr>
-          <p:nvPr>
-            <p:ph type="ftr" sz="quarter" idx="11"/>
-          </p:nvPr>
-        </p:nvSpPr>
-        <p:spPr/>
-        <p:txBody>
-          <a:bodyPr/>
-          <a:lstStyle>
-            <a:lvl1pPr>
-              <a:defRPr>
-                <a:solidFill>
-                  <a:schemeClr val="accent1">
-                    <a:lumMod val="75000"/>
-                    <a:lumOff val="25000"/>
-                  </a:schemeClr>
-                </a:solidFill>
-              </a:defRPr>
-            </a:lvl1pPr>
-          </a:lstStyle>
-          <a:p>
-            <a:endParaRPr lang="en-US"/>
-          </a:p>
-        </p:txBody>
-      </p:sp>
-      <p:sp>
-        <p:nvSpPr>
-          <p:cNvPr id="7" name="Slide Number Placeholder 6"/>
-          <p:cNvSpPr>
-            <a:spLocks noGrp="1"/>
-          </p:cNvSpPr>
-          <p:nvPr>
-            <p:ph type="sldNum" sz="quarter" idx="12"/>
-          </p:nvPr>
-        </p:nvSpPr>
-        <p:spPr/>
-        <p:txBody>
-          <a:bodyPr/>
-          <a:lstStyle>
-            <a:lvl1pPr>
-              <a:defRPr>
-                <a:solidFill>
-                  <a:schemeClr val="accent1">
-                    <a:lumMod val="75000"/>
-                    <a:lumOff val="25000"/>
-                  </a:schemeClr>
-                </a:solidFill>
-              </a:defRPr>
             </a:lvl1pPr>
           </a:lstStyle>
           <a:p>
@@ -2839,7 +2693,7 @@
     </p:spTree>
     <p:extLst>
       <p:ext uri="{BB962C8B-B14F-4D97-AF65-F5344CB8AC3E}">
-        <p14:creationId xmlns:p14="http://schemas.microsoft.com/office/powerpoint/2010/main" val="1396154353"/>
+        <p14:creationId xmlns:p14="http://schemas.microsoft.com/office/powerpoint/2010/main" val="3395491962"/>
       </p:ext>
     </p:extLst>
   </p:cSld>
@@ -2850,7 +2704,7 @@
 </file>
 
 <file path=ppt/slideLayouts/slideLayout9.xml><?xml version="1.0" encoding="utf-8"?>
-<p:sldLayout xmlns:a="http://schemas.openxmlformats.org/drawingml/2006/main" xmlns:r="http://schemas.openxmlformats.org/officeDocument/2006/relationships" xmlns:p="http://schemas.openxmlformats.org/presentationml/2006/main" type="picTx" preserve="1">
+<p:sldLayout xmlns:a="http://schemas.openxmlformats.org/drawingml/2006/main" xmlns:r="http://schemas.openxmlformats.org/officeDocument/2006/relationships" xmlns:p="http://schemas.openxmlformats.org/presentationml/2006/main" showMasterSp="0" type="picTx" preserve="1">
   <p:cSld name="Picture with Caption">
     <p:spTree>
       <p:nvGrpSpPr>
@@ -2868,29 +2722,107 @@
       </p:grpSpPr>
       <p:sp>
         <p:nvSpPr>
-          <p:cNvPr id="2" name="Title 1"/>
-          <p:cNvSpPr>
-            <a:spLocks noGrp="1"/>
-          </p:cNvSpPr>
-          <p:nvPr>
-            <p:ph type="title"/>
-          </p:nvPr>
+          <p:cNvPr id="8" name="Rectangle 7"/>
+          <p:cNvSpPr/>
+          <p:nvPr/>
         </p:nvSpPr>
         <p:spPr>
           <a:xfrm>
-            <a:off x="581193" y="4693389"/>
-            <a:ext cx="11029616" cy="566738"/>
+            <a:off x="0" y="4953000"/>
+            <a:ext cx="12188825" cy="1905000"/>
+          </a:xfrm>
+          <a:prstGeom prst="rect">
+            <a:avLst/>
+          </a:prstGeom>
+          <a:solidFill>
+            <a:schemeClr val="accent4">
+              <a:lumMod val="75000"/>
+            </a:schemeClr>
+          </a:solidFill>
+          <a:ln>
+            <a:noFill/>
+          </a:ln>
+        </p:spPr>
+        <p:style>
+          <a:lnRef idx="2">
+            <a:schemeClr val="accent1">
+              <a:shade val="50000"/>
+            </a:schemeClr>
+          </a:lnRef>
+          <a:fillRef idx="1">
+            <a:schemeClr val="accent1"/>
+          </a:fillRef>
+          <a:effectRef idx="0">
+            <a:schemeClr val="accent1"/>
+          </a:effectRef>
+          <a:fontRef idx="minor">
+            <a:schemeClr val="lt1"/>
+          </a:fontRef>
+        </p:style>
+      </p:sp>
+      <p:sp>
+        <p:nvSpPr>
+          <p:cNvPr id="9" name="Rectangle 8"/>
+          <p:cNvSpPr/>
+          <p:nvPr/>
+        </p:nvSpPr>
+        <p:spPr>
+          <a:xfrm>
+            <a:off x="15" y="4915076"/>
+            <a:ext cx="12188825" cy="64008"/>
+          </a:xfrm>
+          <a:prstGeom prst="rect">
+            <a:avLst/>
+          </a:prstGeom>
+          <a:solidFill>
+            <a:schemeClr val="accent4"/>
+          </a:solidFill>
+          <a:ln>
+            <a:noFill/>
+          </a:ln>
+        </p:spPr>
+        <p:style>
+          <a:lnRef idx="2">
+            <a:schemeClr val="accent1">
+              <a:shade val="50000"/>
+            </a:schemeClr>
+          </a:lnRef>
+          <a:fillRef idx="1">
+            <a:schemeClr val="accent1"/>
+          </a:fillRef>
+          <a:effectRef idx="0">
+            <a:schemeClr val="accent1"/>
+          </a:effectRef>
+          <a:fontRef idx="minor">
+            <a:schemeClr val="lt1"/>
+          </a:fontRef>
+        </p:style>
+      </p:sp>
+      <p:sp>
+        <p:nvSpPr>
+          <p:cNvPr id="2" name="Title 1"/>
+          <p:cNvSpPr>
+            <a:spLocks noGrp="1"/>
+          </p:cNvSpPr>
+          <p:nvPr>
+            <p:ph type="title"/>
+          </p:nvPr>
+        </p:nvSpPr>
+        <p:spPr>
+          <a:xfrm>
+            <a:off x="1097280" y="5074920"/>
+            <a:ext cx="10113645" cy="822960"/>
           </a:xfrm>
         </p:spPr>
         <p:txBody>
-          <a:bodyPr anchor="b">
-            <a:normAutofit/>
+          <a:bodyPr lIns="91440" tIns="0" rIns="91440" bIns="0" anchor="b">
+            <a:noAutofit/>
           </a:bodyPr>
           <a:lstStyle>
-            <a:lvl1pPr algn="l">
-              <a:defRPr sz="2400" b="0">
+            <a:lvl1pPr>
+              <a:defRPr sz="3600" b="0">
                 <a:solidFill>
-                  <a:schemeClr val="accent1"/>
+                  <a:srgbClr val="FFFFFF"/>
                 </a:solidFill>
               </a:defRPr>
             </a:lvl1pPr>
@@ -2916,85 +2848,98 @@
         </p:nvSpPr>
         <p:spPr>
           <a:xfrm>
-            <a:off x="447817" y="599725"/>
-            <a:ext cx="11290859" cy="3557252"/>
+            <a:off x="15" y="0"/>
+            <a:ext cx="12191985" cy="4915076"/>
+          </a:xfrm>
+          <a:solidFill>
+            <a:schemeClr val="bg2">
+              <a:lumMod val="90000"/>
+            </a:schemeClr>
+          </a:solidFill>
+        </p:spPr>
+        <p:txBody>
+          <a:bodyPr lIns="457200" tIns="457200" anchor="t"/>
+          <a:lstStyle>
+            <a:lvl1pPr marL="0" indent="0">
+              <a:buNone/>
+              <a:defRPr sz="3200"/>
+            </a:lvl1pPr>
+            <a:lvl2pPr marL="457200" indent="0">
+              <a:buNone/>
+              <a:defRPr sz="2800"/>
+            </a:lvl2pPr>
+            <a:lvl3pPr marL="914400" indent="0">
+              <a:buNone/>
+              <a:defRPr sz="2400"/>
+            </a:lvl3pPr>
+            <a:lvl4pPr marL="1371600" indent="0">
+              <a:buNone/>
+              <a:defRPr sz="2000"/>
+            </a:lvl4pPr>
+            <a:lvl5pPr marL="1828800" indent="0">
+              <a:buNone/>
+              <a:defRPr sz="2000"/>
+            </a:lvl5pPr>
+            <a:lvl6pPr marL="2286000" indent="0">
+              <a:buNone/>
+              <a:defRPr sz="2000"/>
+            </a:lvl6pPr>
+            <a:lvl7pPr marL="2743200" indent="0">
+              <a:buNone/>
+              <a:defRPr sz="2000"/>
+            </a:lvl7pPr>
+            <a:lvl8pPr marL="3200400" indent="0">
+              <a:buNone/>
+              <a:defRPr sz="2000"/>
+            </a:lvl8pPr>
+            <a:lvl9pPr marL="3657600" indent="0">
+              <a:buNone/>
+              <a:defRPr sz="2000"/>
+            </a:lvl9pPr>
+          </a:lstStyle>
+          <a:p>
+            <a:r>
+              <a:rPr lang="en-US" smtClean="0"/>
+              <a:t>Click icon to add picture</a:t>
+            </a:r>
+            <a:endParaRPr lang="en-US" dirty="0"/>
+          </a:p>
+        </p:txBody>
+      </p:sp>
+      <p:sp>
+        <p:nvSpPr>
+          <p:cNvPr id="4" name="Text Placeholder 3"/>
+          <p:cNvSpPr>
+            <a:spLocks noGrp="1"/>
+          </p:cNvSpPr>
+          <p:nvPr>
+            <p:ph type="body" sz="half" idx="2"/>
+          </p:nvPr>
+        </p:nvSpPr>
+        <p:spPr>
+          <a:xfrm>
+            <a:off x="1097280" y="5907024"/>
+            <a:ext cx="10113264" cy="594360"/>
           </a:xfrm>
         </p:spPr>
         <p:txBody>
-          <a:bodyPr anchor="t">
-            <a:normAutofit/>
-          </a:bodyPr>
-          <a:lstStyle>
-            <a:lvl1pPr marL="0" indent="0" algn="ctr">
-              <a:buNone/>
-              <a:defRPr sz="1600"/>
-            </a:lvl1pPr>
-            <a:lvl2pPr marL="457200" indent="0">
-              <a:buNone/>
-              <a:defRPr sz="1600"/>
-            </a:lvl2pPr>
-            <a:lvl3pPr marL="914400" indent="0">
-              <a:buNone/>
-              <a:defRPr sz="1600"/>
-            </a:lvl3pPr>
-            <a:lvl4pPr marL="1371600" indent="0">
-              <a:buNone/>
-              <a:defRPr sz="1600"/>
-            </a:lvl4pPr>
-            <a:lvl5pPr marL="1828800" indent="0">
-              <a:buNone/>
-              <a:defRPr sz="1600"/>
-            </a:lvl5pPr>
-            <a:lvl6pPr marL="2286000" indent="0">
-              <a:buNone/>
-              <a:defRPr sz="1600"/>
-            </a:lvl6pPr>
-            <a:lvl7pPr marL="2743200" indent="0">
-              <a:buNone/>
-              <a:defRPr sz="1600"/>
-            </a:lvl7pPr>
-            <a:lvl8pPr marL="3200400" indent="0">
-              <a:buNone/>
-              <a:defRPr sz="1600"/>
-            </a:lvl8pPr>
-            <a:lvl9pPr marL="3657600" indent="0">
-              <a:buNone/>
-              <a:defRPr sz="1600"/>
-            </a:lvl9pPr>
-          </a:lstStyle>
-          <a:p>
-            <a:r>
-              <a:rPr lang="en-US" smtClean="0"/>
-              <a:t>Click icon to add picture</a:t>
-            </a:r>
-            <a:endParaRPr lang="en-US" dirty="0"/>
-          </a:p>
-        </p:txBody>
-      </p:sp>
-      <p:sp>
-        <p:nvSpPr>
-          <p:cNvPr id="4" name="Text Placeholder 3"/>
-          <p:cNvSpPr>
-            <a:spLocks noGrp="1"/>
-          </p:cNvSpPr>
-          <p:nvPr>
-            <p:ph type="body" sz="half" idx="2"/>
-          </p:nvPr>
-        </p:nvSpPr>
-        <p:spPr>
-          <a:xfrm>
-            <a:off x="581192" y="5260127"/>
-            <a:ext cx="11029617" cy="598671"/>
-          </a:xfrm>
-        </p:spPr>
-        <p:txBody>
-          <a:bodyPr>
+          <a:bodyPr lIns="91440" tIns="0" rIns="91440" bIns="0">
             <a:normAutofit/>
           </a:bodyPr>
           <a:lstStyle>
             <a:lvl1pPr marL="0" indent="0">
-              <a:buNone/>
-              <a:defRPr sz="1200"/>
+              <a:spcBef>
+                <a:spcPts val="0"/>
+              </a:spcBef>
+              <a:spcAft>
+                <a:spcPts val="600"/>
+              </a:spcAft>
+              <a:buNone/>
+              <a:defRPr sz="1500">
+                <a:solidFill>
+                  <a:srgbClr val="FFFFFF"/>
+                </a:solidFill>
+              </a:defRPr>
             </a:lvl1pPr>
             <a:lvl2pPr marL="457200" indent="0">
               <a:buNone/>
@@ -3055,7 +3000,7 @@
           <a:p>
             <a:fld id="{5AA6EF1D-4F61-4C45-A839-E6A56AB1DCE3}" type="datetimeFigureOut">
               <a:rPr lang="en-US" smtClean="0"/>
-              <a:t>8/27/2020</a:t>
+              <a:t>8/28/2020</a:t>
             </a:fld>
             <a:endParaRPr lang="en-US"/>
           </a:p>
@@ -3106,7 +3051,7 @@
     </p:spTree>
     <p:extLst>
       <p:ext uri="{BB962C8B-B14F-4D97-AF65-F5344CB8AC3E}">
-        <p14:creationId xmlns:p14="http://schemas.microsoft.com/office/powerpoint/2010/main" val="152820949"/>
+        <p14:creationId xmlns:p14="http://schemas.microsoft.com/office/powerpoint/2010/main" val="4272703060"/>
       </p:ext>
     </p:extLst>
   </p:cSld>
@@ -3121,7 +3066,7 @@
   <p:cSld>
     <p:bg>
       <p:bgRef idx="1001">
-        <a:schemeClr val="bg1"/>
+        <a:schemeClr val="bg2"/>
       </p:bgRef>
     </p:bg>
     <p:spTree>
@@ -3140,242 +3085,37 @@
       </p:grpSpPr>
       <p:sp>
         <p:nvSpPr>
-          <p:cNvPr id="2" name="Title Placeholder 1"/>
-          <p:cNvSpPr>
-            <a:spLocks noGrp="1"/>
-          </p:cNvSpPr>
-          <p:nvPr>
-            <p:ph type="title"/>
-          </p:nvPr>
+          <p:cNvPr id="7" name="Rectangle 6"/>
+          <p:cNvSpPr/>
+          <p:nvPr/>
         </p:nvSpPr>
         <p:spPr>
           <a:xfrm>
-            <a:off x="581192" y="705124"/>
-            <a:ext cx="11029616" cy="1189554"/>
-          </a:xfrm>
-          <a:prstGeom prst="rect">
-            <a:avLst/>
-          </a:prstGeom>
-        </p:spPr>
-        <p:txBody>
-          <a:bodyPr vert="horz" lIns="91440" tIns="45720" rIns="91440" bIns="45720" rtlCol="0" anchor="b">
-            <a:normAutofit/>
-          </a:bodyPr>
-          <a:lstStyle/>
-          <a:p>
-            <a:r>
-              <a:rPr lang="en-US" smtClean="0"/>
-              <a:t>Click to edit Master title style</a:t>
-            </a:r>
-            <a:endParaRPr lang="en-US" dirty="0"/>
-          </a:p>
-        </p:txBody>
-      </p:sp>
-      <p:sp>
-        <p:nvSpPr>
-          <p:cNvPr id="3" name="Text Placeholder 2"/>
-          <p:cNvSpPr>
-            <a:spLocks noGrp="1"/>
-          </p:cNvSpPr>
-          <p:nvPr>
-            <p:ph type="body" idx="1"/>
-          </p:nvPr>
-        </p:nvSpPr>
-        <p:spPr>
-          <a:xfrm>
-            <a:off x="581192" y="2336003"/>
-            <a:ext cx="11029616" cy="3522794"/>
-          </a:xfrm>
-          <a:prstGeom prst="rect">
-            <a:avLst/>
-          </a:prstGeom>
-        </p:spPr>
-        <p:txBody>
-          <a:bodyPr vert="horz" lIns="91440" tIns="45720" rIns="91440" bIns="45720" rtlCol="0" anchor="ctr">
-            <a:normAutofit/>
-          </a:bodyPr>
-          <a:lstStyle/>
-          <a:p>
-            <a:pPr lvl="0"/>
-            <a:r>
-              <a:rPr lang="en-US" smtClean="0"/>
-              <a:t>Edit Master text styles</a:t>
-            </a:r>
-          </a:p>
-          <a:p>
-            <a:pPr lvl="1"/>
-            <a:r>
-              <a:rPr lang="en-US" smtClean="0"/>
-              <a:t>Second level</a:t>
-            </a:r>
-          </a:p>
-          <a:p>
-            <a:pPr lvl="2"/>
-            <a:r>
-              <a:rPr lang="en-US" smtClean="0"/>
-              <a:t>Third level</a:t>
-            </a:r>
-          </a:p>
-          <a:p>
-            <a:pPr lvl="3"/>
-            <a:r>
-              <a:rPr lang="en-US" smtClean="0"/>
-              <a:t>Fourth level</a:t>
-            </a:r>
-          </a:p>
-          <a:p>
-            <a:pPr lvl="4"/>
-            <a:r>
-              <a:rPr lang="en-US" smtClean="0"/>
-              <a:t>Fifth level</a:t>
-            </a:r>
-            <a:endParaRPr lang="en-US" dirty="0"/>
-          </a:p>
-        </p:txBody>
-      </p:sp>
-      <p:sp>
-        <p:nvSpPr>
-          <p:cNvPr id="4" name="Date Placeholder 3"/>
-          <p:cNvSpPr>
-            <a:spLocks noGrp="1"/>
-          </p:cNvSpPr>
-          <p:nvPr>
-            <p:ph type="dt" sz="half" idx="2"/>
-          </p:nvPr>
-        </p:nvSpPr>
-        <p:spPr>
-          <a:xfrm>
-            <a:off x="7605951" y="5956137"/>
-            <a:ext cx="2844799" cy="365125"/>
-          </a:xfrm>
-          <a:prstGeom prst="rect">
-            <a:avLst/>
-          </a:prstGeom>
-        </p:spPr>
-        <p:txBody>
-          <a:bodyPr vert="horz" lIns="91440" tIns="45720" rIns="91440" bIns="45720" rtlCol="0" anchor="ctr"/>
-          <a:lstStyle>
-            <a:lvl1pPr algn="r">
-              <a:defRPr sz="900">
-                <a:solidFill>
-                  <a:schemeClr val="accent2"/>
-                </a:solidFill>
-              </a:defRPr>
-            </a:lvl1pPr>
-          </a:lstStyle>
-          <a:p>
-            <a:fld id="{5AA6EF1D-4F61-4C45-A839-E6A56AB1DCE3}" type="datetimeFigureOut">
-              <a:rPr lang="en-US" smtClean="0"/>
-              <a:t>8/27/2020</a:t>
-            </a:fld>
-            <a:endParaRPr lang="en-US"/>
-          </a:p>
-        </p:txBody>
-      </p:sp>
-      <p:sp>
-        <p:nvSpPr>
-          <p:cNvPr id="5" name="Footer Placeholder 4"/>
-          <p:cNvSpPr>
-            <a:spLocks noGrp="1"/>
-          </p:cNvSpPr>
-          <p:nvPr>
-            <p:ph type="ftr" sz="quarter" idx="3"/>
-          </p:nvPr>
-        </p:nvSpPr>
-        <p:spPr>
-          <a:xfrm>
-            <a:off x="581192" y="5951811"/>
-            <a:ext cx="6917210" cy="365125"/>
-          </a:xfrm>
-          <a:prstGeom prst="rect">
-            <a:avLst/>
-          </a:prstGeom>
-        </p:spPr>
-        <p:txBody>
-          <a:bodyPr vert="horz" lIns="91440" tIns="45720" rIns="91440" bIns="45720" rtlCol="0" anchor="ctr"/>
-          <a:lstStyle>
-            <a:lvl1pPr algn="l">
-              <a:defRPr sz="900" cap="all">
-                <a:solidFill>
-                  <a:schemeClr val="accent2"/>
-                </a:solidFill>
-              </a:defRPr>
-            </a:lvl1pPr>
-          </a:lstStyle>
-          <a:p>
-            <a:endParaRPr lang="en-US"/>
-          </a:p>
-        </p:txBody>
-      </p:sp>
-      <p:sp>
-        <p:nvSpPr>
-          <p:cNvPr id="6" name="Slide Number Placeholder 5"/>
-          <p:cNvSpPr>
-            <a:spLocks noGrp="1"/>
-          </p:cNvSpPr>
-          <p:nvPr>
-            <p:ph type="sldNum" sz="quarter" idx="4"/>
-          </p:nvPr>
-        </p:nvSpPr>
-        <p:spPr>
-          <a:xfrm>
-            <a:off x="10558300" y="5956137"/>
-            <a:ext cx="1052510" cy="365125"/>
-          </a:xfrm>
-          <a:prstGeom prst="rect">
-            <a:avLst/>
-          </a:prstGeom>
-        </p:spPr>
-        <p:txBody>
-          <a:bodyPr vert="horz" lIns="91440" tIns="45720" rIns="91440" bIns="45720" rtlCol="0" anchor="ctr"/>
-          <a:lstStyle>
-            <a:lvl1pPr algn="r">
-              <a:defRPr sz="900">
-                <a:solidFill>
-                  <a:schemeClr val="accent2"/>
-                </a:solidFill>
-              </a:defRPr>
-            </a:lvl1pPr>
-          </a:lstStyle>
-          <a:p>
-            <a:fld id="{AE6D0C63-3EF0-4A08-B9D7-7118B2621E28}" type="slidenum">
-              <a:rPr lang="en-US" smtClean="0"/>
-              <a:t>‹#›</a:t>
-            </a:fld>
-            <a:endParaRPr lang="en-US"/>
-          </a:p>
-        </p:txBody>
-      </p:sp>
-      <p:sp>
-        <p:nvSpPr>
-          <p:cNvPr id="9" name="Rectangle 8"/>
-          <p:cNvSpPr/>
-          <p:nvPr/>
-        </p:nvSpPr>
-        <p:spPr>
-          <a:xfrm>
-            <a:off x="446534" y="457200"/>
-            <a:ext cx="3703320" cy="94997"/>
+            <a:off x="1" y="6400800"/>
+            <a:ext cx="12192000" cy="457200"/>
           </a:xfrm>
           <a:prstGeom prst="rect">
             <a:avLst/>
           </a:prstGeom>
           <a:solidFill>
-            <a:schemeClr val="accent1"/>
+            <a:schemeClr val="accent4">
+              <a:lumMod val="75000"/>
+            </a:schemeClr>
           </a:solidFill>
           <a:ln>
             <a:noFill/>
           </a:ln>
-          <a:effectLst/>
         </p:spPr>
         <p:style>
-          <a:lnRef idx="1">
-            <a:schemeClr val="accent1"/>
+          <a:lnRef idx="2">
+            <a:schemeClr val="accent1">
+              <a:shade val="50000"/>
+            </a:schemeClr>
           </a:lnRef>
-          <a:fillRef idx="3">
+          <a:fillRef idx="1">
             <a:schemeClr val="accent1"/>
           </a:fillRef>
-          <a:effectRef idx="2">
+          <a:effectRef idx="0">
             <a:schemeClr val="accent1"/>
           </a:effectRef>
           <a:fontRef idx="minor">
@@ -3385,14 +3125,14 @@
       </p:sp>
       <p:sp>
         <p:nvSpPr>
-          <p:cNvPr id="10" name="Rectangle 9"/>
+          <p:cNvPr id="9" name="Rectangle 8"/>
           <p:cNvSpPr/>
           <p:nvPr/>
         </p:nvSpPr>
         <p:spPr>
           <a:xfrm>
-            <a:off x="8042147" y="453643"/>
-            <a:ext cx="3703320" cy="98554"/>
+            <a:off x="15" y="6334316"/>
+            <a:ext cx="12191985" cy="66484"/>
           </a:xfrm>
           <a:prstGeom prst="rect">
             <a:avLst/>
@@ -3403,16 +3143,17 @@
           <a:ln>
             <a:noFill/>
           </a:ln>
-          <a:effectLst/>
         </p:spPr>
         <p:style>
-          <a:lnRef idx="1">
-            <a:schemeClr val="accent1"/>
+          <a:lnRef idx="2">
+            <a:schemeClr val="accent1">
+              <a:shade val="50000"/>
+            </a:schemeClr>
           </a:lnRef>
-          <a:fillRef idx="3">
+          <a:fillRef idx="1">
             <a:schemeClr val="accent1"/>
           </a:fillRef>
-          <a:effectRef idx="2">
+          <a:effectRef idx="0">
             <a:schemeClr val="accent1"/>
           </a:effectRef>
           <a:fontRef idx="minor">
@@ -3422,328 +3163,533 @@
       </p:sp>
       <p:sp>
         <p:nvSpPr>
-          <p:cNvPr id="11" name="Rectangle 10"/>
-          <p:cNvSpPr/>
-          <p:nvPr/>
+          <p:cNvPr id="2" name="Title Placeholder 1"/>
+          <p:cNvSpPr>
+            <a:spLocks noGrp="1"/>
+          </p:cNvSpPr>
+          <p:nvPr>
+            <p:ph type="title"/>
+          </p:nvPr>
         </p:nvSpPr>
         <p:spPr>
           <a:xfrm>
-            <a:off x="4241830" y="457200"/>
-            <a:ext cx="3703320" cy="91440"/>
+            <a:off x="1097280" y="286603"/>
+            <a:ext cx="10058400" cy="1450757"/>
           </a:xfrm>
           <a:prstGeom prst="rect">
             <a:avLst/>
           </a:prstGeom>
-          <a:solidFill>
-            <a:schemeClr val="accent2"/>
-          </a:solidFill>
-          <a:ln>
-            <a:noFill/>
+        </p:spPr>
+        <p:txBody>
+          <a:bodyPr vert="horz" lIns="91440" tIns="45720" rIns="91440" bIns="45720" rtlCol="0" anchor="b">
+            <a:normAutofit/>
+          </a:bodyPr>
+          <a:lstStyle/>
+          <a:p>
+            <a:r>
+              <a:rPr lang="en-US" smtClean="0"/>
+              <a:t>Click to edit Master title style</a:t>
+            </a:r>
+            <a:endParaRPr lang="en-US" dirty="0"/>
+          </a:p>
+        </p:txBody>
+      </p:sp>
+      <p:sp>
+        <p:nvSpPr>
+          <p:cNvPr id="3" name="Text Placeholder 2"/>
+          <p:cNvSpPr>
+            <a:spLocks noGrp="1"/>
+          </p:cNvSpPr>
+          <p:nvPr>
+            <p:ph type="body" idx="1"/>
+          </p:nvPr>
+        </p:nvSpPr>
+        <p:spPr>
+          <a:xfrm>
+            <a:off x="1097280" y="1845734"/>
+            <a:ext cx="10058400" cy="4023360"/>
+          </a:xfrm>
+          <a:prstGeom prst="rect">
+            <a:avLst/>
+          </a:prstGeom>
+        </p:spPr>
+        <p:txBody>
+          <a:bodyPr vert="horz" lIns="0" tIns="45720" rIns="0" bIns="45720" rtlCol="0">
+            <a:normAutofit/>
+          </a:bodyPr>
+          <a:lstStyle/>
+          <a:p>
+            <a:pPr lvl="0"/>
+            <a:r>
+              <a:rPr lang="en-US" smtClean="0"/>
+              <a:t>Edit Master text styles</a:t>
+            </a:r>
+          </a:p>
+          <a:p>
+            <a:pPr lvl="1"/>
+            <a:r>
+              <a:rPr lang="en-US" smtClean="0"/>
+              <a:t>Second level</a:t>
+            </a:r>
+          </a:p>
+          <a:p>
+            <a:pPr lvl="2"/>
+            <a:r>
+              <a:rPr lang="en-US" smtClean="0"/>
+              <a:t>Third level</a:t>
+            </a:r>
+          </a:p>
+          <a:p>
+            <a:pPr lvl="3"/>
+            <a:r>
+              <a:rPr lang="en-US" smtClean="0"/>
+              <a:t>Fourth level</a:t>
+            </a:r>
+          </a:p>
+          <a:p>
+            <a:pPr lvl="4"/>
+            <a:r>
+              <a:rPr lang="en-US" smtClean="0"/>
+              <a:t>Fifth level</a:t>
+            </a:r>
+            <a:endParaRPr lang="en-US" dirty="0"/>
+          </a:p>
+        </p:txBody>
+      </p:sp>
+      <p:sp>
+        <p:nvSpPr>
+          <p:cNvPr id="4" name="Date Placeholder 3"/>
+          <p:cNvSpPr>
+            <a:spLocks noGrp="1"/>
+          </p:cNvSpPr>
+          <p:nvPr>
+            <p:ph type="dt" sz="half" idx="2"/>
+          </p:nvPr>
+        </p:nvSpPr>
+        <p:spPr>
+          <a:xfrm>
+            <a:off x="1097280" y="6459785"/>
+            <a:ext cx="2472271" cy="365125"/>
+          </a:xfrm>
+          <a:prstGeom prst="rect">
+            <a:avLst/>
+          </a:prstGeom>
+        </p:spPr>
+        <p:txBody>
+          <a:bodyPr vert="horz" lIns="91440" tIns="45720" rIns="91440" bIns="45720" rtlCol="0" anchor="ctr"/>
+          <a:lstStyle>
+            <a:lvl1pPr algn="l">
+              <a:defRPr sz="900">
+                <a:solidFill>
+                  <a:srgbClr val="FFFFFF"/>
+                </a:solidFill>
+              </a:defRPr>
+            </a:lvl1pPr>
+          </a:lstStyle>
+          <a:p>
+            <a:fld id="{5AA6EF1D-4F61-4C45-A839-E6A56AB1DCE3}" type="datetimeFigureOut">
+              <a:rPr lang="en-US" smtClean="0"/>
+              <a:t>8/28/2020</a:t>
+            </a:fld>
+            <a:endParaRPr lang="en-US"/>
+          </a:p>
+        </p:txBody>
+      </p:sp>
+      <p:sp>
+        <p:nvSpPr>
+          <p:cNvPr id="5" name="Footer Placeholder 4"/>
+          <p:cNvSpPr>
+            <a:spLocks noGrp="1"/>
+          </p:cNvSpPr>
+          <p:nvPr>
+            <p:ph type="ftr" sz="quarter" idx="3"/>
+          </p:nvPr>
+        </p:nvSpPr>
+        <p:spPr>
+          <a:xfrm>
+            <a:off x="3686185" y="6459785"/>
+            <a:ext cx="4822804" cy="365125"/>
+          </a:xfrm>
+          <a:prstGeom prst="rect">
+            <a:avLst/>
+          </a:prstGeom>
+        </p:spPr>
+        <p:txBody>
+          <a:bodyPr vert="horz" lIns="91440" tIns="45720" rIns="91440" bIns="45720" rtlCol="0" anchor="ctr"/>
+          <a:lstStyle>
+            <a:lvl1pPr algn="ctr">
+              <a:defRPr sz="900" cap="all" baseline="0">
+                <a:solidFill>
+                  <a:srgbClr val="FFFFFF"/>
+                </a:solidFill>
+              </a:defRPr>
+            </a:lvl1pPr>
+          </a:lstStyle>
+          <a:p>
+            <a:endParaRPr lang="en-US"/>
+          </a:p>
+        </p:txBody>
+      </p:sp>
+      <p:sp>
+        <p:nvSpPr>
+          <p:cNvPr id="6" name="Slide Number Placeholder 5"/>
+          <p:cNvSpPr>
+            <a:spLocks noGrp="1"/>
+          </p:cNvSpPr>
+          <p:nvPr>
+            <p:ph type="sldNum" sz="quarter" idx="4"/>
+          </p:nvPr>
+        </p:nvSpPr>
+        <p:spPr>
+          <a:xfrm>
+            <a:off x="9900458" y="6459785"/>
+            <a:ext cx="1312025" cy="365125"/>
+          </a:xfrm>
+          <a:prstGeom prst="rect">
+            <a:avLst/>
+          </a:prstGeom>
+        </p:spPr>
+        <p:txBody>
+          <a:bodyPr vert="horz" lIns="91440" tIns="45720" rIns="91440" bIns="45720" rtlCol="0" anchor="ctr"/>
+          <a:lstStyle>
+            <a:lvl1pPr algn="r">
+              <a:defRPr sz="1050">
+                <a:solidFill>
+                  <a:srgbClr val="FFFFFF"/>
+                </a:solidFill>
+              </a:defRPr>
+            </a:lvl1pPr>
+          </a:lstStyle>
+          <a:p>
+            <a:fld id="{AE6D0C63-3EF0-4A08-B9D7-7118B2621E28}" type="slidenum">
+              <a:rPr lang="en-US" smtClean="0"/>
+              <a:t>‹#›</a:t>
+            </a:fld>
+            <a:endParaRPr lang="en-US"/>
+          </a:p>
+        </p:txBody>
+      </p:sp>
+      <p:cxnSp>
+        <p:nvCxnSpPr>
+          <p:cNvPr id="10" name="Straight Connector 9"/>
+          <p:cNvCxnSpPr/>
+          <p:nvPr/>
+        </p:nvCxnSpPr>
+        <p:spPr>
+          <a:xfrm>
+            <a:off x="1193532" y="1737845"/>
+            <a:ext cx="9966960" cy="0"/>
+          </a:xfrm>
+          <a:prstGeom prst="line">
+            <a:avLst/>
+          </a:prstGeom>
+          <a:ln w="6350">
+            <a:solidFill>
+              <a:schemeClr val="tx1">
+                <a:lumMod val="50000"/>
+                <a:lumOff val="50000"/>
+              </a:schemeClr>
+            </a:solidFill>
           </a:ln>
-          <a:effectLst/>
         </p:spPr>
         <p:style>
           <a:lnRef idx="1">
             <a:schemeClr val="accent1"/>
           </a:lnRef>
-          <a:fillRef idx="3">
+          <a:fillRef idx="0">
             <a:schemeClr val="accent1"/>
           </a:fillRef>
-          <a:effectRef idx="2">
+          <a:effectRef idx="0">
             <a:schemeClr val="accent1"/>
           </a:effectRef>
           <a:fontRef idx="minor">
-            <a:schemeClr val="lt1"/>
+            <a:schemeClr val="tx1"/>
           </a:fontRef>
         </p:style>
-      </p:sp>
+      </p:cxnSp>
     </p:spTree>
     <p:extLst>
       <p:ext uri="{BB962C8B-B14F-4D97-AF65-F5344CB8AC3E}">
-        <p14:creationId xmlns:p14="http://schemas.microsoft.com/office/powerpoint/2010/main" val="1387473006"/>
+        <p14:creationId xmlns:p14="http://schemas.microsoft.com/office/powerpoint/2010/main" val="3527362562"/>
       </p:ext>
     </p:extLst>
   </p:cSld>
   <p:clrMap bg1="lt1" tx1="dk1" bg2="lt2" tx2="dk2" accent1="accent1" accent2="accent2" accent3="accent3" accent4="accent4" accent5="accent5" accent6="accent6" hlink="hlink" folHlink="folHlink"/>
   <p:sldLayoutIdLst>
-    <p:sldLayoutId id="2147483715" r:id="rId1"/>
-    <p:sldLayoutId id="2147483716" r:id="rId2"/>
-    <p:sldLayoutId id="2147483717" r:id="rId3"/>
-    <p:sldLayoutId id="2147483718" r:id="rId4"/>
-    <p:sldLayoutId id="2147483719" r:id="rId5"/>
-    <p:sldLayoutId id="2147483720" r:id="rId6"/>
-    <p:sldLayoutId id="2147483721" r:id="rId7"/>
-    <p:sldLayoutId id="2147483722" r:id="rId8"/>
-    <p:sldLayoutId id="2147483723" r:id="rId9"/>
-    <p:sldLayoutId id="2147483724" r:id="rId10"/>
-    <p:sldLayoutId id="2147483725" r:id="rId11"/>
+    <p:sldLayoutId id="2147483763" r:id="rId1"/>
+    <p:sldLayoutId id="2147483764" r:id="rId2"/>
+    <p:sldLayoutId id="2147483765" r:id="rId3"/>
+    <p:sldLayoutId id="2147483766" r:id="rId4"/>
+    <p:sldLayoutId id="2147483767" r:id="rId5"/>
+    <p:sldLayoutId id="2147483768" r:id="rId6"/>
+    <p:sldLayoutId id="2147483769" r:id="rId7"/>
+    <p:sldLayoutId id="2147483770" r:id="rId8"/>
+    <p:sldLayoutId id="2147483771" r:id="rId9"/>
+    <p:sldLayoutId id="2147483772" r:id="rId10"/>
+    <p:sldLayoutId id="2147483773" r:id="rId11"/>
   </p:sldLayoutIdLst>
   <p:txStyles>
     <p:titleStyle>
-      <a:lvl1pPr algn="l" defTabSz="457200" rtl="0" eaLnBrk="1" latinLnBrk="0" hangingPunct="1">
+      <a:lvl1pPr algn="l" defTabSz="914400" rtl="0" eaLnBrk="1" latinLnBrk="0" hangingPunct="1">
+        <a:lnSpc>
+          <a:spcPct val="85000"/>
+        </a:lnSpc>
         <a:spcBef>
           <a:spcPct val="0"/>
         </a:spcBef>
         <a:buNone/>
-        <a:defRPr sz="2800" b="0" kern="1200" cap="all">
+        <a:defRPr sz="4800" kern="1200" spc="-50" baseline="0">
           <a:solidFill>
-            <a:schemeClr val="bg1"/>
+            <a:schemeClr val="tx1">
+              <a:lumMod val="75000"/>
+              <a:lumOff val="25000"/>
+            </a:schemeClr>
           </a:solidFill>
           <a:latin typeface="+mj-lt"/>
           <a:ea typeface="+mj-ea"/>
           <a:cs typeface="+mj-cs"/>
         </a:defRPr>
       </a:lvl1pPr>
-      <a:lvl2pPr eaLnBrk="1" hangingPunct="1">
-        <a:defRPr>
-          <a:solidFill>
-            <a:schemeClr val="tx2"/>
-          </a:solidFill>
-        </a:defRPr>
-      </a:lvl2pPr>
-      <a:lvl3pPr eaLnBrk="1" hangingPunct="1">
-        <a:defRPr>
-          <a:solidFill>
-            <a:schemeClr val="tx2"/>
-          </a:solidFill>
-        </a:defRPr>
-      </a:lvl3pPr>
-      <a:lvl4pPr eaLnBrk="1" hangingPunct="1">
-        <a:defRPr>
-          <a:solidFill>
-            <a:schemeClr val="tx2"/>
-          </a:solidFill>
-        </a:defRPr>
-      </a:lvl4pPr>
-      <a:lvl5pPr eaLnBrk="1" hangingPunct="1">
-        <a:defRPr>
-          <a:solidFill>
-            <a:schemeClr val="tx2"/>
-          </a:solidFill>
-        </a:defRPr>
-      </a:lvl5pPr>
-      <a:lvl6pPr eaLnBrk="1" hangingPunct="1">
-        <a:defRPr>
-          <a:solidFill>
-            <a:schemeClr val="tx2"/>
-          </a:solidFill>
-        </a:defRPr>
-      </a:lvl6pPr>
-      <a:lvl7pPr eaLnBrk="1" hangingPunct="1">
-        <a:defRPr>
-          <a:solidFill>
-            <a:schemeClr val="tx2"/>
-          </a:solidFill>
-        </a:defRPr>
-      </a:lvl7pPr>
-      <a:lvl8pPr eaLnBrk="1" hangingPunct="1">
-        <a:defRPr>
-          <a:solidFill>
-            <a:schemeClr val="tx2"/>
-          </a:solidFill>
-        </a:defRPr>
-      </a:lvl8pPr>
-      <a:lvl9pPr eaLnBrk="1" hangingPunct="1">
-        <a:defRPr>
-          <a:solidFill>
-            <a:schemeClr val="tx2"/>
-          </a:solidFill>
-        </a:defRPr>
-      </a:lvl9pPr>
     </p:titleStyle>
     <p:bodyStyle>
-      <a:lvl1pPr marL="306000" indent="-306000" algn="l" defTabSz="457200" rtl="0" eaLnBrk="1" latinLnBrk="0" hangingPunct="1">
+      <a:lvl1pPr marL="91440" indent="-91440" algn="l" defTabSz="914400" rtl="0" eaLnBrk="1" latinLnBrk="0" hangingPunct="1">
+        <a:lnSpc>
+          <a:spcPct val="90000"/>
+        </a:lnSpc>
         <a:spcBef>
-          <a:spcPct val="20000"/>
+          <a:spcPts val="1200"/>
         </a:spcBef>
         <a:spcAft>
-          <a:spcPts val="600"/>
+          <a:spcPts val="200"/>
         </a:spcAft>
         <a:buClr>
-          <a:schemeClr val="accent2"/>
+          <a:schemeClr val="accent1"/>
         </a:buClr>
-        <a:buSzPct val="92000"/>
-        <a:buFont typeface="Wingdings 2" panose="05020102010507070707" pitchFamily="18" charset="2"/>
-        <a:buChar char=""/>
-        <a:defRPr sz="1800" kern="1200">
+        <a:buSzPct val="100000"/>
+        <a:buFont typeface="Calibri" panose="020F0502020204030204" pitchFamily="34" charset="0"/>
+        <a:buChar char=" "/>
+        <a:defRPr sz="2000" kern="1200">
           <a:solidFill>
-            <a:schemeClr val="tx2"/>
+            <a:schemeClr val="tx1">
+              <a:lumMod val="75000"/>
+              <a:lumOff val="25000"/>
+            </a:schemeClr>
           </a:solidFill>
           <a:latin typeface="+mn-lt"/>
           <a:ea typeface="+mn-ea"/>
           <a:cs typeface="+mn-cs"/>
         </a:defRPr>
       </a:lvl1pPr>
-      <a:lvl2pPr marL="630000" indent="-306000" algn="l" defTabSz="457200" rtl="0" eaLnBrk="1" latinLnBrk="0" hangingPunct="1">
+      <a:lvl2pPr marL="384048" indent="-182880" algn="l" defTabSz="914400" rtl="0" eaLnBrk="1" latinLnBrk="0" hangingPunct="1">
+        <a:lnSpc>
+          <a:spcPct val="90000"/>
+        </a:lnSpc>
         <a:spcBef>
-          <a:spcPct val="20000"/>
+          <a:spcPts val="200"/>
         </a:spcBef>
         <a:spcAft>
-          <a:spcPts val="600"/>
+          <a:spcPts val="400"/>
         </a:spcAft>
         <a:buClr>
-          <a:schemeClr val="accent2"/>
+          <a:schemeClr val="accent1"/>
         </a:buClr>
-        <a:buSzPct val="92000"/>
-        <a:buFont typeface="Wingdings 2" panose="05020102010507070707" pitchFamily="18" charset="2"/>
-        <a:buChar char=""/>
-        <a:defRPr sz="1600" kern="1200">
+        <a:buFont typeface="Calibri" pitchFamily="34" charset="0"/>
+        <a:buChar char="◦"/>
+        <a:defRPr sz="1800" kern="1200">
           <a:solidFill>
-            <a:schemeClr val="tx2"/>
+            <a:schemeClr val="tx1">
+              <a:lumMod val="75000"/>
+              <a:lumOff val="25000"/>
+            </a:schemeClr>
           </a:solidFill>
           <a:latin typeface="+mn-lt"/>
           <a:ea typeface="+mn-ea"/>
           <a:cs typeface="+mn-cs"/>
         </a:defRPr>
       </a:lvl2pPr>
-      <a:lvl3pPr marL="900000" indent="-270000" algn="l" defTabSz="457200" rtl="0" eaLnBrk="1" latinLnBrk="0" hangingPunct="1">
+      <a:lvl3pPr marL="566928" indent="-182880" algn="l" defTabSz="914400" rtl="0" eaLnBrk="1" latinLnBrk="0" hangingPunct="1">
+        <a:lnSpc>
+          <a:spcPct val="90000"/>
+        </a:lnSpc>
         <a:spcBef>
-          <a:spcPct val="20000"/>
+          <a:spcPts val="200"/>
         </a:spcBef>
         <a:spcAft>
-          <a:spcPts val="600"/>
+          <a:spcPts val="400"/>
         </a:spcAft>
         <a:buClr>
-          <a:schemeClr val="accent2"/>
+          <a:schemeClr val="accent1"/>
         </a:buClr>
-        <a:buSzPct val="92000"/>
-        <a:buFont typeface="Wingdings 2" panose="05020102010507070707" pitchFamily="18" charset="2"/>
-        <a:buChar char=""/>
+        <a:buFont typeface="Calibri" pitchFamily="34" charset="0"/>
+        <a:buChar char="◦"/>
         <a:defRPr sz="1400" kern="1200">
           <a:solidFill>
-            <a:schemeClr val="tx2"/>
+            <a:schemeClr val="tx1">
+              <a:lumMod val="75000"/>
+              <a:lumOff val="25000"/>
+            </a:schemeClr>
           </a:solidFill>
           <a:latin typeface="+mn-lt"/>
           <a:ea typeface="+mn-ea"/>
           <a:cs typeface="+mn-cs"/>
         </a:defRPr>
       </a:lvl3pPr>
-      <a:lvl4pPr marL="1242000" indent="-234000" algn="l" defTabSz="457200" rtl="0" eaLnBrk="1" latinLnBrk="0" hangingPunct="1">
+      <a:lvl4pPr marL="749808" indent="-182880" algn="l" defTabSz="914400" rtl="0" eaLnBrk="1" latinLnBrk="0" hangingPunct="1">
+        <a:lnSpc>
+          <a:spcPct val="90000"/>
+        </a:lnSpc>
         <a:spcBef>
-          <a:spcPct val="20000"/>
+          <a:spcPts val="200"/>
         </a:spcBef>
         <a:spcAft>
-          <a:spcPts val="600"/>
+          <a:spcPts val="400"/>
         </a:spcAft>
         <a:buClr>
-          <a:schemeClr val="accent2"/>
+          <a:schemeClr val="accent1"/>
         </a:buClr>
-        <a:buSzPct val="92000"/>
-        <a:buFont typeface="Wingdings 2" panose="05020102010507070707" pitchFamily="18" charset="2"/>
-        <a:buChar char=""/>
-        <a:defRPr sz="1200" kern="1200">
+        <a:buFont typeface="Calibri" pitchFamily="34" charset="0"/>
+        <a:buChar char="◦"/>
+        <a:defRPr sz="1400" kern="1200">
           <a:solidFill>
-            <a:schemeClr val="tx2"/>
+            <a:schemeClr val="tx1">
+              <a:lumMod val="75000"/>
+              <a:lumOff val="25000"/>
+            </a:schemeClr>
           </a:solidFill>
           <a:latin typeface="+mn-lt"/>
           <a:ea typeface="+mn-ea"/>
           <a:cs typeface="+mn-cs"/>
         </a:defRPr>
       </a:lvl4pPr>
-      <a:lvl5pPr marL="1602000" indent="-234000" algn="l" defTabSz="457200" rtl="0" eaLnBrk="1" latinLnBrk="0" hangingPunct="1">
+      <a:lvl5pPr marL="932688" indent="-182880" algn="l" defTabSz="914400" rtl="0" eaLnBrk="1" latinLnBrk="0" hangingPunct="1">
+        <a:lnSpc>
+          <a:spcPct val="90000"/>
+        </a:lnSpc>
         <a:spcBef>
-          <a:spcPct val="20000"/>
+          <a:spcPts val="200"/>
         </a:spcBef>
         <a:spcAft>
-          <a:spcPts val="600"/>
+          <a:spcPts val="400"/>
         </a:spcAft>
         <a:buClr>
-          <a:schemeClr val="accent2"/>
+          <a:schemeClr val="accent1"/>
         </a:buClr>
-        <a:buSzPct val="92000"/>
-        <a:buFont typeface="Wingdings 2" panose="05020102010507070707" pitchFamily="18" charset="2"/>
-        <a:buChar char=""/>
-        <a:defRPr sz="1200" kern="1200">
+        <a:buFont typeface="Calibri" pitchFamily="34" charset="0"/>
+        <a:buChar char="◦"/>
+        <a:defRPr sz="1400" kern="1200">
           <a:solidFill>
-            <a:schemeClr val="tx2"/>
+            <a:schemeClr val="tx1">
+              <a:lumMod val="75000"/>
+              <a:lumOff val="25000"/>
+            </a:schemeClr>
           </a:solidFill>
           <a:latin typeface="+mn-lt"/>
           <a:ea typeface="+mn-ea"/>
           <a:cs typeface="+mn-cs"/>
         </a:defRPr>
       </a:lvl5pPr>
-      <a:lvl6pPr marL="1900000" indent="-228600" algn="l" defTabSz="457200" rtl="0" eaLnBrk="1" latinLnBrk="0" hangingPunct="1">
+      <a:lvl6pPr marL="1100000" indent="-228600" algn="l" defTabSz="914400" rtl="0" eaLnBrk="1" latinLnBrk="0" hangingPunct="1">
+        <a:lnSpc>
+          <a:spcPct val="90000"/>
+        </a:lnSpc>
         <a:spcBef>
-          <a:spcPct val="20000"/>
+          <a:spcPts val="200"/>
         </a:spcBef>
         <a:spcAft>
-          <a:spcPts val="600"/>
+          <a:spcPts val="400"/>
         </a:spcAft>
         <a:buClr>
-          <a:schemeClr val="accent2"/>
+          <a:schemeClr val="accent1"/>
         </a:buClr>
-        <a:buSzPct val="92000"/>
-        <a:buFont typeface="Wingdings 2" panose="05020102010507070707" pitchFamily="18" charset="2"/>
-        <a:buChar char=""/>
-        <a:defRPr sz="1200" kern="1200">
+        <a:buFont typeface="Calibri" pitchFamily="34" charset="0"/>
+        <a:buChar char="◦"/>
+        <a:defRPr sz="1400" kern="1200">
           <a:solidFill>
-            <a:schemeClr val="tx2"/>
+            <a:schemeClr val="tx1">
+              <a:lumMod val="75000"/>
+              <a:lumOff val="25000"/>
+            </a:schemeClr>
           </a:solidFill>
           <a:latin typeface="+mn-lt"/>
           <a:ea typeface="+mn-ea"/>
           <a:cs typeface="+mn-cs"/>
         </a:defRPr>
       </a:lvl6pPr>
-      <a:lvl7pPr marL="2200000" indent="-228600" algn="l" defTabSz="457200" rtl="0" eaLnBrk="1" latinLnBrk="0" hangingPunct="1">
+      <a:lvl7pPr marL="1300000" indent="-228600" algn="l" defTabSz="914400" rtl="0" eaLnBrk="1" latinLnBrk="0" hangingPunct="1">
+        <a:lnSpc>
+          <a:spcPct val="90000"/>
+        </a:lnSpc>
         <a:spcBef>
-          <a:spcPct val="20000"/>
+          <a:spcPts val="200"/>
         </a:spcBef>
         <a:spcAft>
-          <a:spcPts val="600"/>
+          <a:spcPts val="400"/>
         </a:spcAft>
         <a:buClr>
-          <a:schemeClr val="accent2"/>
+          <a:schemeClr val="accent1"/>
         </a:buClr>
-        <a:buSzPct val="92000"/>
-        <a:buFont typeface="Wingdings 2" panose="05020102010507070707" pitchFamily="18" charset="2"/>
-        <a:buChar char=""/>
-        <a:defRPr sz="1200" kern="1200">
+        <a:buFont typeface="Calibri" pitchFamily="34" charset="0"/>
+        <a:buChar char="◦"/>
+        <a:defRPr sz="1400" kern="1200">
           <a:solidFill>
-            <a:schemeClr val="tx2"/>
+            <a:schemeClr val="tx1">
+              <a:lumMod val="75000"/>
+              <a:lumOff val="25000"/>
+            </a:schemeClr>
           </a:solidFill>
           <a:latin typeface="+mn-lt"/>
           <a:ea typeface="+mn-ea"/>
           <a:cs typeface="+mn-cs"/>
         </a:defRPr>
       </a:lvl7pPr>
-      <a:lvl8pPr marL="2500000" indent="-228600" algn="l" defTabSz="457200" rtl="0" eaLnBrk="1" latinLnBrk="0" hangingPunct="1">
+      <a:lvl8pPr marL="1500000" indent="-228600" algn="l" defTabSz="914400" rtl="0" eaLnBrk="1" latinLnBrk="0" hangingPunct="1">
+        <a:lnSpc>
+          <a:spcPct val="90000"/>
+        </a:lnSpc>
         <a:spcBef>
-          <a:spcPct val="20000"/>
+          <a:spcPts val="200"/>
         </a:spcBef>
         <a:spcAft>
-          <a:spcPts val="600"/>
+          <a:spcPts val="400"/>
         </a:spcAft>
         <a:buClr>
-          <a:schemeClr val="accent2"/>
+          <a:schemeClr val="accent1"/>
         </a:buClr>
-        <a:buSzPct val="92000"/>
-        <a:buFont typeface="Wingdings 2" panose="05020102010507070707" pitchFamily="18" charset="2"/>
-        <a:buChar char=""/>
-        <a:defRPr sz="1200" kern="1200">
+        <a:buFont typeface="Calibri" pitchFamily="34" charset="0"/>
+        <a:buChar char="◦"/>
+        <a:defRPr sz="1400" kern="1200">
           <a:solidFill>
-            <a:schemeClr val="tx2"/>
+            <a:schemeClr val="tx1">
+              <a:lumMod val="75000"/>
+              <a:lumOff val="25000"/>
+            </a:schemeClr>
           </a:solidFill>
           <a:latin typeface="+mn-lt"/>
           <a:ea typeface="+mn-ea"/>
           <a:cs typeface="+mn-cs"/>
         </a:defRPr>
       </a:lvl8pPr>
-      <a:lvl9pPr marL="2800000" indent="-228600" algn="l" defTabSz="457200" rtl="0" eaLnBrk="1" latinLnBrk="0" hangingPunct="1">
+      <a:lvl9pPr marL="1700000" indent="-228600" algn="l" defTabSz="914400" rtl="0" eaLnBrk="1" latinLnBrk="0" hangingPunct="1">
+        <a:lnSpc>
+          <a:spcPct val="90000"/>
+        </a:lnSpc>
         <a:spcBef>
-          <a:spcPct val="20000"/>
+          <a:spcPts val="200"/>
         </a:spcBef>
         <a:spcAft>
-          <a:spcPts val="600"/>
+          <a:spcPts val="400"/>
         </a:spcAft>
         <a:buClr>
-          <a:schemeClr val="accent2"/>
+          <a:schemeClr val="accent1"/>
         </a:buClr>
-        <a:buSzPct val="92000"/>
-        <a:buFont typeface="Wingdings 2" panose="05020102010507070707" pitchFamily="18" charset="2"/>
-        <a:buChar char=""/>
-        <a:defRPr sz="1200" kern="1200">
+        <a:buFont typeface="Calibri" pitchFamily="34" charset="0"/>
+        <a:buChar char="◦"/>
+        <a:defRPr sz="1400" kern="1200">
           <a:solidFill>
-            <a:schemeClr val="tx2"/>
+            <a:schemeClr val="tx1">
+              <a:lumMod val="75000"/>
+              <a:lumOff val="25000"/>
+            </a:schemeClr>
           </a:solidFill>
           <a:latin typeface="+mn-lt"/>
           <a:ea typeface="+mn-ea"/>
@@ -3755,7 +3701,7 @@
       <a:defPPr>
         <a:defRPr lang="en-US"/>
       </a:defPPr>
-      <a:lvl1pPr marL="0" algn="l" defTabSz="457200" rtl="0" eaLnBrk="1" latinLnBrk="0" hangingPunct="1">
+      <a:lvl1pPr marL="0" algn="l" defTabSz="914400" rtl="0" eaLnBrk="1" latinLnBrk="0" hangingPunct="1">
         <a:defRPr sz="1800" kern="1200">
           <a:solidFill>
             <a:schemeClr val="tx1"/>
@@ -3765,7 +3711,7 @@
           <a:cs typeface="+mn-cs"/>
         </a:defRPr>
       </a:lvl1pPr>
-      <a:lvl2pPr marL="457200" algn="l" defTabSz="457200" rtl="0" eaLnBrk="1" latinLnBrk="0" hangingPunct="1">
+      <a:lvl2pPr marL="457200" algn="l" defTabSz="914400" rtl="0" eaLnBrk="1" latinLnBrk="0" hangingPunct="1">
         <a:defRPr sz="1800" kern="1200">
           <a:solidFill>
             <a:schemeClr val="tx1"/>
@@ -3775,7 +3721,7 @@
           <a:cs typeface="+mn-cs"/>
         </a:defRPr>
       </a:lvl2pPr>
-      <a:lvl3pPr marL="914400" algn="l" defTabSz="457200" rtl="0" eaLnBrk="1" latinLnBrk="0" hangingPunct="1">
+      <a:lvl3pPr marL="914400" algn="l" defTabSz="914400" rtl="0" eaLnBrk="1" latinLnBrk="0" hangingPunct="1">
         <a:defRPr sz="1800" kern="1200">
           <a:solidFill>
             <a:schemeClr val="tx1"/>
@@ -3785,7 +3731,7 @@
           <a:cs typeface="+mn-cs"/>
         </a:defRPr>
       </a:lvl3pPr>
-      <a:lvl4pPr marL="1371600" algn="l" defTabSz="457200" rtl="0" eaLnBrk="1" latinLnBrk="0" hangingPunct="1">
+      <a:lvl4pPr marL="1371600" algn="l" defTabSz="914400" rtl="0" eaLnBrk="1" latinLnBrk="0" hangingPunct="1">
         <a:defRPr sz="1800" kern="1200">
           <a:solidFill>
             <a:schemeClr val="tx1"/>
@@ -3795,7 +3741,7 @@
           <a:cs typeface="+mn-cs"/>
         </a:defRPr>
       </a:lvl4pPr>
-      <a:lvl5pPr marL="1828800" algn="l" defTabSz="457200" rtl="0" eaLnBrk="1" latinLnBrk="0" hangingPunct="1">
+      <a:lvl5pPr marL="1828800" algn="l" defTabSz="914400" rtl="0" eaLnBrk="1" latinLnBrk="0" hangingPunct="1">
         <a:defRPr sz="1800" kern="1200">
           <a:solidFill>
             <a:schemeClr val="tx1"/>
@@ -3805,7 +3751,7 @@
           <a:cs typeface="+mn-cs"/>
         </a:defRPr>
       </a:lvl5pPr>
-      <a:lvl6pPr marL="2286000" algn="l" defTabSz="457200" rtl="0" eaLnBrk="1" latinLnBrk="0" hangingPunct="1">
+      <a:lvl6pPr marL="2286000" algn="l" defTabSz="914400" rtl="0" eaLnBrk="1" latinLnBrk="0" hangingPunct="1">
         <a:defRPr sz="1800" kern="1200">
           <a:solidFill>
             <a:schemeClr val="tx1"/>
@@ -3815,7 +3761,7 @@
           <a:cs typeface="+mn-cs"/>
         </a:defRPr>
       </a:lvl6pPr>
-      <a:lvl7pPr marL="2743200" algn="l" defTabSz="457200" rtl="0" eaLnBrk="1" latinLnBrk="0" hangingPunct="1">
+      <a:lvl7pPr marL="2743200" algn="l" defTabSz="914400" rtl="0" eaLnBrk="1" latinLnBrk="0" hangingPunct="1">
         <a:defRPr sz="1800" kern="1200">
           <a:solidFill>
             <a:schemeClr val="tx1"/>
@@ -3825,7 +3771,7 @@
           <a:cs typeface="+mn-cs"/>
         </a:defRPr>
       </a:lvl7pPr>
-      <a:lvl8pPr marL="3200400" algn="l" defTabSz="457200" rtl="0" eaLnBrk="1" latinLnBrk="0" hangingPunct="1">
+      <a:lvl8pPr marL="3200400" algn="l" defTabSz="914400" rtl="0" eaLnBrk="1" latinLnBrk="0" hangingPunct="1">
         <a:defRPr sz="1800" kern="1200">
           <a:solidFill>
             <a:schemeClr val="tx1"/>
@@ -3835,7 +3781,7 @@
           <a:cs typeface="+mn-cs"/>
         </a:defRPr>
       </a:lvl8pPr>
-      <a:lvl9pPr marL="3657600" algn="l" defTabSz="457200" rtl="0" eaLnBrk="1" latinLnBrk="0" hangingPunct="1">
+      <a:lvl9pPr marL="3657600" algn="l" defTabSz="914400" rtl="0" eaLnBrk="1" latinLnBrk="0" hangingPunct="1">
         <a:defRPr sz="1800" kern="1200">
           <a:solidFill>
             <a:schemeClr val="tx1"/>
@@ -4631,11 +4577,7 @@
             </a:r>
             <a:r>
               <a:rPr lang="en-US" dirty="0" smtClean="0"/>
-              <a:t> class for </a:t>
-            </a:r>
-            <a:r>
-              <a:rPr lang="en-US" dirty="0" smtClean="0"/>
-              <a:t>carousel </a:t>
+              <a:t> class for carousel </a:t>
             </a:r>
           </a:p>
           <a:p>
@@ -4908,28 +4850,32 @@
               <a:t>, </a:t>
             </a:r>
             <a:r>
-              <a:rPr lang="en-US" dirty="0" err="1"/>
-              <a:t>ya</a:t>
-            </a:r>
-            <a:r>
-              <a:rPr lang="en-US" dirty="0"/>
-              <a:t> div, </a:t>
-            </a:r>
-            <a:r>
-              <a:rPr lang="en-US" dirty="0" err="1"/>
-              <a:t>ya</a:t>
-            </a:r>
-            <a:r>
-              <a:rPr lang="en-US" dirty="0"/>
-              <a:t> h2 h3, </a:t>
-            </a:r>
-            <a:r>
-              <a:rPr lang="en-US" dirty="0" err="1"/>
-              <a:t>ya</a:t>
-            </a:r>
-            <a:r>
-              <a:rPr lang="en-US" dirty="0"/>
-              <a:t> p, </a:t>
+              <a:rPr lang="en-US" dirty="0" err="1" smtClean="0"/>
+              <a:t>seperti</a:t>
+            </a:r>
+            <a:r>
+              <a:rPr lang="en-US" dirty="0" smtClean="0"/>
+              <a:t> </a:t>
+            </a:r>
+            <a:r>
+              <a:rPr lang="en-US" dirty="0"/>
+              <a:t>div, </a:t>
+            </a:r>
+            <a:r>
+              <a:rPr lang="en-US" dirty="0" smtClean="0"/>
+              <a:t>h2 </a:t>
+            </a:r>
+            <a:r>
+              <a:rPr lang="en-US" dirty="0"/>
+              <a:t>h3, </a:t>
+            </a:r>
+            <a:r>
+              <a:rPr lang="en-US" dirty="0" smtClean="0"/>
+              <a:t> </a:t>
+            </a:r>
+            <a:r>
+              <a:rPr lang="en-US" dirty="0"/>
+              <a:t>p, </a:t>
             </a:r>
             <a:r>
               <a:rPr lang="en-US" dirty="0" err="1"/>
@@ -5233,9 +5179,35 @@
               <a:t>diganti</a:t>
             </a:r>
             <a:r>
-              <a:rPr lang="en-US" dirty="0"/>
+              <a:rPr lang="en-US" dirty="0" smtClean="0"/>
               <a:t>.</a:t>
             </a:r>
+          </a:p>
+          <a:p>
+            <a:endParaRPr lang="en-US" dirty="0"/>
+          </a:p>
+          <a:p>
+            <a:r>
+              <a:rPr lang="en-US" dirty="0" err="1" smtClean="0"/>
+              <a:t>Repositori</a:t>
+            </a:r>
+            <a:r>
+              <a:rPr lang="en-US" dirty="0" smtClean="0"/>
+              <a:t> yang </a:t>
+            </a:r>
+            <a:r>
+              <a:rPr lang="en-US" dirty="0" err="1" smtClean="0"/>
+              <a:t>digunakan</a:t>
+            </a:r>
+            <a:r>
+              <a:rPr lang="en-US" dirty="0" smtClean="0"/>
+              <a:t>: </a:t>
+            </a:r>
+            <a:r>
+              <a:rPr lang="en-US" dirty="0" err="1" smtClean="0"/>
+              <a:t>github</a:t>
+            </a:r>
+            <a:endParaRPr lang="en-US" dirty="0"/>
           </a:p>
         </p:txBody>
       </p:sp>
@@ -5279,6 +5251,144 @@
             <p:ph type="title"/>
           </p:nvPr>
         </p:nvSpPr>
+        <p:spPr/>
+        <p:txBody>
+          <a:bodyPr/>
+          <a:lstStyle/>
+          <a:p>
+            <a:r>
+              <a:rPr lang="en-US" dirty="0" smtClean="0"/>
+              <a:t>USAGE</a:t>
+            </a:r>
+            <a:endParaRPr lang="en-US" dirty="0"/>
+          </a:p>
+        </p:txBody>
+      </p:sp>
+      <p:sp>
+        <p:nvSpPr>
+          <p:cNvPr id="3" name="Content Placeholder 2"/>
+          <p:cNvSpPr>
+            <a:spLocks noGrp="1"/>
+          </p:cNvSpPr>
+          <p:nvPr>
+            <p:ph idx="1"/>
+          </p:nvPr>
+        </p:nvSpPr>
+        <p:spPr/>
+        <p:txBody>
+          <a:bodyPr/>
+          <a:lstStyle/>
+          <a:p>
+            <a:r>
+              <a:rPr lang="en-US" dirty="0" err="1" smtClean="0"/>
+              <a:t>git</a:t>
+            </a:r>
+            <a:r>
+              <a:rPr lang="en-US" dirty="0" smtClean="0"/>
+              <a:t> </a:t>
+            </a:r>
+            <a:r>
+              <a:rPr lang="en-US" dirty="0" err="1" smtClean="0"/>
+              <a:t>init</a:t>
+            </a:r>
+            <a:endParaRPr lang="en-US" dirty="0" smtClean="0"/>
+          </a:p>
+          <a:p>
+            <a:r>
+              <a:rPr lang="en-US" dirty="0" err="1" smtClean="0"/>
+              <a:t>Git</a:t>
+            </a:r>
+            <a:r>
+              <a:rPr lang="en-US" dirty="0" smtClean="0"/>
+              <a:t> remote add origin </a:t>
+            </a:r>
+            <a:r>
+              <a:rPr lang="en-US" dirty="0" err="1" smtClean="0"/>
+              <a:t>url</a:t>
+            </a:r>
+            <a:endParaRPr lang="en-US" dirty="0" smtClean="0"/>
+          </a:p>
+          <a:p>
+            <a:r>
+              <a:rPr lang="en-US" dirty="0" err="1" smtClean="0"/>
+              <a:t>Git</a:t>
+            </a:r>
+            <a:r>
+              <a:rPr lang="en-US" dirty="0" smtClean="0"/>
+              <a:t> add .</a:t>
+            </a:r>
+          </a:p>
+          <a:p>
+            <a:r>
+              <a:rPr lang="en-US" dirty="0" err="1" smtClean="0"/>
+              <a:t>Git</a:t>
+            </a:r>
+            <a:r>
+              <a:rPr lang="en-US" dirty="0" smtClean="0"/>
+              <a:t> commit –m “initialize”</a:t>
+            </a:r>
+          </a:p>
+          <a:p>
+            <a:r>
+              <a:rPr lang="en-US" dirty="0" err="1" smtClean="0"/>
+              <a:t>Git</a:t>
+            </a:r>
+            <a:r>
+              <a:rPr lang="en-US" dirty="0" smtClean="0"/>
+              <a:t> </a:t>
+            </a:r>
+            <a:r>
+              <a:rPr lang="en-US" smtClean="0"/>
+              <a:t>push origin </a:t>
+            </a:r>
+            <a:r>
+              <a:rPr lang="en-US" dirty="0" smtClean="0"/>
+              <a:t>master</a:t>
+            </a:r>
+            <a:endParaRPr lang="en-US" dirty="0"/>
+          </a:p>
+        </p:txBody>
+      </p:sp>
+    </p:spTree>
+    <p:extLst>
+      <p:ext uri="{BB962C8B-B14F-4D97-AF65-F5344CB8AC3E}">
+        <p14:creationId xmlns:p14="http://schemas.microsoft.com/office/powerpoint/2010/main" val="2727191180"/>
+      </p:ext>
+    </p:extLst>
+  </p:cSld>
+  <p:clrMapOvr>
+    <a:masterClrMapping/>
+  </p:clrMapOvr>
+</p:sld>
+</file>
+
+<file path=ppt/slides/slide8.xml><?xml version="1.0" encoding="utf-8"?>
+<p:sld xmlns:a="http://schemas.openxmlformats.org/drawingml/2006/main" xmlns:r="http://schemas.openxmlformats.org/officeDocument/2006/relationships" xmlns:p="http://schemas.openxmlformats.org/presentationml/2006/main">
+  <p:cSld>
+    <p:spTree>
+      <p:nvGrpSpPr>
+        <p:cNvPr id="1" name=""/>
+        <p:cNvGrpSpPr/>
+        <p:nvPr/>
+      </p:nvGrpSpPr>
+      <p:grpSpPr>
+        <a:xfrm>
+          <a:off x="0" y="0"/>
+          <a:ext cx="0" cy="0"/>
+          <a:chOff x="0" y="0"/>
+          <a:chExt cx="0" cy="0"/>
+        </a:xfrm>
+      </p:grpSpPr>
+      <p:sp>
+        <p:nvSpPr>
+          <p:cNvPr id="2" name="Title 1"/>
+          <p:cNvSpPr>
+            <a:spLocks noGrp="1"/>
+          </p:cNvSpPr>
+          <p:nvPr>
+            <p:ph type="title"/>
+          </p:nvPr>
+        </p:nvSpPr>
         <p:spPr>
           <a:xfrm>
             <a:off x="581193" y="2273201"/>
@@ -5314,9 +5424,9 @@
 </file>
 
 <file path=ppt/theme/theme1.xml><?xml version="1.0" encoding="utf-8"?>
-<a:theme xmlns:a="http://schemas.openxmlformats.org/drawingml/2006/main" name="Dividend">
+<a:theme xmlns:a="http://schemas.openxmlformats.org/drawingml/2006/main" name="Retrospect">
   <a:themeElements>
-    <a:clrScheme name="Blue Green">
+    <a:clrScheme name="Retrospect">
       <a:dk1>
         <a:sysClr val="windowText" lastClr="000000"/>
       </a:dk1>
@@ -5324,48 +5434,81 @@
         <a:sysClr val="window" lastClr="FFFFFF"/>
       </a:lt1>
       <a:dk2>
-        <a:srgbClr val="373545"/>
+        <a:srgbClr val="514949"/>
       </a:dk2>
       <a:lt2>
-        <a:srgbClr val="CEDBE6"/>
+        <a:srgbClr val="E1E1DB"/>
       </a:lt2>
       <a:accent1>
-        <a:srgbClr val="3494BA"/>
+        <a:srgbClr val="9DBFBE"/>
       </a:accent1>
       <a:accent2>
-        <a:srgbClr val="58B6C0"/>
+        <a:srgbClr val="DB8631"/>
       </a:accent2>
       <a:accent3>
-        <a:srgbClr val="75BDA7"/>
+        <a:srgbClr val="E3CC5A"/>
       </a:accent3>
       <a:accent4>
-        <a:srgbClr val="7A8C8E"/>
+        <a:srgbClr val="ACADA8"/>
       </a:accent4>
       <a:accent5>
-        <a:srgbClr val="84ACB6"/>
+        <a:srgbClr val="927C61"/>
       </a:accent5>
       <a:accent6>
-        <a:srgbClr val="2683C6"/>
+        <a:srgbClr val="B3B435"/>
       </a:accent6>
       <a:hlink>
-        <a:srgbClr val="6B9F25"/>
+        <a:srgbClr val="0000FF"/>
       </a:hlink>
       <a:folHlink>
-        <a:srgbClr val="9F6715"/>
+        <a:srgbClr val="800080"/>
       </a:folHlink>
     </a:clrScheme>
-    <a:fontScheme name="Dividend">
+    <a:fontScheme name="Retrospect">
       <a:majorFont>
-        <a:latin typeface="Gill Sans MT" panose="020B0502020104020203"/>
+        <a:latin typeface="Calibri Light" panose="020F0302020204030204"/>
         <a:ea typeface=""/>
         <a:cs typeface=""/>
-        <a:font script="Grek" typeface="Corbel"/>
-        <a:font script="Cyrl" typeface="Corbel"/>
-        <a:font script="Jpan" typeface="HGｺﾞｼｯｸE"/>
-        <a:font script="Hang" typeface="휴먼매직체"/>
-        <a:font script="Hans" typeface="华文中宋"/>
-        <a:font script="Hant" typeface="微軟正黑體"/>
-        <a:font script="Arab" typeface="Majalla UI"/>
+        <a:font script="Jpan" typeface="ＭＳ Ｐゴシック"/>
+        <a:font script="Hang" typeface="맑은 고딕"/>
+        <a:font script="Hans" typeface="宋体"/>
+        <a:font script="Hant" typeface="新細明體"/>
+        <a:font script="Arab" typeface="Times New Roman"/>
+        <a:font script="Hebr" typeface="Times New Roman"/>
+        <a:font script="Thai" typeface="Angsana New"/>
+        <a:font script="Ethi" typeface="Nyala"/>
+        <a:font script="Beng" typeface="Vrinda"/>
+        <a:font script="Gujr" typeface="Shruti"/>
+        <a:font script="Khmr" typeface="MoolBoran"/>
+        <a:font script="Knda" typeface="Tunga"/>
+        <a:font script="Guru" typeface="Raavi"/>
+        <a:font script="Cans" typeface="Euphemia"/>
+        <a:font script="Cher" typeface="Plantagenet Cherokee"/>
+        <a:font script="Yiii" typeface="Microsoft Yi Baiti"/>
+        <a:font script="Tibt" typeface="Microsoft Himalaya"/>
+        <a:font script="Thaa" typeface="MV Boli"/>
+        <a:font script="Deva" typeface="Mangal"/>
+        <a:font script="Telu" typeface="Gautami"/>
+        <a:font script="Taml" typeface="Latha"/>
+        <a:font script="Syrc" typeface="Estrangelo Edessa"/>
+        <a:font script="Orya" typeface="Kalinga"/>
+        <a:font script="Mlym" typeface="Kartika"/>
+        <a:font script="Laoo" typeface="DokChampa"/>
+        <a:font script="Sinh" typeface="Iskoola Pota"/>
+        <a:font script="Mong" typeface="Mongolian Baiti"/>
+        <a:font script="Viet" typeface="Times New Roman"/>
+        <a:font script="Uigh" typeface="Microsoft Uighur"/>
+        <a:font script="Geor" typeface="Sylfaen"/>
+      </a:majorFont>
+      <a:minorFont>
+        <a:latin typeface="Calibri" panose="020F0502020204030204"/>
+        <a:ea typeface=""/>
+        <a:cs typeface=""/>
+        <a:font script="Jpan" typeface="ＭＳ Ｐゴシック"/>
+        <a:font script="Hang" typeface="맑은 고딕"/>
+        <a:font script="Hans" typeface="宋体"/>
+        <a:font script="Hant" typeface="新細明體"/>
+        <a:font script="Arab" typeface="Arial"/>
         <a:font script="Hebr" typeface="Arial"/>
         <a:font script="Thai" typeface="Cordia New"/>
         <a:font script="Ethi" typeface="Nyala"/>
@@ -5388,49 +5531,12 @@
         <a:font script="Laoo" typeface="DokChampa"/>
         <a:font script="Sinh" typeface="Iskoola Pota"/>
         <a:font script="Mong" typeface="Mongolian Baiti"/>
-        <a:font script="Viet" typeface="Tahoma"/>
-        <a:font script="Uigh" typeface="Microsoft Uighur"/>
-        <a:font script="Geor" typeface="Sylfaen"/>
-      </a:majorFont>
-      <a:minorFont>
-        <a:latin typeface="Gill Sans MT" panose="020B0502020104020203"/>
-        <a:ea typeface=""/>
-        <a:cs typeface=""/>
-        <a:font script="Grek" typeface="Corbel"/>
-        <a:font script="Cyrl" typeface="Corbel"/>
-        <a:font script="Jpan" typeface="HGｺﾞｼｯｸE"/>
-        <a:font script="Hang" typeface="휴먼매직체"/>
-        <a:font script="Hans" typeface="华文中宋"/>
-        <a:font script="Hant" typeface="微軟正黑體"/>
-        <a:font script="Arab" typeface="Majalla UI"/>
-        <a:font script="Hebr" typeface="Arial"/>
-        <a:font script="Thai" typeface="Cordia New"/>
-        <a:font script="Ethi" typeface="Nyala"/>
-        <a:font script="Beng" typeface="Vrinda"/>
-        <a:font script="Gujr" typeface="Shruti"/>
-        <a:font script="Khmr" typeface="DaunPenh"/>
-        <a:font script="Knda" typeface="Tunga"/>
-        <a:font script="Guru" typeface="Raavi"/>
-        <a:font script="Cans" typeface="Euphemia"/>
-        <a:font script="Cher" typeface="Plantagenet Cherokee"/>
-        <a:font script="Yiii" typeface="Microsoft Yi Baiti"/>
-        <a:font script="Tibt" typeface="Microsoft Himalaya"/>
-        <a:font script="Thaa" typeface="MV Boli"/>
-        <a:font script="Deva" typeface="Mangal"/>
-        <a:font script="Telu" typeface="Gautami"/>
-        <a:font script="Taml" typeface="Latha"/>
-        <a:font script="Syrc" typeface="Estrangelo Edessa"/>
-        <a:font script="Orya" typeface="Kalinga"/>
-        <a:font script="Mlym" typeface="Kartika"/>
-        <a:font script="Laoo" typeface="DokChampa"/>
-        <a:font script="Sinh" typeface="Iskoola Pota"/>
-        <a:font script="Mong" typeface="Mongolian Baiti"/>
-        <a:font script="Viet" typeface="Tahoma"/>
+        <a:font script="Viet" typeface="Arial"/>
         <a:font script="Uigh" typeface="Microsoft Uighur"/>
         <a:font script="Geor" typeface="Sylfaen"/>
       </a:minorFont>
     </a:fontScheme>
-    <a:fmtScheme name="Dividend">
+    <a:fmtScheme name="Retrospect">
       <a:fillStyleLst>
         <a:solidFill>
           <a:schemeClr val="phClr"/>
@@ -5439,54 +5545,77 @@
           <a:gsLst>
             <a:gs pos="0">
               <a:schemeClr val="phClr">
-                <a:tint val="68000"/>
-                <a:alpha val="90000"/>
-                <a:lumMod val="100000"/>
+                <a:tint val="65000"/>
+                <a:shade val="92000"/>
+                <a:satMod val="130000"/>
+              </a:schemeClr>
+            </a:gs>
+            <a:gs pos="45000">
+              <a:schemeClr val="phClr">
+                <a:tint val="60000"/>
+                <a:shade val="99000"/>
+                <a:satMod val="120000"/>
               </a:schemeClr>
             </a:gs>
             <a:gs pos="100000">
               <a:schemeClr val="phClr">
-                <a:tint val="90000"/>
-                <a:lumMod val="95000"/>
+                <a:tint val="55000"/>
+                <a:satMod val="140000"/>
               </a:schemeClr>
             </a:gs>
           </a:gsLst>
-          <a:lin ang="5400000" scaled="1"/>
+          <a:path path="circle">
+            <a:fillToRect l="100000" t="100000" r="100000" b="100000"/>
+          </a:path>
         </a:gradFill>
         <a:gradFill rotWithShape="1">
           <a:gsLst>
             <a:gs pos="0">
               <a:schemeClr val="phClr">
-                <a:tint val="98000"/>
-                <a:lumMod val="110000"/>
+                <a:shade val="85000"/>
+                <a:satMod val="130000"/>
               </a:schemeClr>
             </a:gs>
-            <a:gs pos="84000">
+            <a:gs pos="34000">
               <a:schemeClr val="phClr">
+                <a:shade val="87000"/>
+                <a:satMod val="125000"/>
+              </a:schemeClr>
+            </a:gs>
+            <a:gs pos="70000">
+              <a:schemeClr val="phClr">
+                <a:tint val="100000"/>
                 <a:shade val="90000"/>
-                <a:lumMod val="88000"/>
+                <a:satMod val="130000"/>
+              </a:schemeClr>
+            </a:gs>
+            <a:gs pos="100000">
+              <a:schemeClr val="phClr">
+                <a:tint val="100000"/>
+                <a:shade val="100000"/>
+                <a:satMod val="110000"/>
               </a:schemeClr>
             </a:gs>
           </a:gsLst>
-          <a:lin ang="5400000" scaled="0"/>
+          <a:path path="circle">
+            <a:fillToRect l="100000" t="100000" r="100000" b="100000"/>
+          </a:path>
         </a:gradFill>
       </a:fillStyleLst>
       <a:lnStyleLst>
-        <a:ln w="12700" cap="rnd" cmpd="sng" algn="ctr">
-          <a:solidFill>
-            <a:schemeClr val="phClr">
-              <a:lumMod val="90000"/>
-            </a:schemeClr>
-          </a:solidFill>
-          <a:prstDash val="solid"/>
-        </a:ln>
-        <a:ln w="22225" cap="rnd" cmpd="sng" algn="ctr">
+        <a:ln w="12700" cap="flat" cmpd="sng" algn="ctr">
           <a:solidFill>
             <a:schemeClr val="phClr"/>
           </a:solidFill>
           <a:prstDash val="solid"/>
         </a:ln>
-        <a:ln w="25400" cap="rnd" cmpd="sng" algn="ctr">
+        <a:ln w="15875" cap="flat" cmpd="sng" algn="ctr">
+          <a:solidFill>
+            <a:schemeClr val="phClr"/>
+          </a:solidFill>
+          <a:prstDash val="solid"/>
+        </a:ln>
+        <a:ln w="25400" cap="flat" cmpd="sng" algn="ctr">
           <a:solidFill>
             <a:schemeClr val="phClr"/>
           </a:solidFill>
@@ -5499,16 +5628,16 @@
         </a:effectStyle>
         <a:effectStyle>
           <a:effectLst>
-            <a:outerShdw blurRad="38100" dist="25400" dir="5400000" rotWithShape="0">
+            <a:outerShdw blurRad="38100" dist="25400" dir="2700000" algn="br" rotWithShape="0">
               <a:srgbClr val="000000">
-                <a:alpha val="55000"/>
+                <a:alpha val="60000"/>
               </a:srgbClr>
             </a:outerShdw>
           </a:effectLst>
         </a:effectStyle>
         <a:effectStyle>
           <a:effectLst>
-            <a:outerShdw blurRad="88900" dist="38100" dir="5040000" rotWithShape="0">
+            <a:outerShdw blurRad="44450" dist="25400" dir="2700000" algn="br" rotWithShape="0">
               <a:srgbClr val="000000">
                 <a:alpha val="60000"/>
               </a:srgbClr>
@@ -5518,12 +5647,12 @@
             <a:camera prst="orthographicFront">
               <a:rot lat="0" lon="0" rev="0"/>
             </a:camera>
-            <a:lightRig rig="threePt" dir="tl">
-              <a:rot lat="0" lon="0" rev="1200000"/>
+            <a:lightRig rig="threePt" dir="t">
+              <a:rot lat="0" lon="0" rev="19800000"/>
             </a:lightRig>
           </a:scene3d>
-          <a:sp3d>
-            <a:bevelT w="38100" h="50800"/>
+          <a:sp3d prstMaterial="flat">
+            <a:bevelT w="25400" h="31750"/>
           </a:sp3d>
         </a:effectStyle>
       </a:effectStyleLst>
@@ -5531,43 +5660,38 @@
         <a:solidFill>
           <a:schemeClr val="phClr"/>
         </a:solidFill>
+        <a:solidFill>
+          <a:schemeClr val="phClr">
+            <a:tint val="90000"/>
+            <a:shade val="97000"/>
+            <a:satMod val="130000"/>
+          </a:schemeClr>
+        </a:solidFill>
         <a:gradFill rotWithShape="1">
           <a:gsLst>
             <a:gs pos="0">
               <a:schemeClr val="phClr">
-                <a:tint val="90000"/>
-                <a:lumMod val="110000"/>
+                <a:tint val="96000"/>
+                <a:shade val="99000"/>
+                <a:satMod val="140000"/>
               </a:schemeClr>
             </a:gs>
-            <a:gs pos="88000">
+            <a:gs pos="65000">
               <a:schemeClr val="phClr">
-                <a:shade val="94000"/>
-                <a:satMod val="110000"/>
-                <a:lumMod val="88000"/>
-              </a:schemeClr>
-            </a:gs>
-          </a:gsLst>
-          <a:lin ang="5400000" scaled="0"/>
-        </a:gradFill>
-        <a:gradFill rotWithShape="1">
-          <a:gsLst>
-            <a:gs pos="0">
-              <a:schemeClr val="phClr">
-                <a:tint val="90000"/>
-                <a:lumMod val="110000"/>
+                <a:tint val="100000"/>
+                <a:shade val="80000"/>
+                <a:satMod val="130000"/>
               </a:schemeClr>
             </a:gs>
             <a:gs pos="100000">
               <a:schemeClr val="phClr">
-                <a:shade val="98000"/>
-                <a:satMod val="110000"/>
-                <a:lumMod val="86000"/>
+                <a:tint val="100000"/>
+                <a:shade val="48000"/>
+                <a:satMod val="120000"/>
               </a:schemeClr>
             </a:gs>
           </a:gsLst>
-          <a:path path="circle">
-            <a:fillToRect l="50000" t="50000" r="100000" b="100000"/>
-          </a:path>
+          <a:lin ang="16200000" scaled="0"/>
         </a:gradFill>
       </a:bgFillStyleLst>
     </a:fmtScheme>
@@ -5576,7 +5700,7 @@
   <a:extraClrSchemeLst/>
   <a:extLst>
     <a:ext uri="{05A4C25C-085E-4340-85A3-A5531E510DB2}">
-      <thm15:themeFamily xmlns:thm15="http://schemas.microsoft.com/office/thememl/2012/main" name="Dividend" id="{9697A71B-4AB7-4A1A-BD5B-BB2D22835B57}" vid="{C21699FF-00E4-43C8-BBCC-D7E5536C3717}"/>
+      <thm15:themeFamily xmlns:thm15="http://schemas.microsoft.com/office/thememl/2012/main" name="Retrospect" id="{5F128B03-DCCA-4EEB-AB3B-CF2899314A46}" vid="{243AF7DC-D15B-41C0-AE81-23980D1B9FC4}"/>
     </a:ext>
   </a:extLst>
 </a:theme>

--- a/Annisaa Adindra Daulay.pptx
+++ b/Annisaa Adindra Daulay.pptx
@@ -2,7 +2,7 @@
 <file path=ppt/presentation.xml><?xml version="1.0" encoding="utf-8"?>
 <p:presentation xmlns:a="http://schemas.openxmlformats.org/drawingml/2006/main" xmlns:r="http://schemas.openxmlformats.org/officeDocument/2006/relationships" xmlns:p="http://schemas.openxmlformats.org/presentationml/2006/main" saveSubsetFonts="1">
   <p:sldMasterIdLst>
-    <p:sldMasterId id="2147483762" r:id="rId1"/>
+    <p:sldMasterId id="2147483774" r:id="rId1"/>
   </p:sldMasterIdLst>
   <p:sldIdLst>
     <p:sldId id="256" r:id="rId2"/>
@@ -122,6 +122,14 @@
 <file path=ppt/slideLayouts/slideLayout1.xml><?xml version="1.0" encoding="utf-8"?>
 <p:sldLayout xmlns:a="http://schemas.openxmlformats.org/drawingml/2006/main" xmlns:r="http://schemas.openxmlformats.org/officeDocument/2006/relationships" xmlns:p="http://schemas.openxmlformats.org/presentationml/2006/main" showMasterSp="0" type="title" preserve="1">
   <p:cSld name="Title Slide">
+    <p:bg>
+      <p:bgPr>
+        <a:solidFill>
+          <a:schemeClr val="bg2"/>
+        </a:solidFill>
+        <a:effectLst/>
+      </p:bgPr>
+    </p:bg>
     <p:spTree>
       <p:nvGrpSpPr>
         <p:cNvPr id="1" name=""/>
@@ -138,113 +146,29 @@
       </p:grpSpPr>
       <p:sp>
         <p:nvSpPr>
-          <p:cNvPr id="7" name="Rectangle 6"/>
-          <p:cNvSpPr/>
-          <p:nvPr/>
+          <p:cNvPr id="2" name="Title 1"/>
+          <p:cNvSpPr>
+            <a:spLocks noGrp="1"/>
+          </p:cNvSpPr>
+          <p:nvPr>
+            <p:ph type="ctrTitle"/>
+          </p:nvPr>
         </p:nvSpPr>
         <p:spPr>
           <a:xfrm>
-            <a:off x="3175" y="6400800"/>
-            <a:ext cx="12188825" cy="457200"/>
-          </a:xfrm>
-          <a:prstGeom prst="rect">
-            <a:avLst/>
-          </a:prstGeom>
-          <a:solidFill>
-            <a:schemeClr val="accent4">
-              <a:lumMod val="75000"/>
-            </a:schemeClr>
-          </a:solidFill>
-          <a:ln>
-            <a:noFill/>
-          </a:ln>
-        </p:spPr>
-        <p:style>
-          <a:lnRef idx="2">
-            <a:schemeClr val="accent1">
-              <a:shade val="50000"/>
-            </a:schemeClr>
-          </a:lnRef>
-          <a:fillRef idx="1">
-            <a:schemeClr val="accent1"/>
-          </a:fillRef>
-          <a:effectRef idx="0">
-            <a:schemeClr val="accent1"/>
-          </a:effectRef>
-          <a:fontRef idx="minor">
-            <a:schemeClr val="lt1"/>
-          </a:fontRef>
-        </p:style>
-      </p:sp>
-      <p:sp>
-        <p:nvSpPr>
-          <p:cNvPr id="8" name="Rectangle 7"/>
-          <p:cNvSpPr/>
-          <p:nvPr/>
-        </p:nvSpPr>
-        <p:spPr>
-          <a:xfrm>
-            <a:off x="15" y="6334316"/>
-            <a:ext cx="12188825" cy="64008"/>
-          </a:xfrm>
-          <a:prstGeom prst="rect">
-            <a:avLst/>
-          </a:prstGeom>
-          <a:solidFill>
-            <a:schemeClr val="accent4"/>
-          </a:solidFill>
-          <a:ln>
-            <a:noFill/>
-          </a:ln>
-        </p:spPr>
-        <p:style>
-          <a:lnRef idx="2">
-            <a:schemeClr val="accent1">
-              <a:shade val="50000"/>
-            </a:schemeClr>
-          </a:lnRef>
-          <a:fillRef idx="1">
-            <a:schemeClr val="accent1"/>
-          </a:fillRef>
-          <a:effectRef idx="0">
-            <a:schemeClr val="accent1"/>
-          </a:effectRef>
-          <a:fontRef idx="minor">
-            <a:schemeClr val="lt1"/>
-          </a:fontRef>
-        </p:style>
-      </p:sp>
-      <p:sp>
-        <p:nvSpPr>
-          <p:cNvPr id="2" name="Title 1"/>
-          <p:cNvSpPr>
-            <a:spLocks noGrp="1"/>
-          </p:cNvSpPr>
-          <p:nvPr>
-            <p:ph type="ctrTitle"/>
-          </p:nvPr>
-        </p:nvSpPr>
-        <p:spPr>
-          <a:xfrm>
-            <a:off x="1097280" y="758952"/>
-            <a:ext cx="10058400" cy="3566160"/>
+            <a:off x="1915128" y="1788454"/>
+            <a:ext cx="8361229" cy="2098226"/>
           </a:xfrm>
         </p:spPr>
         <p:txBody>
           <a:bodyPr anchor="b">
-            <a:normAutofit/>
+            <a:noAutofit/>
           </a:bodyPr>
           <a:lstStyle>
-            <a:lvl1pPr algn="l">
-              <a:lnSpc>
-                <a:spcPct val="85000"/>
-              </a:lnSpc>
-              <a:defRPr sz="8000" spc="-50" baseline="0">
+            <a:lvl1pPr algn="ctr">
+              <a:defRPr sz="7200" cap="all" baseline="0">
                 <a:solidFill>
-                  <a:schemeClr val="tx1">
-                    <a:lumMod val="85000"/>
-                    <a:lumOff val="15000"/>
-                  </a:schemeClr>
+                  <a:schemeClr val="tx2"/>
                 </a:solidFill>
               </a:defRPr>
             </a:lvl1pPr>
@@ -270,80 +194,97 @@
         </p:nvSpPr>
         <p:spPr>
           <a:xfrm>
-            <a:off x="1100051" y="4455621"/>
-            <a:ext cx="10058400" cy="1143000"/>
+            <a:off x="2679906" y="3956279"/>
+            <a:ext cx="6831673" cy="1086237"/>
           </a:xfrm>
         </p:spPr>
         <p:txBody>
-          <a:bodyPr lIns="91440" rIns="91440">
+          <a:bodyPr>
             <a:normAutofit/>
           </a:bodyPr>
           <a:lstStyle>
-            <a:lvl1pPr marL="0" indent="0" algn="l">
-              <a:buNone/>
-              <a:defRPr sz="2400" cap="all" spc="200" baseline="0">
+            <a:lvl1pPr marL="0" indent="0" algn="ctr">
+              <a:lnSpc>
+                <a:spcPct val="112000"/>
+              </a:lnSpc>
+              <a:spcBef>
+                <a:spcPts val="0"/>
+              </a:spcBef>
+              <a:spcAft>
+                <a:spcPts val="0"/>
+              </a:spcAft>
+              <a:buNone/>
+              <a:defRPr sz="2300"/>
+            </a:lvl1pPr>
+            <a:lvl2pPr marL="457200" indent="0" algn="ctr">
+              <a:buNone/>
+              <a:defRPr sz="2000"/>
+            </a:lvl2pPr>
+            <a:lvl3pPr marL="914400" indent="0" algn="ctr">
+              <a:buNone/>
+              <a:defRPr sz="1800"/>
+            </a:lvl3pPr>
+            <a:lvl4pPr marL="1371600" indent="0" algn="ctr">
+              <a:buNone/>
+              <a:defRPr sz="1600"/>
+            </a:lvl4pPr>
+            <a:lvl5pPr marL="1828800" indent="0" algn="ctr">
+              <a:buNone/>
+              <a:defRPr sz="1600"/>
+            </a:lvl5pPr>
+            <a:lvl6pPr marL="2286000" indent="0" algn="ctr">
+              <a:buNone/>
+              <a:defRPr sz="1600"/>
+            </a:lvl6pPr>
+            <a:lvl7pPr marL="2743200" indent="0" algn="ctr">
+              <a:buNone/>
+              <a:defRPr sz="1600"/>
+            </a:lvl7pPr>
+            <a:lvl8pPr marL="3200400" indent="0" algn="ctr">
+              <a:buNone/>
+              <a:defRPr sz="1600"/>
+            </a:lvl8pPr>
+            <a:lvl9pPr marL="3657600" indent="0" algn="ctr">
+              <a:buNone/>
+              <a:defRPr sz="1600"/>
+            </a:lvl9pPr>
+          </a:lstStyle>
+          <a:p>
+            <a:r>
+              <a:rPr lang="en-US" smtClean="0"/>
+              <a:t>Click to edit Master subtitle style</a:t>
+            </a:r>
+            <a:endParaRPr lang="en-US" dirty="0"/>
+          </a:p>
+        </p:txBody>
+      </p:sp>
+      <p:sp>
+        <p:nvSpPr>
+          <p:cNvPr id="4" name="Date Placeholder 3"/>
+          <p:cNvSpPr>
+            <a:spLocks noGrp="1"/>
+          </p:cNvSpPr>
+          <p:nvPr>
+            <p:ph type="dt" sz="half" idx="10"/>
+          </p:nvPr>
+        </p:nvSpPr>
+        <p:spPr>
+          <a:xfrm>
+            <a:off x="752858" y="6453386"/>
+            <a:ext cx="1607944" cy="404614"/>
+          </a:xfrm>
+        </p:spPr>
+        <p:txBody>
+          <a:bodyPr/>
+          <a:lstStyle>
+            <a:lvl1pPr>
+              <a:defRPr baseline="0">
                 <a:solidFill>
                   <a:schemeClr val="tx2"/>
                 </a:solidFill>
-                <a:latin typeface="+mj-lt"/>
               </a:defRPr>
             </a:lvl1pPr>
-            <a:lvl2pPr marL="457200" indent="0" algn="ctr">
-              <a:buNone/>
-              <a:defRPr sz="2400"/>
-            </a:lvl2pPr>
-            <a:lvl3pPr marL="914400" indent="0" algn="ctr">
-              <a:buNone/>
-              <a:defRPr sz="2400"/>
-            </a:lvl3pPr>
-            <a:lvl4pPr marL="1371600" indent="0" algn="ctr">
-              <a:buNone/>
-              <a:defRPr sz="2000"/>
-            </a:lvl4pPr>
-            <a:lvl5pPr marL="1828800" indent="0" algn="ctr">
-              <a:buNone/>
-              <a:defRPr sz="2000"/>
-            </a:lvl5pPr>
-            <a:lvl6pPr marL="2286000" indent="0" algn="ctr">
-              <a:buNone/>
-              <a:defRPr sz="2000"/>
-            </a:lvl6pPr>
-            <a:lvl7pPr marL="2743200" indent="0" algn="ctr">
-              <a:buNone/>
-              <a:defRPr sz="2000"/>
-            </a:lvl7pPr>
-            <a:lvl8pPr marL="3200400" indent="0" algn="ctr">
-              <a:buNone/>
-              <a:defRPr sz="2000"/>
-            </a:lvl8pPr>
-            <a:lvl9pPr marL="3657600" indent="0" algn="ctr">
-              <a:buNone/>
-              <a:defRPr sz="2000"/>
-            </a:lvl9pPr>
           </a:lstStyle>
-          <a:p>
-            <a:r>
-              <a:rPr lang="en-US" smtClean="0"/>
-              <a:t>Click to edit Master subtitle style</a:t>
-            </a:r>
-            <a:endParaRPr lang="en-US" dirty="0"/>
-          </a:p>
-        </p:txBody>
-      </p:sp>
-      <p:sp>
-        <p:nvSpPr>
-          <p:cNvPr id="4" name="Date Placeholder 3"/>
-          <p:cNvSpPr>
-            <a:spLocks noGrp="1"/>
-          </p:cNvSpPr>
-          <p:nvPr>
-            <p:ph type="dt" sz="half" idx="10"/>
-          </p:nvPr>
-        </p:nvSpPr>
-        <p:spPr/>
-        <p:txBody>
-          <a:bodyPr/>
-          <a:lstStyle/>
           <a:p>
             <a:fld id="{5AA6EF1D-4F61-4C45-A839-E6A56AB1DCE3}" type="datetimeFigureOut">
               <a:rPr lang="en-US" smtClean="0"/>
@@ -363,10 +304,23 @@
             <p:ph type="ftr" sz="quarter" idx="11"/>
           </p:nvPr>
         </p:nvSpPr>
-        <p:spPr/>
-        <p:txBody>
-          <a:bodyPr/>
-          <a:lstStyle/>
+        <p:spPr>
+          <a:xfrm>
+            <a:off x="2584054" y="6453386"/>
+            <a:ext cx="7023377" cy="404614"/>
+          </a:xfrm>
+        </p:spPr>
+        <p:txBody>
+          <a:bodyPr/>
+          <a:lstStyle>
+            <a:lvl1pPr algn="ctr">
+              <a:defRPr baseline="0">
+                <a:solidFill>
+                  <a:schemeClr val="tx2"/>
+                </a:solidFill>
+              </a:defRPr>
+            </a:lvl1pPr>
+          </a:lstStyle>
           <a:p>
             <a:endParaRPr lang="en-US"/>
           </a:p>
@@ -382,10 +336,23 @@
             <p:ph type="sldNum" sz="quarter" idx="12"/>
           </p:nvPr>
         </p:nvSpPr>
-        <p:spPr/>
-        <p:txBody>
-          <a:bodyPr/>
-          <a:lstStyle/>
+        <p:spPr>
+          <a:xfrm>
+            <a:off x="9830683" y="6453386"/>
+            <a:ext cx="1596292" cy="404614"/>
+          </a:xfrm>
+        </p:spPr>
+        <p:txBody>
+          <a:bodyPr/>
+          <a:lstStyle>
+            <a:lvl1pPr>
+              <a:defRPr baseline="0">
+                <a:solidFill>
+                  <a:schemeClr val="tx2"/>
+                </a:solidFill>
+              </a:defRPr>
+            </a:lvl1pPr>
+          </a:lstStyle>
           <a:p>
             <a:fld id="{AE6D0C63-3EF0-4A08-B9D7-7118B2621E28}" type="slidenum">
               <a:rPr lang="en-US" smtClean="0"/>
@@ -395,53 +362,144 @@
           </a:p>
         </p:txBody>
       </p:sp>
-      <p:cxnSp>
-        <p:nvCxnSpPr>
-          <p:cNvPr id="9" name="Straight Connector 8"/>
-          <p:cNvCxnSpPr/>
+      <p:grpSp>
+        <p:nvGrpSpPr>
+          <p:cNvPr id="7" name="Group 6"/>
+          <p:cNvGrpSpPr/>
           <p:nvPr/>
-        </p:nvCxnSpPr>
-        <p:spPr>
+        </p:nvGrpSpPr>
+        <p:grpSpPr>
           <a:xfrm>
-            <a:off x="1207658" y="4343400"/>
-            <a:ext cx="9875520" cy="0"/>
+            <a:off x="752858" y="744469"/>
+            <a:ext cx="10674117" cy="5349671"/>
+            <a:chOff x="752858" y="744469"/>
+            <a:chExt cx="10674117" cy="5349671"/>
           </a:xfrm>
-          <a:prstGeom prst="line">
-            <a:avLst/>
-          </a:prstGeom>
-          <a:ln w="6350">
+        </p:grpSpPr>
+        <p:sp>
+          <p:nvSpPr>
+            <p:cNvPr id="11" name="Freeform 6"/>
+            <p:cNvSpPr/>
+            <p:nvPr/>
+          </p:nvSpPr>
+          <p:spPr bwMode="auto">
+            <a:xfrm>
+              <a:off x="8151962" y="1685652"/>
+              <a:ext cx="3275013" cy="4408488"/>
+            </a:xfrm>
+            <a:custGeom>
+              <a:avLst/>
+              <a:gdLst/>
+              <a:ahLst/>
+              <a:cxnLst/>
+              <a:rect l="l" t="t" r="r" b="b"/>
+              <a:pathLst>
+                <a:path w="10000" h="10000">
+                  <a:moveTo>
+                    <a:pt x="8761" y="0"/>
+                  </a:moveTo>
+                  <a:lnTo>
+                    <a:pt x="10000" y="0"/>
+                  </a:lnTo>
+                  <a:lnTo>
+                    <a:pt x="10000" y="10000"/>
+                  </a:lnTo>
+                  <a:lnTo>
+                    <a:pt x="0" y="10000"/>
+                  </a:lnTo>
+                  <a:lnTo>
+                    <a:pt x="0" y="9126"/>
+                  </a:lnTo>
+                  <a:lnTo>
+                    <a:pt x="8761" y="9127"/>
+                  </a:lnTo>
+                  <a:lnTo>
+                    <a:pt x="8761" y="0"/>
+                  </a:lnTo>
+                  <a:close/>
+                </a:path>
+              </a:pathLst>
+            </a:custGeom>
             <a:solidFill>
-              <a:schemeClr val="tx1">
-                <a:lumMod val="50000"/>
-                <a:lumOff val="50000"/>
-              </a:schemeClr>
+              <a:schemeClr val="tx2"/>
             </a:solidFill>
-          </a:ln>
-        </p:spPr>
-        <p:style>
-          <a:lnRef idx="1">
-            <a:schemeClr val="accent1"/>
-          </a:lnRef>
-          <a:fillRef idx="0">
-            <a:schemeClr val="accent1"/>
-          </a:fillRef>
-          <a:effectRef idx="0">
-            <a:schemeClr val="accent1"/>
-          </a:effectRef>
-          <a:fontRef idx="minor">
-            <a:schemeClr val="tx1"/>
-          </a:fontRef>
-        </p:style>
-      </p:cxnSp>
+            <a:ln w="0">
+              <a:noFill/>
+              <a:prstDash val="solid"/>
+              <a:round/>
+              <a:headEnd/>
+              <a:tailEnd/>
+            </a:ln>
+          </p:spPr>
+        </p:sp>
+        <p:sp>
+          <p:nvSpPr>
+            <p:cNvPr id="14" name="Freeform 6"/>
+            <p:cNvSpPr/>
+            <p:nvPr/>
+          </p:nvSpPr>
+          <p:spPr bwMode="auto">
+            <a:xfrm flipH="1" flipV="1">
+              <a:off x="752858" y="744469"/>
+              <a:ext cx="3275668" cy="4408488"/>
+            </a:xfrm>
+            <a:custGeom>
+              <a:avLst/>
+              <a:gdLst/>
+              <a:ahLst/>
+              <a:cxnLst/>
+              <a:rect l="l" t="t" r="r" b="b"/>
+              <a:pathLst>
+                <a:path w="10002" h="10000">
+                  <a:moveTo>
+                    <a:pt x="8763" y="0"/>
+                  </a:moveTo>
+                  <a:lnTo>
+                    <a:pt x="10002" y="0"/>
+                  </a:lnTo>
+                  <a:lnTo>
+                    <a:pt x="10002" y="10000"/>
+                  </a:lnTo>
+                  <a:lnTo>
+                    <a:pt x="2" y="10000"/>
+                  </a:lnTo>
+                  <a:cubicBezTo>
+                    <a:pt x="-2" y="9698"/>
+                    <a:pt x="4" y="9427"/>
+                    <a:pt x="0" y="9125"/>
+                  </a:cubicBezTo>
+                  <a:lnTo>
+                    <a:pt x="8763" y="9128"/>
+                  </a:lnTo>
+                  <a:lnTo>
+                    <a:pt x="8763" y="0"/>
+                  </a:lnTo>
+                  <a:close/>
+                </a:path>
+              </a:pathLst>
+            </a:custGeom>
+            <a:solidFill>
+              <a:schemeClr val="tx2"/>
+            </a:solidFill>
+            <a:ln w="0">
+              <a:noFill/>
+              <a:prstDash val="solid"/>
+              <a:round/>
+              <a:headEnd/>
+              <a:tailEnd/>
+            </a:ln>
+          </p:spPr>
+        </p:sp>
+      </p:grpSp>
     </p:spTree>
     <p:extLst>
       <p:ext uri="{BB962C8B-B14F-4D97-AF65-F5344CB8AC3E}">
-        <p14:creationId xmlns:p14="http://schemas.microsoft.com/office/powerpoint/2010/main" val="2113787410"/>
+        <p14:creationId xmlns:p14="http://schemas.microsoft.com/office/powerpoint/2010/main" val="2899814722"/>
       </p:ext>
     </p:extLst>
   </p:cSld>
   <p:clrMapOvr>
-    <a:masterClrMapping/>
+    <a:overrideClrMapping bg1="lt1" tx1="dk1" bg2="lt2" tx2="dk2" accent1="accent1" accent2="accent2" accent3="accent3" accent4="accent4" accent5="accent5" accent6="accent6" hlink="hlink" folHlink="folHlink"/>
   </p:clrMapOvr>
 </p:sldLayout>
 </file>
@@ -496,9 +554,14 @@
             <p:ph type="body" orient="vert" idx="1"/>
           </p:nvPr>
         </p:nvSpPr>
-        <p:spPr/>
-        <p:txBody>
-          <a:bodyPr vert="eaVert" lIns="45720" tIns="0" rIns="45720" bIns="0"/>
+        <p:spPr>
+          <a:xfrm>
+            <a:off x="1371600" y="2295525"/>
+            <a:ext cx="9601200" cy="3571875"/>
+          </a:xfrm>
+        </p:spPr>
+        <p:txBody>
+          <a:bodyPr vert="eaVert"/>
           <a:lstStyle/>
           <a:p>
             <a:pPr lvl="0"/>
@@ -606,7 +669,7 @@
     </p:spTree>
     <p:extLst>
       <p:ext uri="{BB962C8B-B14F-4D97-AF65-F5344CB8AC3E}">
-        <p14:creationId xmlns:p14="http://schemas.microsoft.com/office/powerpoint/2010/main" val="4151864659"/>
+        <p14:creationId xmlns:p14="http://schemas.microsoft.com/office/powerpoint/2010/main" val="3574223339"/>
       </p:ext>
     </p:extLst>
   </p:cSld>
@@ -617,7 +680,7 @@
 </file>
 
 <file path=ppt/slideLayouts/slideLayout11.xml><?xml version="1.0" encoding="utf-8"?>
-<p:sldLayout xmlns:a="http://schemas.openxmlformats.org/drawingml/2006/main" xmlns:r="http://schemas.openxmlformats.org/officeDocument/2006/relationships" xmlns:p="http://schemas.openxmlformats.org/presentationml/2006/main" showMasterSp="0" type="vertTitleAndTx" preserve="1">
+<p:sldLayout xmlns:a="http://schemas.openxmlformats.org/drawingml/2006/main" xmlns:r="http://schemas.openxmlformats.org/officeDocument/2006/relationships" xmlns:p="http://schemas.openxmlformats.org/presentationml/2006/main" type="vertTitleAndTx" preserve="1">
   <p:cSld name="Vertical Title and Text">
     <p:spTree>
       <p:nvGrpSpPr>
@@ -635,128 +698,50 @@
       </p:grpSpPr>
       <p:sp>
         <p:nvSpPr>
-          <p:cNvPr id="7" name="Rectangle 6"/>
-          <p:cNvSpPr/>
-          <p:nvPr/>
+          <p:cNvPr id="2" name="Vertical Title 1"/>
+          <p:cNvSpPr>
+            <a:spLocks noGrp="1"/>
+          </p:cNvSpPr>
+          <p:nvPr>
+            <p:ph type="title" orient="vert"/>
+          </p:nvPr>
         </p:nvSpPr>
         <p:spPr>
           <a:xfrm>
-            <a:off x="3175" y="6400800"/>
-            <a:ext cx="12188825" cy="457200"/>
+            <a:off x="9596561" y="624156"/>
+            <a:ext cx="1565766" cy="5243244"/>
           </a:xfrm>
-          <a:prstGeom prst="rect">
-            <a:avLst/>
-          </a:prstGeom>
-          <a:solidFill>
-            <a:schemeClr val="accent4">
-              <a:lumMod val="75000"/>
-            </a:schemeClr>
-          </a:solidFill>
-          <a:ln>
-            <a:noFill/>
-          </a:ln>
         </p:spPr>
-        <p:style>
-          <a:lnRef idx="2">
-            <a:schemeClr val="accent1">
-              <a:shade val="50000"/>
-            </a:schemeClr>
-          </a:lnRef>
-          <a:fillRef idx="1">
-            <a:schemeClr val="accent1"/>
-          </a:fillRef>
-          <a:effectRef idx="0">
-            <a:schemeClr val="accent1"/>
-          </a:effectRef>
-          <a:fontRef idx="minor">
-            <a:schemeClr val="lt1"/>
-          </a:fontRef>
-        </p:style>
-      </p:sp>
-      <p:sp>
-        <p:nvSpPr>
-          <p:cNvPr id="8" name="Rectangle 7"/>
-          <p:cNvSpPr/>
-          <p:nvPr/>
+        <p:txBody>
+          <a:bodyPr vert="eaVert"/>
+          <a:lstStyle/>
+          <a:p>
+            <a:r>
+              <a:rPr lang="en-US" smtClean="0"/>
+              <a:t>Click to edit Master title style</a:t>
+            </a:r>
+            <a:endParaRPr lang="en-US" dirty="0"/>
+          </a:p>
+        </p:txBody>
+      </p:sp>
+      <p:sp>
+        <p:nvSpPr>
+          <p:cNvPr id="3" name="Vertical Text Placeholder 2"/>
+          <p:cNvSpPr>
+            <a:spLocks noGrp="1"/>
+          </p:cNvSpPr>
+          <p:nvPr>
+            <p:ph type="body" orient="vert" idx="1"/>
+          </p:nvPr>
         </p:nvSpPr>
         <p:spPr>
           <a:xfrm>
-            <a:off x="15" y="6334316"/>
-            <a:ext cx="12188825" cy="64008"/>
-          </a:xfrm>
-          <a:prstGeom prst="rect">
-            <a:avLst/>
-          </a:prstGeom>
-          <a:solidFill>
-            <a:schemeClr val="accent4"/>
-          </a:solidFill>
-          <a:ln>
-            <a:noFill/>
-          </a:ln>
-        </p:spPr>
-        <p:style>
-          <a:lnRef idx="2">
-            <a:schemeClr val="accent1">
-              <a:shade val="50000"/>
-            </a:schemeClr>
-          </a:lnRef>
-          <a:fillRef idx="1">
-            <a:schemeClr val="accent1"/>
-          </a:fillRef>
-          <a:effectRef idx="0">
-            <a:schemeClr val="accent1"/>
-          </a:effectRef>
-          <a:fontRef idx="minor">
-            <a:schemeClr val="lt1"/>
-          </a:fontRef>
-        </p:style>
-      </p:sp>
-      <p:sp>
-        <p:nvSpPr>
-          <p:cNvPr id="2" name="Vertical Title 1"/>
-          <p:cNvSpPr>
-            <a:spLocks noGrp="1"/>
-          </p:cNvSpPr>
-          <p:nvPr>
-            <p:ph type="title" orient="vert"/>
-          </p:nvPr>
-        </p:nvSpPr>
-        <p:spPr>
-          <a:xfrm>
-            <a:off x="8724900" y="412302"/>
-            <a:ext cx="2628900" cy="5759898"/>
+            <a:off x="1371600" y="624156"/>
+            <a:ext cx="8179641" cy="5243244"/>
           </a:xfrm>
         </p:spPr>
         <p:txBody>
           <a:bodyPr vert="eaVert"/>
-          <a:lstStyle/>
-          <a:p>
-            <a:r>
-              <a:rPr lang="en-US" smtClean="0"/>
-              <a:t>Click to edit Master title style</a:t>
-            </a:r>
-            <a:endParaRPr lang="en-US" dirty="0"/>
-          </a:p>
-        </p:txBody>
-      </p:sp>
-      <p:sp>
-        <p:nvSpPr>
-          <p:cNvPr id="3" name="Vertical Text Placeholder 2"/>
-          <p:cNvSpPr>
-            <a:spLocks noGrp="1"/>
-          </p:cNvSpPr>
-          <p:nvPr>
-            <p:ph type="body" orient="vert" idx="1"/>
-          </p:nvPr>
-        </p:nvSpPr>
-        <p:spPr>
-          <a:xfrm>
-            <a:off x="838200" y="412302"/>
-            <a:ext cx="7734300" cy="5759898"/>
-          </a:xfrm>
-        </p:spPr>
-        <p:txBody>
-          <a:bodyPr vert="eaVert" lIns="45720" tIns="0" rIns="45720" bIns="0"/>
           <a:lstStyle/>
           <a:p>
             <a:pPr lvl="0"/>
@@ -864,7 +849,7 @@
     </p:spTree>
     <p:extLst>
       <p:ext uri="{BB962C8B-B14F-4D97-AF65-F5344CB8AC3E}">
-        <p14:creationId xmlns:p14="http://schemas.microsoft.com/office/powerpoint/2010/main" val="4209563486"/>
+        <p14:creationId xmlns:p14="http://schemas.microsoft.com/office/powerpoint/2010/main" val="4262517999"/>
       </p:ext>
     </p:extLst>
   </p:cSld>
@@ -1034,7 +1019,7 @@
     </p:spTree>
     <p:extLst>
       <p:ext uri="{BB962C8B-B14F-4D97-AF65-F5344CB8AC3E}">
-        <p14:creationId xmlns:p14="http://schemas.microsoft.com/office/powerpoint/2010/main" val="776353181"/>
+        <p14:creationId xmlns:p14="http://schemas.microsoft.com/office/powerpoint/2010/main" val="600228652"/>
       </p:ext>
     </p:extLst>
   </p:cSld>
@@ -1047,6 +1032,11 @@
 <file path=ppt/slideLayouts/slideLayout3.xml><?xml version="1.0" encoding="utf-8"?>
 <p:sldLayout xmlns:a="http://schemas.openxmlformats.org/drawingml/2006/main" xmlns:r="http://schemas.openxmlformats.org/officeDocument/2006/relationships" xmlns:p="http://schemas.openxmlformats.org/presentationml/2006/main" showMasterSp="0" type="secHead" preserve="1">
   <p:cSld name="Section Header">
+    <p:bg>
+      <p:bgRef idx="1001">
+        <a:schemeClr val="bg2"/>
+      </p:bgRef>
+    </p:bg>
     <p:spTree>
       <p:nvGrpSpPr>
         <p:cNvPr id="1" name=""/>
@@ -1063,113 +1053,29 @@
       </p:grpSpPr>
       <p:sp>
         <p:nvSpPr>
-          <p:cNvPr id="7" name="Rectangle 6"/>
-          <p:cNvSpPr/>
-          <p:nvPr/>
+          <p:cNvPr id="2" name="Title 1"/>
+          <p:cNvSpPr>
+            <a:spLocks noGrp="1"/>
+          </p:cNvSpPr>
+          <p:nvPr>
+            <p:ph type="title"/>
+          </p:nvPr>
         </p:nvSpPr>
         <p:spPr>
           <a:xfrm>
-            <a:off x="3175" y="6400800"/>
-            <a:ext cx="12188825" cy="457200"/>
-          </a:xfrm>
-          <a:prstGeom prst="rect">
-            <a:avLst/>
-          </a:prstGeom>
-          <a:solidFill>
-            <a:schemeClr val="accent4">
-              <a:lumMod val="75000"/>
-            </a:schemeClr>
-          </a:solidFill>
-          <a:ln>
-            <a:noFill/>
-          </a:ln>
-        </p:spPr>
-        <p:style>
-          <a:lnRef idx="2">
-            <a:schemeClr val="accent1">
-              <a:shade val="50000"/>
-            </a:schemeClr>
-          </a:lnRef>
-          <a:fillRef idx="1">
-            <a:schemeClr val="accent1"/>
-          </a:fillRef>
-          <a:effectRef idx="0">
-            <a:schemeClr val="accent1"/>
-          </a:effectRef>
-          <a:fontRef idx="minor">
-            <a:schemeClr val="lt1"/>
-          </a:fontRef>
-        </p:style>
-      </p:sp>
-      <p:sp>
-        <p:nvSpPr>
-          <p:cNvPr id="8" name="Rectangle 7"/>
-          <p:cNvSpPr/>
-          <p:nvPr/>
-        </p:nvSpPr>
-        <p:spPr>
-          <a:xfrm>
-            <a:off x="15" y="6334316"/>
-            <a:ext cx="12188825" cy="64008"/>
-          </a:xfrm>
-          <a:prstGeom prst="rect">
-            <a:avLst/>
-          </a:prstGeom>
-          <a:solidFill>
-            <a:schemeClr val="accent4"/>
-          </a:solidFill>
-          <a:ln>
-            <a:noFill/>
-          </a:ln>
-        </p:spPr>
-        <p:style>
-          <a:lnRef idx="2">
-            <a:schemeClr val="accent1">
-              <a:shade val="50000"/>
-            </a:schemeClr>
-          </a:lnRef>
-          <a:fillRef idx="1">
-            <a:schemeClr val="accent1"/>
-          </a:fillRef>
-          <a:effectRef idx="0">
-            <a:schemeClr val="accent1"/>
-          </a:effectRef>
-          <a:fontRef idx="minor">
-            <a:schemeClr val="lt1"/>
-          </a:fontRef>
-        </p:style>
-      </p:sp>
-      <p:sp>
-        <p:nvSpPr>
-          <p:cNvPr id="2" name="Title 1"/>
-          <p:cNvSpPr>
-            <a:spLocks noGrp="1"/>
-          </p:cNvSpPr>
-          <p:nvPr>
-            <p:ph type="title"/>
-          </p:nvPr>
-        </p:nvSpPr>
-        <p:spPr>
-          <a:xfrm>
-            <a:off x="1097280" y="758952"/>
-            <a:ext cx="10058400" cy="3566160"/>
+            <a:off x="765025" y="1301360"/>
+            <a:ext cx="9612971" cy="2852737"/>
           </a:xfrm>
         </p:spPr>
         <p:txBody>
-          <a:bodyPr anchor="b" anchorCtr="0">
+          <a:bodyPr anchor="b">
             <a:normAutofit/>
           </a:bodyPr>
           <a:lstStyle>
-            <a:lvl1pPr>
-              <a:lnSpc>
-                <a:spcPct val="85000"/>
-              </a:lnSpc>
-              <a:defRPr sz="8000" b="0">
+            <a:lvl1pPr algn="r">
+              <a:defRPr sz="7200" cap="all" baseline="0">
                 <a:solidFill>
-                  <a:schemeClr val="tx1">
-                    <a:lumMod val="85000"/>
-                    <a:lumOff val="15000"/>
-                  </a:schemeClr>
+                  <a:schemeClr val="tx2"/>
                 </a:solidFill>
               </a:defRPr>
             </a:lvl1pPr>
@@ -1195,27 +1101,33 @@
         </p:nvSpPr>
         <p:spPr>
           <a:xfrm>
-            <a:off x="1097280" y="4453128"/>
-            <a:ext cx="10058400" cy="1143000"/>
+            <a:off x="765025" y="4216328"/>
+            <a:ext cx="9612971" cy="1143324"/>
           </a:xfrm>
         </p:spPr>
         <p:txBody>
-          <a:bodyPr lIns="91440" rIns="91440" anchor="t" anchorCtr="0">
-            <a:normAutofit/>
-          </a:bodyPr>
+          <a:bodyPr/>
           <a:lstStyle>
-            <a:lvl1pPr marL="0" indent="0">
-              <a:buNone/>
-              <a:defRPr sz="2400" cap="all" spc="200" baseline="0">
+            <a:lvl1pPr marL="0" indent="0" algn="r">
+              <a:lnSpc>
+                <a:spcPct val="112000"/>
+              </a:lnSpc>
+              <a:spcBef>
+                <a:spcPts val="0"/>
+              </a:spcBef>
+              <a:spcAft>
+                <a:spcPts val="0"/>
+              </a:spcAft>
+              <a:buNone/>
+              <a:defRPr sz="2400">
                 <a:solidFill>
                   <a:schemeClr val="tx2"/>
                 </a:solidFill>
-                <a:latin typeface="+mj-lt"/>
               </a:defRPr>
             </a:lvl1pPr>
             <a:lvl2pPr marL="457200" indent="0">
               <a:buNone/>
-              <a:defRPr sz="1800">
+              <a:defRPr sz="2000">
                 <a:solidFill>
                   <a:schemeClr val="tx1">
                     <a:tint val="75000"/>
@@ -1225,7 +1137,7 @@
             </a:lvl2pPr>
             <a:lvl3pPr marL="914400" indent="0">
               <a:buNone/>
-              <a:defRPr sz="1600">
+              <a:defRPr sz="1800">
                 <a:solidFill>
                   <a:schemeClr val="tx1">
                     <a:tint val="75000"/>
@@ -1235,7 +1147,7 @@
             </a:lvl3pPr>
             <a:lvl4pPr marL="1371600" indent="0">
               <a:buNone/>
-              <a:defRPr sz="1400">
+              <a:defRPr sz="1600">
                 <a:solidFill>
                   <a:schemeClr val="tx1">
                     <a:tint val="75000"/>
@@ -1245,7 +1157,7 @@
             </a:lvl4pPr>
             <a:lvl5pPr marL="1828800" indent="0">
               <a:buNone/>
-              <a:defRPr sz="1400">
+              <a:defRPr sz="1600">
                 <a:solidFill>
                   <a:schemeClr val="tx1">
                     <a:tint val="75000"/>
@@ -1255,7 +1167,7 @@
             </a:lvl5pPr>
             <a:lvl6pPr marL="2286000" indent="0">
               <a:buNone/>
-              <a:defRPr sz="1400">
+              <a:defRPr sz="1600">
                 <a:solidFill>
                   <a:schemeClr val="tx1">
                     <a:tint val="75000"/>
@@ -1265,7 +1177,7 @@
             </a:lvl6pPr>
             <a:lvl7pPr marL="2743200" indent="0">
               <a:buNone/>
-              <a:defRPr sz="1400">
+              <a:defRPr sz="1600">
                 <a:solidFill>
                   <a:schemeClr val="tx1">
                     <a:tint val="75000"/>
@@ -1275,7 +1187,7 @@
             </a:lvl7pPr>
             <a:lvl8pPr marL="3200400" indent="0">
               <a:buNone/>
-              <a:defRPr sz="1400">
+              <a:defRPr sz="1600">
                 <a:solidFill>
                   <a:schemeClr val="tx1">
                     <a:tint val="75000"/>
@@ -1285,7 +1197,7 @@
             </a:lvl8pPr>
             <a:lvl9pPr marL="3657600" indent="0">
               <a:buNone/>
-              <a:defRPr sz="1400">
+              <a:defRPr sz="1600">
                 <a:solidFill>
                   <a:schemeClr val="tx1">
                     <a:tint val="75000"/>
@@ -1313,10 +1225,23 @@
             <p:ph type="dt" sz="half" idx="10"/>
           </p:nvPr>
         </p:nvSpPr>
-        <p:spPr/>
-        <p:txBody>
-          <a:bodyPr/>
-          <a:lstStyle/>
+        <p:spPr>
+          <a:xfrm>
+            <a:off x="738908" y="6453386"/>
+            <a:ext cx="1622409" cy="404614"/>
+          </a:xfrm>
+        </p:spPr>
+        <p:txBody>
+          <a:bodyPr/>
+          <a:lstStyle>
+            <a:lvl1pPr>
+              <a:defRPr>
+                <a:solidFill>
+                  <a:schemeClr val="tx2"/>
+                </a:solidFill>
+              </a:defRPr>
+            </a:lvl1pPr>
+          </a:lstStyle>
           <a:p>
             <a:fld id="{5AA6EF1D-4F61-4C45-A839-E6A56AB1DCE3}" type="datetimeFigureOut">
               <a:rPr lang="en-US" smtClean="0"/>
@@ -1336,10 +1261,23 @@
             <p:ph type="ftr" sz="quarter" idx="11"/>
           </p:nvPr>
         </p:nvSpPr>
-        <p:spPr/>
-        <p:txBody>
-          <a:bodyPr/>
-          <a:lstStyle/>
+        <p:spPr>
+          <a:xfrm>
+            <a:off x="2584312" y="6453386"/>
+            <a:ext cx="7023377" cy="404614"/>
+          </a:xfrm>
+        </p:spPr>
+        <p:txBody>
+          <a:bodyPr/>
+          <a:lstStyle>
+            <a:lvl1pPr algn="ctr">
+              <a:defRPr>
+                <a:solidFill>
+                  <a:schemeClr val="tx2"/>
+                </a:solidFill>
+              </a:defRPr>
+            </a:lvl1pPr>
+          </a:lstStyle>
           <a:p>
             <a:endParaRPr lang="en-US"/>
           </a:p>
@@ -1355,10 +1293,23 @@
             <p:ph type="sldNum" sz="quarter" idx="12"/>
           </p:nvPr>
         </p:nvSpPr>
-        <p:spPr/>
-        <p:txBody>
-          <a:bodyPr/>
-          <a:lstStyle/>
+        <p:spPr>
+          <a:xfrm>
+            <a:off x="9830683" y="6453386"/>
+            <a:ext cx="1596292" cy="404614"/>
+          </a:xfrm>
+        </p:spPr>
+        <p:txBody>
+          <a:bodyPr/>
+          <a:lstStyle>
+            <a:lvl1pPr>
+              <a:defRPr>
+                <a:solidFill>
+                  <a:schemeClr val="tx2"/>
+                </a:solidFill>
+              </a:defRPr>
+            </a:lvl1pPr>
+          </a:lstStyle>
           <a:p>
             <a:fld id="{AE6D0C63-3EF0-4A08-B9D7-7118B2621E28}" type="slidenum">
               <a:rPr lang="en-US" smtClean="0"/>
@@ -1368,53 +1319,71 @@
           </a:p>
         </p:txBody>
       </p:sp>
-      <p:cxnSp>
-        <p:nvCxnSpPr>
-          <p:cNvPr id="9" name="Straight Connector 8"/>
-          <p:cNvCxnSpPr/>
+      <p:sp>
+        <p:nvSpPr>
+          <p:cNvPr id="7" name="Freeform 6" title="Crop Mark"/>
+          <p:cNvSpPr/>
           <p:nvPr/>
-        </p:nvCxnSpPr>
-        <p:spPr>
+        </p:nvSpPr>
+        <p:spPr bwMode="auto">
           <a:xfrm>
-            <a:off x="1207658" y="4343400"/>
-            <a:ext cx="9875520" cy="0"/>
+            <a:off x="8151962" y="1685652"/>
+            <a:ext cx="3275013" cy="4408488"/>
           </a:xfrm>
-          <a:prstGeom prst="line">
+          <a:custGeom>
             <a:avLst/>
-          </a:prstGeom>
-          <a:ln w="6350">
-            <a:solidFill>
-              <a:schemeClr val="tx1">
-                <a:lumMod val="50000"/>
-                <a:lumOff val="50000"/>
-              </a:schemeClr>
-            </a:solidFill>
+            <a:gdLst/>
+            <a:ahLst/>
+            <a:cxnLst/>
+            <a:rect l="0" t="0" r="r" b="b"/>
+            <a:pathLst>
+              <a:path w="4125" h="5554">
+                <a:moveTo>
+                  <a:pt x="3614" y="0"/>
+                </a:moveTo>
+                <a:lnTo>
+                  <a:pt x="4125" y="0"/>
+                </a:lnTo>
+                <a:lnTo>
+                  <a:pt x="4125" y="5554"/>
+                </a:lnTo>
+                <a:lnTo>
+                  <a:pt x="0" y="5554"/>
+                </a:lnTo>
+                <a:lnTo>
+                  <a:pt x="0" y="5074"/>
+                </a:lnTo>
+                <a:lnTo>
+                  <a:pt x="3614" y="5074"/>
+                </a:lnTo>
+                <a:lnTo>
+                  <a:pt x="3614" y="0"/>
+                </a:lnTo>
+                <a:close/>
+              </a:path>
+            </a:pathLst>
+          </a:custGeom>
+          <a:solidFill>
+            <a:schemeClr val="tx2"/>
+          </a:solidFill>
+          <a:ln w="0">
+            <a:noFill/>
+            <a:prstDash val="solid"/>
+            <a:round/>
+            <a:headEnd/>
+            <a:tailEnd/>
           </a:ln>
         </p:spPr>
-        <p:style>
-          <a:lnRef idx="1">
-            <a:schemeClr val="accent1"/>
-          </a:lnRef>
-          <a:fillRef idx="0">
-            <a:schemeClr val="accent1"/>
-          </a:fillRef>
-          <a:effectRef idx="0">
-            <a:schemeClr val="accent1"/>
-          </a:effectRef>
-          <a:fontRef idx="minor">
-            <a:schemeClr val="tx1"/>
-          </a:fontRef>
-        </p:style>
-      </p:cxnSp>
+      </p:sp>
     </p:spTree>
     <p:extLst>
       <p:ext uri="{BB962C8B-B14F-4D97-AF65-F5344CB8AC3E}">
-        <p14:creationId xmlns:p14="http://schemas.microsoft.com/office/powerpoint/2010/main" val="1626065619"/>
+        <p14:creationId xmlns:p14="http://schemas.microsoft.com/office/powerpoint/2010/main" val="459518551"/>
       </p:ext>
     </p:extLst>
   </p:cSld>
   <p:clrMapOvr>
-    <a:masterClrMapping/>
+    <a:overrideClrMapping bg1="dk1" tx1="lt1" bg2="dk2" tx2="lt2" accent1="accent1" accent2="accent2" accent3="accent3" accent4="accent4" accent5="accent5" accent6="accent6" hlink="hlink" folHlink="folHlink"/>
   </p:clrMapOvr>
 </p:sldLayout>
 </file>
@@ -1438,27 +1407,123 @@
       </p:grpSpPr>
       <p:sp>
         <p:nvSpPr>
-          <p:cNvPr id="8" name="Title 7"/>
+          <p:cNvPr id="2" name="Title 1"/>
           <p:cNvSpPr>
             <a:spLocks noGrp="1"/>
           </p:cNvSpPr>
           <p:nvPr>
             <p:ph type="title"/>
+          </p:nvPr>
+        </p:nvSpPr>
+        <p:spPr/>
+        <p:txBody>
+          <a:bodyPr/>
+          <a:lstStyle>
+            <a:lvl1pPr>
+              <a:defRPr>
+                <a:solidFill>
+                  <a:schemeClr val="tx2"/>
+                </a:solidFill>
+              </a:defRPr>
+            </a:lvl1pPr>
+          </a:lstStyle>
+          <a:p>
+            <a:r>
+              <a:rPr lang="en-US" smtClean="0"/>
+              <a:t>Click to edit Master title style</a:t>
+            </a:r>
+            <a:endParaRPr lang="en-US" dirty="0"/>
+          </a:p>
+        </p:txBody>
+      </p:sp>
+      <p:sp>
+        <p:nvSpPr>
+          <p:cNvPr id="3" name="Content Placeholder 2"/>
+          <p:cNvSpPr>
+            <a:spLocks noGrp="1"/>
+          </p:cNvSpPr>
+          <p:nvPr>
+            <p:ph sz="half" idx="1"/>
           </p:nvPr>
         </p:nvSpPr>
         <p:spPr>
           <a:xfrm>
-            <a:off x="1097280" y="286603"/>
-            <a:ext cx="10058400" cy="1450757"/>
+            <a:off x="1371600" y="2285999"/>
+            <a:ext cx="4447786" cy="3581401"/>
           </a:xfrm>
         </p:spPr>
         <p:txBody>
           <a:bodyPr/>
-          <a:lstStyle/>
-          <a:p>
-            <a:r>
-              <a:rPr lang="en-US" smtClean="0"/>
-              <a:t>Click to edit Master title style</a:t>
+          <a:lstStyle>
+            <a:lvl1pPr>
+              <a:defRPr baseline="0">
+                <a:solidFill>
+                  <a:schemeClr val="tx2"/>
+                </a:solidFill>
+              </a:defRPr>
+            </a:lvl1pPr>
+            <a:lvl2pPr>
+              <a:defRPr baseline="0">
+                <a:solidFill>
+                  <a:schemeClr val="tx2"/>
+                </a:solidFill>
+              </a:defRPr>
+            </a:lvl2pPr>
+            <a:lvl3pPr>
+              <a:defRPr baseline="0">
+                <a:solidFill>
+                  <a:schemeClr val="tx2"/>
+                </a:solidFill>
+              </a:defRPr>
+            </a:lvl3pPr>
+            <a:lvl4pPr>
+              <a:defRPr baseline="0">
+                <a:solidFill>
+                  <a:schemeClr val="tx2"/>
+                </a:solidFill>
+              </a:defRPr>
+            </a:lvl4pPr>
+            <a:lvl5pPr>
+              <a:defRPr baseline="0">
+                <a:solidFill>
+                  <a:schemeClr val="tx2"/>
+                </a:solidFill>
+              </a:defRPr>
+            </a:lvl5pPr>
+          </a:lstStyle>
+          <a:p>
+            <a:pPr lvl="0"/>
+            <a:r>
+              <a:rPr lang="en-US" smtClean="0"/>
+              <a:t>Edit Master text styles</a:t>
+            </a:r>
+          </a:p>
+          <a:p>
+            <a:pPr lvl="1"/>
+            <a:r>
+              <a:rPr lang="en-US" smtClean="0"/>
+              <a:t>Second level</a:t>
+            </a:r>
+          </a:p>
+          <a:p>
+            <a:pPr lvl="2"/>
+            <a:r>
+              <a:rPr lang="en-US" smtClean="0"/>
+              <a:t>Third level</a:t>
+            </a:r>
+          </a:p>
+          <a:p>
+            <a:pPr lvl="3"/>
+            <a:r>
+              <a:rPr lang="en-US" smtClean="0"/>
+              <a:t>Fourth level</a:t>
+            </a:r>
+          </a:p>
+          <a:p>
+            <a:pPr lvl="4"/>
+            <a:r>
+              <a:rPr lang="en-US" smtClean="0"/>
+              <a:t>Fifth level</a:t>
             </a:r>
             <a:endParaRPr lang="en-US" dirty="0"/>
           </a:p>
@@ -1466,80 +1531,59 @@
       </p:sp>
       <p:sp>
         <p:nvSpPr>
-          <p:cNvPr id="3" name="Content Placeholder 2"/>
-          <p:cNvSpPr>
-            <a:spLocks noGrp="1"/>
-          </p:cNvSpPr>
-          <p:nvPr>
-            <p:ph sz="half" idx="1"/>
+          <p:cNvPr id="4" name="Content Placeholder 3"/>
+          <p:cNvSpPr>
+            <a:spLocks noGrp="1"/>
+          </p:cNvSpPr>
+          <p:nvPr>
+            <p:ph sz="half" idx="2"/>
           </p:nvPr>
         </p:nvSpPr>
         <p:spPr>
           <a:xfrm>
-            <a:off x="1097278" y="1845734"/>
-            <a:ext cx="4937760" cy="4023360"/>
+            <a:off x="6525403" y="2285999"/>
+            <a:ext cx="4447786" cy="3581401"/>
           </a:xfrm>
         </p:spPr>
         <p:txBody>
           <a:bodyPr/>
-          <a:lstStyle/>
-          <a:p>
-            <a:pPr lvl="0"/>
-            <a:r>
-              <a:rPr lang="en-US" smtClean="0"/>
-              <a:t>Edit Master text styles</a:t>
-            </a:r>
-          </a:p>
-          <a:p>
-            <a:pPr lvl="1"/>
-            <a:r>
-              <a:rPr lang="en-US" smtClean="0"/>
-              <a:t>Second level</a:t>
-            </a:r>
-          </a:p>
-          <a:p>
-            <a:pPr lvl="2"/>
-            <a:r>
-              <a:rPr lang="en-US" smtClean="0"/>
-              <a:t>Third level</a:t>
-            </a:r>
-          </a:p>
-          <a:p>
-            <a:pPr lvl="3"/>
-            <a:r>
-              <a:rPr lang="en-US" smtClean="0"/>
-              <a:t>Fourth level</a:t>
-            </a:r>
-          </a:p>
-          <a:p>
-            <a:pPr lvl="4"/>
-            <a:r>
-              <a:rPr lang="en-US" smtClean="0"/>
-              <a:t>Fifth level</a:t>
-            </a:r>
-            <a:endParaRPr lang="en-US" dirty="0"/>
-          </a:p>
-        </p:txBody>
-      </p:sp>
-      <p:sp>
-        <p:nvSpPr>
-          <p:cNvPr id="4" name="Content Placeholder 3"/>
-          <p:cNvSpPr>
-            <a:spLocks noGrp="1"/>
-          </p:cNvSpPr>
-          <p:nvPr>
-            <p:ph sz="half" idx="2"/>
-          </p:nvPr>
-        </p:nvSpPr>
-        <p:spPr>
-          <a:xfrm>
-            <a:off x="6217920" y="1845735"/>
-            <a:ext cx="4937760" cy="4023360"/>
-          </a:xfrm>
-        </p:spPr>
-        <p:txBody>
-          <a:bodyPr/>
-          <a:lstStyle/>
+          <a:lstStyle>
+            <a:lvl1pPr>
+              <a:defRPr>
+                <a:solidFill>
+                  <a:schemeClr val="tx2"/>
+                </a:solidFill>
+              </a:defRPr>
+            </a:lvl1pPr>
+            <a:lvl2pPr>
+              <a:defRPr>
+                <a:solidFill>
+                  <a:schemeClr val="tx2"/>
+                </a:solidFill>
+              </a:defRPr>
+            </a:lvl2pPr>
+            <a:lvl3pPr>
+              <a:defRPr>
+                <a:solidFill>
+                  <a:schemeClr val="tx2"/>
+                </a:solidFill>
+              </a:defRPr>
+            </a:lvl3pPr>
+            <a:lvl4pPr>
+              <a:defRPr>
+                <a:solidFill>
+                  <a:schemeClr val="tx2"/>
+                </a:solidFill>
+              </a:defRPr>
+            </a:lvl4pPr>
+            <a:lvl5pPr>
+              <a:defRPr>
+                <a:solidFill>
+                  <a:schemeClr val="tx2"/>
+                </a:solidFill>
+              </a:defRPr>
+            </a:lvl5pPr>
+          </a:lstStyle>
           <a:p>
             <a:pPr lvl="0"/>
             <a:r>
@@ -1646,7 +1690,7 @@
     </p:spTree>
     <p:extLst>
       <p:ext uri="{BB962C8B-B14F-4D97-AF65-F5344CB8AC3E}">
-        <p14:creationId xmlns:p14="http://schemas.microsoft.com/office/powerpoint/2010/main" val="1205703842"/>
+        <p14:creationId xmlns:p14="http://schemas.microsoft.com/office/powerpoint/2010/main" val="3755793418"/>
       </p:ext>
     </p:extLst>
   </p:cSld>
@@ -1675,7 +1719,7 @@
       </p:grpSpPr>
       <p:sp>
         <p:nvSpPr>
-          <p:cNvPr id="10" name="Title 9"/>
+          <p:cNvPr id="2" name="Title 1"/>
           <p:cNvSpPr>
             <a:spLocks noGrp="1"/>
           </p:cNvSpPr>
@@ -1685,13 +1729,21 @@
         </p:nvSpPr>
         <p:spPr>
           <a:xfrm>
-            <a:off x="1097280" y="286603"/>
-            <a:ext cx="10058400" cy="1450757"/>
+            <a:off x="1371600" y="685800"/>
+            <a:ext cx="9601200" cy="1485900"/>
           </a:xfrm>
         </p:spPr>
         <p:txBody>
           <a:bodyPr/>
-          <a:lstStyle/>
+          <a:lstStyle>
+            <a:lvl1pPr>
+              <a:defRPr>
+                <a:solidFill>
+                  <a:schemeClr val="tx2"/>
+                </a:solidFill>
+              </a:defRPr>
+            </a:lvl1pPr>
+          </a:lstStyle>
           <a:p>
             <a:r>
               <a:rPr lang="en-US" smtClean="0"/>
@@ -1713,18 +1765,27 @@
         </p:nvSpPr>
         <p:spPr>
           <a:xfrm>
-            <a:off x="1097280" y="1846052"/>
-            <a:ext cx="4937760" cy="736282"/>
+            <a:off x="1371600" y="2340864"/>
+            <a:ext cx="4443984" cy="823912"/>
           </a:xfrm>
         </p:spPr>
         <p:txBody>
-          <a:bodyPr lIns="91440" rIns="91440" anchor="ctr">
-            <a:normAutofit/>
+          <a:bodyPr anchor="b">
+            <a:noAutofit/>
           </a:bodyPr>
           <a:lstStyle>
             <a:lvl1pPr marL="0" indent="0">
-              <a:buNone/>
-              <a:defRPr sz="2000" b="0" cap="all" baseline="0">
+              <a:lnSpc>
+                <a:spcPct val="84000"/>
+              </a:lnSpc>
+              <a:spcBef>
+                <a:spcPts val="0"/>
+              </a:spcBef>
+              <a:spcAft>
+                <a:spcPts val="0"/>
+              </a:spcAft>
+              <a:buNone/>
+              <a:defRPr sz="3000" b="0" baseline="0">
                 <a:solidFill>
                   <a:schemeClr val="tx2"/>
                 </a:solidFill>
@@ -1784,13 +1845,49 @@
         </p:nvSpPr>
         <p:spPr>
           <a:xfrm>
-            <a:off x="1097280" y="2582334"/>
-            <a:ext cx="4937760" cy="3378200"/>
+            <a:off x="1371600" y="3305207"/>
+            <a:ext cx="4443984" cy="2562193"/>
           </a:xfrm>
         </p:spPr>
         <p:txBody>
           <a:bodyPr/>
-          <a:lstStyle/>
+          <a:lstStyle>
+            <a:lvl1pPr>
+              <a:defRPr baseline="0">
+                <a:solidFill>
+                  <a:schemeClr val="tx2"/>
+                </a:solidFill>
+              </a:defRPr>
+            </a:lvl1pPr>
+            <a:lvl2pPr>
+              <a:defRPr baseline="0">
+                <a:solidFill>
+                  <a:schemeClr val="tx2"/>
+                </a:solidFill>
+              </a:defRPr>
+            </a:lvl2pPr>
+            <a:lvl3pPr>
+              <a:defRPr baseline="0">
+                <a:solidFill>
+                  <a:schemeClr val="tx2"/>
+                </a:solidFill>
+              </a:defRPr>
+            </a:lvl3pPr>
+            <a:lvl4pPr>
+              <a:defRPr baseline="0">
+                <a:solidFill>
+                  <a:schemeClr val="tx2"/>
+                </a:solidFill>
+              </a:defRPr>
+            </a:lvl4pPr>
+            <a:lvl5pPr>
+              <a:defRPr baseline="0">
+                <a:solidFill>
+                  <a:schemeClr val="tx2"/>
+                </a:solidFill>
+              </a:defRPr>
+            </a:lvl5pPr>
+          </a:lstStyle>
           <a:p>
             <a:pPr lvl="0"/>
             <a:r>
@@ -1841,18 +1938,27 @@
         </p:nvSpPr>
         <p:spPr>
           <a:xfrm>
-            <a:off x="6217920" y="1846052"/>
-            <a:ext cx="4937760" cy="736282"/>
+            <a:off x="6525014" y="2340864"/>
+            <a:ext cx="4443984" cy="823912"/>
           </a:xfrm>
         </p:spPr>
         <p:txBody>
-          <a:bodyPr lIns="91440" rIns="91440" anchor="ctr">
-            <a:normAutofit/>
+          <a:bodyPr anchor="b">
+            <a:noAutofit/>
           </a:bodyPr>
           <a:lstStyle>
             <a:lvl1pPr marL="0" indent="0">
-              <a:buNone/>
-              <a:defRPr sz="2000" b="0" cap="all" baseline="0">
+              <a:lnSpc>
+                <a:spcPct val="84000"/>
+              </a:lnSpc>
+              <a:spcBef>
+                <a:spcPts val="0"/>
+              </a:spcBef>
+              <a:spcAft>
+                <a:spcPts val="0"/>
+              </a:spcAft>
+              <a:buNone/>
+              <a:defRPr sz="3000" b="0" baseline="0">
                 <a:solidFill>
                   <a:schemeClr val="tx2"/>
                 </a:solidFill>
@@ -1912,13 +2018,49 @@
         </p:nvSpPr>
         <p:spPr>
           <a:xfrm>
-            <a:off x="6217920" y="2582334"/>
-            <a:ext cx="4937760" cy="3378200"/>
+            <a:off x="6525014" y="3305207"/>
+            <a:ext cx="4443984" cy="2562193"/>
           </a:xfrm>
         </p:spPr>
         <p:txBody>
           <a:bodyPr/>
-          <a:lstStyle/>
+          <a:lstStyle>
+            <a:lvl1pPr>
+              <a:defRPr baseline="0">
+                <a:solidFill>
+                  <a:schemeClr val="tx2"/>
+                </a:solidFill>
+              </a:defRPr>
+            </a:lvl1pPr>
+            <a:lvl2pPr>
+              <a:defRPr baseline="0">
+                <a:solidFill>
+                  <a:schemeClr val="tx2"/>
+                </a:solidFill>
+              </a:defRPr>
+            </a:lvl2pPr>
+            <a:lvl3pPr>
+              <a:defRPr baseline="0">
+                <a:solidFill>
+                  <a:schemeClr val="tx2"/>
+                </a:solidFill>
+              </a:defRPr>
+            </a:lvl3pPr>
+            <a:lvl4pPr>
+              <a:defRPr baseline="0">
+                <a:solidFill>
+                  <a:schemeClr val="tx2"/>
+                </a:solidFill>
+              </a:defRPr>
+            </a:lvl4pPr>
+            <a:lvl5pPr>
+              <a:defRPr baseline="0">
+                <a:solidFill>
+                  <a:schemeClr val="tx2"/>
+                </a:solidFill>
+              </a:defRPr>
+            </a:lvl5pPr>
+          </a:lstStyle>
           <a:p>
             <a:pPr lvl="0"/>
             <a:r>
@@ -2025,7 +2167,7 @@
     </p:spTree>
     <p:extLst>
       <p:ext uri="{BB962C8B-B14F-4D97-AF65-F5344CB8AC3E}">
-        <p14:creationId xmlns:p14="http://schemas.microsoft.com/office/powerpoint/2010/main" val="835138563"/>
+        <p14:creationId xmlns:p14="http://schemas.microsoft.com/office/powerpoint/2010/main" val="4143212411"/>
       </p:ext>
     </p:extLst>
   </p:cSld>
@@ -2143,7 +2285,7 @@
     </p:spTree>
     <p:extLst>
       <p:ext uri="{BB962C8B-B14F-4D97-AF65-F5344CB8AC3E}">
-        <p14:creationId xmlns:p14="http://schemas.microsoft.com/office/powerpoint/2010/main" val="3723949988"/>
+        <p14:creationId xmlns:p14="http://schemas.microsoft.com/office/powerpoint/2010/main" val="4087217117"/>
       </p:ext>
     </p:extLst>
   </p:cSld>
@@ -2154,7 +2296,7 @@
 </file>
 
 <file path=ppt/slideLayouts/slideLayout7.xml><?xml version="1.0" encoding="utf-8"?>
-<p:sldLayout xmlns:a="http://schemas.openxmlformats.org/drawingml/2006/main" xmlns:r="http://schemas.openxmlformats.org/officeDocument/2006/relationships" xmlns:p="http://schemas.openxmlformats.org/presentationml/2006/main" showMasterSp="0" type="blank" preserve="1">
+<p:sldLayout xmlns:a="http://schemas.openxmlformats.org/drawingml/2006/main" xmlns:r="http://schemas.openxmlformats.org/officeDocument/2006/relationships" xmlns:p="http://schemas.openxmlformats.org/presentationml/2006/main" type="blank" preserve="1">
   <p:cSld name="Blank">
     <p:spTree>
       <p:nvGrpSpPr>
@@ -2172,85 +2314,7 @@
       </p:grpSpPr>
       <p:sp>
         <p:nvSpPr>
-          <p:cNvPr id="5" name="Rectangle 4"/>
-          <p:cNvSpPr/>
-          <p:nvPr/>
-        </p:nvSpPr>
-        <p:spPr>
-          <a:xfrm>
-            <a:off x="3175" y="6400800"/>
-            <a:ext cx="12188825" cy="457200"/>
-          </a:xfrm>
-          <a:prstGeom prst="rect">
-            <a:avLst/>
-          </a:prstGeom>
-          <a:solidFill>
-            <a:schemeClr val="accent4">
-              <a:lumMod val="75000"/>
-            </a:schemeClr>
-          </a:solidFill>
-          <a:ln>
-            <a:noFill/>
-          </a:ln>
-        </p:spPr>
-        <p:style>
-          <a:lnRef idx="2">
-            <a:schemeClr val="accent1">
-              <a:shade val="50000"/>
-            </a:schemeClr>
-          </a:lnRef>
-          <a:fillRef idx="1">
-            <a:schemeClr val="accent1"/>
-          </a:fillRef>
-          <a:effectRef idx="0">
-            <a:schemeClr val="accent1"/>
-          </a:effectRef>
-          <a:fontRef idx="minor">
-            <a:schemeClr val="lt1"/>
-          </a:fontRef>
-        </p:style>
-      </p:sp>
-      <p:sp>
-        <p:nvSpPr>
-          <p:cNvPr id="6" name="Rectangle 5"/>
-          <p:cNvSpPr/>
-          <p:nvPr/>
-        </p:nvSpPr>
-        <p:spPr>
-          <a:xfrm>
-            <a:off x="15" y="6334316"/>
-            <a:ext cx="12188825" cy="64008"/>
-          </a:xfrm>
-          <a:prstGeom prst="rect">
-            <a:avLst/>
-          </a:prstGeom>
-          <a:solidFill>
-            <a:schemeClr val="accent4"/>
-          </a:solidFill>
-          <a:ln>
-            <a:noFill/>
-          </a:ln>
-        </p:spPr>
-        <p:style>
-          <a:lnRef idx="2">
-            <a:schemeClr val="accent1">
-              <a:shade val="50000"/>
-            </a:schemeClr>
-          </a:lnRef>
-          <a:fillRef idx="1">
-            <a:schemeClr val="accent1"/>
-          </a:fillRef>
-          <a:effectRef idx="0">
-            <a:schemeClr val="accent1"/>
-          </a:effectRef>
-          <a:fontRef idx="minor">
-            <a:schemeClr val="lt1"/>
-          </a:fontRef>
-        </p:style>
-      </p:sp>
-      <p:sp>
-        <p:nvSpPr>
-          <p:cNvPr id="7" name="Date Placeholder 6"/>
+          <p:cNvPr id="2" name="Date Placeholder 1"/>
           <p:cNvSpPr>
             <a:spLocks noGrp="1"/>
           </p:cNvSpPr>
@@ -2273,7 +2337,7 @@
       </p:sp>
       <p:sp>
         <p:nvSpPr>
-          <p:cNvPr id="8" name="Footer Placeholder 7"/>
+          <p:cNvPr id="3" name="Footer Placeholder 2"/>
           <p:cNvSpPr>
             <a:spLocks noGrp="1"/>
           </p:cNvSpPr>
@@ -2284,15 +2348,7 @@
         <p:spPr/>
         <p:txBody>
           <a:bodyPr/>
-          <a:lstStyle>
-            <a:lvl1pPr>
-              <a:defRPr>
-                <a:solidFill>
-                  <a:srgbClr val="FFFFFF"/>
-                </a:solidFill>
-              </a:defRPr>
-            </a:lvl1pPr>
-          </a:lstStyle>
+          <a:lstStyle/>
           <a:p>
             <a:endParaRPr lang="en-US"/>
           </a:p>
@@ -2300,7 +2356,7 @@
       </p:sp>
       <p:sp>
         <p:nvSpPr>
-          <p:cNvPr id="9" name="Slide Number Placeholder 8"/>
+          <p:cNvPr id="4" name="Slide Number Placeholder 3"/>
           <p:cNvSpPr>
             <a:spLocks noGrp="1"/>
           </p:cNvSpPr>
@@ -2324,7 +2380,7 @@
     </p:spTree>
     <p:extLst>
       <p:ext uri="{BB962C8B-B14F-4D97-AF65-F5344CB8AC3E}">
-        <p14:creationId xmlns:p14="http://schemas.microsoft.com/office/powerpoint/2010/main" val="3263555973"/>
+        <p14:creationId xmlns:p14="http://schemas.microsoft.com/office/powerpoint/2010/main" val="1743634263"/>
       </p:ext>
     </p:extLst>
   </p:cSld>
@@ -2353,22 +2409,20 @@
       </p:grpSpPr>
       <p:sp>
         <p:nvSpPr>
-          <p:cNvPr id="8" name="Rectangle 7"/>
+          <p:cNvPr id="8" name="Rectangle 7" title="Background Shape"/>
           <p:cNvSpPr/>
           <p:nvPr/>
         </p:nvSpPr>
         <p:spPr>
           <a:xfrm>
-            <a:off x="16" y="0"/>
-            <a:ext cx="4050791" cy="6858000"/>
+            <a:off x="0" y="376"/>
+            <a:ext cx="5303520" cy="6857624"/>
           </a:xfrm>
           <a:prstGeom prst="rect">
             <a:avLst/>
           </a:prstGeom>
           <a:solidFill>
-            <a:schemeClr val="accent4">
-              <a:lumMod val="75000"/>
-            </a:schemeClr>
+            <a:schemeClr val="accent1"/>
           </a:solidFill>
           <a:ln>
             <a:noFill/>
@@ -2393,20 +2447,324 @@
       </p:sp>
       <p:sp>
         <p:nvSpPr>
-          <p:cNvPr id="9" name="Rectangle 8"/>
+          <p:cNvPr id="2" name="Title 1"/>
+          <p:cNvSpPr>
+            <a:spLocks noGrp="1"/>
+          </p:cNvSpPr>
+          <p:nvPr>
+            <p:ph type="title"/>
+          </p:nvPr>
+        </p:nvSpPr>
+        <p:spPr>
+          <a:xfrm>
+            <a:off x="723900" y="685800"/>
+            <a:ext cx="3855720" cy="2157884"/>
+          </a:xfrm>
+        </p:spPr>
+        <p:txBody>
+          <a:bodyPr anchor="t">
+            <a:noAutofit/>
+          </a:bodyPr>
+          <a:lstStyle>
+            <a:lvl1pPr>
+              <a:lnSpc>
+                <a:spcPct val="84000"/>
+              </a:lnSpc>
+              <a:defRPr sz="4800" baseline="0">
+                <a:solidFill>
+                  <a:schemeClr val="tx2"/>
+                </a:solidFill>
+              </a:defRPr>
+            </a:lvl1pPr>
+          </a:lstStyle>
+          <a:p>
+            <a:r>
+              <a:rPr lang="en-US" smtClean="0"/>
+              <a:t>Click to edit Master title style</a:t>
+            </a:r>
+            <a:endParaRPr lang="en-US" dirty="0"/>
+          </a:p>
+        </p:txBody>
+      </p:sp>
+      <p:sp>
+        <p:nvSpPr>
+          <p:cNvPr id="3" name="Content Placeholder 2"/>
+          <p:cNvSpPr>
+            <a:spLocks noGrp="1"/>
+          </p:cNvSpPr>
+          <p:nvPr>
+            <p:ph idx="1"/>
+          </p:nvPr>
+        </p:nvSpPr>
+        <p:spPr>
+          <a:xfrm>
+            <a:off x="6256020" y="685801"/>
+            <a:ext cx="5212080" cy="5175250"/>
+          </a:xfrm>
+        </p:spPr>
+        <p:txBody>
+          <a:bodyPr/>
+          <a:lstStyle>
+            <a:lvl1pPr>
+              <a:defRPr sz="2000"/>
+            </a:lvl1pPr>
+            <a:lvl2pPr>
+              <a:defRPr sz="2000"/>
+            </a:lvl2pPr>
+            <a:lvl3pPr>
+              <a:defRPr sz="1800"/>
+            </a:lvl3pPr>
+            <a:lvl4pPr>
+              <a:defRPr sz="1800"/>
+            </a:lvl4pPr>
+            <a:lvl5pPr>
+              <a:defRPr sz="1600"/>
+            </a:lvl5pPr>
+            <a:lvl6pPr>
+              <a:defRPr sz="1600"/>
+            </a:lvl6pPr>
+            <a:lvl7pPr>
+              <a:defRPr sz="1600"/>
+            </a:lvl7pPr>
+            <a:lvl8pPr>
+              <a:defRPr sz="1600"/>
+            </a:lvl8pPr>
+            <a:lvl9pPr>
+              <a:defRPr sz="1600"/>
+            </a:lvl9pPr>
+          </a:lstStyle>
+          <a:p>
+            <a:pPr lvl="0"/>
+            <a:r>
+              <a:rPr lang="en-US" smtClean="0"/>
+              <a:t>Edit Master text styles</a:t>
+            </a:r>
+          </a:p>
+          <a:p>
+            <a:pPr lvl="1"/>
+            <a:r>
+              <a:rPr lang="en-US" smtClean="0"/>
+              <a:t>Second level</a:t>
+            </a:r>
+          </a:p>
+          <a:p>
+            <a:pPr lvl="2"/>
+            <a:r>
+              <a:rPr lang="en-US" smtClean="0"/>
+              <a:t>Third level</a:t>
+            </a:r>
+          </a:p>
+          <a:p>
+            <a:pPr lvl="3"/>
+            <a:r>
+              <a:rPr lang="en-US" smtClean="0"/>
+              <a:t>Fourth level</a:t>
+            </a:r>
+          </a:p>
+          <a:p>
+            <a:pPr lvl="4"/>
+            <a:r>
+              <a:rPr lang="en-US" smtClean="0"/>
+              <a:t>Fifth level</a:t>
+            </a:r>
+            <a:endParaRPr lang="en-US" dirty="0"/>
+          </a:p>
+        </p:txBody>
+      </p:sp>
+      <p:sp>
+        <p:nvSpPr>
+          <p:cNvPr id="4" name="Text Placeholder 3"/>
+          <p:cNvSpPr>
+            <a:spLocks noGrp="1"/>
+          </p:cNvSpPr>
+          <p:nvPr>
+            <p:ph type="body" sz="half" idx="2"/>
+          </p:nvPr>
+        </p:nvSpPr>
+        <p:spPr>
+          <a:xfrm>
+            <a:off x="723900" y="2856344"/>
+            <a:ext cx="3855720" cy="3011056"/>
+          </a:xfrm>
+        </p:spPr>
+        <p:txBody>
+          <a:bodyPr/>
+          <a:lstStyle>
+            <a:lvl1pPr marL="0" indent="0">
+              <a:lnSpc>
+                <a:spcPct val="113000"/>
+              </a:lnSpc>
+              <a:spcBef>
+                <a:spcPts val="0"/>
+              </a:spcBef>
+              <a:spcAft>
+                <a:spcPts val="1500"/>
+              </a:spcAft>
+              <a:buNone/>
+              <a:defRPr sz="1600"/>
+            </a:lvl1pPr>
+            <a:lvl2pPr marL="457200" indent="0">
+              <a:buNone/>
+              <a:defRPr sz="1400"/>
+            </a:lvl2pPr>
+            <a:lvl3pPr marL="914400" indent="0">
+              <a:buNone/>
+              <a:defRPr sz="1200"/>
+            </a:lvl3pPr>
+            <a:lvl4pPr marL="1371600" indent="0">
+              <a:buNone/>
+              <a:defRPr sz="1000"/>
+            </a:lvl4pPr>
+            <a:lvl5pPr marL="1828800" indent="0">
+              <a:buNone/>
+              <a:defRPr sz="1000"/>
+            </a:lvl5pPr>
+            <a:lvl6pPr marL="2286000" indent="0">
+              <a:buNone/>
+              <a:defRPr sz="1000"/>
+            </a:lvl6pPr>
+            <a:lvl7pPr marL="2743200" indent="0">
+              <a:buNone/>
+              <a:defRPr sz="1000"/>
+            </a:lvl7pPr>
+            <a:lvl8pPr marL="3200400" indent="0">
+              <a:buNone/>
+              <a:defRPr sz="1000"/>
+            </a:lvl8pPr>
+            <a:lvl9pPr marL="3657600" indent="0">
+              <a:buNone/>
+              <a:defRPr sz="1000"/>
+            </a:lvl9pPr>
+          </a:lstStyle>
+          <a:p>
+            <a:pPr lvl="0"/>
+            <a:r>
+              <a:rPr lang="en-US" smtClean="0"/>
+              <a:t>Edit Master text styles</a:t>
+            </a:r>
+          </a:p>
+        </p:txBody>
+      </p:sp>
+      <p:sp>
+        <p:nvSpPr>
+          <p:cNvPr id="5" name="Date Placeholder 4"/>
+          <p:cNvSpPr>
+            <a:spLocks noGrp="1"/>
+          </p:cNvSpPr>
+          <p:nvPr>
+            <p:ph type="dt" sz="half" idx="10"/>
+          </p:nvPr>
+        </p:nvSpPr>
+        <p:spPr>
+          <a:xfrm>
+            <a:off x="723900" y="6453386"/>
+            <a:ext cx="1204572" cy="404614"/>
+          </a:xfrm>
+        </p:spPr>
+        <p:txBody>
+          <a:bodyPr/>
+          <a:lstStyle>
+            <a:lvl1pPr>
+              <a:defRPr>
+                <a:solidFill>
+                  <a:schemeClr val="tx2"/>
+                </a:solidFill>
+              </a:defRPr>
+            </a:lvl1pPr>
+          </a:lstStyle>
+          <a:p>
+            <a:fld id="{5AA6EF1D-4F61-4C45-A839-E6A56AB1DCE3}" type="datetimeFigureOut">
+              <a:rPr lang="en-US" smtClean="0"/>
+              <a:t>8/28/2020</a:t>
+            </a:fld>
+            <a:endParaRPr lang="en-US"/>
+          </a:p>
+        </p:txBody>
+      </p:sp>
+      <p:sp>
+        <p:nvSpPr>
+          <p:cNvPr id="6" name="Footer Placeholder 5"/>
+          <p:cNvSpPr>
+            <a:spLocks noGrp="1"/>
+          </p:cNvSpPr>
+          <p:nvPr>
+            <p:ph type="ftr" sz="quarter" idx="11"/>
+          </p:nvPr>
+        </p:nvSpPr>
+        <p:spPr>
+          <a:xfrm>
+            <a:off x="2205945" y="6453386"/>
+            <a:ext cx="2373675" cy="404614"/>
+          </a:xfrm>
+        </p:spPr>
+        <p:txBody>
+          <a:bodyPr/>
+          <a:lstStyle>
+            <a:lvl1pPr>
+              <a:defRPr>
+                <a:solidFill>
+                  <a:schemeClr val="tx2"/>
+                </a:solidFill>
+              </a:defRPr>
+            </a:lvl1pPr>
+          </a:lstStyle>
+          <a:p>
+            <a:endParaRPr lang="en-US"/>
+          </a:p>
+        </p:txBody>
+      </p:sp>
+      <p:sp>
+        <p:nvSpPr>
+          <p:cNvPr id="7" name="Slide Number Placeholder 6"/>
+          <p:cNvSpPr>
+            <a:spLocks noGrp="1"/>
+          </p:cNvSpPr>
+          <p:nvPr>
+            <p:ph type="sldNum" sz="quarter" idx="12"/>
+          </p:nvPr>
+        </p:nvSpPr>
+        <p:spPr>
+          <a:xfrm>
+            <a:off x="9883140" y="6453386"/>
+            <a:ext cx="1596292" cy="404614"/>
+          </a:xfrm>
+        </p:spPr>
+        <p:txBody>
+          <a:bodyPr/>
+          <a:lstStyle>
+            <a:lvl1pPr>
+              <a:defRPr>
+                <a:solidFill>
+                  <a:schemeClr val="tx2"/>
+                </a:solidFill>
+              </a:defRPr>
+            </a:lvl1pPr>
+          </a:lstStyle>
+          <a:p>
+            <a:fld id="{AE6D0C63-3EF0-4A08-B9D7-7118B2621E28}" type="slidenum">
+              <a:rPr lang="en-US" smtClean="0"/>
+              <a:t>‹#›</a:t>
+            </a:fld>
+            <a:endParaRPr lang="en-US"/>
+          </a:p>
+        </p:txBody>
+      </p:sp>
+      <p:sp>
+        <p:nvSpPr>
+          <p:cNvPr id="9" name="Rectangle 8" title="Divider Bar"/>
           <p:cNvSpPr/>
           <p:nvPr/>
         </p:nvSpPr>
         <p:spPr>
           <a:xfrm>
-            <a:off x="4040071" y="0"/>
-            <a:ext cx="64008" cy="6858000"/>
+            <a:off x="5303520" y="376"/>
+            <a:ext cx="228600" cy="6858000"/>
           </a:xfrm>
           <a:prstGeom prst="rect">
             <a:avLst/>
           </a:prstGeom>
           <a:solidFill>
-            <a:schemeClr val="accent4"/>
+            <a:schemeClr val="tx2"/>
           </a:solidFill>
           <a:ln>
             <a:noFill/>
@@ -2429,271 +2787,10 @@
           </a:fontRef>
         </p:style>
       </p:sp>
-      <p:sp>
-        <p:nvSpPr>
-          <p:cNvPr id="2" name="Title 1"/>
-          <p:cNvSpPr>
-            <a:spLocks noGrp="1"/>
-          </p:cNvSpPr>
-          <p:nvPr>
-            <p:ph type="title"/>
-          </p:nvPr>
-        </p:nvSpPr>
-        <p:spPr>
-          <a:xfrm>
-            <a:off x="457200" y="594359"/>
-            <a:ext cx="3200400" cy="2286000"/>
-          </a:xfrm>
-        </p:spPr>
-        <p:txBody>
-          <a:bodyPr anchor="b">
-            <a:normAutofit/>
-          </a:bodyPr>
-          <a:lstStyle>
-            <a:lvl1pPr>
-              <a:defRPr sz="3600" b="0">
-                <a:solidFill>
-                  <a:srgbClr val="FFFFFF"/>
-                </a:solidFill>
-              </a:defRPr>
-            </a:lvl1pPr>
-          </a:lstStyle>
-          <a:p>
-            <a:r>
-              <a:rPr lang="en-US" smtClean="0"/>
-              <a:t>Click to edit Master title style</a:t>
-            </a:r>
-            <a:endParaRPr lang="en-US" dirty="0"/>
-          </a:p>
-        </p:txBody>
-      </p:sp>
-      <p:sp>
-        <p:nvSpPr>
-          <p:cNvPr id="3" name="Content Placeholder 2"/>
-          <p:cNvSpPr>
-            <a:spLocks noGrp="1"/>
-          </p:cNvSpPr>
-          <p:nvPr>
-            <p:ph idx="1"/>
-          </p:nvPr>
-        </p:nvSpPr>
-        <p:spPr>
-          <a:xfrm>
-            <a:off x="4800600" y="731520"/>
-            <a:ext cx="6492240" cy="5257800"/>
-          </a:xfrm>
-        </p:spPr>
-        <p:txBody>
-          <a:bodyPr/>
-          <a:lstStyle/>
-          <a:p>
-            <a:pPr lvl="0"/>
-            <a:r>
-              <a:rPr lang="en-US" smtClean="0"/>
-              <a:t>Edit Master text styles</a:t>
-            </a:r>
-          </a:p>
-          <a:p>
-            <a:pPr lvl="1"/>
-            <a:r>
-              <a:rPr lang="en-US" smtClean="0"/>
-              <a:t>Second level</a:t>
-            </a:r>
-          </a:p>
-          <a:p>
-            <a:pPr lvl="2"/>
-            <a:r>
-              <a:rPr lang="en-US" smtClean="0"/>
-              <a:t>Third level</a:t>
-            </a:r>
-          </a:p>
-          <a:p>
-            <a:pPr lvl="3"/>
-            <a:r>
-              <a:rPr lang="en-US" smtClean="0"/>
-              <a:t>Fourth level</a:t>
-            </a:r>
-          </a:p>
-          <a:p>
-            <a:pPr lvl="4"/>
-            <a:r>
-              <a:rPr lang="en-US" smtClean="0"/>
-              <a:t>Fifth level</a:t>
-            </a:r>
-            <a:endParaRPr lang="en-US" dirty="0"/>
-          </a:p>
-        </p:txBody>
-      </p:sp>
-      <p:sp>
-        <p:nvSpPr>
-          <p:cNvPr id="4" name="Text Placeholder 3"/>
-          <p:cNvSpPr>
-            <a:spLocks noGrp="1"/>
-          </p:cNvSpPr>
-          <p:nvPr>
-            <p:ph type="body" sz="half" idx="2"/>
-          </p:nvPr>
-        </p:nvSpPr>
-        <p:spPr>
-          <a:xfrm>
-            <a:off x="457200" y="2926080"/>
-            <a:ext cx="3200400" cy="3379124"/>
-          </a:xfrm>
-        </p:spPr>
-        <p:txBody>
-          <a:bodyPr lIns="91440" rIns="91440">
-            <a:normAutofit/>
-          </a:bodyPr>
-          <a:lstStyle>
-            <a:lvl1pPr marL="0" indent="0">
-              <a:buNone/>
-              <a:defRPr sz="1500">
-                <a:solidFill>
-                  <a:srgbClr val="FFFFFF"/>
-                </a:solidFill>
-              </a:defRPr>
-            </a:lvl1pPr>
-            <a:lvl2pPr marL="457200" indent="0">
-              <a:buNone/>
-              <a:defRPr sz="1200"/>
-            </a:lvl2pPr>
-            <a:lvl3pPr marL="914400" indent="0">
-              <a:buNone/>
-              <a:defRPr sz="1000"/>
-            </a:lvl3pPr>
-            <a:lvl4pPr marL="1371600" indent="0">
-              <a:buNone/>
-              <a:defRPr sz="900"/>
-            </a:lvl4pPr>
-            <a:lvl5pPr marL="1828800" indent="0">
-              <a:buNone/>
-              <a:defRPr sz="900"/>
-            </a:lvl5pPr>
-            <a:lvl6pPr marL="2286000" indent="0">
-              <a:buNone/>
-              <a:defRPr sz="900"/>
-            </a:lvl6pPr>
-            <a:lvl7pPr marL="2743200" indent="0">
-              <a:buNone/>
-              <a:defRPr sz="900"/>
-            </a:lvl7pPr>
-            <a:lvl8pPr marL="3200400" indent="0">
-              <a:buNone/>
-              <a:defRPr sz="900"/>
-            </a:lvl8pPr>
-            <a:lvl9pPr marL="3657600" indent="0">
-              <a:buNone/>
-              <a:defRPr sz="900"/>
-            </a:lvl9pPr>
-          </a:lstStyle>
-          <a:p>
-            <a:pPr lvl="0"/>
-            <a:r>
-              <a:rPr lang="en-US" smtClean="0"/>
-              <a:t>Edit Master text styles</a:t>
-            </a:r>
-          </a:p>
-        </p:txBody>
-      </p:sp>
-      <p:sp>
-        <p:nvSpPr>
-          <p:cNvPr id="5" name="Date Placeholder 4"/>
-          <p:cNvSpPr>
-            <a:spLocks noGrp="1"/>
-          </p:cNvSpPr>
-          <p:nvPr>
-            <p:ph type="dt" sz="half" idx="10"/>
-          </p:nvPr>
-        </p:nvSpPr>
-        <p:spPr>
-          <a:xfrm>
-            <a:off x="465512" y="6459785"/>
-            <a:ext cx="2618510" cy="365125"/>
-          </a:xfrm>
-        </p:spPr>
-        <p:txBody>
-          <a:bodyPr/>
-          <a:lstStyle>
-            <a:lvl1pPr algn="l">
-              <a:defRPr/>
-            </a:lvl1pPr>
-          </a:lstStyle>
-          <a:p>
-            <a:fld id="{5AA6EF1D-4F61-4C45-A839-E6A56AB1DCE3}" type="datetimeFigureOut">
-              <a:rPr lang="en-US" smtClean="0"/>
-              <a:t>8/28/2020</a:t>
-            </a:fld>
-            <a:endParaRPr lang="en-US"/>
-          </a:p>
-        </p:txBody>
-      </p:sp>
-      <p:sp>
-        <p:nvSpPr>
-          <p:cNvPr id="6" name="Footer Placeholder 5"/>
-          <p:cNvSpPr>
-            <a:spLocks noGrp="1"/>
-          </p:cNvSpPr>
-          <p:nvPr>
-            <p:ph type="ftr" sz="quarter" idx="11"/>
-          </p:nvPr>
-        </p:nvSpPr>
-        <p:spPr>
-          <a:xfrm>
-            <a:off x="4800600" y="6459785"/>
-            <a:ext cx="4648200" cy="365125"/>
-          </a:xfrm>
-        </p:spPr>
-        <p:txBody>
-          <a:bodyPr/>
-          <a:lstStyle>
-            <a:lvl1pPr algn="l">
-              <a:defRPr>
-                <a:solidFill>
-                  <a:schemeClr val="tx2"/>
-                </a:solidFill>
-              </a:defRPr>
-            </a:lvl1pPr>
-          </a:lstStyle>
-          <a:p>
-            <a:endParaRPr lang="en-US"/>
-          </a:p>
-        </p:txBody>
-      </p:sp>
-      <p:sp>
-        <p:nvSpPr>
-          <p:cNvPr id="7" name="Slide Number Placeholder 6"/>
-          <p:cNvSpPr>
-            <a:spLocks noGrp="1"/>
-          </p:cNvSpPr>
-          <p:nvPr>
-            <p:ph type="sldNum" sz="quarter" idx="12"/>
-          </p:nvPr>
-        </p:nvSpPr>
-        <p:spPr/>
-        <p:txBody>
-          <a:bodyPr/>
-          <a:lstStyle>
-            <a:lvl1pPr>
-              <a:defRPr>
-                <a:solidFill>
-                  <a:schemeClr val="tx2"/>
-                </a:solidFill>
-              </a:defRPr>
-            </a:lvl1pPr>
-          </a:lstStyle>
-          <a:p>
-            <a:fld id="{AE6D0C63-3EF0-4A08-B9D7-7118B2621E28}" type="slidenum">
-              <a:rPr lang="en-US" smtClean="0"/>
-              <a:t>‹#›</a:t>
-            </a:fld>
-            <a:endParaRPr lang="en-US"/>
-          </a:p>
-        </p:txBody>
-      </p:sp>
     </p:spTree>
     <p:extLst>
       <p:ext uri="{BB962C8B-B14F-4D97-AF65-F5344CB8AC3E}">
-        <p14:creationId xmlns:p14="http://schemas.microsoft.com/office/powerpoint/2010/main" val="3395491962"/>
+        <p14:creationId xmlns:p14="http://schemas.microsoft.com/office/powerpoint/2010/main" val="2897710936"/>
       </p:ext>
     </p:extLst>
   </p:cSld>
@@ -2722,22 +2819,20 @@
       </p:grpSpPr>
       <p:sp>
         <p:nvSpPr>
-          <p:cNvPr id="8" name="Rectangle 7"/>
+          <p:cNvPr id="8" name="Rectangle 7" title="Background Shape"/>
           <p:cNvSpPr/>
           <p:nvPr/>
         </p:nvSpPr>
         <p:spPr>
           <a:xfrm>
-            <a:off x="0" y="4953000"/>
-            <a:ext cx="12188825" cy="1905000"/>
+            <a:off x="0" y="376"/>
+            <a:ext cx="5303520" cy="6857624"/>
           </a:xfrm>
           <a:prstGeom prst="rect">
             <a:avLst/>
           </a:prstGeom>
           <a:solidFill>
-            <a:schemeClr val="accent4">
-              <a:lumMod val="75000"/>
-            </a:schemeClr>
+            <a:schemeClr val="accent1"/>
           </a:solidFill>
           <a:ln>
             <a:noFill/>
@@ -2762,20 +2857,302 @@
       </p:sp>
       <p:sp>
         <p:nvSpPr>
-          <p:cNvPr id="9" name="Rectangle 8"/>
+          <p:cNvPr id="2" name="Title 1"/>
+          <p:cNvSpPr>
+            <a:spLocks noGrp="1"/>
+          </p:cNvSpPr>
+          <p:nvPr>
+            <p:ph type="title"/>
+          </p:nvPr>
+        </p:nvSpPr>
+        <p:spPr>
+          <a:xfrm>
+            <a:off x="723900" y="685800"/>
+            <a:ext cx="3855720" cy="2157884"/>
+          </a:xfrm>
+        </p:spPr>
+        <p:txBody>
+          <a:bodyPr anchor="t">
+            <a:normAutofit/>
+          </a:bodyPr>
+          <a:lstStyle>
+            <a:lvl1pPr>
+              <a:lnSpc>
+                <a:spcPct val="84000"/>
+              </a:lnSpc>
+              <a:defRPr sz="4800" baseline="0"/>
+            </a:lvl1pPr>
+          </a:lstStyle>
+          <a:p>
+            <a:r>
+              <a:rPr lang="en-US" smtClean="0"/>
+              <a:t>Click to edit Master title style</a:t>
+            </a:r>
+            <a:endParaRPr lang="en-US" dirty="0"/>
+          </a:p>
+        </p:txBody>
+      </p:sp>
+      <p:sp>
+        <p:nvSpPr>
+          <p:cNvPr id="3" name="Picture Placeholder 2"/>
+          <p:cNvSpPr>
+            <a:spLocks noGrp="1" noChangeAspect="1"/>
+          </p:cNvSpPr>
+          <p:nvPr>
+            <p:ph type="pic" idx="1"/>
+          </p:nvPr>
+        </p:nvSpPr>
+        <p:spPr>
+          <a:xfrm>
+            <a:off x="5532120" y="0"/>
+            <a:ext cx="6659880" cy="6857999"/>
+          </a:xfrm>
+        </p:spPr>
+        <p:txBody>
+          <a:bodyPr anchor="t">
+            <a:normAutofit/>
+          </a:bodyPr>
+          <a:lstStyle>
+            <a:lvl1pPr marL="0" indent="0">
+              <a:buNone/>
+              <a:defRPr sz="2000"/>
+            </a:lvl1pPr>
+            <a:lvl2pPr marL="457200" indent="0">
+              <a:buNone/>
+              <a:defRPr sz="2000"/>
+            </a:lvl2pPr>
+            <a:lvl3pPr marL="914400" indent="0">
+              <a:buNone/>
+              <a:defRPr sz="2000"/>
+            </a:lvl3pPr>
+            <a:lvl4pPr marL="1371600" indent="0">
+              <a:buNone/>
+              <a:defRPr sz="2000"/>
+            </a:lvl4pPr>
+            <a:lvl5pPr marL="1828800" indent="0">
+              <a:buNone/>
+              <a:defRPr sz="2000"/>
+            </a:lvl5pPr>
+            <a:lvl6pPr marL="2286000" indent="0">
+              <a:buNone/>
+              <a:defRPr sz="2000"/>
+            </a:lvl6pPr>
+            <a:lvl7pPr marL="2743200" indent="0">
+              <a:buNone/>
+              <a:defRPr sz="2000"/>
+            </a:lvl7pPr>
+            <a:lvl8pPr marL="3200400" indent="0">
+              <a:buNone/>
+              <a:defRPr sz="2000"/>
+            </a:lvl8pPr>
+            <a:lvl9pPr marL="3657600" indent="0">
+              <a:buNone/>
+              <a:defRPr sz="2000"/>
+            </a:lvl9pPr>
+          </a:lstStyle>
+          <a:p>
+            <a:r>
+              <a:rPr lang="en-US" smtClean="0"/>
+              <a:t>Click icon to add picture</a:t>
+            </a:r>
+            <a:endParaRPr lang="en-US" dirty="0"/>
+          </a:p>
+        </p:txBody>
+      </p:sp>
+      <p:sp>
+        <p:nvSpPr>
+          <p:cNvPr id="4" name="Text Placeholder 3"/>
+          <p:cNvSpPr>
+            <a:spLocks noGrp="1"/>
+          </p:cNvSpPr>
+          <p:nvPr>
+            <p:ph type="body" sz="half" idx="2"/>
+          </p:nvPr>
+        </p:nvSpPr>
+        <p:spPr>
+          <a:xfrm>
+            <a:off x="723900" y="2855968"/>
+            <a:ext cx="3855720" cy="3011432"/>
+          </a:xfrm>
+        </p:spPr>
+        <p:txBody>
+          <a:bodyPr/>
+          <a:lstStyle>
+            <a:lvl1pPr marL="0" indent="0">
+              <a:lnSpc>
+                <a:spcPct val="113000"/>
+              </a:lnSpc>
+              <a:spcBef>
+                <a:spcPts val="0"/>
+              </a:spcBef>
+              <a:spcAft>
+                <a:spcPts val="1500"/>
+              </a:spcAft>
+              <a:buNone/>
+              <a:defRPr sz="1600"/>
+            </a:lvl1pPr>
+            <a:lvl2pPr marL="457200" indent="0">
+              <a:buNone/>
+              <a:defRPr sz="1400"/>
+            </a:lvl2pPr>
+            <a:lvl3pPr marL="914400" indent="0">
+              <a:buNone/>
+              <a:defRPr sz="1200"/>
+            </a:lvl3pPr>
+            <a:lvl4pPr marL="1371600" indent="0">
+              <a:buNone/>
+              <a:defRPr sz="1000"/>
+            </a:lvl4pPr>
+            <a:lvl5pPr marL="1828800" indent="0">
+              <a:buNone/>
+              <a:defRPr sz="1000"/>
+            </a:lvl5pPr>
+            <a:lvl6pPr marL="2286000" indent="0">
+              <a:buNone/>
+              <a:defRPr sz="1000"/>
+            </a:lvl6pPr>
+            <a:lvl7pPr marL="2743200" indent="0">
+              <a:buNone/>
+              <a:defRPr sz="1000"/>
+            </a:lvl7pPr>
+            <a:lvl8pPr marL="3200400" indent="0">
+              <a:buNone/>
+              <a:defRPr sz="1000"/>
+            </a:lvl8pPr>
+            <a:lvl9pPr marL="3657600" indent="0">
+              <a:buNone/>
+              <a:defRPr sz="1000"/>
+            </a:lvl9pPr>
+          </a:lstStyle>
+          <a:p>
+            <a:pPr lvl="0"/>
+            <a:r>
+              <a:rPr lang="en-US" smtClean="0"/>
+              <a:t>Edit Master text styles</a:t>
+            </a:r>
+          </a:p>
+        </p:txBody>
+      </p:sp>
+      <p:sp>
+        <p:nvSpPr>
+          <p:cNvPr id="5" name="Date Placeholder 4"/>
+          <p:cNvSpPr>
+            <a:spLocks noGrp="1"/>
+          </p:cNvSpPr>
+          <p:nvPr>
+            <p:ph type="dt" sz="half" idx="10"/>
+          </p:nvPr>
+        </p:nvSpPr>
+        <p:spPr>
+          <a:xfrm>
+            <a:off x="723900" y="6453386"/>
+            <a:ext cx="1204572" cy="404614"/>
+          </a:xfrm>
+        </p:spPr>
+        <p:txBody>
+          <a:bodyPr/>
+          <a:lstStyle>
+            <a:lvl1pPr>
+              <a:defRPr>
+                <a:solidFill>
+                  <a:schemeClr val="tx2"/>
+                </a:solidFill>
+              </a:defRPr>
+            </a:lvl1pPr>
+          </a:lstStyle>
+          <a:p>
+            <a:fld id="{5AA6EF1D-4F61-4C45-A839-E6A56AB1DCE3}" type="datetimeFigureOut">
+              <a:rPr lang="en-US" smtClean="0"/>
+              <a:t>8/28/2020</a:t>
+            </a:fld>
+            <a:endParaRPr lang="en-US"/>
+          </a:p>
+        </p:txBody>
+      </p:sp>
+      <p:sp>
+        <p:nvSpPr>
+          <p:cNvPr id="6" name="Footer Placeholder 5"/>
+          <p:cNvSpPr>
+            <a:spLocks noGrp="1"/>
+          </p:cNvSpPr>
+          <p:nvPr>
+            <p:ph type="ftr" sz="quarter" idx="11"/>
+          </p:nvPr>
+        </p:nvSpPr>
+        <p:spPr>
+          <a:xfrm>
+            <a:off x="2205945" y="6453386"/>
+            <a:ext cx="2373675" cy="404614"/>
+          </a:xfrm>
+        </p:spPr>
+        <p:txBody>
+          <a:bodyPr/>
+          <a:lstStyle>
+            <a:lvl1pPr>
+              <a:defRPr>
+                <a:solidFill>
+                  <a:schemeClr val="tx2"/>
+                </a:solidFill>
+              </a:defRPr>
+            </a:lvl1pPr>
+          </a:lstStyle>
+          <a:p>
+            <a:endParaRPr lang="en-US"/>
+          </a:p>
+        </p:txBody>
+      </p:sp>
+      <p:sp>
+        <p:nvSpPr>
+          <p:cNvPr id="7" name="Slide Number Placeholder 6"/>
+          <p:cNvSpPr>
+            <a:spLocks noGrp="1"/>
+          </p:cNvSpPr>
+          <p:nvPr>
+            <p:ph type="sldNum" sz="quarter" idx="12"/>
+          </p:nvPr>
+        </p:nvSpPr>
+        <p:spPr>
+          <a:xfrm>
+            <a:off x="9883140" y="6453386"/>
+            <a:ext cx="1596292" cy="404614"/>
+          </a:xfrm>
+        </p:spPr>
+        <p:txBody>
+          <a:bodyPr/>
+          <a:lstStyle>
+            <a:lvl1pPr>
+              <a:defRPr>
+                <a:solidFill>
+                  <a:schemeClr val="tx2"/>
+                </a:solidFill>
+              </a:defRPr>
+            </a:lvl1pPr>
+          </a:lstStyle>
+          <a:p>
+            <a:fld id="{AE6D0C63-3EF0-4A08-B9D7-7118B2621E28}" type="slidenum">
+              <a:rPr lang="en-US" smtClean="0"/>
+              <a:t>‹#›</a:t>
+            </a:fld>
+            <a:endParaRPr lang="en-US"/>
+          </a:p>
+        </p:txBody>
+      </p:sp>
+      <p:sp>
+        <p:nvSpPr>
+          <p:cNvPr id="9" name="Rectangle 8" title="Divider Bar"/>
           <p:cNvSpPr/>
           <p:nvPr/>
         </p:nvSpPr>
         <p:spPr>
           <a:xfrm>
-            <a:off x="15" y="4915076"/>
-            <a:ext cx="12188825" cy="64008"/>
+            <a:off x="5303520" y="376"/>
+            <a:ext cx="228600" cy="6858000"/>
           </a:xfrm>
           <a:prstGeom prst="rect">
             <a:avLst/>
           </a:prstGeom>
           <a:solidFill>
-            <a:schemeClr val="accent4"/>
+            <a:schemeClr val="tx2"/>
           </a:solidFill>
           <a:ln>
             <a:noFill/>
@@ -2798,260 +3175,10 @@
           </a:fontRef>
         </p:style>
       </p:sp>
-      <p:sp>
-        <p:nvSpPr>
-          <p:cNvPr id="2" name="Title 1"/>
-          <p:cNvSpPr>
-            <a:spLocks noGrp="1"/>
-          </p:cNvSpPr>
-          <p:nvPr>
-            <p:ph type="title"/>
-          </p:nvPr>
-        </p:nvSpPr>
-        <p:spPr>
-          <a:xfrm>
-            <a:off x="1097280" y="5074920"/>
-            <a:ext cx="10113645" cy="822960"/>
-          </a:xfrm>
-        </p:spPr>
-        <p:txBody>
-          <a:bodyPr lIns="91440" tIns="0" rIns="91440" bIns="0" anchor="b">
-            <a:noAutofit/>
-          </a:bodyPr>
-          <a:lstStyle>
-            <a:lvl1pPr>
-              <a:defRPr sz="3600" b="0">
-                <a:solidFill>
-                  <a:srgbClr val="FFFFFF"/>
-                </a:solidFill>
-              </a:defRPr>
-            </a:lvl1pPr>
-          </a:lstStyle>
-          <a:p>
-            <a:r>
-              <a:rPr lang="en-US" smtClean="0"/>
-              <a:t>Click to edit Master title style</a:t>
-            </a:r>
-            <a:endParaRPr lang="en-US" dirty="0"/>
-          </a:p>
-        </p:txBody>
-      </p:sp>
-      <p:sp>
-        <p:nvSpPr>
-          <p:cNvPr id="3" name="Picture Placeholder 2"/>
-          <p:cNvSpPr>
-            <a:spLocks noGrp="1" noChangeAspect="1"/>
-          </p:cNvSpPr>
-          <p:nvPr>
-            <p:ph type="pic" idx="1"/>
-          </p:nvPr>
-        </p:nvSpPr>
-        <p:spPr>
-          <a:xfrm>
-            <a:off x="15" y="0"/>
-            <a:ext cx="12191985" cy="4915076"/>
-          </a:xfrm>
-          <a:solidFill>
-            <a:schemeClr val="bg2">
-              <a:lumMod val="90000"/>
-            </a:schemeClr>
-          </a:solidFill>
-        </p:spPr>
-        <p:txBody>
-          <a:bodyPr lIns="457200" tIns="457200" anchor="t"/>
-          <a:lstStyle>
-            <a:lvl1pPr marL="0" indent="0">
-              <a:buNone/>
-              <a:defRPr sz="3200"/>
-            </a:lvl1pPr>
-            <a:lvl2pPr marL="457200" indent="0">
-              <a:buNone/>
-              <a:defRPr sz="2800"/>
-            </a:lvl2pPr>
-            <a:lvl3pPr marL="914400" indent="0">
-              <a:buNone/>
-              <a:defRPr sz="2400"/>
-            </a:lvl3pPr>
-            <a:lvl4pPr marL="1371600" indent="0">
-              <a:buNone/>
-              <a:defRPr sz="2000"/>
-            </a:lvl4pPr>
-            <a:lvl5pPr marL="1828800" indent="0">
-              <a:buNone/>
-              <a:defRPr sz="2000"/>
-            </a:lvl5pPr>
-            <a:lvl6pPr marL="2286000" indent="0">
-              <a:buNone/>
-              <a:defRPr sz="2000"/>
-            </a:lvl6pPr>
-            <a:lvl7pPr marL="2743200" indent="0">
-              <a:buNone/>
-              <a:defRPr sz="2000"/>
-            </a:lvl7pPr>
-            <a:lvl8pPr marL="3200400" indent="0">
-              <a:buNone/>
-              <a:defRPr sz="2000"/>
-            </a:lvl8pPr>
-            <a:lvl9pPr marL="3657600" indent="0">
-              <a:buNone/>
-              <a:defRPr sz="2000"/>
-            </a:lvl9pPr>
-          </a:lstStyle>
-          <a:p>
-            <a:r>
-              <a:rPr lang="en-US" smtClean="0"/>
-              <a:t>Click icon to add picture</a:t>
-            </a:r>
-            <a:endParaRPr lang="en-US" dirty="0"/>
-          </a:p>
-        </p:txBody>
-      </p:sp>
-      <p:sp>
-        <p:nvSpPr>
-          <p:cNvPr id="4" name="Text Placeholder 3"/>
-          <p:cNvSpPr>
-            <a:spLocks noGrp="1"/>
-          </p:cNvSpPr>
-          <p:nvPr>
-            <p:ph type="body" sz="half" idx="2"/>
-          </p:nvPr>
-        </p:nvSpPr>
-        <p:spPr>
-          <a:xfrm>
-            <a:off x="1097280" y="5907024"/>
-            <a:ext cx="10113264" cy="594360"/>
-          </a:xfrm>
-        </p:spPr>
-        <p:txBody>
-          <a:bodyPr lIns="91440" tIns="0" rIns="91440" bIns="0">
-            <a:normAutofit/>
-          </a:bodyPr>
-          <a:lstStyle>
-            <a:lvl1pPr marL="0" indent="0">
-              <a:spcBef>
-                <a:spcPts val="0"/>
-              </a:spcBef>
-              <a:spcAft>
-                <a:spcPts val="600"/>
-              </a:spcAft>
-              <a:buNone/>
-              <a:defRPr sz="1500">
-                <a:solidFill>
-                  <a:srgbClr val="FFFFFF"/>
-                </a:solidFill>
-              </a:defRPr>
-            </a:lvl1pPr>
-            <a:lvl2pPr marL="457200" indent="0">
-              <a:buNone/>
-              <a:defRPr sz="1200"/>
-            </a:lvl2pPr>
-            <a:lvl3pPr marL="914400" indent="0">
-              <a:buNone/>
-              <a:defRPr sz="1000"/>
-            </a:lvl3pPr>
-            <a:lvl4pPr marL="1371600" indent="0">
-              <a:buNone/>
-              <a:defRPr sz="900"/>
-            </a:lvl4pPr>
-            <a:lvl5pPr marL="1828800" indent="0">
-              <a:buNone/>
-              <a:defRPr sz="900"/>
-            </a:lvl5pPr>
-            <a:lvl6pPr marL="2286000" indent="0">
-              <a:buNone/>
-              <a:defRPr sz="900"/>
-            </a:lvl6pPr>
-            <a:lvl7pPr marL="2743200" indent="0">
-              <a:buNone/>
-              <a:defRPr sz="900"/>
-            </a:lvl7pPr>
-            <a:lvl8pPr marL="3200400" indent="0">
-              <a:buNone/>
-              <a:defRPr sz="900"/>
-            </a:lvl8pPr>
-            <a:lvl9pPr marL="3657600" indent="0">
-              <a:buNone/>
-              <a:defRPr sz="900"/>
-            </a:lvl9pPr>
-          </a:lstStyle>
-          <a:p>
-            <a:pPr lvl="0"/>
-            <a:r>
-              <a:rPr lang="en-US" smtClean="0"/>
-              <a:t>Edit Master text styles</a:t>
-            </a:r>
-          </a:p>
-        </p:txBody>
-      </p:sp>
-      <p:sp>
-        <p:nvSpPr>
-          <p:cNvPr id="5" name="Date Placeholder 4"/>
-          <p:cNvSpPr>
-            <a:spLocks noGrp="1"/>
-          </p:cNvSpPr>
-          <p:nvPr>
-            <p:ph type="dt" sz="half" idx="10"/>
-          </p:nvPr>
-        </p:nvSpPr>
-        <p:spPr/>
-        <p:txBody>
-          <a:bodyPr/>
-          <a:lstStyle/>
-          <a:p>
-            <a:fld id="{5AA6EF1D-4F61-4C45-A839-E6A56AB1DCE3}" type="datetimeFigureOut">
-              <a:rPr lang="en-US" smtClean="0"/>
-              <a:t>8/28/2020</a:t>
-            </a:fld>
-            <a:endParaRPr lang="en-US"/>
-          </a:p>
-        </p:txBody>
-      </p:sp>
-      <p:sp>
-        <p:nvSpPr>
-          <p:cNvPr id="6" name="Footer Placeholder 5"/>
-          <p:cNvSpPr>
-            <a:spLocks noGrp="1"/>
-          </p:cNvSpPr>
-          <p:nvPr>
-            <p:ph type="ftr" sz="quarter" idx="11"/>
-          </p:nvPr>
-        </p:nvSpPr>
-        <p:spPr/>
-        <p:txBody>
-          <a:bodyPr/>
-          <a:lstStyle/>
-          <a:p>
-            <a:endParaRPr lang="en-US"/>
-          </a:p>
-        </p:txBody>
-      </p:sp>
-      <p:sp>
-        <p:nvSpPr>
-          <p:cNvPr id="7" name="Slide Number Placeholder 6"/>
-          <p:cNvSpPr>
-            <a:spLocks noGrp="1"/>
-          </p:cNvSpPr>
-          <p:nvPr>
-            <p:ph type="sldNum" sz="quarter" idx="12"/>
-          </p:nvPr>
-        </p:nvSpPr>
-        <p:spPr/>
-        <p:txBody>
-          <a:bodyPr/>
-          <a:lstStyle/>
-          <a:p>
-            <a:fld id="{AE6D0C63-3EF0-4A08-B9D7-7118B2621E28}" type="slidenum">
-              <a:rPr lang="en-US" smtClean="0"/>
-              <a:t>‹#›</a:t>
-            </a:fld>
-            <a:endParaRPr lang="en-US"/>
-          </a:p>
-        </p:txBody>
-      </p:sp>
     </p:spTree>
     <p:extLst>
       <p:ext uri="{BB962C8B-B14F-4D97-AF65-F5344CB8AC3E}">
-        <p14:creationId xmlns:p14="http://schemas.microsoft.com/office/powerpoint/2010/main" val="4272703060"/>
+        <p14:creationId xmlns:p14="http://schemas.microsoft.com/office/powerpoint/2010/main" val="2889399751"/>
       </p:ext>
     </p:extLst>
   </p:cSld>
@@ -3065,9 +3192,12 @@
 <p:sldMaster xmlns:a="http://schemas.openxmlformats.org/drawingml/2006/main" xmlns:r="http://schemas.openxmlformats.org/officeDocument/2006/relationships" xmlns:p="http://schemas.openxmlformats.org/presentationml/2006/main">
   <p:cSld>
     <p:bg>
-      <p:bgRef idx="1001">
-        <a:schemeClr val="bg2"/>
-      </p:bgRef>
+      <p:bgPr>
+        <a:solidFill>
+          <a:schemeClr val="bg2"/>
+        </a:solidFill>
+        <a:effectLst/>
+      </p:bgPr>
     </p:bg>
     <p:spTree>
       <p:nvGrpSpPr>
@@ -3085,22 +3215,228 @@
       </p:grpSpPr>
       <p:sp>
         <p:nvSpPr>
-          <p:cNvPr id="7" name="Rectangle 6"/>
+          <p:cNvPr id="2" name="Title Placeholder 1"/>
+          <p:cNvSpPr>
+            <a:spLocks noGrp="1"/>
+          </p:cNvSpPr>
+          <p:nvPr>
+            <p:ph type="title"/>
+          </p:nvPr>
+        </p:nvSpPr>
+        <p:spPr>
+          <a:xfrm>
+            <a:off x="1371600" y="685800"/>
+            <a:ext cx="9601200" cy="1485900"/>
+          </a:xfrm>
+          <a:prstGeom prst="rect">
+            <a:avLst/>
+          </a:prstGeom>
+        </p:spPr>
+        <p:txBody>
+          <a:bodyPr vert="horz" lIns="91440" tIns="45720" rIns="91440" bIns="45720" rtlCol="0" anchor="t">
+            <a:normAutofit/>
+          </a:bodyPr>
+          <a:lstStyle/>
+          <a:p>
+            <a:r>
+              <a:rPr lang="en-US" smtClean="0"/>
+              <a:t>Click to edit Master title style</a:t>
+            </a:r>
+            <a:endParaRPr lang="en-US" dirty="0"/>
+          </a:p>
+        </p:txBody>
+      </p:sp>
+      <p:sp>
+        <p:nvSpPr>
+          <p:cNvPr id="3" name="Text Placeholder 2"/>
+          <p:cNvSpPr>
+            <a:spLocks noGrp="1"/>
+          </p:cNvSpPr>
+          <p:nvPr>
+            <p:ph type="body" idx="1"/>
+          </p:nvPr>
+        </p:nvSpPr>
+        <p:spPr>
+          <a:xfrm>
+            <a:off x="1371600" y="2286000"/>
+            <a:ext cx="9601200" cy="3581400"/>
+          </a:xfrm>
+          <a:prstGeom prst="rect">
+            <a:avLst/>
+          </a:prstGeom>
+        </p:spPr>
+        <p:txBody>
+          <a:bodyPr vert="horz" lIns="91440" tIns="45720" rIns="91440" bIns="45720" rtlCol="0">
+            <a:normAutofit/>
+          </a:bodyPr>
+          <a:lstStyle/>
+          <a:p>
+            <a:pPr lvl="0"/>
+            <a:r>
+              <a:rPr lang="en-US" smtClean="0"/>
+              <a:t>Edit Master text styles</a:t>
+            </a:r>
+          </a:p>
+          <a:p>
+            <a:pPr lvl="1"/>
+            <a:r>
+              <a:rPr lang="en-US" smtClean="0"/>
+              <a:t>Second level</a:t>
+            </a:r>
+          </a:p>
+          <a:p>
+            <a:pPr lvl="2"/>
+            <a:r>
+              <a:rPr lang="en-US" smtClean="0"/>
+              <a:t>Third level</a:t>
+            </a:r>
+          </a:p>
+          <a:p>
+            <a:pPr lvl="3"/>
+            <a:r>
+              <a:rPr lang="en-US" smtClean="0"/>
+              <a:t>Fourth level</a:t>
+            </a:r>
+          </a:p>
+          <a:p>
+            <a:pPr lvl="4"/>
+            <a:r>
+              <a:rPr lang="en-US" smtClean="0"/>
+              <a:t>Fifth level</a:t>
+            </a:r>
+            <a:endParaRPr lang="en-US" dirty="0"/>
+          </a:p>
+        </p:txBody>
+      </p:sp>
+      <p:sp>
+        <p:nvSpPr>
+          <p:cNvPr id="4" name="Date Placeholder 3"/>
+          <p:cNvSpPr>
+            <a:spLocks noGrp="1"/>
+          </p:cNvSpPr>
+          <p:nvPr>
+            <p:ph type="dt" sz="half" idx="2"/>
+          </p:nvPr>
+        </p:nvSpPr>
+        <p:spPr>
+          <a:xfrm>
+            <a:off x="1390650" y="6453386"/>
+            <a:ext cx="1204572" cy="404614"/>
+          </a:xfrm>
+          <a:prstGeom prst="rect">
+            <a:avLst/>
+          </a:prstGeom>
+        </p:spPr>
+        <p:txBody>
+          <a:bodyPr vert="horz" lIns="91440" tIns="45720" rIns="91440" bIns="45720" rtlCol="0" anchor="ctr"/>
+          <a:lstStyle>
+            <a:lvl1pPr algn="l">
+              <a:defRPr sz="1200" baseline="0">
+                <a:solidFill>
+                  <a:schemeClr val="tx2"/>
+                </a:solidFill>
+              </a:defRPr>
+            </a:lvl1pPr>
+          </a:lstStyle>
+          <a:p>
+            <a:fld id="{5AA6EF1D-4F61-4C45-A839-E6A56AB1DCE3}" type="datetimeFigureOut">
+              <a:rPr lang="en-US" smtClean="0"/>
+              <a:t>8/28/2020</a:t>
+            </a:fld>
+            <a:endParaRPr lang="en-US"/>
+          </a:p>
+        </p:txBody>
+      </p:sp>
+      <p:sp>
+        <p:nvSpPr>
+          <p:cNvPr id="5" name="Footer Placeholder 4"/>
+          <p:cNvSpPr>
+            <a:spLocks noGrp="1"/>
+          </p:cNvSpPr>
+          <p:nvPr>
+            <p:ph type="ftr" sz="quarter" idx="3"/>
+          </p:nvPr>
+        </p:nvSpPr>
+        <p:spPr>
+          <a:xfrm>
+            <a:off x="2893564" y="6453386"/>
+            <a:ext cx="6280830" cy="404614"/>
+          </a:xfrm>
+          <a:prstGeom prst="rect">
+            <a:avLst/>
+          </a:prstGeom>
+        </p:spPr>
+        <p:txBody>
+          <a:bodyPr vert="horz" lIns="91440" tIns="45720" rIns="91440" bIns="45720" rtlCol="0" anchor="ctr"/>
+          <a:lstStyle>
+            <a:lvl1pPr algn="l">
+              <a:defRPr sz="1200" baseline="0">
+                <a:solidFill>
+                  <a:schemeClr val="tx2"/>
+                </a:solidFill>
+              </a:defRPr>
+            </a:lvl1pPr>
+          </a:lstStyle>
+          <a:p>
+            <a:endParaRPr lang="en-US"/>
+          </a:p>
+        </p:txBody>
+      </p:sp>
+      <p:sp>
+        <p:nvSpPr>
+          <p:cNvPr id="6" name="Slide Number Placeholder 5"/>
+          <p:cNvSpPr>
+            <a:spLocks noGrp="1"/>
+          </p:cNvSpPr>
+          <p:nvPr>
+            <p:ph type="sldNum" sz="quarter" idx="4"/>
+          </p:nvPr>
+        </p:nvSpPr>
+        <p:spPr>
+          <a:xfrm>
+            <a:off x="9472736" y="6453386"/>
+            <a:ext cx="1596292" cy="404614"/>
+          </a:xfrm>
+          <a:prstGeom prst="rect">
+            <a:avLst/>
+          </a:prstGeom>
+        </p:spPr>
+        <p:txBody>
+          <a:bodyPr vert="horz" lIns="91440" tIns="45720" rIns="91440" bIns="45720" rtlCol="0" anchor="ctr"/>
+          <a:lstStyle>
+            <a:lvl1pPr algn="r">
+              <a:defRPr sz="1200" baseline="0">
+                <a:solidFill>
+                  <a:schemeClr val="tx2"/>
+                </a:solidFill>
+              </a:defRPr>
+            </a:lvl1pPr>
+          </a:lstStyle>
+          <a:p>
+            <a:fld id="{AE6D0C63-3EF0-4A08-B9D7-7118B2621E28}" type="slidenum">
+              <a:rPr lang="en-US" smtClean="0"/>
+              <a:t>‹#›</a:t>
+            </a:fld>
+            <a:endParaRPr lang="en-US"/>
+          </a:p>
+        </p:txBody>
+      </p:sp>
+      <p:sp>
+        <p:nvSpPr>
+          <p:cNvPr id="9" name="Rectangle 8" title="Side bar"/>
           <p:cNvSpPr/>
           <p:nvPr/>
         </p:nvSpPr>
         <p:spPr>
           <a:xfrm>
-            <a:off x="1" y="6400800"/>
-            <a:ext cx="12192000" cy="457200"/>
+            <a:off x="478095" y="376"/>
+            <a:ext cx="228600" cy="6858000"/>
           </a:xfrm>
           <a:prstGeom prst="rect">
             <a:avLst/>
           </a:prstGeom>
           <a:solidFill>
-            <a:schemeClr val="accent4">
-              <a:lumMod val="75000"/>
-            </a:schemeClr>
+            <a:schemeClr val="tx2"/>
           </a:solidFill>
           <a:ln>
             <a:noFill/>
@@ -3123,327 +3459,40 @@
           </a:fontRef>
         </p:style>
       </p:sp>
-      <p:sp>
-        <p:nvSpPr>
-          <p:cNvPr id="9" name="Rectangle 8"/>
-          <p:cNvSpPr/>
-          <p:nvPr/>
-        </p:nvSpPr>
-        <p:spPr>
-          <a:xfrm>
-            <a:off x="15" y="6334316"/>
-            <a:ext cx="12191985" cy="66484"/>
-          </a:xfrm>
-          <a:prstGeom prst="rect">
-            <a:avLst/>
-          </a:prstGeom>
-          <a:solidFill>
-            <a:schemeClr val="accent4"/>
-          </a:solidFill>
-          <a:ln>
-            <a:noFill/>
-          </a:ln>
-        </p:spPr>
-        <p:style>
-          <a:lnRef idx="2">
-            <a:schemeClr val="accent1">
-              <a:shade val="50000"/>
-            </a:schemeClr>
-          </a:lnRef>
-          <a:fillRef idx="1">
-            <a:schemeClr val="accent1"/>
-          </a:fillRef>
-          <a:effectRef idx="0">
-            <a:schemeClr val="accent1"/>
-          </a:effectRef>
-          <a:fontRef idx="minor">
-            <a:schemeClr val="lt1"/>
-          </a:fontRef>
-        </p:style>
-      </p:sp>
-      <p:sp>
-        <p:nvSpPr>
-          <p:cNvPr id="2" name="Title Placeholder 1"/>
-          <p:cNvSpPr>
-            <a:spLocks noGrp="1"/>
-          </p:cNvSpPr>
-          <p:nvPr>
-            <p:ph type="title"/>
-          </p:nvPr>
-        </p:nvSpPr>
-        <p:spPr>
-          <a:xfrm>
-            <a:off x="1097280" y="286603"/>
-            <a:ext cx="10058400" cy="1450757"/>
-          </a:xfrm>
-          <a:prstGeom prst="rect">
-            <a:avLst/>
-          </a:prstGeom>
-        </p:spPr>
-        <p:txBody>
-          <a:bodyPr vert="horz" lIns="91440" tIns="45720" rIns="91440" bIns="45720" rtlCol="0" anchor="b">
-            <a:normAutofit/>
-          </a:bodyPr>
-          <a:lstStyle/>
-          <a:p>
-            <a:r>
-              <a:rPr lang="en-US" smtClean="0"/>
-              <a:t>Click to edit Master title style</a:t>
-            </a:r>
-            <a:endParaRPr lang="en-US" dirty="0"/>
-          </a:p>
-        </p:txBody>
-      </p:sp>
-      <p:sp>
-        <p:nvSpPr>
-          <p:cNvPr id="3" name="Text Placeholder 2"/>
-          <p:cNvSpPr>
-            <a:spLocks noGrp="1"/>
-          </p:cNvSpPr>
-          <p:nvPr>
-            <p:ph type="body" idx="1"/>
-          </p:nvPr>
-        </p:nvSpPr>
-        <p:spPr>
-          <a:xfrm>
-            <a:off x="1097280" y="1845734"/>
-            <a:ext cx="10058400" cy="4023360"/>
-          </a:xfrm>
-          <a:prstGeom prst="rect">
-            <a:avLst/>
-          </a:prstGeom>
-        </p:spPr>
-        <p:txBody>
-          <a:bodyPr vert="horz" lIns="0" tIns="45720" rIns="0" bIns="45720" rtlCol="0">
-            <a:normAutofit/>
-          </a:bodyPr>
-          <a:lstStyle/>
-          <a:p>
-            <a:pPr lvl="0"/>
-            <a:r>
-              <a:rPr lang="en-US" smtClean="0"/>
-              <a:t>Edit Master text styles</a:t>
-            </a:r>
-          </a:p>
-          <a:p>
-            <a:pPr lvl="1"/>
-            <a:r>
-              <a:rPr lang="en-US" smtClean="0"/>
-              <a:t>Second level</a:t>
-            </a:r>
-          </a:p>
-          <a:p>
-            <a:pPr lvl="2"/>
-            <a:r>
-              <a:rPr lang="en-US" smtClean="0"/>
-              <a:t>Third level</a:t>
-            </a:r>
-          </a:p>
-          <a:p>
-            <a:pPr lvl="3"/>
-            <a:r>
-              <a:rPr lang="en-US" smtClean="0"/>
-              <a:t>Fourth level</a:t>
-            </a:r>
-          </a:p>
-          <a:p>
-            <a:pPr lvl="4"/>
-            <a:r>
-              <a:rPr lang="en-US" smtClean="0"/>
-              <a:t>Fifth level</a:t>
-            </a:r>
-            <a:endParaRPr lang="en-US" dirty="0"/>
-          </a:p>
-        </p:txBody>
-      </p:sp>
-      <p:sp>
-        <p:nvSpPr>
-          <p:cNvPr id="4" name="Date Placeholder 3"/>
-          <p:cNvSpPr>
-            <a:spLocks noGrp="1"/>
-          </p:cNvSpPr>
-          <p:nvPr>
-            <p:ph type="dt" sz="half" idx="2"/>
-          </p:nvPr>
-        </p:nvSpPr>
-        <p:spPr>
-          <a:xfrm>
-            <a:off x="1097280" y="6459785"/>
-            <a:ext cx="2472271" cy="365125"/>
-          </a:xfrm>
-          <a:prstGeom prst="rect">
-            <a:avLst/>
-          </a:prstGeom>
-        </p:spPr>
-        <p:txBody>
-          <a:bodyPr vert="horz" lIns="91440" tIns="45720" rIns="91440" bIns="45720" rtlCol="0" anchor="ctr"/>
-          <a:lstStyle>
-            <a:lvl1pPr algn="l">
-              <a:defRPr sz="900">
-                <a:solidFill>
-                  <a:srgbClr val="FFFFFF"/>
-                </a:solidFill>
-              </a:defRPr>
-            </a:lvl1pPr>
-          </a:lstStyle>
-          <a:p>
-            <a:fld id="{5AA6EF1D-4F61-4C45-A839-E6A56AB1DCE3}" type="datetimeFigureOut">
-              <a:rPr lang="en-US" smtClean="0"/>
-              <a:t>8/28/2020</a:t>
-            </a:fld>
-            <a:endParaRPr lang="en-US"/>
-          </a:p>
-        </p:txBody>
-      </p:sp>
-      <p:sp>
-        <p:nvSpPr>
-          <p:cNvPr id="5" name="Footer Placeholder 4"/>
-          <p:cNvSpPr>
-            <a:spLocks noGrp="1"/>
-          </p:cNvSpPr>
-          <p:nvPr>
-            <p:ph type="ftr" sz="quarter" idx="3"/>
-          </p:nvPr>
-        </p:nvSpPr>
-        <p:spPr>
-          <a:xfrm>
-            <a:off x="3686185" y="6459785"/>
-            <a:ext cx="4822804" cy="365125"/>
-          </a:xfrm>
-          <a:prstGeom prst="rect">
-            <a:avLst/>
-          </a:prstGeom>
-        </p:spPr>
-        <p:txBody>
-          <a:bodyPr vert="horz" lIns="91440" tIns="45720" rIns="91440" bIns="45720" rtlCol="0" anchor="ctr"/>
-          <a:lstStyle>
-            <a:lvl1pPr algn="ctr">
-              <a:defRPr sz="900" cap="all" baseline="0">
-                <a:solidFill>
-                  <a:srgbClr val="FFFFFF"/>
-                </a:solidFill>
-              </a:defRPr>
-            </a:lvl1pPr>
-          </a:lstStyle>
-          <a:p>
-            <a:endParaRPr lang="en-US"/>
-          </a:p>
-        </p:txBody>
-      </p:sp>
-      <p:sp>
-        <p:nvSpPr>
-          <p:cNvPr id="6" name="Slide Number Placeholder 5"/>
-          <p:cNvSpPr>
-            <a:spLocks noGrp="1"/>
-          </p:cNvSpPr>
-          <p:nvPr>
-            <p:ph type="sldNum" sz="quarter" idx="4"/>
-          </p:nvPr>
-        </p:nvSpPr>
-        <p:spPr>
-          <a:xfrm>
-            <a:off x="9900458" y="6459785"/>
-            <a:ext cx="1312025" cy="365125"/>
-          </a:xfrm>
-          <a:prstGeom prst="rect">
-            <a:avLst/>
-          </a:prstGeom>
-        </p:spPr>
-        <p:txBody>
-          <a:bodyPr vert="horz" lIns="91440" tIns="45720" rIns="91440" bIns="45720" rtlCol="0" anchor="ctr"/>
-          <a:lstStyle>
-            <a:lvl1pPr algn="r">
-              <a:defRPr sz="1050">
-                <a:solidFill>
-                  <a:srgbClr val="FFFFFF"/>
-                </a:solidFill>
-              </a:defRPr>
-            </a:lvl1pPr>
-          </a:lstStyle>
-          <a:p>
-            <a:fld id="{AE6D0C63-3EF0-4A08-B9D7-7118B2621E28}" type="slidenum">
-              <a:rPr lang="en-US" smtClean="0"/>
-              <a:t>‹#›</a:t>
-            </a:fld>
-            <a:endParaRPr lang="en-US"/>
-          </a:p>
-        </p:txBody>
-      </p:sp>
-      <p:cxnSp>
-        <p:nvCxnSpPr>
-          <p:cNvPr id="10" name="Straight Connector 9"/>
-          <p:cNvCxnSpPr/>
-          <p:nvPr/>
-        </p:nvCxnSpPr>
-        <p:spPr>
-          <a:xfrm>
-            <a:off x="1193532" y="1737845"/>
-            <a:ext cx="9966960" cy="0"/>
-          </a:xfrm>
-          <a:prstGeom prst="line">
-            <a:avLst/>
-          </a:prstGeom>
-          <a:ln w="6350">
-            <a:solidFill>
-              <a:schemeClr val="tx1">
-                <a:lumMod val="50000"/>
-                <a:lumOff val="50000"/>
-              </a:schemeClr>
-            </a:solidFill>
-          </a:ln>
-        </p:spPr>
-        <p:style>
-          <a:lnRef idx="1">
-            <a:schemeClr val="accent1"/>
-          </a:lnRef>
-          <a:fillRef idx="0">
-            <a:schemeClr val="accent1"/>
-          </a:fillRef>
-          <a:effectRef idx="0">
-            <a:schemeClr val="accent1"/>
-          </a:effectRef>
-          <a:fontRef idx="minor">
-            <a:schemeClr val="tx1"/>
-          </a:fontRef>
-        </p:style>
-      </p:cxnSp>
     </p:spTree>
     <p:extLst>
       <p:ext uri="{BB962C8B-B14F-4D97-AF65-F5344CB8AC3E}">
-        <p14:creationId xmlns:p14="http://schemas.microsoft.com/office/powerpoint/2010/main" val="3527362562"/>
+        <p14:creationId xmlns:p14="http://schemas.microsoft.com/office/powerpoint/2010/main" val="870829518"/>
       </p:ext>
     </p:extLst>
   </p:cSld>
   <p:clrMap bg1="lt1" tx1="dk1" bg2="lt2" tx2="dk2" accent1="accent1" accent2="accent2" accent3="accent3" accent4="accent4" accent5="accent5" accent6="accent6" hlink="hlink" folHlink="folHlink"/>
   <p:sldLayoutIdLst>
-    <p:sldLayoutId id="2147483763" r:id="rId1"/>
-    <p:sldLayoutId id="2147483764" r:id="rId2"/>
-    <p:sldLayoutId id="2147483765" r:id="rId3"/>
-    <p:sldLayoutId id="2147483766" r:id="rId4"/>
-    <p:sldLayoutId id="2147483767" r:id="rId5"/>
-    <p:sldLayoutId id="2147483768" r:id="rId6"/>
-    <p:sldLayoutId id="2147483769" r:id="rId7"/>
-    <p:sldLayoutId id="2147483770" r:id="rId8"/>
-    <p:sldLayoutId id="2147483771" r:id="rId9"/>
-    <p:sldLayoutId id="2147483772" r:id="rId10"/>
-    <p:sldLayoutId id="2147483773" r:id="rId11"/>
+    <p:sldLayoutId id="2147483775" r:id="rId1"/>
+    <p:sldLayoutId id="2147483776" r:id="rId2"/>
+    <p:sldLayoutId id="2147483777" r:id="rId3"/>
+    <p:sldLayoutId id="2147483778" r:id="rId4"/>
+    <p:sldLayoutId id="2147483779" r:id="rId5"/>
+    <p:sldLayoutId id="2147483780" r:id="rId6"/>
+    <p:sldLayoutId id="2147483781" r:id="rId7"/>
+    <p:sldLayoutId id="2147483782" r:id="rId8"/>
+    <p:sldLayoutId id="2147483783" r:id="rId9"/>
+    <p:sldLayoutId id="2147483784" r:id="rId10"/>
+    <p:sldLayoutId id="2147483785" r:id="rId11"/>
   </p:sldLayoutIdLst>
   <p:txStyles>
     <p:titleStyle>
       <a:lvl1pPr algn="l" defTabSz="914400" rtl="0" eaLnBrk="1" latinLnBrk="0" hangingPunct="1">
         <a:lnSpc>
-          <a:spcPct val="85000"/>
+          <a:spcPct val="89000"/>
         </a:lnSpc>
         <a:spcBef>
           <a:spcPct val="0"/>
         </a:spcBef>
         <a:buNone/>
-        <a:defRPr sz="4800" kern="1200" spc="-50" baseline="0">
+        <a:defRPr sz="4400" kern="1200" baseline="0">
           <a:solidFill>
-            <a:schemeClr val="tx1">
-              <a:lumMod val="75000"/>
-              <a:lumOff val="25000"/>
-            </a:schemeClr>
+            <a:schemeClr val="tx2"/>
           </a:solidFill>
           <a:latin typeface="+mj-lt"/>
           <a:ea typeface="+mj-ea"/>
@@ -3452,244 +3501,189 @@
       </a:lvl1pPr>
     </p:titleStyle>
     <p:bodyStyle>
-      <a:lvl1pPr marL="91440" indent="-91440" algn="l" defTabSz="914400" rtl="0" eaLnBrk="1" latinLnBrk="0" hangingPunct="1">
+      <a:lvl1pPr marL="384048" indent="-384048" algn="l" defTabSz="914400" rtl="0" eaLnBrk="1" latinLnBrk="0" hangingPunct="1">
         <a:lnSpc>
-          <a:spcPct val="90000"/>
+          <a:spcPct val="94000"/>
         </a:lnSpc>
         <a:spcBef>
-          <a:spcPts val="1200"/>
+          <a:spcPts val="1000"/>
         </a:spcBef>
         <a:spcAft>
           <a:spcPts val="200"/>
         </a:spcAft>
-        <a:buClr>
-          <a:schemeClr val="accent1"/>
-        </a:buClr>
-        <a:buSzPct val="100000"/>
-        <a:buFont typeface="Calibri" panose="020F0502020204030204" pitchFamily="34" charset="0"/>
-        <a:buChar char=" "/>
-        <a:defRPr sz="2000" kern="1200">
+        <a:buFont typeface="Franklin Gothic Book" panose="020B0503020102020204" pitchFamily="34" charset="0"/>
+        <a:buChar char="■"/>
+        <a:defRPr sz="2000" kern="1200" baseline="0">
           <a:solidFill>
-            <a:schemeClr val="tx1">
-              <a:lumMod val="75000"/>
-              <a:lumOff val="25000"/>
-            </a:schemeClr>
+            <a:schemeClr val="tx2"/>
           </a:solidFill>
           <a:latin typeface="+mn-lt"/>
           <a:ea typeface="+mn-ea"/>
           <a:cs typeface="+mn-cs"/>
         </a:defRPr>
       </a:lvl1pPr>
-      <a:lvl2pPr marL="384048" indent="-182880" algn="l" defTabSz="914400" rtl="0" eaLnBrk="1" latinLnBrk="0" hangingPunct="1">
+      <a:lvl2pPr marL="914400" indent="-384048" algn="l" defTabSz="914400" rtl="0" eaLnBrk="1" latinLnBrk="0" hangingPunct="1">
         <a:lnSpc>
-          <a:spcPct val="90000"/>
+          <a:spcPct val="94000"/>
         </a:lnSpc>
         <a:spcBef>
-          <a:spcPts val="200"/>
+          <a:spcPts val="500"/>
         </a:spcBef>
         <a:spcAft>
-          <a:spcPts val="400"/>
+          <a:spcPts val="200"/>
         </a:spcAft>
-        <a:buClr>
-          <a:schemeClr val="accent1"/>
-        </a:buClr>
-        <a:buFont typeface="Calibri" pitchFamily="34" charset="0"/>
-        <a:buChar char="◦"/>
-        <a:defRPr sz="1800" kern="1200">
+        <a:buFont typeface="Franklin Gothic Book" panose="020B0503020102020204" pitchFamily="34" charset="0"/>
+        <a:buChar char="–"/>
+        <a:defRPr sz="2000" i="1" kern="1200" baseline="0">
           <a:solidFill>
-            <a:schemeClr val="tx1">
-              <a:lumMod val="75000"/>
-              <a:lumOff val="25000"/>
-            </a:schemeClr>
+            <a:schemeClr val="tx2"/>
           </a:solidFill>
           <a:latin typeface="+mn-lt"/>
           <a:ea typeface="+mn-ea"/>
           <a:cs typeface="+mn-cs"/>
         </a:defRPr>
       </a:lvl2pPr>
-      <a:lvl3pPr marL="566928" indent="-182880" algn="l" defTabSz="914400" rtl="0" eaLnBrk="1" latinLnBrk="0" hangingPunct="1">
+      <a:lvl3pPr marL="1371600" indent="-384048" algn="l" defTabSz="914400" rtl="0" eaLnBrk="1" latinLnBrk="0" hangingPunct="1">
         <a:lnSpc>
-          <a:spcPct val="90000"/>
+          <a:spcPct val="94000"/>
         </a:lnSpc>
         <a:spcBef>
-          <a:spcPts val="200"/>
+          <a:spcPts val="500"/>
         </a:spcBef>
         <a:spcAft>
-          <a:spcPts val="400"/>
+          <a:spcPts val="200"/>
         </a:spcAft>
-        <a:buClr>
-          <a:schemeClr val="accent1"/>
-        </a:buClr>
-        <a:buFont typeface="Calibri" pitchFamily="34" charset="0"/>
-        <a:buChar char="◦"/>
-        <a:defRPr sz="1400" kern="1200">
+        <a:buFont typeface="Franklin Gothic Book" panose="020B0503020102020204" pitchFamily="34" charset="0"/>
+        <a:buChar char="■"/>
+        <a:defRPr sz="1800" kern="1200" baseline="0">
           <a:solidFill>
-            <a:schemeClr val="tx1">
-              <a:lumMod val="75000"/>
-              <a:lumOff val="25000"/>
-            </a:schemeClr>
+            <a:schemeClr val="tx2"/>
           </a:solidFill>
           <a:latin typeface="+mn-lt"/>
           <a:ea typeface="+mn-ea"/>
           <a:cs typeface="+mn-cs"/>
         </a:defRPr>
       </a:lvl3pPr>
-      <a:lvl4pPr marL="749808" indent="-182880" algn="l" defTabSz="914400" rtl="0" eaLnBrk="1" latinLnBrk="0" hangingPunct="1">
+      <a:lvl4pPr marL="1828800" indent="-384048" algn="l" defTabSz="914400" rtl="0" eaLnBrk="1" latinLnBrk="0" hangingPunct="1">
         <a:lnSpc>
-          <a:spcPct val="90000"/>
+          <a:spcPct val="94000"/>
         </a:lnSpc>
         <a:spcBef>
-          <a:spcPts val="200"/>
+          <a:spcPts val="500"/>
         </a:spcBef>
         <a:spcAft>
-          <a:spcPts val="400"/>
+          <a:spcPts val="200"/>
         </a:spcAft>
-        <a:buClr>
-          <a:schemeClr val="accent1"/>
-        </a:buClr>
-        <a:buFont typeface="Calibri" pitchFamily="34" charset="0"/>
-        <a:buChar char="◦"/>
-        <a:defRPr sz="1400" kern="1200">
+        <a:buFont typeface="Franklin Gothic Book" panose="020B0503020102020204" pitchFamily="34" charset="0"/>
+        <a:buChar char="–"/>
+        <a:defRPr sz="1800" i="1" kern="1200" baseline="0">
           <a:solidFill>
-            <a:schemeClr val="tx1">
-              <a:lumMod val="75000"/>
-              <a:lumOff val="25000"/>
-            </a:schemeClr>
+            <a:schemeClr val="tx2"/>
           </a:solidFill>
           <a:latin typeface="+mn-lt"/>
           <a:ea typeface="+mn-ea"/>
           <a:cs typeface="+mn-cs"/>
         </a:defRPr>
       </a:lvl4pPr>
-      <a:lvl5pPr marL="932688" indent="-182880" algn="l" defTabSz="914400" rtl="0" eaLnBrk="1" latinLnBrk="0" hangingPunct="1">
+      <a:lvl5pPr marL="2286000" indent="-384048" algn="l" defTabSz="914400" rtl="0" eaLnBrk="1" latinLnBrk="0" hangingPunct="1">
         <a:lnSpc>
-          <a:spcPct val="90000"/>
+          <a:spcPct val="94000"/>
         </a:lnSpc>
         <a:spcBef>
-          <a:spcPts val="200"/>
+          <a:spcPts val="500"/>
         </a:spcBef>
         <a:spcAft>
-          <a:spcPts val="400"/>
+          <a:spcPts val="200"/>
         </a:spcAft>
-        <a:buClr>
-          <a:schemeClr val="accent1"/>
-        </a:buClr>
-        <a:buFont typeface="Calibri" pitchFamily="34" charset="0"/>
-        <a:buChar char="◦"/>
-        <a:defRPr sz="1400" kern="1200">
+        <a:buFont typeface="Franklin Gothic Book" panose="020B0503020102020204" pitchFamily="34" charset="0"/>
+        <a:buChar char="■"/>
+        <a:defRPr sz="1600" kern="1200" baseline="0">
           <a:solidFill>
-            <a:schemeClr val="tx1">
-              <a:lumMod val="75000"/>
-              <a:lumOff val="25000"/>
-            </a:schemeClr>
+            <a:schemeClr val="tx2"/>
           </a:solidFill>
           <a:latin typeface="+mn-lt"/>
           <a:ea typeface="+mn-ea"/>
           <a:cs typeface="+mn-cs"/>
         </a:defRPr>
       </a:lvl5pPr>
-      <a:lvl6pPr marL="1100000" indent="-228600" algn="l" defTabSz="914400" rtl="0" eaLnBrk="1" latinLnBrk="0" hangingPunct="1">
+      <a:lvl6pPr marL="2743200" indent="-384048" algn="l" defTabSz="914400" rtl="0" eaLnBrk="1" latinLnBrk="0" hangingPunct="1">
         <a:lnSpc>
-          <a:spcPct val="90000"/>
+          <a:spcPct val="94000"/>
         </a:lnSpc>
         <a:spcBef>
-          <a:spcPts val="200"/>
+          <a:spcPts val="500"/>
         </a:spcBef>
         <a:spcAft>
-          <a:spcPts val="400"/>
+          <a:spcPts val="200"/>
         </a:spcAft>
-        <a:buClr>
-          <a:schemeClr val="accent1"/>
-        </a:buClr>
-        <a:buFont typeface="Calibri" pitchFamily="34" charset="0"/>
-        <a:buChar char="◦"/>
-        <a:defRPr sz="1400" kern="1200">
+        <a:buFont typeface="Franklin Gothic Book" panose="020B0503020102020204" pitchFamily="34" charset="0"/>
+        <a:buChar char="–"/>
+        <a:defRPr sz="1600" i="1" kern="1200" baseline="0">
           <a:solidFill>
-            <a:schemeClr val="tx1">
-              <a:lumMod val="75000"/>
-              <a:lumOff val="25000"/>
-            </a:schemeClr>
+            <a:schemeClr val="tx2"/>
           </a:solidFill>
           <a:latin typeface="+mn-lt"/>
           <a:ea typeface="+mn-ea"/>
           <a:cs typeface="+mn-cs"/>
         </a:defRPr>
       </a:lvl6pPr>
-      <a:lvl7pPr marL="1300000" indent="-228600" algn="l" defTabSz="914400" rtl="0" eaLnBrk="1" latinLnBrk="0" hangingPunct="1">
+      <a:lvl7pPr marL="3200400" indent="-384048" algn="l" defTabSz="914400" rtl="0" eaLnBrk="1" latinLnBrk="0" hangingPunct="1">
         <a:lnSpc>
-          <a:spcPct val="90000"/>
+          <a:spcPct val="94000"/>
         </a:lnSpc>
         <a:spcBef>
-          <a:spcPts val="200"/>
+          <a:spcPts val="500"/>
         </a:spcBef>
         <a:spcAft>
-          <a:spcPts val="400"/>
+          <a:spcPts val="200"/>
         </a:spcAft>
-        <a:buClr>
-          <a:schemeClr val="accent1"/>
-        </a:buClr>
-        <a:buFont typeface="Calibri" pitchFamily="34" charset="0"/>
-        <a:buChar char="◦"/>
-        <a:defRPr sz="1400" kern="1200">
+        <a:buFont typeface="Franklin Gothic Book" panose="020B0503020102020204" pitchFamily="34" charset="0"/>
+        <a:buChar char="■"/>
+        <a:defRPr sz="1400" kern="1200" baseline="0">
           <a:solidFill>
-            <a:schemeClr val="tx1">
-              <a:lumMod val="75000"/>
-              <a:lumOff val="25000"/>
-            </a:schemeClr>
+            <a:schemeClr val="tx2"/>
           </a:solidFill>
           <a:latin typeface="+mn-lt"/>
           <a:ea typeface="+mn-ea"/>
           <a:cs typeface="+mn-cs"/>
         </a:defRPr>
       </a:lvl7pPr>
-      <a:lvl8pPr marL="1500000" indent="-228600" algn="l" defTabSz="914400" rtl="0" eaLnBrk="1" latinLnBrk="0" hangingPunct="1">
+      <a:lvl8pPr marL="3657600" indent="-384048" algn="l" defTabSz="914400" rtl="0" eaLnBrk="1" latinLnBrk="0" hangingPunct="1">
         <a:lnSpc>
-          <a:spcPct val="90000"/>
+          <a:spcPct val="94000"/>
         </a:lnSpc>
         <a:spcBef>
-          <a:spcPts val="200"/>
+          <a:spcPts val="500"/>
         </a:spcBef>
         <a:spcAft>
-          <a:spcPts val="400"/>
+          <a:spcPts val="200"/>
         </a:spcAft>
-        <a:buClr>
-          <a:schemeClr val="accent1"/>
-        </a:buClr>
-        <a:buFont typeface="Calibri" pitchFamily="34" charset="0"/>
-        <a:buChar char="◦"/>
-        <a:defRPr sz="1400" kern="1200">
+        <a:buFont typeface="Franklin Gothic Book" panose="020B0503020102020204" pitchFamily="34" charset="0"/>
+        <a:buChar char="–"/>
+        <a:defRPr sz="1400" i="1" kern="1200" baseline="0">
           <a:solidFill>
-            <a:schemeClr val="tx1">
-              <a:lumMod val="75000"/>
-              <a:lumOff val="25000"/>
-            </a:schemeClr>
+            <a:schemeClr val="tx2"/>
           </a:solidFill>
           <a:latin typeface="+mn-lt"/>
           <a:ea typeface="+mn-ea"/>
           <a:cs typeface="+mn-cs"/>
         </a:defRPr>
       </a:lvl8pPr>
-      <a:lvl9pPr marL="1700000" indent="-228600" algn="l" defTabSz="914400" rtl="0" eaLnBrk="1" latinLnBrk="0" hangingPunct="1">
+      <a:lvl9pPr marL="4114800" indent="-384048" algn="l" defTabSz="914400" rtl="0" eaLnBrk="1" latinLnBrk="0" hangingPunct="1">
         <a:lnSpc>
-          <a:spcPct val="90000"/>
+          <a:spcPct val="94000"/>
         </a:lnSpc>
         <a:spcBef>
-          <a:spcPts val="200"/>
+          <a:spcPts val="500"/>
         </a:spcBef>
         <a:spcAft>
-          <a:spcPts val="400"/>
+          <a:spcPts val="200"/>
         </a:spcAft>
-        <a:buClr>
-          <a:schemeClr val="accent1"/>
-        </a:buClr>
-        <a:buFont typeface="Calibri" pitchFamily="34" charset="0"/>
-        <a:buChar char="◦"/>
-        <a:defRPr sz="1400" kern="1200">
+        <a:buFont typeface="Franklin Gothic Book" panose="020B0503020102020204" pitchFamily="34" charset="0"/>
+        <a:buChar char="■"/>
+        <a:defRPr sz="1400" kern="1200" baseline="0">
           <a:solidFill>
-            <a:schemeClr val="tx1">
-              <a:lumMod val="75000"/>
-              <a:lumOff val="25000"/>
-            </a:schemeClr>
+            <a:schemeClr val="tx2"/>
           </a:solidFill>
           <a:latin typeface="+mn-lt"/>
           <a:ea typeface="+mn-ea"/>
@@ -3793,6 +3787,52 @@
       </a:lvl9pPr>
     </p:otherStyle>
   </p:txStyles>
+  <p:extLst mod="1">
+    <p:ext uri="{27BBF7A9-308A-43DC-89C8-2F10F3537804}">
+      <p15:sldGuideLst xmlns:p15="http://schemas.microsoft.com/office/powerpoint/2012/main">
+        <p15:guide id="3" orient="horz" pos="1368">
+          <p15:clr>
+            <a:srgbClr val="F26B43"/>
+          </p15:clr>
+        </p15:guide>
+        <p15:guide id="4" orient="horz" pos="1440">
+          <p15:clr>
+            <a:srgbClr val="F26B43"/>
+          </p15:clr>
+        </p15:guide>
+        <p15:guide id="6" orient="horz" pos="3696">
+          <p15:clr>
+            <a:srgbClr val="F26B43"/>
+          </p15:clr>
+        </p15:guide>
+        <p15:guide id="7" orient="horz" pos="432">
+          <p15:clr>
+            <a:srgbClr val="F26B43"/>
+          </p15:clr>
+        </p15:guide>
+        <p15:guide id="8" orient="horz" pos="1512">
+          <p15:clr>
+            <a:srgbClr val="F26B43"/>
+          </p15:clr>
+        </p15:guide>
+        <p15:guide id="9" pos="6912">
+          <p15:clr>
+            <a:srgbClr val="F26B43"/>
+          </p15:clr>
+        </p15:guide>
+        <p15:guide id="10" pos="936">
+          <p15:clr>
+            <a:srgbClr val="F26B43"/>
+          </p15:clr>
+        </p15:guide>
+        <p15:guide id="11" pos="864">
+          <p15:clr>
+            <a:srgbClr val="F26B43"/>
+          </p15:clr>
+        </p15:guide>
+      </p15:sldGuideLst>
+    </p:ext>
+  </p:extLst>
 </p:sldMaster>
 </file>
 
@@ -4550,7 +4590,9 @@
         </p:nvSpPr>
         <p:spPr/>
         <p:txBody>
-          <a:bodyPr/>
+          <a:bodyPr>
+            <a:normAutofit fontScale="92500" lnSpcReduction="10000"/>
+          </a:bodyPr>
           <a:lstStyle/>
           <a:p>
             <a:r>
@@ -5207,6 +5249,24 @@
               <a:rPr lang="en-US" dirty="0" err="1" smtClean="0"/>
               <a:t>github</a:t>
             </a:r>
+            <a:endParaRPr lang="en-US" dirty="0" smtClean="0"/>
+          </a:p>
+          <a:p>
+            <a:endParaRPr lang="en-US" dirty="0"/>
+          </a:p>
+          <a:p>
+            <a:r>
+              <a:rPr lang="en-US" dirty="0" smtClean="0"/>
+              <a:t>Deploy to </a:t>
+            </a:r>
+            <a:r>
+              <a:rPr lang="en-US" dirty="0" err="1" smtClean="0"/>
+              <a:t>netlify</a:t>
+            </a:r>
+            <a:r>
+              <a:rPr lang="en-US" smtClean="0"/>
+              <a:t> </a:t>
+            </a:r>
             <a:endParaRPr lang="en-US" dirty="0"/>
           </a:p>
         </p:txBody>
@@ -5424,9 +5484,9 @@
 </file>
 
 <file path=ppt/theme/theme1.xml><?xml version="1.0" encoding="utf-8"?>
-<a:theme xmlns:a="http://schemas.openxmlformats.org/drawingml/2006/main" name="Retrospect">
+<a:theme xmlns:a="http://schemas.openxmlformats.org/drawingml/2006/main" name="Crop">
   <a:themeElements>
-    <a:clrScheme name="Retrospect">
+    <a:clrScheme name="Grayscale">
       <a:dk1>
         <a:sysClr val="windowText" lastClr="000000"/>
       </a:dk1>
@@ -5434,83 +5494,48 @@
         <a:sysClr val="window" lastClr="FFFFFF"/>
       </a:lt1>
       <a:dk2>
-        <a:srgbClr val="514949"/>
+        <a:srgbClr val="000000"/>
       </a:dk2>
       <a:lt2>
-        <a:srgbClr val="E1E1DB"/>
+        <a:srgbClr val="F8F8F8"/>
       </a:lt2>
       <a:accent1>
-        <a:srgbClr val="9DBFBE"/>
+        <a:srgbClr val="DDDDDD"/>
       </a:accent1>
       <a:accent2>
-        <a:srgbClr val="DB8631"/>
+        <a:srgbClr val="B2B2B2"/>
       </a:accent2>
       <a:accent3>
-        <a:srgbClr val="E3CC5A"/>
+        <a:srgbClr val="969696"/>
       </a:accent3>
       <a:accent4>
-        <a:srgbClr val="ACADA8"/>
+        <a:srgbClr val="808080"/>
       </a:accent4>
       <a:accent5>
-        <a:srgbClr val="927C61"/>
+        <a:srgbClr val="5F5F5F"/>
       </a:accent5>
       <a:accent6>
-        <a:srgbClr val="B3B435"/>
+        <a:srgbClr val="4D4D4D"/>
       </a:accent6>
       <a:hlink>
-        <a:srgbClr val="0000FF"/>
+        <a:srgbClr val="5F5F5F"/>
       </a:hlink>
       <a:folHlink>
-        <a:srgbClr val="800080"/>
+        <a:srgbClr val="919191"/>
       </a:folHlink>
     </a:clrScheme>
-    <a:fontScheme name="Retrospect">
+    <a:fontScheme name="Crop">
       <a:majorFont>
-        <a:latin typeface="Calibri Light" panose="020F0302020204030204"/>
+        <a:latin typeface="Franklin Gothic Book" panose="020B0503020102020204"/>
         <a:ea typeface=""/>
         <a:cs typeface=""/>
-        <a:font script="Jpan" typeface="ＭＳ Ｐゴシック"/>
-        <a:font script="Hang" typeface="맑은 고딕"/>
-        <a:font script="Hans" typeface="宋体"/>
-        <a:font script="Hant" typeface="新細明體"/>
-        <a:font script="Arab" typeface="Times New Roman"/>
-        <a:font script="Hebr" typeface="Times New Roman"/>
-        <a:font script="Thai" typeface="Angsana New"/>
-        <a:font script="Ethi" typeface="Nyala"/>
-        <a:font script="Beng" typeface="Vrinda"/>
-        <a:font script="Gujr" typeface="Shruti"/>
-        <a:font script="Khmr" typeface="MoolBoran"/>
-        <a:font script="Knda" typeface="Tunga"/>
-        <a:font script="Guru" typeface="Raavi"/>
-        <a:font script="Cans" typeface="Euphemia"/>
-        <a:font script="Cher" typeface="Plantagenet Cherokee"/>
-        <a:font script="Yiii" typeface="Microsoft Yi Baiti"/>
-        <a:font script="Tibt" typeface="Microsoft Himalaya"/>
-        <a:font script="Thaa" typeface="MV Boli"/>
-        <a:font script="Deva" typeface="Mangal"/>
-        <a:font script="Telu" typeface="Gautami"/>
-        <a:font script="Taml" typeface="Latha"/>
-        <a:font script="Syrc" typeface="Estrangelo Edessa"/>
-        <a:font script="Orya" typeface="Kalinga"/>
-        <a:font script="Mlym" typeface="Kartika"/>
-        <a:font script="Laoo" typeface="DokChampa"/>
-        <a:font script="Sinh" typeface="Iskoola Pota"/>
-        <a:font script="Mong" typeface="Mongolian Baiti"/>
-        <a:font script="Viet" typeface="Times New Roman"/>
-        <a:font script="Uigh" typeface="Microsoft Uighur"/>
-        <a:font script="Geor" typeface="Sylfaen"/>
-      </a:majorFont>
-      <a:minorFont>
-        <a:latin typeface="Calibri" panose="020F0502020204030204"/>
-        <a:ea typeface=""/>
-        <a:cs typeface=""/>
-        <a:font script="Jpan" typeface="ＭＳ Ｐゴシック"/>
-        <a:font script="Hang" typeface="맑은 고딕"/>
-        <a:font script="Hans" typeface="宋体"/>
-        <a:font script="Hant" typeface="新細明體"/>
-        <a:font script="Arab" typeface="Arial"/>
-        <a:font script="Hebr" typeface="Arial"/>
-        <a:font script="Thai" typeface="Cordia New"/>
+        <a:font script="Jpan" typeface="メイリオ"/>
+        <a:font script="Hang" typeface="돋움"/>
+        <a:font script="Hans" typeface="华文楷体"/>
+        <a:font script="Hant" typeface="微軟正黑體"/>
+        <a:font script="Arab" typeface="Tahoma"/>
+        <a:font script="Hebr" typeface="Aharoni"/>
+        <a:font script="Thai" typeface="LilyUPC"/>
         <a:font script="Ethi" typeface="Nyala"/>
         <a:font script="Beng" typeface="Vrinda"/>
         <a:font script="Gujr" typeface="Shruti"/>
@@ -5531,12 +5556,47 @@
         <a:font script="Laoo" typeface="DokChampa"/>
         <a:font script="Sinh" typeface="Iskoola Pota"/>
         <a:font script="Mong" typeface="Mongolian Baiti"/>
-        <a:font script="Viet" typeface="Arial"/>
+        <a:font script="Viet" typeface="Tahoma"/>
+        <a:font script="Uigh" typeface="Microsoft Uighur"/>
+        <a:font script="Geor" typeface="Sylfaen"/>
+      </a:majorFont>
+      <a:minorFont>
+        <a:latin typeface="Franklin Gothic Book" panose="020B0503020102020204"/>
+        <a:ea typeface=""/>
+        <a:cs typeface=""/>
+        <a:font script="Jpan" typeface="メイリオ"/>
+        <a:font script="Hang" typeface="돋움"/>
+        <a:font script="Hans" typeface="华文楷体"/>
+        <a:font script="Hant" typeface="微軟正黑體"/>
+        <a:font script="Arab" typeface="Tahoma"/>
+        <a:font script="Hebr" typeface="Aharoni"/>
+        <a:font script="Thai" typeface="LilyUPC"/>
+        <a:font script="Ethi" typeface="Nyala"/>
+        <a:font script="Beng" typeface="Vrinda"/>
+        <a:font script="Gujr" typeface="Shruti"/>
+        <a:font script="Khmr" typeface="DaunPenh"/>
+        <a:font script="Knda" typeface="Tunga"/>
+        <a:font script="Guru" typeface="Raavi"/>
+        <a:font script="Cans" typeface="Euphemia"/>
+        <a:font script="Cher" typeface="Plantagenet Cherokee"/>
+        <a:font script="Yiii" typeface="Microsoft Yi Baiti"/>
+        <a:font script="Tibt" typeface="Microsoft Himalaya"/>
+        <a:font script="Thaa" typeface="MV Boli"/>
+        <a:font script="Deva" typeface="Mangal"/>
+        <a:font script="Telu" typeface="Gautami"/>
+        <a:font script="Taml" typeface="Latha"/>
+        <a:font script="Syrc" typeface="Estrangelo Edessa"/>
+        <a:font script="Orya" typeface="Kalinga"/>
+        <a:font script="Mlym" typeface="Kartika"/>
+        <a:font script="Laoo" typeface="DokChampa"/>
+        <a:font script="Sinh" typeface="Iskoola Pota"/>
+        <a:font script="Mong" typeface="Mongolian Baiti"/>
+        <a:font script="Viet" typeface="Tahoma"/>
         <a:font script="Uigh" typeface="Microsoft Uighur"/>
         <a:font script="Geor" typeface="Sylfaen"/>
       </a:minorFont>
     </a:fontScheme>
-    <a:fmtScheme name="Retrospect">
+    <a:fmtScheme name="Crop">
       <a:fillStyleLst>
         <a:solidFill>
           <a:schemeClr val="phClr"/>
@@ -5545,77 +5605,69 @@
           <a:gsLst>
             <a:gs pos="0">
               <a:schemeClr val="phClr">
-                <a:tint val="65000"/>
-                <a:shade val="92000"/>
-                <a:satMod val="130000"/>
+                <a:tint val="67000"/>
+                <a:satMod val="105000"/>
+                <a:lumMod val="110000"/>
               </a:schemeClr>
             </a:gs>
-            <a:gs pos="45000">
+            <a:gs pos="50000">
               <a:schemeClr val="phClr">
-                <a:tint val="60000"/>
-                <a:shade val="99000"/>
-                <a:satMod val="120000"/>
+                <a:tint val="73000"/>
+                <a:satMod val="103000"/>
+                <a:lumMod val="105000"/>
               </a:schemeClr>
             </a:gs>
             <a:gs pos="100000">
               <a:schemeClr val="phClr">
-                <a:tint val="55000"/>
-                <a:satMod val="140000"/>
+                <a:tint val="81000"/>
+                <a:satMod val="109000"/>
+                <a:lumMod val="105000"/>
               </a:schemeClr>
             </a:gs>
           </a:gsLst>
-          <a:path path="circle">
-            <a:fillToRect l="100000" t="100000" r="100000" b="100000"/>
-          </a:path>
+          <a:lin ang="5400000" scaled="0"/>
         </a:gradFill>
         <a:gradFill rotWithShape="1">
           <a:gsLst>
             <a:gs pos="0">
               <a:schemeClr val="phClr">
-                <a:shade val="85000"/>
-                <a:satMod val="130000"/>
+                <a:tint val="94000"/>
+                <a:satMod val="103000"/>
+                <a:lumMod val="102000"/>
               </a:schemeClr>
             </a:gs>
-            <a:gs pos="34000">
+            <a:gs pos="50000">
               <a:schemeClr val="phClr">
-                <a:shade val="87000"/>
-                <a:satMod val="125000"/>
-              </a:schemeClr>
-            </a:gs>
-            <a:gs pos="70000">
-              <a:schemeClr val="phClr">
-                <a:tint val="100000"/>
-                <a:shade val="90000"/>
-                <a:satMod val="130000"/>
+                <a:shade val="100000"/>
+                <a:satMod val="110000"/>
+                <a:lumMod val="100000"/>
               </a:schemeClr>
             </a:gs>
             <a:gs pos="100000">
               <a:schemeClr val="phClr">
-                <a:tint val="100000"/>
-                <a:shade val="100000"/>
-                <a:satMod val="110000"/>
+                <a:shade val="78000"/>
+                <a:satMod val="120000"/>
+                <a:lumMod val="99000"/>
               </a:schemeClr>
             </a:gs>
           </a:gsLst>
-          <a:path path="circle">
-            <a:fillToRect l="100000" t="100000" r="100000" b="100000"/>
-          </a:path>
+          <a:lin ang="5400000" scaled="0"/>
         </a:gradFill>
       </a:fillStyleLst>
       <a:lnStyleLst>
-        <a:ln w="12700" cap="flat" cmpd="sng" algn="ctr">
+        <a:ln w="6350" cap="flat" cmpd="sng" algn="in">
           <a:solidFill>
             <a:schemeClr val="phClr"/>
           </a:solidFill>
           <a:prstDash val="solid"/>
         </a:ln>
-        <a:ln w="15875" cap="flat" cmpd="sng" algn="ctr">
+        <a:ln w="34925" cap="flat" cmpd="sng" algn="in">
           <a:solidFill>
             <a:schemeClr val="phClr"/>
           </a:solidFill>
           <a:prstDash val="solid"/>
         </a:ln>
-        <a:ln w="25400" cap="flat" cmpd="sng" algn="ctr">
+        <a:ln w="19050" cap="flat" cmpd="sng" algn="in">
           <a:solidFill>
             <a:schemeClr val="phClr"/>
           </a:solidFill>
@@ -5627,33 +5679,16 @@
           <a:effectLst/>
         </a:effectStyle>
         <a:effectStyle>
+          <a:effectLst/>
+        </a:effectStyle>
+        <a:effectStyle>
           <a:effectLst>
-            <a:outerShdw blurRad="38100" dist="25400" dir="2700000" algn="br" rotWithShape="0">
+            <a:outerShdw blurRad="57150" dist="19050" dir="5400000" algn="ctr" rotWithShape="0">
               <a:srgbClr val="000000">
-                <a:alpha val="60000"/>
+                <a:alpha val="35000"/>
               </a:srgbClr>
             </a:outerShdw>
           </a:effectLst>
-        </a:effectStyle>
-        <a:effectStyle>
-          <a:effectLst>
-            <a:outerShdw blurRad="44450" dist="25400" dir="2700000" algn="br" rotWithShape="0">
-              <a:srgbClr val="000000">
-                <a:alpha val="60000"/>
-              </a:srgbClr>
-            </a:outerShdw>
-          </a:effectLst>
-          <a:scene3d>
-            <a:camera prst="orthographicFront">
-              <a:rot lat="0" lon="0" rev="0"/>
-            </a:camera>
-            <a:lightRig rig="threePt" dir="t">
-              <a:rot lat="0" lon="0" rev="19800000"/>
-            </a:lightRig>
-          </a:scene3d>
-          <a:sp3d prstMaterial="flat">
-            <a:bevelT w="25400" h="31750"/>
-          </a:sp3d>
         </a:effectStyle>
       </a:effectStyleLst>
       <a:bgFillStyleLst>
@@ -5662,36 +5697,36 @@
         </a:solidFill>
         <a:solidFill>
           <a:schemeClr val="phClr">
-            <a:tint val="90000"/>
-            <a:shade val="97000"/>
-            <a:satMod val="130000"/>
+            <a:tint val="95000"/>
+            <a:satMod val="170000"/>
           </a:schemeClr>
         </a:solidFill>
         <a:gradFill rotWithShape="1">
           <a:gsLst>
             <a:gs pos="0">
               <a:schemeClr val="phClr">
-                <a:tint val="96000"/>
-                <a:shade val="99000"/>
-                <a:satMod val="140000"/>
+                <a:tint val="93000"/>
+                <a:shade val="98000"/>
+                <a:satMod val="150000"/>
+                <a:lumMod val="102000"/>
               </a:schemeClr>
             </a:gs>
-            <a:gs pos="65000">
+            <a:gs pos="50000">
               <a:schemeClr val="phClr">
-                <a:tint val="100000"/>
-                <a:shade val="80000"/>
+                <a:tint val="98000"/>
+                <a:shade val="90000"/>
                 <a:satMod val="130000"/>
+                <a:lumMod val="103000"/>
               </a:schemeClr>
             </a:gs>
             <a:gs pos="100000">
               <a:schemeClr val="phClr">
-                <a:tint val="100000"/>
-                <a:shade val="48000"/>
+                <a:shade val="63000"/>
                 <a:satMod val="120000"/>
               </a:schemeClr>
             </a:gs>
           </a:gsLst>
-          <a:lin ang="16200000" scaled="0"/>
+          <a:lin ang="5400000" scaled="0"/>
         </a:gradFill>
       </a:bgFillStyleLst>
     </a:fmtScheme>
@@ -5700,7 +5735,7 @@
   <a:extraClrSchemeLst/>
   <a:extLst>
     <a:ext uri="{05A4C25C-085E-4340-85A3-A5531E510DB2}">
-      <thm15:themeFamily xmlns:thm15="http://schemas.microsoft.com/office/thememl/2012/main" name="Retrospect" id="{5F128B03-DCCA-4EEB-AB3B-CF2899314A46}" vid="{243AF7DC-D15B-41C0-AE81-23980D1B9FC4}"/>
+      <thm15:themeFamily xmlns:thm15="http://schemas.microsoft.com/office/thememl/2012/main" name="Crop" id="{EC9488ED-E761-4D60-9AC4-764D1FE2C171}" vid="{CE19780C-D67D-4C13-9DE9-A52BC3BA51B4}"/>
     </a:ext>
   </a:extLst>
 </a:theme>
